--- a/final_Presentation.pptx
+++ b/final_Presentation.pptx
@@ -181,7 +181,7 @@
           <a:noFill/>
           <a:extLst>
             <a:ext uri="{909E8E84-426E-40dd-AFC4-6F175D3DCCD1}">
-              <a14:hiddenFill xmlns="" xmlns:a14="http://schemas.microsoft.com/office/drawing/2010/main">
+              <a14:hiddenFill xmlns:a14="http://schemas.microsoft.com/office/drawing/2010/main" xmlns="">
                 <a:solidFill>
                   <a:srgbClr val="FFFFFF"/>
                 </a:solidFill>
@@ -241,7 +241,7 @@
             </a:ln>
             <a:extLst>
               <a:ext uri="{91240B29-F687-4f45-9708-019B960494DF}">
-                <a14:hiddenLine xmlns="" xmlns:a14="http://schemas.microsoft.com/office/drawing/2010/main" w="9525">
+                <a14:hiddenLine xmlns:a14="http://schemas.microsoft.com/office/drawing/2010/main" xmlns="" w="9525">
                   <a:solidFill>
                     <a:srgbClr val="000000"/>
                   </a:solidFill>
@@ -331,7 +331,7 @@
             </a:ln>
             <a:extLst>
               <a:ext uri="{91240B29-F687-4f45-9708-019B960494DF}">
-                <a14:hiddenLine xmlns="" xmlns:a14="http://schemas.microsoft.com/office/drawing/2010/main" w="9525">
+                <a14:hiddenLine xmlns:a14="http://schemas.microsoft.com/office/drawing/2010/main" xmlns="" w="9525">
                   <a:solidFill>
                     <a:srgbClr val="000000"/>
                   </a:solidFill>
@@ -421,7 +421,7 @@
             </a:ln>
             <a:extLst>
               <a:ext uri="{91240B29-F687-4f45-9708-019B960494DF}">
-                <a14:hiddenLine xmlns="" xmlns:a14="http://schemas.microsoft.com/office/drawing/2010/main" w="9525">
+                <a14:hiddenLine xmlns:a14="http://schemas.microsoft.com/office/drawing/2010/main" xmlns="" w="9525">
                   <a:solidFill>
                     <a:srgbClr val="000000"/>
                   </a:solidFill>
@@ -455,7 +455,7 @@
             </a:ln>
             <a:extLst>
               <a:ext uri="{91240B29-F687-4f45-9708-019B960494DF}">
-                <a14:hiddenLine xmlns="" xmlns:a14="http://schemas.microsoft.com/office/drawing/2010/main" w="9525">
+                <a14:hiddenLine xmlns:a14="http://schemas.microsoft.com/office/drawing/2010/main" xmlns="" w="9525">
                   <a:solidFill>
                     <a:srgbClr val="000000"/>
                   </a:solidFill>
@@ -545,7 +545,7 @@
             </a:ln>
             <a:extLst>
               <a:ext uri="{91240B29-F687-4f45-9708-019B960494DF}">
-                <a14:hiddenLine xmlns="" xmlns:a14="http://schemas.microsoft.com/office/drawing/2010/main" w="9525">
+                <a14:hiddenLine xmlns:a14="http://schemas.microsoft.com/office/drawing/2010/main" xmlns="" w="9525">
                   <a:solidFill>
                     <a:srgbClr val="000000"/>
                   </a:solidFill>
@@ -607,7 +607,7 @@
             </a:ln>
             <a:extLst>
               <a:ext uri="{91240B29-F687-4f45-9708-019B960494DF}">
-                <a14:hiddenLine xmlns="" xmlns:a14="http://schemas.microsoft.com/office/drawing/2010/main" w="9525">
+                <a14:hiddenLine xmlns:a14="http://schemas.microsoft.com/office/drawing/2010/main" xmlns="" w="9525">
                   <a:solidFill>
                     <a:srgbClr val="000000"/>
                   </a:solidFill>
@@ -669,7 +669,7 @@
             </a:ln>
             <a:extLst>
               <a:ext uri="{91240B29-F687-4f45-9708-019B960494DF}">
-                <a14:hiddenLine xmlns="" xmlns:a14="http://schemas.microsoft.com/office/drawing/2010/main" w="9525">
+                <a14:hiddenLine xmlns:a14="http://schemas.microsoft.com/office/drawing/2010/main" xmlns="" w="9525">
                   <a:solidFill>
                     <a:srgbClr val="000000"/>
                   </a:solidFill>
@@ -759,7 +759,7 @@
             </a:ln>
             <a:extLst>
               <a:ext uri="{91240B29-F687-4f45-9708-019B960494DF}">
-                <a14:hiddenLine xmlns="" xmlns:a14="http://schemas.microsoft.com/office/drawing/2010/main" w="9525">
+                <a14:hiddenLine xmlns:a14="http://schemas.microsoft.com/office/drawing/2010/main" xmlns="" w="9525">
                   <a:solidFill>
                     <a:srgbClr val="000000"/>
                   </a:solidFill>
@@ -821,7 +821,7 @@
             </a:ln>
             <a:extLst>
               <a:ext uri="{91240B29-F687-4f45-9708-019B960494DF}">
-                <a14:hiddenLine xmlns="" xmlns:a14="http://schemas.microsoft.com/office/drawing/2010/main" w="9525">
+                <a14:hiddenLine xmlns:a14="http://schemas.microsoft.com/office/drawing/2010/main" xmlns="" w="9525">
                   <a:solidFill>
                     <a:srgbClr val="000000"/>
                   </a:solidFill>
@@ -883,7 +883,7 @@
             </a:ln>
             <a:extLst>
               <a:ext uri="{91240B29-F687-4f45-9708-019B960494DF}">
-                <a14:hiddenLine xmlns="" xmlns:a14="http://schemas.microsoft.com/office/drawing/2010/main" w="9525">
+                <a14:hiddenLine xmlns:a14="http://schemas.microsoft.com/office/drawing/2010/main" xmlns="" w="9525">
                   <a:solidFill>
                     <a:srgbClr val="000000"/>
                   </a:solidFill>
@@ -973,7 +973,7 @@
             </a:ln>
             <a:extLst>
               <a:ext uri="{91240B29-F687-4f45-9708-019B960494DF}">
-                <a14:hiddenLine xmlns="" xmlns:a14="http://schemas.microsoft.com/office/drawing/2010/main" w="9525">
+                <a14:hiddenLine xmlns:a14="http://schemas.microsoft.com/office/drawing/2010/main" xmlns="" w="9525">
                   <a:solidFill>
                     <a:srgbClr val="000000"/>
                   </a:solidFill>
@@ -1063,7 +1063,7 @@
             </a:ln>
             <a:extLst>
               <a:ext uri="{91240B29-F687-4f45-9708-019B960494DF}">
-                <a14:hiddenLine xmlns="" xmlns:a14="http://schemas.microsoft.com/office/drawing/2010/main" w="9525">
+                <a14:hiddenLine xmlns:a14="http://schemas.microsoft.com/office/drawing/2010/main" xmlns="" w="9525">
                   <a:solidFill>
                     <a:srgbClr val="000000"/>
                   </a:solidFill>
@@ -1125,7 +1125,7 @@
             </a:ln>
             <a:extLst>
               <a:ext uri="{91240B29-F687-4f45-9708-019B960494DF}">
-                <a14:hiddenLine xmlns="" xmlns:a14="http://schemas.microsoft.com/office/drawing/2010/main" w="9525">
+                <a14:hiddenLine xmlns:a14="http://schemas.microsoft.com/office/drawing/2010/main" xmlns="" w="9525">
                   <a:solidFill>
                     <a:srgbClr val="000000"/>
                   </a:solidFill>
@@ -1235,7 +1235,7 @@
             </a:ln>
             <a:extLst>
               <a:ext uri="{91240B29-F687-4f45-9708-019B960494DF}">
-                <a14:hiddenLine xmlns="" xmlns:a14="http://schemas.microsoft.com/office/drawing/2010/main" w="9525">
+                <a14:hiddenLine xmlns:a14="http://schemas.microsoft.com/office/drawing/2010/main" xmlns="" w="9525">
                   <a:solidFill>
                     <a:srgbClr val="000000"/>
                   </a:solidFill>
@@ -1297,7 +1297,7 @@
             </a:ln>
             <a:extLst>
               <a:ext uri="{91240B29-F687-4f45-9708-019B960494DF}">
-                <a14:hiddenLine xmlns="" xmlns:a14="http://schemas.microsoft.com/office/drawing/2010/main" w="9525">
+                <a14:hiddenLine xmlns:a14="http://schemas.microsoft.com/office/drawing/2010/main" xmlns="" w="9525">
                   <a:solidFill>
                     <a:srgbClr val="000000"/>
                   </a:solidFill>
@@ -1387,7 +1387,7 @@
             </a:ln>
             <a:extLst>
               <a:ext uri="{91240B29-F687-4f45-9708-019B960494DF}">
-                <a14:hiddenLine xmlns="" xmlns:a14="http://schemas.microsoft.com/office/drawing/2010/main" w="9525">
+                <a14:hiddenLine xmlns:a14="http://schemas.microsoft.com/office/drawing/2010/main" xmlns="" w="9525">
                   <a:solidFill>
                     <a:srgbClr val="000000"/>
                   </a:solidFill>
@@ -1477,7 +1477,7 @@
             </a:ln>
             <a:extLst>
               <a:ext uri="{91240B29-F687-4f45-9708-019B960494DF}">
-                <a14:hiddenLine xmlns="" xmlns:a14="http://schemas.microsoft.com/office/drawing/2010/main" w="9525">
+                <a14:hiddenLine xmlns:a14="http://schemas.microsoft.com/office/drawing/2010/main" xmlns="" w="9525">
                   <a:solidFill>
                     <a:srgbClr val="000000"/>
                   </a:solidFill>
@@ -1539,7 +1539,7 @@
             </a:ln>
             <a:extLst>
               <a:ext uri="{91240B29-F687-4f45-9708-019B960494DF}">
-                <a14:hiddenLine xmlns="" xmlns:a14="http://schemas.microsoft.com/office/drawing/2010/main" w="9525">
+                <a14:hiddenLine xmlns:a14="http://schemas.microsoft.com/office/drawing/2010/main" xmlns="" w="9525">
                   <a:solidFill>
                     <a:srgbClr val="000000"/>
                   </a:solidFill>
@@ -1629,7 +1629,7 @@
             </a:ln>
             <a:extLst>
               <a:ext uri="{91240B29-F687-4f45-9708-019B960494DF}">
-                <a14:hiddenLine xmlns="" xmlns:a14="http://schemas.microsoft.com/office/drawing/2010/main" w="9525">
+                <a14:hiddenLine xmlns:a14="http://schemas.microsoft.com/office/drawing/2010/main" xmlns="" w="9525">
                   <a:solidFill>
                     <a:srgbClr val="000000"/>
                   </a:solidFill>
@@ -1719,7 +1719,7 @@
             </a:ln>
             <a:extLst>
               <a:ext uri="{91240B29-F687-4f45-9708-019B960494DF}">
-                <a14:hiddenLine xmlns="" xmlns:a14="http://schemas.microsoft.com/office/drawing/2010/main" w="9525">
+                <a14:hiddenLine xmlns:a14="http://schemas.microsoft.com/office/drawing/2010/main" xmlns="" w="9525">
                   <a:solidFill>
                     <a:srgbClr val="000000"/>
                   </a:solidFill>
@@ -1775,7 +1775,7 @@
             </a:ln>
             <a:extLst>
               <a:ext uri="{91240B29-F687-4f45-9708-019B960494DF}">
-                <a14:hiddenLine xmlns="" xmlns:a14="http://schemas.microsoft.com/office/drawing/2010/main" w="9525">
+                <a14:hiddenLine xmlns:a14="http://schemas.microsoft.com/office/drawing/2010/main" xmlns="" w="9525">
                   <a:solidFill>
                     <a:srgbClr val="000000"/>
                   </a:solidFill>
@@ -1865,7 +1865,7 @@
             </a:ln>
             <a:extLst>
               <a:ext uri="{91240B29-F687-4f45-9708-019B960494DF}">
-                <a14:hiddenLine xmlns="" xmlns:a14="http://schemas.microsoft.com/office/drawing/2010/main" w="9525">
+                <a14:hiddenLine xmlns:a14="http://schemas.microsoft.com/office/drawing/2010/main" xmlns="" w="9525">
                   <a:solidFill>
                     <a:srgbClr val="000000"/>
                   </a:solidFill>
@@ -1921,7 +1921,7 @@
             </a:ln>
             <a:extLst>
               <a:ext uri="{91240B29-F687-4f45-9708-019B960494DF}">
-                <a14:hiddenLine xmlns="" xmlns:a14="http://schemas.microsoft.com/office/drawing/2010/main" w="9525">
+                <a14:hiddenLine xmlns:a14="http://schemas.microsoft.com/office/drawing/2010/main" xmlns="" w="9525">
                   <a:solidFill>
                     <a:srgbClr val="000000"/>
                   </a:solidFill>
@@ -2011,7 +2011,7 @@
             </a:ln>
             <a:extLst>
               <a:ext uri="{91240B29-F687-4f45-9708-019B960494DF}">
-                <a14:hiddenLine xmlns="" xmlns:a14="http://schemas.microsoft.com/office/drawing/2010/main" w="9525">
+                <a14:hiddenLine xmlns:a14="http://schemas.microsoft.com/office/drawing/2010/main" xmlns="" w="9525">
                   <a:solidFill>
                     <a:srgbClr val="000000"/>
                   </a:solidFill>
@@ -2079,7 +2079,7 @@
             </a:ln>
             <a:extLst>
               <a:ext uri="{91240B29-F687-4f45-9708-019B960494DF}">
-                <a14:hiddenLine xmlns="" xmlns:a14="http://schemas.microsoft.com/office/drawing/2010/main" w="9525">
+                <a14:hiddenLine xmlns:a14="http://schemas.microsoft.com/office/drawing/2010/main" xmlns="" w="9525">
                   <a:solidFill>
                     <a:srgbClr val="000000"/>
                   </a:solidFill>
@@ -2169,7 +2169,7 @@
             </a:ln>
             <a:extLst>
               <a:ext uri="{91240B29-F687-4f45-9708-019B960494DF}">
-                <a14:hiddenLine xmlns="" xmlns:a14="http://schemas.microsoft.com/office/drawing/2010/main" w="9525">
+                <a14:hiddenLine xmlns:a14="http://schemas.microsoft.com/office/drawing/2010/main" xmlns="" w="9525">
                   <a:solidFill>
                     <a:srgbClr val="000000"/>
                   </a:solidFill>
@@ -2237,7 +2237,7 @@
             </a:ln>
             <a:extLst>
               <a:ext uri="{91240B29-F687-4f45-9708-019B960494DF}">
-                <a14:hiddenLine xmlns="" xmlns:a14="http://schemas.microsoft.com/office/drawing/2010/main" w="9525">
+                <a14:hiddenLine xmlns:a14="http://schemas.microsoft.com/office/drawing/2010/main" xmlns="" w="9525">
                   <a:solidFill>
                     <a:srgbClr val="000000"/>
                   </a:solidFill>
@@ -2327,7 +2327,7 @@
             </a:ln>
             <a:extLst>
               <a:ext uri="{91240B29-F687-4f45-9708-019B960494DF}">
-                <a14:hiddenLine xmlns="" xmlns:a14="http://schemas.microsoft.com/office/drawing/2010/main" w="9525">
+                <a14:hiddenLine xmlns:a14="http://schemas.microsoft.com/office/drawing/2010/main" xmlns="" w="9525">
                   <a:solidFill>
                     <a:srgbClr val="000000"/>
                   </a:solidFill>
@@ -2361,7 +2361,7 @@
             </a:ln>
             <a:extLst>
               <a:ext uri="{91240B29-F687-4f45-9708-019B960494DF}">
-                <a14:hiddenLine xmlns="" xmlns:a14="http://schemas.microsoft.com/office/drawing/2010/main" w="9525">
+                <a14:hiddenLine xmlns:a14="http://schemas.microsoft.com/office/drawing/2010/main" xmlns="" w="9525">
                   <a:solidFill>
                     <a:srgbClr val="000000"/>
                   </a:solidFill>
@@ -2451,7 +2451,7 @@
             </a:ln>
             <a:extLst>
               <a:ext uri="{91240B29-F687-4f45-9708-019B960494DF}">
-                <a14:hiddenLine xmlns="" xmlns:a14="http://schemas.microsoft.com/office/drawing/2010/main" w="9525">
+                <a14:hiddenLine xmlns:a14="http://schemas.microsoft.com/office/drawing/2010/main" xmlns="" w="9525">
                   <a:solidFill>
                     <a:srgbClr val="000000"/>
                   </a:solidFill>
@@ -2513,7 +2513,7 @@
             </a:ln>
             <a:extLst>
               <a:ext uri="{91240B29-F687-4f45-9708-019B960494DF}">
-                <a14:hiddenLine xmlns="" xmlns:a14="http://schemas.microsoft.com/office/drawing/2010/main" w="9525">
+                <a14:hiddenLine xmlns:a14="http://schemas.microsoft.com/office/drawing/2010/main" xmlns="" w="9525">
                   <a:solidFill>
                     <a:srgbClr val="000000"/>
                   </a:solidFill>
@@ -2575,7 +2575,7 @@
             </a:ln>
             <a:extLst>
               <a:ext uri="{91240B29-F687-4f45-9708-019B960494DF}">
-                <a14:hiddenLine xmlns="" xmlns:a14="http://schemas.microsoft.com/office/drawing/2010/main" w="9525">
+                <a14:hiddenLine xmlns:a14="http://schemas.microsoft.com/office/drawing/2010/main" xmlns="" w="9525">
                   <a:solidFill>
                     <a:srgbClr val="000000"/>
                   </a:solidFill>
@@ -2665,7 +2665,7 @@
             </a:ln>
             <a:extLst>
               <a:ext uri="{91240B29-F687-4f45-9708-019B960494DF}">
-                <a14:hiddenLine xmlns="" xmlns:a14="http://schemas.microsoft.com/office/drawing/2010/main" w="9525">
+                <a14:hiddenLine xmlns:a14="http://schemas.microsoft.com/office/drawing/2010/main" xmlns="" w="9525">
                   <a:solidFill>
                     <a:srgbClr val="000000"/>
                   </a:solidFill>
@@ -2733,7 +2733,7 @@
             </a:ln>
             <a:extLst>
               <a:ext uri="{91240B29-F687-4f45-9708-019B960494DF}">
-                <a14:hiddenLine xmlns="" xmlns:a14="http://schemas.microsoft.com/office/drawing/2010/main" w="9525">
+                <a14:hiddenLine xmlns:a14="http://schemas.microsoft.com/office/drawing/2010/main" xmlns="" w="9525">
                   <a:solidFill>
                     <a:srgbClr val="000000"/>
                   </a:solidFill>
@@ -2795,7 +2795,7 @@
             </a:ln>
             <a:extLst>
               <a:ext uri="{91240B29-F687-4f45-9708-019B960494DF}">
-                <a14:hiddenLine xmlns="" xmlns:a14="http://schemas.microsoft.com/office/drawing/2010/main" w="9525">
+                <a14:hiddenLine xmlns:a14="http://schemas.microsoft.com/office/drawing/2010/main" xmlns="" w="9525">
                   <a:solidFill>
                     <a:srgbClr val="000000"/>
                   </a:solidFill>
@@ -2885,7 +2885,7 @@
             </a:ln>
             <a:extLst>
               <a:ext uri="{91240B29-F687-4f45-9708-019B960494DF}">
-                <a14:hiddenLine xmlns="" xmlns:a14="http://schemas.microsoft.com/office/drawing/2010/main" w="9525">
+                <a14:hiddenLine xmlns:a14="http://schemas.microsoft.com/office/drawing/2010/main" xmlns="" w="9525">
                   <a:solidFill>
                     <a:srgbClr val="000000"/>
                   </a:solidFill>
@@ -2947,7 +2947,7 @@
             </a:ln>
             <a:extLst>
               <a:ext uri="{91240B29-F687-4f45-9708-019B960494DF}">
-                <a14:hiddenLine xmlns="" xmlns:a14="http://schemas.microsoft.com/office/drawing/2010/main" w="9525">
+                <a14:hiddenLine xmlns:a14="http://schemas.microsoft.com/office/drawing/2010/main" xmlns="" w="9525">
                   <a:solidFill>
                     <a:srgbClr val="000000"/>
                   </a:solidFill>
@@ -3037,7 +3037,7 @@
             </a:ln>
             <a:extLst>
               <a:ext uri="{91240B29-F687-4f45-9708-019B960494DF}">
-                <a14:hiddenLine xmlns="" xmlns:a14="http://schemas.microsoft.com/office/drawing/2010/main" w="9525">
+                <a14:hiddenLine xmlns:a14="http://schemas.microsoft.com/office/drawing/2010/main" xmlns="" w="9525">
                   <a:solidFill>
                     <a:srgbClr val="000000"/>
                   </a:solidFill>
@@ -3099,7 +3099,7 @@
             </a:ln>
             <a:extLst>
               <a:ext uri="{91240B29-F687-4f45-9708-019B960494DF}">
-                <a14:hiddenLine xmlns="" xmlns:a14="http://schemas.microsoft.com/office/drawing/2010/main" w="9525">
+                <a14:hiddenLine xmlns:a14="http://schemas.microsoft.com/office/drawing/2010/main" xmlns="" w="9525">
                   <a:solidFill>
                     <a:srgbClr val="000000"/>
                   </a:solidFill>
@@ -3189,7 +3189,7 @@
             </a:ln>
             <a:extLst>
               <a:ext uri="{91240B29-F687-4f45-9708-019B960494DF}">
-                <a14:hiddenLine xmlns="" xmlns:a14="http://schemas.microsoft.com/office/drawing/2010/main" w="9525">
+                <a14:hiddenLine xmlns:a14="http://schemas.microsoft.com/office/drawing/2010/main" xmlns="" w="9525">
                   <a:solidFill>
                     <a:srgbClr val="000000"/>
                   </a:solidFill>
@@ -3223,7 +3223,7 @@
             </a:ln>
             <a:extLst>
               <a:ext uri="{91240B29-F687-4f45-9708-019B960494DF}">
-                <a14:hiddenLine xmlns="" xmlns:a14="http://schemas.microsoft.com/office/drawing/2010/main" w="9525">
+                <a14:hiddenLine xmlns:a14="http://schemas.microsoft.com/office/drawing/2010/main" xmlns="" w="9525">
                   <a:solidFill>
                     <a:srgbClr val="000000"/>
                   </a:solidFill>
@@ -3288,7 +3288,7 @@
             </a:ln>
             <a:extLst>
               <a:ext uri="{91240B29-F687-4f45-9708-019B960494DF}">
-                <a14:hiddenLine xmlns="" xmlns:a14="http://schemas.microsoft.com/office/drawing/2010/main" w="9525">
+                <a14:hiddenLine xmlns:a14="http://schemas.microsoft.com/office/drawing/2010/main" xmlns="" w="9525">
                   <a:solidFill>
                     <a:srgbClr val="000000"/>
                   </a:solidFill>
@@ -3378,7 +3378,7 @@
             </a:ln>
             <a:extLst>
               <a:ext uri="{91240B29-F687-4f45-9708-019B960494DF}">
-                <a14:hiddenLine xmlns="" xmlns:a14="http://schemas.microsoft.com/office/drawing/2010/main" w="9525">
+                <a14:hiddenLine xmlns:a14="http://schemas.microsoft.com/office/drawing/2010/main" xmlns="" w="9525">
                   <a:solidFill>
                     <a:srgbClr val="000000"/>
                   </a:solidFill>
@@ -3440,7 +3440,7 @@
             </a:ln>
             <a:extLst>
               <a:ext uri="{91240B29-F687-4f45-9708-019B960494DF}">
-                <a14:hiddenLine xmlns="" xmlns:a14="http://schemas.microsoft.com/office/drawing/2010/main" w="9525">
+                <a14:hiddenLine xmlns:a14="http://schemas.microsoft.com/office/drawing/2010/main" xmlns="" w="9525">
                   <a:solidFill>
                     <a:srgbClr val="000000"/>
                   </a:solidFill>
@@ -3530,7 +3530,7 @@
             </a:ln>
             <a:extLst>
               <a:ext uri="{91240B29-F687-4f45-9708-019B960494DF}">
-                <a14:hiddenLine xmlns="" xmlns:a14="http://schemas.microsoft.com/office/drawing/2010/main" w="9525">
+                <a14:hiddenLine xmlns:a14="http://schemas.microsoft.com/office/drawing/2010/main" xmlns="" w="9525">
                   <a:solidFill>
                     <a:srgbClr val="000000"/>
                   </a:solidFill>
@@ -3620,7 +3620,7 @@
             </a:ln>
             <a:extLst>
               <a:ext uri="{91240B29-F687-4f45-9708-019B960494DF}">
-                <a14:hiddenLine xmlns="" xmlns:a14="http://schemas.microsoft.com/office/drawing/2010/main" w="9525">
+                <a14:hiddenLine xmlns:a14="http://schemas.microsoft.com/office/drawing/2010/main" xmlns="" w="9525">
                   <a:solidFill>
                     <a:srgbClr val="000000"/>
                   </a:solidFill>
@@ -3685,7 +3685,7 @@
             </a:ln>
             <a:extLst>
               <a:ext uri="{91240B29-F687-4f45-9708-019B960494DF}">
-                <a14:hiddenLine xmlns="" xmlns:a14="http://schemas.microsoft.com/office/drawing/2010/main" w="9525">
+                <a14:hiddenLine xmlns:a14="http://schemas.microsoft.com/office/drawing/2010/main" xmlns="" w="9525">
                   <a:solidFill>
                     <a:srgbClr val="000000"/>
                   </a:solidFill>
@@ -3747,7 +3747,7 @@
             </a:ln>
             <a:extLst>
               <a:ext uri="{91240B29-F687-4f45-9708-019B960494DF}">
-                <a14:hiddenLine xmlns="" xmlns:a14="http://schemas.microsoft.com/office/drawing/2010/main" w="9525">
+                <a14:hiddenLine xmlns:a14="http://schemas.microsoft.com/office/drawing/2010/main" xmlns="" w="9525">
                   <a:solidFill>
                     <a:srgbClr val="000000"/>
                   </a:solidFill>
@@ -3837,7 +3837,7 @@
             </a:ln>
             <a:extLst>
               <a:ext uri="{91240B29-F687-4f45-9708-019B960494DF}">
-                <a14:hiddenLine xmlns="" xmlns:a14="http://schemas.microsoft.com/office/drawing/2010/main" w="9525">
+                <a14:hiddenLine xmlns:a14="http://schemas.microsoft.com/office/drawing/2010/main" xmlns="" w="9525">
                   <a:solidFill>
                     <a:srgbClr val="000000"/>
                   </a:solidFill>
@@ -3927,7 +3927,7 @@
             </a:ln>
             <a:extLst>
               <a:ext uri="{91240B29-F687-4f45-9708-019B960494DF}">
-                <a14:hiddenLine xmlns="" xmlns:a14="http://schemas.microsoft.com/office/drawing/2010/main" w="9525">
+                <a14:hiddenLine xmlns:a14="http://schemas.microsoft.com/office/drawing/2010/main" xmlns="" w="9525">
                   <a:solidFill>
                     <a:srgbClr val="000000"/>
                   </a:solidFill>
@@ -3989,7 +3989,7 @@
             </a:ln>
             <a:extLst>
               <a:ext uri="{91240B29-F687-4f45-9708-019B960494DF}">
-                <a14:hiddenLine xmlns="" xmlns:a14="http://schemas.microsoft.com/office/drawing/2010/main" w="9525">
+                <a14:hiddenLine xmlns:a14="http://schemas.microsoft.com/office/drawing/2010/main" xmlns="" w="9525">
                   <a:solidFill>
                     <a:srgbClr val="000000"/>
                   </a:solidFill>
@@ -4109,7 +4109,7 @@
             </a:ln>
             <a:extLst>
               <a:ext uri="{91240B29-F687-4f45-9708-019B960494DF}">
-                <a14:hiddenLine xmlns="" xmlns:a14="http://schemas.microsoft.com/office/drawing/2010/main" w="9525">
+                <a14:hiddenLine xmlns:a14="http://schemas.microsoft.com/office/drawing/2010/main" xmlns="" w="9525">
                   <a:solidFill>
                     <a:srgbClr val="000000"/>
                   </a:solidFill>
@@ -4177,7 +4177,7 @@
             </a:ln>
             <a:extLst>
               <a:ext uri="{91240B29-F687-4f45-9708-019B960494DF}">
-                <a14:hiddenLine xmlns="" xmlns:a14="http://schemas.microsoft.com/office/drawing/2010/main" w="9525">
+                <a14:hiddenLine xmlns:a14="http://schemas.microsoft.com/office/drawing/2010/main" xmlns="" w="9525">
                   <a:solidFill>
                     <a:srgbClr val="000000"/>
                   </a:solidFill>
@@ -4267,7 +4267,7 @@
             </a:ln>
             <a:extLst>
               <a:ext uri="{91240B29-F687-4f45-9708-019B960494DF}">
-                <a14:hiddenLine xmlns="" xmlns:a14="http://schemas.microsoft.com/office/drawing/2010/main" w="9525">
+                <a14:hiddenLine xmlns:a14="http://schemas.microsoft.com/office/drawing/2010/main" xmlns="" w="9525">
                   <a:solidFill>
                     <a:srgbClr val="000000"/>
                   </a:solidFill>
@@ -4407,7 +4407,7 @@
           <a:p>
             <a:fld id="{48A87A34-81AB-432B-8DAE-1953F412C126}" type="datetimeFigureOut">
               <a:rPr lang="en-US" dirty="0"/>
-              <a:t>4/22/24</a:t>
+              <a:t>4/23/2024</a:t>
             </a:fld>
             <a:endParaRPr lang="en-US" dirty="0"/>
           </a:p>
@@ -4669,7 +4669,7 @@
           <a:p>
             <a:fld id="{48A87A34-81AB-432B-8DAE-1953F412C126}" type="datetimeFigureOut">
               <a:rPr lang="en-US" dirty="0"/>
-              <a:t>4/22/24</a:t>
+              <a:t>4/23/2024</a:t>
             </a:fld>
             <a:endParaRPr lang="en-US" dirty="0"/>
           </a:p>
@@ -4860,7 +4860,7 @@
           <a:p>
             <a:fld id="{48A87A34-81AB-432B-8DAE-1953F412C126}" type="datetimeFigureOut">
               <a:rPr lang="en-US" dirty="0"/>
-              <a:t>4/22/24</a:t>
+              <a:t>4/23/2024</a:t>
             </a:fld>
             <a:endParaRPr lang="en-US" dirty="0"/>
           </a:p>
@@ -5118,7 +5118,7 @@
           <a:p>
             <a:fld id="{48A87A34-81AB-432B-8DAE-1953F412C126}" type="datetimeFigureOut">
               <a:rPr lang="en-US" dirty="0"/>
-              <a:t>4/22/24</a:t>
+              <a:t>4/23/2024</a:t>
             </a:fld>
             <a:endParaRPr lang="en-US" dirty="0"/>
           </a:p>
@@ -5547,7 +5547,7 @@
           <a:p>
             <a:fld id="{48A87A34-81AB-432B-8DAE-1953F412C126}" type="datetimeFigureOut">
               <a:rPr lang="en-US" dirty="0"/>
-              <a:t>4/22/24</a:t>
+              <a:t>4/23/2024</a:t>
             </a:fld>
             <a:endParaRPr lang="en-US" dirty="0"/>
           </a:p>
@@ -6088,7 +6088,7 @@
           <a:p>
             <a:fld id="{48A87A34-81AB-432B-8DAE-1953F412C126}" type="datetimeFigureOut">
               <a:rPr lang="en-US" dirty="0"/>
-              <a:t>4/22/24</a:t>
+              <a:t>4/23/2024</a:t>
             </a:fld>
             <a:endParaRPr lang="en-US" dirty="0"/>
           </a:p>
@@ -6803,7 +6803,7 @@
           <a:p>
             <a:fld id="{48A87A34-81AB-432B-8DAE-1953F412C126}" type="datetimeFigureOut">
               <a:rPr lang="en-US" dirty="0"/>
-              <a:t>4/22/24</a:t>
+              <a:t>4/23/2024</a:t>
             </a:fld>
             <a:endParaRPr lang="en-US" dirty="0"/>
           </a:p>
@@ -6968,7 +6968,7 @@
           <a:p>
             <a:fld id="{48A87A34-81AB-432B-8DAE-1953F412C126}" type="datetimeFigureOut">
               <a:rPr lang="en-US" dirty="0"/>
-              <a:t>4/22/24</a:t>
+              <a:t>4/23/2024</a:t>
             </a:fld>
             <a:endParaRPr lang="en-US" dirty="0"/>
           </a:p>
@@ -7143,7 +7143,7 @@
           <a:p>
             <a:fld id="{48A87A34-81AB-432B-8DAE-1953F412C126}" type="datetimeFigureOut">
               <a:rPr lang="en-US" dirty="0"/>
-              <a:t>4/22/24</a:t>
+              <a:t>4/23/2024</a:t>
             </a:fld>
             <a:endParaRPr lang="en-US" dirty="0"/>
           </a:p>
@@ -7308,7 +7308,7 @@
           <a:p>
             <a:fld id="{48A87A34-81AB-432B-8DAE-1953F412C126}" type="datetimeFigureOut">
               <a:rPr lang="en-US" dirty="0"/>
-              <a:t>4/22/24</a:t>
+              <a:t>4/23/2024</a:t>
             </a:fld>
             <a:endParaRPr lang="en-US" dirty="0"/>
           </a:p>
@@ -7553,7 +7553,7 @@
           <a:p>
             <a:fld id="{48A87A34-81AB-432B-8DAE-1953F412C126}" type="datetimeFigureOut">
               <a:rPr lang="en-US" dirty="0"/>
-              <a:t>4/22/24</a:t>
+              <a:t>4/23/2024</a:t>
             </a:fld>
             <a:endParaRPr lang="en-US" dirty="0"/>
           </a:p>
@@ -7780,7 +7780,7 @@
           <a:p>
             <a:fld id="{48A87A34-81AB-432B-8DAE-1953F412C126}" type="datetimeFigureOut">
               <a:rPr lang="en-US" dirty="0"/>
-              <a:t>4/22/24</a:t>
+              <a:t>4/23/2024</a:t>
             </a:fld>
             <a:endParaRPr lang="en-US" dirty="0"/>
           </a:p>
@@ -8156,7 +8156,7 @@
           <a:p>
             <a:fld id="{48A87A34-81AB-432B-8DAE-1953F412C126}" type="datetimeFigureOut">
               <a:rPr lang="en-US" dirty="0"/>
-              <a:t>4/22/24</a:t>
+              <a:t>4/23/2024</a:t>
             </a:fld>
             <a:endParaRPr lang="en-US" dirty="0"/>
           </a:p>
@@ -8269,7 +8269,7 @@
           <a:p>
             <a:fld id="{48A87A34-81AB-432B-8DAE-1953F412C126}" type="datetimeFigureOut">
               <a:rPr lang="en-US" dirty="0"/>
-              <a:t>4/22/24</a:t>
+              <a:t>4/23/2024</a:t>
             </a:fld>
             <a:endParaRPr lang="en-US" dirty="0"/>
           </a:p>
@@ -8359,7 +8359,7 @@
           <a:p>
             <a:fld id="{48A87A34-81AB-432B-8DAE-1953F412C126}" type="datetimeFigureOut">
               <a:rPr lang="en-US" dirty="0"/>
-              <a:t>4/22/24</a:t>
+              <a:t>4/23/2024</a:t>
             </a:fld>
             <a:endParaRPr lang="en-US" dirty="0"/>
           </a:p>
@@ -8603,7 +8603,7 @@
           <a:p>
             <a:fld id="{48A87A34-81AB-432B-8DAE-1953F412C126}" type="datetimeFigureOut">
               <a:rPr lang="en-US" dirty="0"/>
-              <a:t>4/22/24</a:t>
+              <a:t>4/23/2024</a:t>
             </a:fld>
             <a:endParaRPr lang="en-US" dirty="0"/>
           </a:p>
@@ -8878,7 +8878,7 @@
           <a:p>
             <a:fld id="{48A87A34-81AB-432B-8DAE-1953F412C126}" type="datetimeFigureOut">
               <a:rPr lang="en-US" dirty="0"/>
-              <a:t>4/22/24</a:t>
+              <a:t>4/23/2024</a:t>
             </a:fld>
             <a:endParaRPr lang="en-US" dirty="0"/>
           </a:p>
@@ -8989,7 +8989,7 @@
           <a:noFill/>
           <a:extLst>
             <a:ext uri="{909E8E84-426E-40dd-AFC4-6F175D3DCCD1}">
-              <a14:hiddenFill xmlns="" xmlns:a14="http://schemas.microsoft.com/office/drawing/2010/main">
+              <a14:hiddenFill xmlns:a14="http://schemas.microsoft.com/office/drawing/2010/main" xmlns="">
                 <a:solidFill>
                   <a:srgbClr val="FFFFFF"/>
                 </a:solidFill>
@@ -9063,7 +9063,7 @@
               </a:ln>
               <a:extLst>
                 <a:ext uri="{91240B29-F687-4f45-9708-019B960494DF}">
-                  <a14:hiddenLine xmlns="" xmlns:a14="http://schemas.microsoft.com/office/drawing/2010/main" w="9525">
+                  <a14:hiddenLine xmlns:a14="http://schemas.microsoft.com/office/drawing/2010/main" xmlns="" w="9525">
                     <a:solidFill>
                       <a:srgbClr val="000000"/>
                     </a:solidFill>
@@ -9153,7 +9153,7 @@
               </a:ln>
               <a:extLst>
                 <a:ext uri="{91240B29-F687-4f45-9708-019B960494DF}">
-                  <a14:hiddenLine xmlns="" xmlns:a14="http://schemas.microsoft.com/office/drawing/2010/main" w="9525">
+                  <a14:hiddenLine xmlns:a14="http://schemas.microsoft.com/office/drawing/2010/main" xmlns="" w="9525">
                     <a:solidFill>
                       <a:srgbClr val="000000"/>
                     </a:solidFill>
@@ -9243,7 +9243,7 @@
               </a:ln>
               <a:extLst>
                 <a:ext uri="{91240B29-F687-4f45-9708-019B960494DF}">
-                  <a14:hiddenLine xmlns="" xmlns:a14="http://schemas.microsoft.com/office/drawing/2010/main" w="9525">
+                  <a14:hiddenLine xmlns:a14="http://schemas.microsoft.com/office/drawing/2010/main" xmlns="" w="9525">
                     <a:solidFill>
                       <a:srgbClr val="000000"/>
                     </a:solidFill>
@@ -9305,7 +9305,7 @@
               </a:ln>
               <a:extLst>
                 <a:ext uri="{91240B29-F687-4f45-9708-019B960494DF}">
-                  <a14:hiddenLine xmlns="" xmlns:a14="http://schemas.microsoft.com/office/drawing/2010/main" w="9525">
+                  <a14:hiddenLine xmlns:a14="http://schemas.microsoft.com/office/drawing/2010/main" xmlns="" w="9525">
                     <a:solidFill>
                       <a:srgbClr val="000000"/>
                     </a:solidFill>
@@ -9395,7 +9395,7 @@
               </a:ln>
               <a:extLst>
                 <a:ext uri="{91240B29-F687-4f45-9708-019B960494DF}">
-                  <a14:hiddenLine xmlns="" xmlns:a14="http://schemas.microsoft.com/office/drawing/2010/main" w="9525">
+                  <a14:hiddenLine xmlns:a14="http://schemas.microsoft.com/office/drawing/2010/main" xmlns="" w="9525">
                     <a:solidFill>
                       <a:srgbClr val="000000"/>
                     </a:solidFill>
@@ -9457,7 +9457,7 @@
               </a:ln>
               <a:extLst>
                 <a:ext uri="{91240B29-F687-4f45-9708-019B960494DF}">
-                  <a14:hiddenLine xmlns="" xmlns:a14="http://schemas.microsoft.com/office/drawing/2010/main" w="9525">
+                  <a14:hiddenLine xmlns:a14="http://schemas.microsoft.com/office/drawing/2010/main" xmlns="" w="9525">
                     <a:solidFill>
                       <a:srgbClr val="000000"/>
                     </a:solidFill>
@@ -9519,7 +9519,7 @@
               </a:ln>
               <a:extLst>
                 <a:ext uri="{91240B29-F687-4f45-9708-019B960494DF}">
-                  <a14:hiddenLine xmlns="" xmlns:a14="http://schemas.microsoft.com/office/drawing/2010/main" w="9525">
+                  <a14:hiddenLine xmlns:a14="http://schemas.microsoft.com/office/drawing/2010/main" xmlns="" w="9525">
                     <a:solidFill>
                       <a:srgbClr val="000000"/>
                     </a:solidFill>
@@ -9609,7 +9609,7 @@
               </a:ln>
               <a:extLst>
                 <a:ext uri="{91240B29-F687-4f45-9708-019B960494DF}">
-                  <a14:hiddenLine xmlns="" xmlns:a14="http://schemas.microsoft.com/office/drawing/2010/main" w="9525">
+                  <a14:hiddenLine xmlns:a14="http://schemas.microsoft.com/office/drawing/2010/main" xmlns="" w="9525">
                     <a:solidFill>
                       <a:srgbClr val="000000"/>
                     </a:solidFill>
@@ -9699,7 +9699,7 @@
               </a:ln>
               <a:extLst>
                 <a:ext uri="{91240B29-F687-4f45-9708-019B960494DF}">
-                  <a14:hiddenLine xmlns="" xmlns:a14="http://schemas.microsoft.com/office/drawing/2010/main" w="9525">
+                  <a14:hiddenLine xmlns:a14="http://schemas.microsoft.com/office/drawing/2010/main" xmlns="" w="9525">
                     <a:solidFill>
                       <a:srgbClr val="000000"/>
                     </a:solidFill>
@@ -9761,7 +9761,7 @@
               </a:ln>
               <a:extLst>
                 <a:ext uri="{91240B29-F687-4f45-9708-019B960494DF}">
-                  <a14:hiddenLine xmlns="" xmlns:a14="http://schemas.microsoft.com/office/drawing/2010/main" w="9525">
+                  <a14:hiddenLine xmlns:a14="http://schemas.microsoft.com/office/drawing/2010/main" xmlns="" w="9525">
                     <a:solidFill>
                       <a:srgbClr val="000000"/>
                     </a:solidFill>
@@ -9871,7 +9871,7 @@
               </a:ln>
               <a:extLst>
                 <a:ext uri="{91240B29-F687-4f45-9708-019B960494DF}">
-                  <a14:hiddenLine xmlns="" xmlns:a14="http://schemas.microsoft.com/office/drawing/2010/main" w="9525">
+                  <a14:hiddenLine xmlns:a14="http://schemas.microsoft.com/office/drawing/2010/main" xmlns="" w="9525">
                     <a:solidFill>
                       <a:srgbClr val="000000"/>
                     </a:solidFill>
@@ -9955,7 +9955,7 @@
               </a:ln>
               <a:extLst>
                 <a:ext uri="{91240B29-F687-4f45-9708-019B960494DF}">
-                  <a14:hiddenLine xmlns="" xmlns:a14="http://schemas.microsoft.com/office/drawing/2010/main" w="9525">
+                  <a14:hiddenLine xmlns:a14="http://schemas.microsoft.com/office/drawing/2010/main" xmlns="" w="9525">
                     <a:solidFill>
                       <a:srgbClr val="000000"/>
                     </a:solidFill>
@@ -10017,7 +10017,7 @@
               </a:ln>
               <a:extLst>
                 <a:ext uri="{91240B29-F687-4f45-9708-019B960494DF}">
-                  <a14:hiddenLine xmlns="" xmlns:a14="http://schemas.microsoft.com/office/drawing/2010/main" w="9525">
+                  <a14:hiddenLine xmlns:a14="http://schemas.microsoft.com/office/drawing/2010/main" xmlns="" w="9525">
                     <a:solidFill>
                       <a:srgbClr val="000000"/>
                     </a:solidFill>
@@ -10079,7 +10079,7 @@
               </a:ln>
               <a:extLst>
                 <a:ext uri="{91240B29-F687-4f45-9708-019B960494DF}">
-                  <a14:hiddenLine xmlns="" xmlns:a14="http://schemas.microsoft.com/office/drawing/2010/main" w="9525">
+                  <a14:hiddenLine xmlns:a14="http://schemas.microsoft.com/office/drawing/2010/main" xmlns="" w="9525">
                     <a:solidFill>
                       <a:srgbClr val="000000"/>
                     </a:solidFill>
@@ -10169,7 +10169,7 @@
               </a:ln>
               <a:extLst>
                 <a:ext uri="{91240B29-F687-4f45-9708-019B960494DF}">
-                  <a14:hiddenLine xmlns="" xmlns:a14="http://schemas.microsoft.com/office/drawing/2010/main" w="9525">
+                  <a14:hiddenLine xmlns:a14="http://schemas.microsoft.com/office/drawing/2010/main" xmlns="" w="9525">
                     <a:solidFill>
                       <a:srgbClr val="000000"/>
                     </a:solidFill>
@@ -10203,7 +10203,7 @@
               </a:ln>
               <a:extLst>
                 <a:ext uri="{91240B29-F687-4f45-9708-019B960494DF}">
-                  <a14:hiddenLine xmlns="" xmlns:a14="http://schemas.microsoft.com/office/drawing/2010/main" w="9525">
+                  <a14:hiddenLine xmlns:a14="http://schemas.microsoft.com/office/drawing/2010/main" xmlns="" w="9525">
                     <a:solidFill>
                       <a:srgbClr val="000000"/>
                     </a:solidFill>
@@ -10268,7 +10268,7 @@
               </a:ln>
               <a:extLst>
                 <a:ext uri="{91240B29-F687-4f45-9708-019B960494DF}">
-                  <a14:hiddenLine xmlns="" xmlns:a14="http://schemas.microsoft.com/office/drawing/2010/main" w="9525">
+                  <a14:hiddenLine xmlns:a14="http://schemas.microsoft.com/office/drawing/2010/main" xmlns="" w="9525">
                     <a:solidFill>
                       <a:srgbClr val="000000"/>
                     </a:solidFill>
@@ -10358,7 +10358,7 @@
               </a:ln>
               <a:extLst>
                 <a:ext uri="{91240B29-F687-4f45-9708-019B960494DF}">
-                  <a14:hiddenLine xmlns="" xmlns:a14="http://schemas.microsoft.com/office/drawing/2010/main" w="9525">
+                  <a14:hiddenLine xmlns:a14="http://schemas.microsoft.com/office/drawing/2010/main" xmlns="" w="9525">
                     <a:solidFill>
                       <a:srgbClr val="000000"/>
                     </a:solidFill>
@@ -10420,7 +10420,7 @@
               </a:ln>
               <a:extLst>
                 <a:ext uri="{91240B29-F687-4f45-9708-019B960494DF}">
-                  <a14:hiddenLine xmlns="" xmlns:a14="http://schemas.microsoft.com/office/drawing/2010/main" w="9525">
+                  <a14:hiddenLine xmlns:a14="http://schemas.microsoft.com/office/drawing/2010/main" xmlns="" w="9525">
                     <a:solidFill>
                       <a:srgbClr val="000000"/>
                     </a:solidFill>
@@ -10510,7 +10510,7 @@
               </a:ln>
               <a:extLst>
                 <a:ext uri="{91240B29-F687-4f45-9708-019B960494DF}">
-                  <a14:hiddenLine xmlns="" xmlns:a14="http://schemas.microsoft.com/office/drawing/2010/main" w="9525">
+                  <a14:hiddenLine xmlns:a14="http://schemas.microsoft.com/office/drawing/2010/main" xmlns="" w="9525">
                     <a:solidFill>
                       <a:srgbClr val="000000"/>
                     </a:solidFill>
@@ -10575,7 +10575,7 @@
               </a:ln>
               <a:extLst>
                 <a:ext uri="{91240B29-F687-4f45-9708-019B960494DF}">
-                  <a14:hiddenLine xmlns="" xmlns:a14="http://schemas.microsoft.com/office/drawing/2010/main" w="9525">
+                  <a14:hiddenLine xmlns:a14="http://schemas.microsoft.com/office/drawing/2010/main" xmlns="" w="9525">
                     <a:solidFill>
                       <a:srgbClr val="000000"/>
                     </a:solidFill>
@@ -10637,7 +10637,7 @@
               </a:ln>
               <a:extLst>
                 <a:ext uri="{91240B29-F687-4f45-9708-019B960494DF}">
-                  <a14:hiddenLine xmlns="" xmlns:a14="http://schemas.microsoft.com/office/drawing/2010/main" w="9525">
+                  <a14:hiddenLine xmlns:a14="http://schemas.microsoft.com/office/drawing/2010/main" xmlns="" w="9525">
                     <a:solidFill>
                       <a:srgbClr val="000000"/>
                     </a:solidFill>
@@ -10727,7 +10727,7 @@
               </a:ln>
               <a:extLst>
                 <a:ext uri="{91240B29-F687-4f45-9708-019B960494DF}">
-                  <a14:hiddenLine xmlns="" xmlns:a14="http://schemas.microsoft.com/office/drawing/2010/main" w="9525">
+                  <a14:hiddenLine xmlns:a14="http://schemas.microsoft.com/office/drawing/2010/main" xmlns="" w="9525">
                     <a:solidFill>
                       <a:srgbClr val="000000"/>
                     </a:solidFill>
@@ -10817,7 +10817,7 @@
               </a:ln>
               <a:extLst>
                 <a:ext uri="{91240B29-F687-4f45-9708-019B960494DF}">
-                  <a14:hiddenLine xmlns="" xmlns:a14="http://schemas.microsoft.com/office/drawing/2010/main" w="9525">
+                  <a14:hiddenLine xmlns:a14="http://schemas.microsoft.com/office/drawing/2010/main" xmlns="" w="9525">
                     <a:solidFill>
                       <a:srgbClr val="000000"/>
                     </a:solidFill>
@@ -10882,7 +10882,7 @@
               </a:ln>
               <a:extLst>
                 <a:ext uri="{91240B29-F687-4f45-9708-019B960494DF}">
-                  <a14:hiddenLine xmlns="" xmlns:a14="http://schemas.microsoft.com/office/drawing/2010/main" w="9525">
+                  <a14:hiddenLine xmlns:a14="http://schemas.microsoft.com/office/drawing/2010/main" xmlns="" w="9525">
                     <a:solidFill>
                       <a:srgbClr val="000000"/>
                     </a:solidFill>
@@ -11002,7 +11002,7 @@
               </a:ln>
               <a:extLst>
                 <a:ext uri="{91240B29-F687-4f45-9708-019B960494DF}">
-                  <a14:hiddenLine xmlns="" xmlns:a14="http://schemas.microsoft.com/office/drawing/2010/main" w="9525">
+                  <a14:hiddenLine xmlns:a14="http://schemas.microsoft.com/office/drawing/2010/main" xmlns="" w="9525">
                     <a:solidFill>
                       <a:srgbClr val="000000"/>
                     </a:solidFill>
@@ -11100,7 +11100,7 @@
               </a:ln>
               <a:extLst>
                 <a:ext uri="{91240B29-F687-4f45-9708-019B960494DF}">
-                  <a14:hiddenLine xmlns="" xmlns:a14="http://schemas.microsoft.com/office/drawing/2010/main" w="9525">
+                  <a14:hiddenLine xmlns:a14="http://schemas.microsoft.com/office/drawing/2010/main" xmlns="" w="9525">
                     <a:solidFill>
                       <a:srgbClr val="000000"/>
                     </a:solidFill>
@@ -11215,7 +11215,7 @@
               </a:ln>
               <a:extLst>
                 <a:ext uri="{91240B29-F687-4f45-9708-019B960494DF}">
-                  <a14:hiddenLine xmlns="" xmlns:a14="http://schemas.microsoft.com/office/drawing/2010/main" w="9525">
+                  <a14:hiddenLine xmlns:a14="http://schemas.microsoft.com/office/drawing/2010/main" xmlns="" w="9525">
                     <a:solidFill>
                       <a:srgbClr val="000000"/>
                     </a:solidFill>
@@ -11305,7 +11305,7 @@
               </a:ln>
               <a:extLst>
                 <a:ext uri="{91240B29-F687-4f45-9708-019B960494DF}">
-                  <a14:hiddenLine xmlns="" xmlns:a14="http://schemas.microsoft.com/office/drawing/2010/main" w="9525">
+                  <a14:hiddenLine xmlns:a14="http://schemas.microsoft.com/office/drawing/2010/main" xmlns="" w="9525">
                     <a:solidFill>
                       <a:srgbClr val="000000"/>
                     </a:solidFill>
@@ -11370,7 +11370,7 @@
               </a:ln>
               <a:extLst>
                 <a:ext uri="{91240B29-F687-4f45-9708-019B960494DF}">
-                  <a14:hiddenLine xmlns="" xmlns:a14="http://schemas.microsoft.com/office/drawing/2010/main" w="9525">
+                  <a14:hiddenLine xmlns:a14="http://schemas.microsoft.com/office/drawing/2010/main" xmlns="" w="9525">
                     <a:solidFill>
                       <a:srgbClr val="000000"/>
                     </a:solidFill>
@@ -11460,7 +11460,7 @@
               </a:ln>
               <a:extLst>
                 <a:ext uri="{91240B29-F687-4f45-9708-019B960494DF}">
-                  <a14:hiddenLine xmlns="" xmlns:a14="http://schemas.microsoft.com/office/drawing/2010/main" w="9525">
+                  <a14:hiddenLine xmlns:a14="http://schemas.microsoft.com/office/drawing/2010/main" xmlns="" w="9525">
                     <a:solidFill>
                       <a:srgbClr val="000000"/>
                     </a:solidFill>
@@ -11528,7 +11528,7 @@
               </a:ln>
               <a:extLst>
                 <a:ext uri="{91240B29-F687-4f45-9708-019B960494DF}">
-                  <a14:hiddenLine xmlns="" xmlns:a14="http://schemas.microsoft.com/office/drawing/2010/main" w="9525">
+                  <a14:hiddenLine xmlns:a14="http://schemas.microsoft.com/office/drawing/2010/main" xmlns="" w="9525">
                     <a:solidFill>
                       <a:srgbClr val="000000"/>
                     </a:solidFill>
@@ -11618,7 +11618,7 @@
               </a:ln>
               <a:extLst>
                 <a:ext uri="{91240B29-F687-4f45-9708-019B960494DF}">
-                  <a14:hiddenLine xmlns="" xmlns:a14="http://schemas.microsoft.com/office/drawing/2010/main" w="9525">
+                  <a14:hiddenLine xmlns:a14="http://schemas.microsoft.com/office/drawing/2010/main" xmlns="" w="9525">
                     <a:solidFill>
                       <a:srgbClr val="000000"/>
                     </a:solidFill>
@@ -11686,7 +11686,7 @@
               </a:ln>
               <a:extLst>
                 <a:ext uri="{91240B29-F687-4f45-9708-019B960494DF}">
-                  <a14:hiddenLine xmlns="" xmlns:a14="http://schemas.microsoft.com/office/drawing/2010/main" w="9525">
+                  <a14:hiddenLine xmlns:a14="http://schemas.microsoft.com/office/drawing/2010/main" xmlns="" w="9525">
                     <a:solidFill>
                       <a:srgbClr val="000000"/>
                     </a:solidFill>
@@ -11776,7 +11776,7 @@
               </a:ln>
               <a:extLst>
                 <a:ext uri="{91240B29-F687-4f45-9708-019B960494DF}">
-                  <a14:hiddenLine xmlns="" xmlns:a14="http://schemas.microsoft.com/office/drawing/2010/main" w="9525">
+                  <a14:hiddenLine xmlns:a14="http://schemas.microsoft.com/office/drawing/2010/main" xmlns="" w="9525">
                     <a:solidFill>
                       <a:srgbClr val="000000"/>
                     </a:solidFill>
@@ -11810,7 +11810,7 @@
               </a:ln>
               <a:extLst>
                 <a:ext uri="{91240B29-F687-4f45-9708-019B960494DF}">
-                  <a14:hiddenLine xmlns="" xmlns:a14="http://schemas.microsoft.com/office/drawing/2010/main" w="9525">
+                  <a14:hiddenLine xmlns:a14="http://schemas.microsoft.com/office/drawing/2010/main" xmlns="" w="9525">
                     <a:solidFill>
                       <a:srgbClr val="000000"/>
                     </a:solidFill>
@@ -11951,7 +11951,7 @@
             <a:fld id="{48A87A34-81AB-432B-8DAE-1953F412C126}" type="datetimeFigureOut">
               <a:rPr lang="en-US" dirty="0"/>
               <a:pPr/>
-              <a:t>4/22/24</a:t>
+              <a:t>4/23/2024</a:t>
             </a:fld>
             <a:endParaRPr lang="en-US" dirty="0"/>
           </a:p>
@@ -12739,16 +12739,17 @@
           <a:p>
             <a:r>
               <a:rPr lang="en-GB" dirty="0"/>
-              <a:t>(PUT </a:t>
+              <a:t>Our solution prevents deadlock</a:t>
             </a:r>
-            <a:r>
-              <a:rPr lang="en-GB" dirty="0" err="1"/>
-              <a:t>smth</a:t>
-            </a:r>
+          </a:p>
+          <a:p>
             <a:r>
               <a:rPr lang="en-GB" dirty="0"/>
-              <a:t>)</a:t>
+              <a:t>May have issue with long wait times as one philosopher can eat and think quicker</a:t>
             </a:r>
+          </a:p>
+          <a:p>
+            <a:endParaRPr lang="en-GB" dirty="0"/>
           </a:p>
         </p:txBody>
       </p:sp>
@@ -13131,7 +13132,7 @@
           <a:noFill/>
           <a:extLst>
             <a:ext uri="{909E8E84-426E-40dd-AFC4-6F175D3DCCD1}">
-              <a14:hiddenFill xmlns:a14="http://schemas.microsoft.com/office/drawing/2010/main" xmlns:p14="http://schemas.microsoft.com/office/powerpoint/2010/main" xmlns:a16="http://schemas.microsoft.com/office/drawing/2014/main" xmlns="">
+              <a14:hiddenFill xmlns="" xmlns:a16="http://schemas.microsoft.com/office/drawing/2014/main" xmlns:p14="http://schemas.microsoft.com/office/powerpoint/2010/main" xmlns:a14="http://schemas.microsoft.com/office/drawing/2010/main">
                 <a:solidFill>
                   <a:srgbClr val="FFFFFF"/>
                 </a:solidFill>
@@ -13387,7 +13388,7 @@
             </a:ln>
             <a:extLst>
               <a:ext uri="{91240B29-F687-4f45-9708-019B960494DF}">
-                <a14:hiddenLine xmlns:a14="http://schemas.microsoft.com/office/drawing/2010/main" xmlns:p14="http://schemas.microsoft.com/office/powerpoint/2010/main" xmlns:a16="http://schemas.microsoft.com/office/drawing/2014/main" xmlns="" w="9525">
+                <a14:hiddenLine xmlns="" xmlns:a16="http://schemas.microsoft.com/office/drawing/2014/main" xmlns:p14="http://schemas.microsoft.com/office/powerpoint/2010/main" xmlns:a14="http://schemas.microsoft.com/office/drawing/2010/main" w="9525">
                   <a:solidFill>
                     <a:srgbClr val="000000"/>
                   </a:solidFill>
@@ -13499,7 +13500,7 @@
             </a:ln>
             <a:extLst>
               <a:ext uri="{91240B29-F687-4f45-9708-019B960494DF}">
-                <a14:hiddenLine xmlns:a14="http://schemas.microsoft.com/office/drawing/2010/main" xmlns:p14="http://schemas.microsoft.com/office/powerpoint/2010/main" xmlns:a16="http://schemas.microsoft.com/office/drawing/2014/main" xmlns="" w="9525">
+                <a14:hiddenLine xmlns="" xmlns:a16="http://schemas.microsoft.com/office/drawing/2014/main" xmlns:p14="http://schemas.microsoft.com/office/powerpoint/2010/main" xmlns:a14="http://schemas.microsoft.com/office/drawing/2010/main" w="9525">
                   <a:solidFill>
                     <a:srgbClr val="000000"/>
                   </a:solidFill>
@@ -13611,7 +13612,7 @@
             </a:ln>
             <a:extLst>
               <a:ext uri="{91240B29-F687-4f45-9708-019B960494DF}">
-                <a14:hiddenLine xmlns:a14="http://schemas.microsoft.com/office/drawing/2010/main" xmlns:p14="http://schemas.microsoft.com/office/powerpoint/2010/main" xmlns:a16="http://schemas.microsoft.com/office/drawing/2014/main" xmlns="" w="9525">
+                <a14:hiddenLine xmlns="" xmlns:a16="http://schemas.microsoft.com/office/drawing/2014/main" xmlns:p14="http://schemas.microsoft.com/office/powerpoint/2010/main" xmlns:a14="http://schemas.microsoft.com/office/drawing/2010/main" w="9525">
                   <a:solidFill>
                     <a:srgbClr val="000000"/>
                   </a:solidFill>
@@ -13695,7 +13696,7 @@
             </a:ln>
             <a:extLst>
               <a:ext uri="{91240B29-F687-4f45-9708-019B960494DF}">
-                <a14:hiddenLine xmlns:a14="http://schemas.microsoft.com/office/drawing/2010/main" xmlns:p14="http://schemas.microsoft.com/office/powerpoint/2010/main" xmlns:a16="http://schemas.microsoft.com/office/drawing/2014/main" xmlns="" w="9525">
+                <a14:hiddenLine xmlns="" xmlns:a16="http://schemas.microsoft.com/office/drawing/2014/main" xmlns:p14="http://schemas.microsoft.com/office/powerpoint/2010/main" xmlns:a14="http://schemas.microsoft.com/office/drawing/2010/main" w="9525">
                   <a:solidFill>
                     <a:srgbClr val="000000"/>
                   </a:solidFill>
@@ -13807,7 +13808,7 @@
             </a:ln>
             <a:extLst>
               <a:ext uri="{91240B29-F687-4f45-9708-019B960494DF}">
-                <a14:hiddenLine xmlns:a14="http://schemas.microsoft.com/office/drawing/2010/main" xmlns:p14="http://schemas.microsoft.com/office/powerpoint/2010/main" xmlns:a16="http://schemas.microsoft.com/office/drawing/2014/main" xmlns="" w="9525">
+                <a14:hiddenLine xmlns="" xmlns:a16="http://schemas.microsoft.com/office/drawing/2014/main" xmlns:p14="http://schemas.microsoft.com/office/powerpoint/2010/main" xmlns:a14="http://schemas.microsoft.com/office/drawing/2010/main" w="9525">
                   <a:solidFill>
                     <a:srgbClr val="000000"/>
                   </a:solidFill>
@@ -13891,7 +13892,7 @@
             </a:ln>
             <a:extLst>
               <a:ext uri="{91240B29-F687-4f45-9708-019B960494DF}">
-                <a14:hiddenLine xmlns:a14="http://schemas.microsoft.com/office/drawing/2010/main" xmlns:p14="http://schemas.microsoft.com/office/powerpoint/2010/main" xmlns:a16="http://schemas.microsoft.com/office/drawing/2014/main" xmlns="" w="9525">
+                <a14:hiddenLine xmlns="" xmlns:a16="http://schemas.microsoft.com/office/drawing/2014/main" xmlns:p14="http://schemas.microsoft.com/office/powerpoint/2010/main" xmlns:a14="http://schemas.microsoft.com/office/drawing/2010/main" w="9525">
                   <a:solidFill>
                     <a:srgbClr val="000000"/>
                   </a:solidFill>
@@ -13975,7 +13976,7 @@
             </a:ln>
             <a:extLst>
               <a:ext uri="{91240B29-F687-4f45-9708-019B960494DF}">
-                <a14:hiddenLine xmlns:a14="http://schemas.microsoft.com/office/drawing/2010/main" xmlns:p14="http://schemas.microsoft.com/office/powerpoint/2010/main" xmlns:a16="http://schemas.microsoft.com/office/drawing/2014/main" xmlns="" w="9525">
+                <a14:hiddenLine xmlns="" xmlns:a16="http://schemas.microsoft.com/office/drawing/2014/main" xmlns:p14="http://schemas.microsoft.com/office/powerpoint/2010/main" xmlns:a14="http://schemas.microsoft.com/office/drawing/2010/main" w="9525">
                   <a:solidFill>
                     <a:srgbClr val="000000"/>
                   </a:solidFill>
@@ -14087,7 +14088,7 @@
             </a:ln>
             <a:extLst>
               <a:ext uri="{91240B29-F687-4f45-9708-019B960494DF}">
-                <a14:hiddenLine xmlns:a14="http://schemas.microsoft.com/office/drawing/2010/main" xmlns:p14="http://schemas.microsoft.com/office/powerpoint/2010/main" xmlns:a16="http://schemas.microsoft.com/office/drawing/2014/main" xmlns="" w="9525">
+                <a14:hiddenLine xmlns="" xmlns:a16="http://schemas.microsoft.com/office/drawing/2014/main" xmlns:p14="http://schemas.microsoft.com/office/powerpoint/2010/main" xmlns:a14="http://schemas.microsoft.com/office/drawing/2010/main" w="9525">
                   <a:solidFill>
                     <a:srgbClr val="000000"/>
                   </a:solidFill>
@@ -14199,7 +14200,7 @@
             </a:ln>
             <a:extLst>
               <a:ext uri="{91240B29-F687-4f45-9708-019B960494DF}">
-                <a14:hiddenLine xmlns:a14="http://schemas.microsoft.com/office/drawing/2010/main" xmlns:p14="http://schemas.microsoft.com/office/powerpoint/2010/main" xmlns:a16="http://schemas.microsoft.com/office/drawing/2014/main" xmlns="" w="9525">
+                <a14:hiddenLine xmlns="" xmlns:a16="http://schemas.microsoft.com/office/drawing/2014/main" xmlns:p14="http://schemas.microsoft.com/office/powerpoint/2010/main" xmlns:a14="http://schemas.microsoft.com/office/drawing/2010/main" w="9525">
                   <a:solidFill>
                     <a:srgbClr val="000000"/>
                   </a:solidFill>
@@ -14283,7 +14284,7 @@
             </a:ln>
             <a:extLst>
               <a:ext uri="{91240B29-F687-4f45-9708-019B960494DF}">
-                <a14:hiddenLine xmlns:a14="http://schemas.microsoft.com/office/drawing/2010/main" xmlns:p14="http://schemas.microsoft.com/office/powerpoint/2010/main" xmlns:a16="http://schemas.microsoft.com/office/drawing/2014/main" xmlns="" w="9525">
+                <a14:hiddenLine xmlns="" xmlns:a16="http://schemas.microsoft.com/office/drawing/2014/main" xmlns:p14="http://schemas.microsoft.com/office/powerpoint/2010/main" xmlns:a14="http://schemas.microsoft.com/office/drawing/2010/main" w="9525">
                   <a:solidFill>
                     <a:srgbClr val="000000"/>
                   </a:solidFill>
@@ -14415,7 +14416,7 @@
             </a:ln>
             <a:extLst>
               <a:ext uri="{91240B29-F687-4f45-9708-019B960494DF}">
-                <a14:hiddenLine xmlns:a14="http://schemas.microsoft.com/office/drawing/2010/main" xmlns:p14="http://schemas.microsoft.com/office/powerpoint/2010/main" xmlns:a16="http://schemas.microsoft.com/office/drawing/2014/main" xmlns="" w="9525">
+                <a14:hiddenLine xmlns="" xmlns:a16="http://schemas.microsoft.com/office/drawing/2014/main" xmlns:p14="http://schemas.microsoft.com/office/powerpoint/2010/main" xmlns:a14="http://schemas.microsoft.com/office/drawing/2010/main" w="9525">
                   <a:solidFill>
                     <a:srgbClr val="000000"/>
                   </a:solidFill>
@@ -14543,7 +14544,7 @@
             </a:ln>
             <a:extLst>
               <a:ext uri="{91240B29-F687-4f45-9708-019B960494DF}">
-                <a14:hiddenLine xmlns:a14="http://schemas.microsoft.com/office/drawing/2010/main" xmlns:p14="http://schemas.microsoft.com/office/powerpoint/2010/main" xmlns:a16="http://schemas.microsoft.com/office/drawing/2014/main" xmlns="" w="9525">
+                <a14:hiddenLine xmlns="" xmlns:a16="http://schemas.microsoft.com/office/drawing/2014/main" xmlns:p14="http://schemas.microsoft.com/office/powerpoint/2010/main" xmlns:a14="http://schemas.microsoft.com/office/drawing/2010/main" w="9525">
                   <a:solidFill>
                     <a:srgbClr val="000000"/>
                   </a:solidFill>
@@ -14627,7 +14628,7 @@
             </a:ln>
             <a:extLst>
               <a:ext uri="{91240B29-F687-4f45-9708-019B960494DF}">
-                <a14:hiddenLine xmlns:a14="http://schemas.microsoft.com/office/drawing/2010/main" xmlns:p14="http://schemas.microsoft.com/office/powerpoint/2010/main" xmlns:a16="http://schemas.microsoft.com/office/drawing/2014/main" xmlns="" w="9525">
+                <a14:hiddenLine xmlns="" xmlns:a16="http://schemas.microsoft.com/office/drawing/2014/main" xmlns:p14="http://schemas.microsoft.com/office/powerpoint/2010/main" xmlns:a14="http://schemas.microsoft.com/office/drawing/2010/main" w="9525">
                   <a:solidFill>
                     <a:srgbClr val="000000"/>
                   </a:solidFill>
@@ -14711,7 +14712,7 @@
             </a:ln>
             <a:extLst>
               <a:ext uri="{91240B29-F687-4f45-9708-019B960494DF}">
-                <a14:hiddenLine xmlns:a14="http://schemas.microsoft.com/office/drawing/2010/main" xmlns:p14="http://schemas.microsoft.com/office/powerpoint/2010/main" xmlns:a16="http://schemas.microsoft.com/office/drawing/2014/main" xmlns="" w="9525">
+                <a14:hiddenLine xmlns="" xmlns:a16="http://schemas.microsoft.com/office/drawing/2014/main" xmlns:p14="http://schemas.microsoft.com/office/powerpoint/2010/main" xmlns:a14="http://schemas.microsoft.com/office/drawing/2010/main" w="9525">
                   <a:solidFill>
                     <a:srgbClr val="000000"/>
                   </a:solidFill>
@@ -14823,7 +14824,7 @@
             </a:ln>
             <a:extLst>
               <a:ext uri="{91240B29-F687-4f45-9708-019B960494DF}">
-                <a14:hiddenLine xmlns:a14="http://schemas.microsoft.com/office/drawing/2010/main" xmlns:p14="http://schemas.microsoft.com/office/powerpoint/2010/main" xmlns:a16="http://schemas.microsoft.com/office/drawing/2014/main" xmlns="" w="9525">
+                <a14:hiddenLine xmlns="" xmlns:a16="http://schemas.microsoft.com/office/drawing/2014/main" xmlns:p14="http://schemas.microsoft.com/office/powerpoint/2010/main" xmlns:a14="http://schemas.microsoft.com/office/drawing/2010/main" w="9525">
                   <a:solidFill>
                     <a:srgbClr val="000000"/>
                   </a:solidFill>
@@ -14879,7 +14880,7 @@
             </a:ln>
             <a:extLst>
               <a:ext uri="{91240B29-F687-4f45-9708-019B960494DF}">
-                <a14:hiddenLine xmlns:a14="http://schemas.microsoft.com/office/drawing/2010/main" xmlns:p14="http://schemas.microsoft.com/office/powerpoint/2010/main" xmlns:a16="http://schemas.microsoft.com/office/drawing/2014/main" xmlns="" w="9525">
+                <a14:hiddenLine xmlns="" xmlns:a16="http://schemas.microsoft.com/office/drawing/2014/main" xmlns:p14="http://schemas.microsoft.com/office/powerpoint/2010/main" xmlns:a14="http://schemas.microsoft.com/office/drawing/2010/main" w="9525">
                   <a:solidFill>
                     <a:srgbClr val="000000"/>
                   </a:solidFill>
@@ -14966,7 +14967,7 @@
             </a:ln>
             <a:extLst>
               <a:ext uri="{91240B29-F687-4f45-9708-019B960494DF}">
-                <a14:hiddenLine xmlns:a14="http://schemas.microsoft.com/office/drawing/2010/main" xmlns:p14="http://schemas.microsoft.com/office/powerpoint/2010/main" xmlns:a16="http://schemas.microsoft.com/office/drawing/2014/main" xmlns="" w="9525">
+                <a14:hiddenLine xmlns="" xmlns:a16="http://schemas.microsoft.com/office/drawing/2014/main" xmlns:p14="http://schemas.microsoft.com/office/powerpoint/2010/main" xmlns:a14="http://schemas.microsoft.com/office/drawing/2010/main" w="9525">
                   <a:solidFill>
                     <a:srgbClr val="000000"/>
                   </a:solidFill>
@@ -15078,7 +15079,7 @@
             </a:ln>
             <a:extLst>
               <a:ext uri="{91240B29-F687-4f45-9708-019B960494DF}">
-                <a14:hiddenLine xmlns:a14="http://schemas.microsoft.com/office/drawing/2010/main" xmlns:p14="http://schemas.microsoft.com/office/powerpoint/2010/main" xmlns:a16="http://schemas.microsoft.com/office/drawing/2014/main" xmlns="" w="9525">
+                <a14:hiddenLine xmlns="" xmlns:a16="http://schemas.microsoft.com/office/drawing/2014/main" xmlns:p14="http://schemas.microsoft.com/office/powerpoint/2010/main" xmlns:a14="http://schemas.microsoft.com/office/drawing/2010/main" w="9525">
                   <a:solidFill>
                     <a:srgbClr val="000000"/>
                   </a:solidFill>
@@ -15162,7 +15163,7 @@
             </a:ln>
             <a:extLst>
               <a:ext uri="{91240B29-F687-4f45-9708-019B960494DF}">
-                <a14:hiddenLine xmlns:a14="http://schemas.microsoft.com/office/drawing/2010/main" xmlns:p14="http://schemas.microsoft.com/office/powerpoint/2010/main" xmlns:a16="http://schemas.microsoft.com/office/drawing/2014/main" xmlns="" w="9525">
+                <a14:hiddenLine xmlns="" xmlns:a16="http://schemas.microsoft.com/office/drawing/2014/main" xmlns:p14="http://schemas.microsoft.com/office/powerpoint/2010/main" xmlns:a14="http://schemas.microsoft.com/office/drawing/2010/main" w="9525">
                   <a:solidFill>
                     <a:srgbClr val="000000"/>
                   </a:solidFill>
@@ -15274,7 +15275,7 @@
             </a:ln>
             <a:extLst>
               <a:ext uri="{91240B29-F687-4f45-9708-019B960494DF}">
-                <a14:hiddenLine xmlns:a14="http://schemas.microsoft.com/office/drawing/2010/main" xmlns:p14="http://schemas.microsoft.com/office/powerpoint/2010/main" xmlns:a16="http://schemas.microsoft.com/office/drawing/2014/main" xmlns="" w="9525">
+                <a14:hiddenLine xmlns="" xmlns:a16="http://schemas.microsoft.com/office/drawing/2014/main" xmlns:p14="http://schemas.microsoft.com/office/powerpoint/2010/main" xmlns:a14="http://schemas.microsoft.com/office/drawing/2010/main" w="9525">
                   <a:solidFill>
                     <a:srgbClr val="000000"/>
                   </a:solidFill>
@@ -15361,7 +15362,7 @@
             </a:ln>
             <a:extLst>
               <a:ext uri="{91240B29-F687-4f45-9708-019B960494DF}">
-                <a14:hiddenLine xmlns:a14="http://schemas.microsoft.com/office/drawing/2010/main" xmlns:p14="http://schemas.microsoft.com/office/powerpoint/2010/main" xmlns:a16="http://schemas.microsoft.com/office/drawing/2014/main" xmlns="" w="9525">
+                <a14:hiddenLine xmlns="" xmlns:a16="http://schemas.microsoft.com/office/drawing/2014/main" xmlns:p14="http://schemas.microsoft.com/office/powerpoint/2010/main" xmlns:a14="http://schemas.microsoft.com/office/drawing/2010/main" w="9525">
                   <a:solidFill>
                     <a:srgbClr val="000000"/>
                   </a:solidFill>
@@ -15445,7 +15446,7 @@
             </a:ln>
             <a:extLst>
               <a:ext uri="{91240B29-F687-4f45-9708-019B960494DF}">
-                <a14:hiddenLine xmlns:a14="http://schemas.microsoft.com/office/drawing/2010/main" xmlns:p14="http://schemas.microsoft.com/office/powerpoint/2010/main" xmlns:a16="http://schemas.microsoft.com/office/drawing/2014/main" xmlns="" w="9525">
+                <a14:hiddenLine xmlns="" xmlns:a16="http://schemas.microsoft.com/office/drawing/2014/main" xmlns:p14="http://schemas.microsoft.com/office/powerpoint/2010/main" xmlns:a14="http://schemas.microsoft.com/office/drawing/2010/main" w="9525">
                   <a:solidFill>
                     <a:srgbClr val="000000"/>
                   </a:solidFill>
@@ -15557,7 +15558,7 @@
             </a:ln>
             <a:extLst>
               <a:ext uri="{91240B29-F687-4f45-9708-019B960494DF}">
-                <a14:hiddenLine xmlns:a14="http://schemas.microsoft.com/office/drawing/2010/main" xmlns:p14="http://schemas.microsoft.com/office/powerpoint/2010/main" xmlns:a16="http://schemas.microsoft.com/office/drawing/2014/main" xmlns="" w="9525">
+                <a14:hiddenLine xmlns="" xmlns:a16="http://schemas.microsoft.com/office/drawing/2014/main" xmlns:p14="http://schemas.microsoft.com/office/powerpoint/2010/main" xmlns:a14="http://schemas.microsoft.com/office/drawing/2010/main" w="9525">
                   <a:solidFill>
                     <a:srgbClr val="000000"/>
                   </a:solidFill>
@@ -15669,7 +15670,7 @@
             </a:ln>
             <a:extLst>
               <a:ext uri="{91240B29-F687-4f45-9708-019B960494DF}">
-                <a14:hiddenLine xmlns:a14="http://schemas.microsoft.com/office/drawing/2010/main" xmlns:p14="http://schemas.microsoft.com/office/powerpoint/2010/main" xmlns:a16="http://schemas.microsoft.com/office/drawing/2014/main" xmlns="" w="9525">
+                <a14:hiddenLine xmlns="" xmlns:a16="http://schemas.microsoft.com/office/drawing/2014/main" xmlns:p14="http://schemas.microsoft.com/office/powerpoint/2010/main" xmlns:a14="http://schemas.microsoft.com/office/drawing/2010/main" w="9525">
                   <a:solidFill>
                     <a:srgbClr val="000000"/>
                   </a:solidFill>
@@ -15756,7 +15757,7 @@
             </a:ln>
             <a:extLst>
               <a:ext uri="{91240B29-F687-4f45-9708-019B960494DF}">
-                <a14:hiddenLine xmlns:a14="http://schemas.microsoft.com/office/drawing/2010/main" xmlns:p14="http://schemas.microsoft.com/office/powerpoint/2010/main" xmlns:a16="http://schemas.microsoft.com/office/drawing/2014/main" xmlns="" w="9525">
+                <a14:hiddenLine xmlns="" xmlns:a16="http://schemas.microsoft.com/office/drawing/2014/main" xmlns:p14="http://schemas.microsoft.com/office/powerpoint/2010/main" xmlns:a14="http://schemas.microsoft.com/office/drawing/2010/main" w="9525">
                   <a:solidFill>
                     <a:srgbClr val="000000"/>
                   </a:solidFill>
@@ -15898,7 +15899,7 @@
             </a:ln>
             <a:extLst>
               <a:ext uri="{91240B29-F687-4f45-9708-019B960494DF}">
-                <a14:hiddenLine xmlns:a14="http://schemas.microsoft.com/office/drawing/2010/main" xmlns:p14="http://schemas.microsoft.com/office/powerpoint/2010/main" xmlns:a16="http://schemas.microsoft.com/office/drawing/2014/main" xmlns="" w="9525">
+                <a14:hiddenLine xmlns="" xmlns:a16="http://schemas.microsoft.com/office/drawing/2014/main" xmlns:p14="http://schemas.microsoft.com/office/powerpoint/2010/main" xmlns:a14="http://schemas.microsoft.com/office/drawing/2010/main" w="9525">
                   <a:solidFill>
                     <a:srgbClr val="000000"/>
                   </a:solidFill>
@@ -16004,7 +16005,7 @@
           <a:noFill/>
           <a:extLst>
             <a:ext uri="{909E8E84-426E-40dd-AFC4-6F175D3DCCD1}">
-              <a14:hiddenFill xmlns:a14="http://schemas.microsoft.com/office/drawing/2010/main" xmlns:p14="http://schemas.microsoft.com/office/powerpoint/2010/main" xmlns:a16="http://schemas.microsoft.com/office/drawing/2014/main" xmlns="">
+              <a14:hiddenFill xmlns="" xmlns:a16="http://schemas.microsoft.com/office/drawing/2014/main" xmlns:p14="http://schemas.microsoft.com/office/powerpoint/2010/main" xmlns:a14="http://schemas.microsoft.com/office/drawing/2010/main">
                 <a:solidFill>
                   <a:srgbClr val="FFFFFF"/>
                 </a:solidFill>
@@ -16125,7 +16126,7 @@
               </a:ln>
               <a:extLst>
                 <a:ext uri="{91240B29-F687-4f45-9708-019B960494DF}">
-                  <a14:hiddenLine xmlns:a14="http://schemas.microsoft.com/office/drawing/2010/main" xmlns:p14="http://schemas.microsoft.com/office/powerpoint/2010/main" xmlns:a16="http://schemas.microsoft.com/office/drawing/2014/main" xmlns="" w="9525">
+                  <a14:hiddenLine xmlns="" xmlns:a16="http://schemas.microsoft.com/office/drawing/2014/main" xmlns:p14="http://schemas.microsoft.com/office/powerpoint/2010/main" xmlns:a14="http://schemas.microsoft.com/office/drawing/2010/main" w="9525">
                     <a:solidFill>
                       <a:srgbClr val="000000"/>
                     </a:solidFill>
@@ -16237,7 +16238,7 @@
               </a:ln>
               <a:extLst>
                 <a:ext uri="{91240B29-F687-4f45-9708-019B960494DF}">
-                  <a14:hiddenLine xmlns:a14="http://schemas.microsoft.com/office/drawing/2010/main" xmlns:p14="http://schemas.microsoft.com/office/powerpoint/2010/main" xmlns:a16="http://schemas.microsoft.com/office/drawing/2014/main" xmlns="" w="9525">
+                  <a14:hiddenLine xmlns="" xmlns:a16="http://schemas.microsoft.com/office/drawing/2014/main" xmlns:p14="http://schemas.microsoft.com/office/powerpoint/2010/main" xmlns:a14="http://schemas.microsoft.com/office/drawing/2010/main" w="9525">
                     <a:solidFill>
                       <a:srgbClr val="000000"/>
                     </a:solidFill>
@@ -16349,7 +16350,7 @@
               </a:ln>
               <a:extLst>
                 <a:ext uri="{91240B29-F687-4f45-9708-019B960494DF}">
-                  <a14:hiddenLine xmlns:a14="http://schemas.microsoft.com/office/drawing/2010/main" xmlns:p14="http://schemas.microsoft.com/office/powerpoint/2010/main" xmlns:a16="http://schemas.microsoft.com/office/drawing/2014/main" xmlns="" w="9525">
+                  <a14:hiddenLine xmlns="" xmlns:a16="http://schemas.microsoft.com/office/drawing/2014/main" xmlns:p14="http://schemas.microsoft.com/office/powerpoint/2010/main" xmlns:a14="http://schemas.microsoft.com/office/drawing/2010/main" w="9525">
                     <a:solidFill>
                       <a:srgbClr val="000000"/>
                     </a:solidFill>
@@ -16433,7 +16434,7 @@
               </a:ln>
               <a:extLst>
                 <a:ext uri="{91240B29-F687-4f45-9708-019B960494DF}">
-                  <a14:hiddenLine xmlns:a14="http://schemas.microsoft.com/office/drawing/2010/main" xmlns:p14="http://schemas.microsoft.com/office/powerpoint/2010/main" xmlns:a16="http://schemas.microsoft.com/office/drawing/2014/main" xmlns="" w="9525">
+                  <a14:hiddenLine xmlns="" xmlns:a16="http://schemas.microsoft.com/office/drawing/2014/main" xmlns:p14="http://schemas.microsoft.com/office/powerpoint/2010/main" xmlns:a14="http://schemas.microsoft.com/office/drawing/2010/main" w="9525">
                     <a:solidFill>
                       <a:srgbClr val="000000"/>
                     </a:solidFill>
@@ -16545,7 +16546,7 @@
               </a:ln>
               <a:extLst>
                 <a:ext uri="{91240B29-F687-4f45-9708-019B960494DF}">
-                  <a14:hiddenLine xmlns:a14="http://schemas.microsoft.com/office/drawing/2010/main" xmlns:p14="http://schemas.microsoft.com/office/powerpoint/2010/main" xmlns:a16="http://schemas.microsoft.com/office/drawing/2014/main" xmlns="" w="9525">
+                  <a14:hiddenLine xmlns="" xmlns:a16="http://schemas.microsoft.com/office/drawing/2014/main" xmlns:p14="http://schemas.microsoft.com/office/powerpoint/2010/main" xmlns:a14="http://schemas.microsoft.com/office/drawing/2010/main" w="9525">
                     <a:solidFill>
                       <a:srgbClr val="000000"/>
                     </a:solidFill>
@@ -16629,7 +16630,7 @@
               </a:ln>
               <a:extLst>
                 <a:ext uri="{91240B29-F687-4f45-9708-019B960494DF}">
-                  <a14:hiddenLine xmlns:a14="http://schemas.microsoft.com/office/drawing/2010/main" xmlns:p14="http://schemas.microsoft.com/office/powerpoint/2010/main" xmlns:a16="http://schemas.microsoft.com/office/drawing/2014/main" xmlns="" w="9525">
+                  <a14:hiddenLine xmlns="" xmlns:a16="http://schemas.microsoft.com/office/drawing/2014/main" xmlns:p14="http://schemas.microsoft.com/office/powerpoint/2010/main" xmlns:a14="http://schemas.microsoft.com/office/drawing/2010/main" w="9525">
                     <a:solidFill>
                       <a:srgbClr val="000000"/>
                     </a:solidFill>
@@ -16713,7 +16714,7 @@
               </a:ln>
               <a:extLst>
                 <a:ext uri="{91240B29-F687-4f45-9708-019B960494DF}">
-                  <a14:hiddenLine xmlns:a14="http://schemas.microsoft.com/office/drawing/2010/main" xmlns:p14="http://schemas.microsoft.com/office/powerpoint/2010/main" xmlns:a16="http://schemas.microsoft.com/office/drawing/2014/main" xmlns="" w="9525">
+                  <a14:hiddenLine xmlns="" xmlns:a16="http://schemas.microsoft.com/office/drawing/2014/main" xmlns:p14="http://schemas.microsoft.com/office/powerpoint/2010/main" xmlns:a14="http://schemas.microsoft.com/office/drawing/2010/main" w="9525">
                     <a:solidFill>
                       <a:srgbClr val="000000"/>
                     </a:solidFill>
@@ -16825,7 +16826,7 @@
               </a:ln>
               <a:extLst>
                 <a:ext uri="{91240B29-F687-4f45-9708-019B960494DF}">
-                  <a14:hiddenLine xmlns:a14="http://schemas.microsoft.com/office/drawing/2010/main" xmlns:p14="http://schemas.microsoft.com/office/powerpoint/2010/main" xmlns:a16="http://schemas.microsoft.com/office/drawing/2014/main" xmlns="" w="9525">
+                  <a14:hiddenLine xmlns="" xmlns:a16="http://schemas.microsoft.com/office/drawing/2014/main" xmlns:p14="http://schemas.microsoft.com/office/powerpoint/2010/main" xmlns:a14="http://schemas.microsoft.com/office/drawing/2010/main" w="9525">
                     <a:solidFill>
                       <a:srgbClr val="000000"/>
                     </a:solidFill>
@@ -16937,7 +16938,7 @@
               </a:ln>
               <a:extLst>
                 <a:ext uri="{91240B29-F687-4f45-9708-019B960494DF}">
-                  <a14:hiddenLine xmlns:a14="http://schemas.microsoft.com/office/drawing/2010/main" xmlns:p14="http://schemas.microsoft.com/office/powerpoint/2010/main" xmlns:a16="http://schemas.microsoft.com/office/drawing/2014/main" xmlns="" w="9525">
+                  <a14:hiddenLine xmlns="" xmlns:a16="http://schemas.microsoft.com/office/drawing/2014/main" xmlns:p14="http://schemas.microsoft.com/office/powerpoint/2010/main" xmlns:a14="http://schemas.microsoft.com/office/drawing/2010/main" w="9525">
                     <a:solidFill>
                       <a:srgbClr val="000000"/>
                     </a:solidFill>
@@ -17021,7 +17022,7 @@
               </a:ln>
               <a:extLst>
                 <a:ext uri="{91240B29-F687-4f45-9708-019B960494DF}">
-                  <a14:hiddenLine xmlns:a14="http://schemas.microsoft.com/office/drawing/2010/main" xmlns:p14="http://schemas.microsoft.com/office/powerpoint/2010/main" xmlns:a16="http://schemas.microsoft.com/office/drawing/2014/main" xmlns="" w="9525">
+                  <a14:hiddenLine xmlns="" xmlns:a16="http://schemas.microsoft.com/office/drawing/2014/main" xmlns:p14="http://schemas.microsoft.com/office/powerpoint/2010/main" xmlns:a14="http://schemas.microsoft.com/office/drawing/2010/main" w="9525">
                     <a:solidFill>
                       <a:srgbClr val="000000"/>
                     </a:solidFill>
@@ -17153,7 +17154,7 @@
               </a:ln>
               <a:extLst>
                 <a:ext uri="{91240B29-F687-4f45-9708-019B960494DF}">
-                  <a14:hiddenLine xmlns:a14="http://schemas.microsoft.com/office/drawing/2010/main" xmlns:p14="http://schemas.microsoft.com/office/powerpoint/2010/main" xmlns:a16="http://schemas.microsoft.com/office/drawing/2014/main" xmlns="" w="9525">
+                  <a14:hiddenLine xmlns="" xmlns:a16="http://schemas.microsoft.com/office/drawing/2014/main" xmlns:p14="http://schemas.microsoft.com/office/powerpoint/2010/main" xmlns:a14="http://schemas.microsoft.com/office/drawing/2010/main" w="9525">
                     <a:solidFill>
                       <a:srgbClr val="000000"/>
                     </a:solidFill>
@@ -17281,7 +17282,7 @@
               </a:ln>
               <a:extLst>
                 <a:ext uri="{91240B29-F687-4f45-9708-019B960494DF}">
-                  <a14:hiddenLine xmlns:a14="http://schemas.microsoft.com/office/drawing/2010/main" xmlns:p14="http://schemas.microsoft.com/office/powerpoint/2010/main" xmlns:a16="http://schemas.microsoft.com/office/drawing/2014/main" xmlns="" w="9525">
+                  <a14:hiddenLine xmlns="" xmlns:a16="http://schemas.microsoft.com/office/drawing/2014/main" xmlns:p14="http://schemas.microsoft.com/office/powerpoint/2010/main" xmlns:a14="http://schemas.microsoft.com/office/drawing/2010/main" w="9525">
                     <a:solidFill>
                       <a:srgbClr val="000000"/>
                     </a:solidFill>
@@ -17365,7 +17366,7 @@
               </a:ln>
               <a:extLst>
                 <a:ext uri="{91240B29-F687-4f45-9708-019B960494DF}">
-                  <a14:hiddenLine xmlns:a14="http://schemas.microsoft.com/office/drawing/2010/main" xmlns:p14="http://schemas.microsoft.com/office/powerpoint/2010/main" xmlns:a16="http://schemas.microsoft.com/office/drawing/2014/main" xmlns="" w="9525">
+                  <a14:hiddenLine xmlns="" xmlns:a16="http://schemas.microsoft.com/office/drawing/2014/main" xmlns:p14="http://schemas.microsoft.com/office/powerpoint/2010/main" xmlns:a14="http://schemas.microsoft.com/office/drawing/2010/main" w="9525">
                     <a:solidFill>
                       <a:srgbClr val="000000"/>
                     </a:solidFill>
@@ -17449,7 +17450,7 @@
               </a:ln>
               <a:extLst>
                 <a:ext uri="{91240B29-F687-4f45-9708-019B960494DF}">
-                  <a14:hiddenLine xmlns:a14="http://schemas.microsoft.com/office/drawing/2010/main" xmlns:p14="http://schemas.microsoft.com/office/powerpoint/2010/main" xmlns:a16="http://schemas.microsoft.com/office/drawing/2014/main" xmlns="" w="9525">
+                  <a14:hiddenLine xmlns="" xmlns:a16="http://schemas.microsoft.com/office/drawing/2014/main" xmlns:p14="http://schemas.microsoft.com/office/powerpoint/2010/main" xmlns:a14="http://schemas.microsoft.com/office/drawing/2010/main" w="9525">
                     <a:solidFill>
                       <a:srgbClr val="000000"/>
                     </a:solidFill>
@@ -17561,7 +17562,7 @@
               </a:ln>
               <a:extLst>
                 <a:ext uri="{91240B29-F687-4f45-9708-019B960494DF}">
-                  <a14:hiddenLine xmlns:a14="http://schemas.microsoft.com/office/drawing/2010/main" xmlns:p14="http://schemas.microsoft.com/office/powerpoint/2010/main" xmlns:a16="http://schemas.microsoft.com/office/drawing/2014/main" xmlns="" w="9525">
+                  <a14:hiddenLine xmlns="" xmlns:a16="http://schemas.microsoft.com/office/drawing/2014/main" xmlns:p14="http://schemas.microsoft.com/office/powerpoint/2010/main" xmlns:a14="http://schemas.microsoft.com/office/drawing/2010/main" w="9525">
                     <a:solidFill>
                       <a:srgbClr val="000000"/>
                     </a:solidFill>
@@ -17617,7 +17618,7 @@
               </a:ln>
               <a:extLst>
                 <a:ext uri="{91240B29-F687-4f45-9708-019B960494DF}">
-                  <a14:hiddenLine xmlns:a14="http://schemas.microsoft.com/office/drawing/2010/main" xmlns:p14="http://schemas.microsoft.com/office/powerpoint/2010/main" xmlns:a16="http://schemas.microsoft.com/office/drawing/2014/main" xmlns="" w="9525">
+                  <a14:hiddenLine xmlns="" xmlns:a16="http://schemas.microsoft.com/office/drawing/2014/main" xmlns:p14="http://schemas.microsoft.com/office/powerpoint/2010/main" xmlns:a14="http://schemas.microsoft.com/office/drawing/2010/main" w="9525">
                     <a:solidFill>
                       <a:srgbClr val="000000"/>
                     </a:solidFill>
@@ -17704,7 +17705,7 @@
               </a:ln>
               <a:extLst>
                 <a:ext uri="{91240B29-F687-4f45-9708-019B960494DF}">
-                  <a14:hiddenLine xmlns:a14="http://schemas.microsoft.com/office/drawing/2010/main" xmlns:p14="http://schemas.microsoft.com/office/powerpoint/2010/main" xmlns:a16="http://schemas.microsoft.com/office/drawing/2014/main" xmlns="" w="9525">
+                  <a14:hiddenLine xmlns="" xmlns:a16="http://schemas.microsoft.com/office/drawing/2014/main" xmlns:p14="http://schemas.microsoft.com/office/powerpoint/2010/main" xmlns:a14="http://schemas.microsoft.com/office/drawing/2010/main" w="9525">
                     <a:solidFill>
                       <a:srgbClr val="000000"/>
                     </a:solidFill>
@@ -17816,7 +17817,7 @@
               </a:ln>
               <a:extLst>
                 <a:ext uri="{91240B29-F687-4f45-9708-019B960494DF}">
-                  <a14:hiddenLine xmlns:a14="http://schemas.microsoft.com/office/drawing/2010/main" xmlns:p14="http://schemas.microsoft.com/office/powerpoint/2010/main" xmlns:a16="http://schemas.microsoft.com/office/drawing/2014/main" xmlns="" w="9525">
+                  <a14:hiddenLine xmlns="" xmlns:a16="http://schemas.microsoft.com/office/drawing/2014/main" xmlns:p14="http://schemas.microsoft.com/office/powerpoint/2010/main" xmlns:a14="http://schemas.microsoft.com/office/drawing/2010/main" w="9525">
                     <a:solidFill>
                       <a:srgbClr val="000000"/>
                     </a:solidFill>
@@ -17900,7 +17901,7 @@
               </a:ln>
               <a:extLst>
                 <a:ext uri="{91240B29-F687-4f45-9708-019B960494DF}">
-                  <a14:hiddenLine xmlns:a14="http://schemas.microsoft.com/office/drawing/2010/main" xmlns:p14="http://schemas.microsoft.com/office/powerpoint/2010/main" xmlns:a16="http://schemas.microsoft.com/office/drawing/2014/main" xmlns="" w="9525">
+                  <a14:hiddenLine xmlns="" xmlns:a16="http://schemas.microsoft.com/office/drawing/2014/main" xmlns:p14="http://schemas.microsoft.com/office/powerpoint/2010/main" xmlns:a14="http://schemas.microsoft.com/office/drawing/2010/main" w="9525">
                     <a:solidFill>
                       <a:srgbClr val="000000"/>
                     </a:solidFill>
@@ -18012,7 +18013,7 @@
               </a:ln>
               <a:extLst>
                 <a:ext uri="{91240B29-F687-4f45-9708-019B960494DF}">
-                  <a14:hiddenLine xmlns:a14="http://schemas.microsoft.com/office/drawing/2010/main" xmlns:p14="http://schemas.microsoft.com/office/powerpoint/2010/main" xmlns:a16="http://schemas.microsoft.com/office/drawing/2014/main" xmlns="" w="9525">
+                  <a14:hiddenLine xmlns="" xmlns:a16="http://schemas.microsoft.com/office/drawing/2014/main" xmlns:p14="http://schemas.microsoft.com/office/powerpoint/2010/main" xmlns:a14="http://schemas.microsoft.com/office/drawing/2010/main" w="9525">
                     <a:solidFill>
                       <a:srgbClr val="000000"/>
                     </a:solidFill>
@@ -18099,7 +18100,7 @@
               </a:ln>
               <a:extLst>
                 <a:ext uri="{91240B29-F687-4f45-9708-019B960494DF}">
-                  <a14:hiddenLine xmlns:a14="http://schemas.microsoft.com/office/drawing/2010/main" xmlns:p14="http://schemas.microsoft.com/office/powerpoint/2010/main" xmlns:a16="http://schemas.microsoft.com/office/drawing/2014/main" xmlns="" w="9525">
+                  <a14:hiddenLine xmlns="" xmlns:a16="http://schemas.microsoft.com/office/drawing/2014/main" xmlns:p14="http://schemas.microsoft.com/office/powerpoint/2010/main" xmlns:a14="http://schemas.microsoft.com/office/drawing/2010/main" w="9525">
                     <a:solidFill>
                       <a:srgbClr val="000000"/>
                     </a:solidFill>
@@ -18183,7 +18184,7 @@
               </a:ln>
               <a:extLst>
                 <a:ext uri="{91240B29-F687-4f45-9708-019B960494DF}">
-                  <a14:hiddenLine xmlns:a14="http://schemas.microsoft.com/office/drawing/2010/main" xmlns:p14="http://schemas.microsoft.com/office/powerpoint/2010/main" xmlns:a16="http://schemas.microsoft.com/office/drawing/2014/main" xmlns="" w="9525">
+                  <a14:hiddenLine xmlns="" xmlns:a16="http://schemas.microsoft.com/office/drawing/2014/main" xmlns:p14="http://schemas.microsoft.com/office/powerpoint/2010/main" xmlns:a14="http://schemas.microsoft.com/office/drawing/2010/main" w="9525">
                     <a:solidFill>
                       <a:srgbClr val="000000"/>
                     </a:solidFill>
@@ -18295,7 +18296,7 @@
               </a:ln>
               <a:extLst>
                 <a:ext uri="{91240B29-F687-4f45-9708-019B960494DF}">
-                  <a14:hiddenLine xmlns:a14="http://schemas.microsoft.com/office/drawing/2010/main" xmlns:p14="http://schemas.microsoft.com/office/powerpoint/2010/main" xmlns:a16="http://schemas.microsoft.com/office/drawing/2014/main" xmlns="" w="9525">
+                  <a14:hiddenLine xmlns="" xmlns:a16="http://schemas.microsoft.com/office/drawing/2014/main" xmlns:p14="http://schemas.microsoft.com/office/powerpoint/2010/main" xmlns:a14="http://schemas.microsoft.com/office/drawing/2010/main" w="9525">
                     <a:solidFill>
                       <a:srgbClr val="000000"/>
                     </a:solidFill>
@@ -18407,7 +18408,7 @@
               </a:ln>
               <a:extLst>
                 <a:ext uri="{91240B29-F687-4f45-9708-019B960494DF}">
-                  <a14:hiddenLine xmlns:a14="http://schemas.microsoft.com/office/drawing/2010/main" xmlns:p14="http://schemas.microsoft.com/office/powerpoint/2010/main" xmlns:a16="http://schemas.microsoft.com/office/drawing/2014/main" xmlns="" w="9525">
+                  <a14:hiddenLine xmlns="" xmlns:a16="http://schemas.microsoft.com/office/drawing/2014/main" xmlns:p14="http://schemas.microsoft.com/office/powerpoint/2010/main" xmlns:a14="http://schemas.microsoft.com/office/drawing/2010/main" w="9525">
                     <a:solidFill>
                       <a:srgbClr val="000000"/>
                     </a:solidFill>
@@ -18494,7 +18495,7 @@
               </a:ln>
               <a:extLst>
                 <a:ext uri="{91240B29-F687-4f45-9708-019B960494DF}">
-                  <a14:hiddenLine xmlns:a14="http://schemas.microsoft.com/office/drawing/2010/main" xmlns:p14="http://schemas.microsoft.com/office/powerpoint/2010/main" xmlns:a16="http://schemas.microsoft.com/office/drawing/2014/main" xmlns="" w="9525">
+                  <a14:hiddenLine xmlns="" xmlns:a16="http://schemas.microsoft.com/office/drawing/2014/main" xmlns:p14="http://schemas.microsoft.com/office/powerpoint/2010/main" xmlns:a14="http://schemas.microsoft.com/office/drawing/2010/main" w="9525">
                     <a:solidFill>
                       <a:srgbClr val="000000"/>
                     </a:solidFill>
@@ -18636,7 +18637,7 @@
               </a:ln>
               <a:extLst>
                 <a:ext uri="{91240B29-F687-4f45-9708-019B960494DF}">
-                  <a14:hiddenLine xmlns:a14="http://schemas.microsoft.com/office/drawing/2010/main" xmlns:p14="http://schemas.microsoft.com/office/powerpoint/2010/main" xmlns:a16="http://schemas.microsoft.com/office/drawing/2014/main" xmlns="" w="9525">
+                  <a14:hiddenLine xmlns="" xmlns:a16="http://schemas.microsoft.com/office/drawing/2014/main" xmlns:p14="http://schemas.microsoft.com/office/powerpoint/2010/main" xmlns:a14="http://schemas.microsoft.com/office/drawing/2010/main" w="9525">
                     <a:solidFill>
                       <a:srgbClr val="000000"/>
                     </a:solidFill>
@@ -18771,7 +18772,7 @@
               </a:ln>
               <a:extLst>
                 <a:ext uri="{91240B29-F687-4f45-9708-019B960494DF}">
-                  <a14:hiddenLine xmlns:a14="http://schemas.microsoft.com/office/drawing/2010/main" xmlns:p14="http://schemas.microsoft.com/office/powerpoint/2010/main" xmlns:a16="http://schemas.microsoft.com/office/drawing/2014/main" xmlns="" w="9525">
+                  <a14:hiddenLine xmlns="" xmlns:a16="http://schemas.microsoft.com/office/drawing/2014/main" xmlns:p14="http://schemas.microsoft.com/office/powerpoint/2010/main" xmlns:a14="http://schemas.microsoft.com/office/drawing/2010/main" w="9525">
                     <a:solidFill>
                       <a:srgbClr val="000000"/>
                     </a:solidFill>
@@ -18908,7 +18909,7 @@
               </a:ln>
               <a:extLst>
                 <a:ext uri="{91240B29-F687-4f45-9708-019B960494DF}">
-                  <a14:hiddenLine xmlns:a14="http://schemas.microsoft.com/office/drawing/2010/main" xmlns:p14="http://schemas.microsoft.com/office/powerpoint/2010/main" xmlns:a16="http://schemas.microsoft.com/office/drawing/2014/main" xmlns="" w="9525">
+                  <a14:hiddenLine xmlns="" xmlns:a16="http://schemas.microsoft.com/office/drawing/2014/main" xmlns:p14="http://schemas.microsoft.com/office/powerpoint/2010/main" xmlns:a14="http://schemas.microsoft.com/office/drawing/2010/main" w="9525">
                     <a:solidFill>
                       <a:srgbClr val="000000"/>
                     </a:solidFill>
@@ -19020,7 +19021,7 @@
               </a:ln>
               <a:extLst>
                 <a:ext uri="{91240B29-F687-4f45-9708-019B960494DF}">
-                  <a14:hiddenLine xmlns:a14="http://schemas.microsoft.com/office/drawing/2010/main" xmlns:p14="http://schemas.microsoft.com/office/powerpoint/2010/main" xmlns:a16="http://schemas.microsoft.com/office/drawing/2014/main" xmlns="" w="9525">
+                  <a14:hiddenLine xmlns="" xmlns:a16="http://schemas.microsoft.com/office/drawing/2014/main" xmlns:p14="http://schemas.microsoft.com/office/powerpoint/2010/main" xmlns:a14="http://schemas.microsoft.com/office/drawing/2010/main" w="9525">
                     <a:solidFill>
                       <a:srgbClr val="000000"/>
                     </a:solidFill>
@@ -19107,7 +19108,7 @@
               </a:ln>
               <a:extLst>
                 <a:ext uri="{91240B29-F687-4f45-9708-019B960494DF}">
-                  <a14:hiddenLine xmlns:a14="http://schemas.microsoft.com/office/drawing/2010/main" xmlns:p14="http://schemas.microsoft.com/office/powerpoint/2010/main" xmlns:a16="http://schemas.microsoft.com/office/drawing/2014/main" xmlns="" w="9525">
+                  <a14:hiddenLine xmlns="" xmlns:a16="http://schemas.microsoft.com/office/drawing/2014/main" xmlns:p14="http://schemas.microsoft.com/office/powerpoint/2010/main" xmlns:a14="http://schemas.microsoft.com/office/drawing/2010/main" w="9525">
                     <a:solidFill>
                       <a:srgbClr val="000000"/>
                     </a:solidFill>
@@ -19219,7 +19220,7 @@
               </a:ln>
               <a:extLst>
                 <a:ext uri="{91240B29-F687-4f45-9708-019B960494DF}">
-                  <a14:hiddenLine xmlns:a14="http://schemas.microsoft.com/office/drawing/2010/main" xmlns:p14="http://schemas.microsoft.com/office/powerpoint/2010/main" xmlns:a16="http://schemas.microsoft.com/office/drawing/2014/main" xmlns="" w="9525">
+                  <a14:hiddenLine xmlns="" xmlns:a16="http://schemas.microsoft.com/office/drawing/2014/main" xmlns:p14="http://schemas.microsoft.com/office/powerpoint/2010/main" xmlns:a14="http://schemas.microsoft.com/office/drawing/2010/main" w="9525">
                     <a:solidFill>
                       <a:srgbClr val="000000"/>
                     </a:solidFill>
@@ -19309,7 +19310,7 @@
               </a:ln>
               <a:extLst>
                 <a:ext uri="{91240B29-F687-4f45-9708-019B960494DF}">
-                  <a14:hiddenLine xmlns:a14="http://schemas.microsoft.com/office/drawing/2010/main" xmlns:p14="http://schemas.microsoft.com/office/powerpoint/2010/main" xmlns:a16="http://schemas.microsoft.com/office/drawing/2014/main" xmlns="" w="9525">
+                  <a14:hiddenLine xmlns="" xmlns:a16="http://schemas.microsoft.com/office/drawing/2014/main" xmlns:p14="http://schemas.microsoft.com/office/powerpoint/2010/main" xmlns:a14="http://schemas.microsoft.com/office/drawing/2010/main" w="9525">
                     <a:solidFill>
                       <a:srgbClr val="000000"/>
                     </a:solidFill>
@@ -19421,7 +19422,7 @@
               </a:ln>
               <a:extLst>
                 <a:ext uri="{91240B29-F687-4f45-9708-019B960494DF}">
-                  <a14:hiddenLine xmlns:a14="http://schemas.microsoft.com/office/drawing/2010/main" xmlns:p14="http://schemas.microsoft.com/office/powerpoint/2010/main" xmlns:a16="http://schemas.microsoft.com/office/drawing/2014/main" xmlns="" w="9525">
+                  <a14:hiddenLine xmlns="" xmlns:a16="http://schemas.microsoft.com/office/drawing/2014/main" xmlns:p14="http://schemas.microsoft.com/office/powerpoint/2010/main" xmlns:a14="http://schemas.microsoft.com/office/drawing/2010/main" w="9525">
                     <a:solidFill>
                       <a:srgbClr val="000000"/>
                     </a:solidFill>
@@ -19511,7 +19512,7 @@
               </a:ln>
               <a:extLst>
                 <a:ext uri="{91240B29-F687-4f45-9708-019B960494DF}">
-                  <a14:hiddenLine xmlns:a14="http://schemas.microsoft.com/office/drawing/2010/main" xmlns:p14="http://schemas.microsoft.com/office/powerpoint/2010/main" xmlns:a16="http://schemas.microsoft.com/office/drawing/2014/main" xmlns="" w="9525">
+                  <a14:hiddenLine xmlns="" xmlns:a16="http://schemas.microsoft.com/office/drawing/2014/main" xmlns:p14="http://schemas.microsoft.com/office/powerpoint/2010/main" xmlns:a14="http://schemas.microsoft.com/office/drawing/2010/main" w="9525">
                     <a:solidFill>
                       <a:srgbClr val="000000"/>
                     </a:solidFill>
@@ -19623,7 +19624,7 @@
               </a:ln>
               <a:extLst>
                 <a:ext uri="{91240B29-F687-4f45-9708-019B960494DF}">
-                  <a14:hiddenLine xmlns:a14="http://schemas.microsoft.com/office/drawing/2010/main" xmlns:p14="http://schemas.microsoft.com/office/powerpoint/2010/main" xmlns:a16="http://schemas.microsoft.com/office/drawing/2014/main" xmlns="" w="9525">
+                  <a14:hiddenLine xmlns="" xmlns:a16="http://schemas.microsoft.com/office/drawing/2014/main" xmlns:p14="http://schemas.microsoft.com/office/powerpoint/2010/main" xmlns:a14="http://schemas.microsoft.com/office/drawing/2010/main" w="9525">
                     <a:solidFill>
                       <a:srgbClr val="000000"/>
                     </a:solidFill>
@@ -19679,7 +19680,7 @@
               </a:ln>
               <a:extLst>
                 <a:ext uri="{91240B29-F687-4f45-9708-019B960494DF}">
-                  <a14:hiddenLine xmlns:a14="http://schemas.microsoft.com/office/drawing/2010/main" xmlns:p14="http://schemas.microsoft.com/office/powerpoint/2010/main" xmlns:a16="http://schemas.microsoft.com/office/drawing/2014/main" xmlns="" w="9525">
+                  <a14:hiddenLine xmlns="" xmlns:a16="http://schemas.microsoft.com/office/drawing/2014/main" xmlns:p14="http://schemas.microsoft.com/office/powerpoint/2010/main" xmlns:a14="http://schemas.microsoft.com/office/drawing/2010/main" w="9525">
                     <a:solidFill>
                       <a:srgbClr val="000000"/>
                     </a:solidFill>
@@ -19872,7 +19873,7 @@
               </a:ln>
               <a:extLst>
                 <a:ext uri="{91240B29-F687-4f45-9708-019B960494DF}">
-                  <a14:hiddenLine xmlns:a14="http://schemas.microsoft.com/office/drawing/2010/main" xmlns:p14="http://schemas.microsoft.com/office/powerpoint/2010/main" xmlns:a16="http://schemas.microsoft.com/office/drawing/2014/main" xmlns="" w="9525">
+                  <a14:hiddenLine xmlns="" xmlns:a16="http://schemas.microsoft.com/office/drawing/2014/main" xmlns:p14="http://schemas.microsoft.com/office/powerpoint/2010/main" xmlns:a14="http://schemas.microsoft.com/office/drawing/2010/main" w="9525">
                     <a:solidFill>
                       <a:srgbClr val="000000"/>
                     </a:solidFill>
@@ -19984,7 +19985,7 @@
               </a:ln>
               <a:extLst>
                 <a:ext uri="{91240B29-F687-4f45-9708-019B960494DF}">
-                  <a14:hiddenLine xmlns:a14="http://schemas.microsoft.com/office/drawing/2010/main" xmlns:p14="http://schemas.microsoft.com/office/powerpoint/2010/main" xmlns:a16="http://schemas.microsoft.com/office/drawing/2014/main" xmlns="" w="9525">
+                  <a14:hiddenLine xmlns="" xmlns:a16="http://schemas.microsoft.com/office/drawing/2014/main" xmlns:p14="http://schemas.microsoft.com/office/powerpoint/2010/main" xmlns:a14="http://schemas.microsoft.com/office/drawing/2010/main" w="9525">
                     <a:solidFill>
                       <a:srgbClr val="000000"/>
                     </a:solidFill>
@@ -20096,7 +20097,7 @@
               </a:ln>
               <a:extLst>
                 <a:ext uri="{91240B29-F687-4f45-9708-019B960494DF}">
-                  <a14:hiddenLine xmlns:a14="http://schemas.microsoft.com/office/drawing/2010/main" xmlns:p14="http://schemas.microsoft.com/office/powerpoint/2010/main" xmlns:a16="http://schemas.microsoft.com/office/drawing/2014/main" xmlns="" w="9525">
+                  <a14:hiddenLine xmlns="" xmlns:a16="http://schemas.microsoft.com/office/drawing/2014/main" xmlns:p14="http://schemas.microsoft.com/office/powerpoint/2010/main" xmlns:a14="http://schemas.microsoft.com/office/drawing/2010/main" w="9525">
                     <a:solidFill>
                       <a:srgbClr val="000000"/>
                     </a:solidFill>
@@ -20180,7 +20181,7 @@
               </a:ln>
               <a:extLst>
                 <a:ext uri="{91240B29-F687-4f45-9708-019B960494DF}">
-                  <a14:hiddenLine xmlns:a14="http://schemas.microsoft.com/office/drawing/2010/main" xmlns:p14="http://schemas.microsoft.com/office/powerpoint/2010/main" xmlns:a16="http://schemas.microsoft.com/office/drawing/2014/main" xmlns="" w="9525">
+                  <a14:hiddenLine xmlns="" xmlns:a16="http://schemas.microsoft.com/office/drawing/2014/main" xmlns:p14="http://schemas.microsoft.com/office/powerpoint/2010/main" xmlns:a14="http://schemas.microsoft.com/office/drawing/2010/main" w="9525">
                     <a:solidFill>
                       <a:srgbClr val="000000"/>
                     </a:solidFill>
@@ -20292,7 +20293,7 @@
               </a:ln>
               <a:extLst>
                 <a:ext uri="{91240B29-F687-4f45-9708-019B960494DF}">
-                  <a14:hiddenLine xmlns:a14="http://schemas.microsoft.com/office/drawing/2010/main" xmlns:p14="http://schemas.microsoft.com/office/powerpoint/2010/main" xmlns:a16="http://schemas.microsoft.com/office/drawing/2014/main" xmlns="" w="9525">
+                  <a14:hiddenLine xmlns="" xmlns:a16="http://schemas.microsoft.com/office/drawing/2014/main" xmlns:p14="http://schemas.microsoft.com/office/powerpoint/2010/main" xmlns:a14="http://schemas.microsoft.com/office/drawing/2010/main" w="9525">
                     <a:solidFill>
                       <a:srgbClr val="000000"/>
                     </a:solidFill>
@@ -20376,7 +20377,7 @@
               </a:ln>
               <a:extLst>
                 <a:ext uri="{91240B29-F687-4f45-9708-019B960494DF}">
-                  <a14:hiddenLine xmlns:a14="http://schemas.microsoft.com/office/drawing/2010/main" xmlns:p14="http://schemas.microsoft.com/office/powerpoint/2010/main" xmlns:a16="http://schemas.microsoft.com/office/drawing/2014/main" xmlns="" w="9525">
+                  <a14:hiddenLine xmlns="" xmlns:a16="http://schemas.microsoft.com/office/drawing/2014/main" xmlns:p14="http://schemas.microsoft.com/office/powerpoint/2010/main" xmlns:a14="http://schemas.microsoft.com/office/drawing/2010/main" w="9525">
                     <a:solidFill>
                       <a:srgbClr val="000000"/>
                     </a:solidFill>
@@ -20460,7 +20461,7 @@
               </a:ln>
               <a:extLst>
                 <a:ext uri="{91240B29-F687-4f45-9708-019B960494DF}">
-                  <a14:hiddenLine xmlns:a14="http://schemas.microsoft.com/office/drawing/2010/main" xmlns:p14="http://schemas.microsoft.com/office/powerpoint/2010/main" xmlns:a16="http://schemas.microsoft.com/office/drawing/2014/main" xmlns="" w="9525">
+                  <a14:hiddenLine xmlns="" xmlns:a16="http://schemas.microsoft.com/office/drawing/2014/main" xmlns:p14="http://schemas.microsoft.com/office/powerpoint/2010/main" xmlns:a14="http://schemas.microsoft.com/office/drawing/2010/main" w="9525">
                     <a:solidFill>
                       <a:srgbClr val="000000"/>
                     </a:solidFill>
@@ -20572,7 +20573,7 @@
               </a:ln>
               <a:extLst>
                 <a:ext uri="{91240B29-F687-4f45-9708-019B960494DF}">
-                  <a14:hiddenLine xmlns:a14="http://schemas.microsoft.com/office/drawing/2010/main" xmlns:p14="http://schemas.microsoft.com/office/powerpoint/2010/main" xmlns:a16="http://schemas.microsoft.com/office/drawing/2014/main" xmlns="" w="9525">
+                  <a14:hiddenLine xmlns="" xmlns:a16="http://schemas.microsoft.com/office/drawing/2014/main" xmlns:p14="http://schemas.microsoft.com/office/powerpoint/2010/main" xmlns:a14="http://schemas.microsoft.com/office/drawing/2010/main" w="9525">
                     <a:solidFill>
                       <a:srgbClr val="000000"/>
                     </a:solidFill>
@@ -20684,7 +20685,7 @@
               </a:ln>
               <a:extLst>
                 <a:ext uri="{91240B29-F687-4f45-9708-019B960494DF}">
-                  <a14:hiddenLine xmlns:a14="http://schemas.microsoft.com/office/drawing/2010/main" xmlns:p14="http://schemas.microsoft.com/office/powerpoint/2010/main" xmlns:a16="http://schemas.microsoft.com/office/drawing/2014/main" xmlns="" w="9525">
+                  <a14:hiddenLine xmlns="" xmlns:a16="http://schemas.microsoft.com/office/drawing/2014/main" xmlns:p14="http://schemas.microsoft.com/office/powerpoint/2010/main" xmlns:a14="http://schemas.microsoft.com/office/drawing/2010/main" w="9525">
                     <a:solidFill>
                       <a:srgbClr val="000000"/>
                     </a:solidFill>
@@ -20768,7 +20769,7 @@
               </a:ln>
               <a:extLst>
                 <a:ext uri="{91240B29-F687-4f45-9708-019B960494DF}">
-                  <a14:hiddenLine xmlns:a14="http://schemas.microsoft.com/office/drawing/2010/main" xmlns:p14="http://schemas.microsoft.com/office/powerpoint/2010/main" xmlns:a16="http://schemas.microsoft.com/office/drawing/2014/main" xmlns="" w="9525">
+                  <a14:hiddenLine xmlns="" xmlns:a16="http://schemas.microsoft.com/office/drawing/2014/main" xmlns:p14="http://schemas.microsoft.com/office/powerpoint/2010/main" xmlns:a14="http://schemas.microsoft.com/office/drawing/2010/main" w="9525">
                     <a:solidFill>
                       <a:srgbClr val="000000"/>
                     </a:solidFill>
@@ -20900,7 +20901,7 @@
               </a:ln>
               <a:extLst>
                 <a:ext uri="{91240B29-F687-4f45-9708-019B960494DF}">
-                  <a14:hiddenLine xmlns:a14="http://schemas.microsoft.com/office/drawing/2010/main" xmlns:p14="http://schemas.microsoft.com/office/powerpoint/2010/main" xmlns:a16="http://schemas.microsoft.com/office/drawing/2014/main" xmlns="" w="9525">
+                  <a14:hiddenLine xmlns="" xmlns:a16="http://schemas.microsoft.com/office/drawing/2014/main" xmlns:p14="http://schemas.microsoft.com/office/powerpoint/2010/main" xmlns:a14="http://schemas.microsoft.com/office/drawing/2010/main" w="9525">
                     <a:solidFill>
                       <a:srgbClr val="000000"/>
                     </a:solidFill>
@@ -21028,7 +21029,7 @@
               </a:ln>
               <a:extLst>
                 <a:ext uri="{91240B29-F687-4f45-9708-019B960494DF}">
-                  <a14:hiddenLine xmlns:a14="http://schemas.microsoft.com/office/drawing/2010/main" xmlns:p14="http://schemas.microsoft.com/office/powerpoint/2010/main" xmlns:a16="http://schemas.microsoft.com/office/drawing/2014/main" xmlns="" w="9525">
+                  <a14:hiddenLine xmlns="" xmlns:a16="http://schemas.microsoft.com/office/drawing/2014/main" xmlns:p14="http://schemas.microsoft.com/office/powerpoint/2010/main" xmlns:a14="http://schemas.microsoft.com/office/drawing/2010/main" w="9525">
                     <a:solidFill>
                       <a:srgbClr val="000000"/>
                     </a:solidFill>
@@ -21112,7 +21113,7 @@
               </a:ln>
               <a:extLst>
                 <a:ext uri="{91240B29-F687-4f45-9708-019B960494DF}">
-                  <a14:hiddenLine xmlns:a14="http://schemas.microsoft.com/office/drawing/2010/main" xmlns:p14="http://schemas.microsoft.com/office/powerpoint/2010/main" xmlns:a16="http://schemas.microsoft.com/office/drawing/2014/main" xmlns="" w="9525">
+                  <a14:hiddenLine xmlns="" xmlns:a16="http://schemas.microsoft.com/office/drawing/2014/main" xmlns:p14="http://schemas.microsoft.com/office/powerpoint/2010/main" xmlns:a14="http://schemas.microsoft.com/office/drawing/2010/main" w="9525">
                     <a:solidFill>
                       <a:srgbClr val="000000"/>
                     </a:solidFill>
@@ -21196,7 +21197,7 @@
               </a:ln>
               <a:extLst>
                 <a:ext uri="{91240B29-F687-4f45-9708-019B960494DF}">
-                  <a14:hiddenLine xmlns:a14="http://schemas.microsoft.com/office/drawing/2010/main" xmlns:p14="http://schemas.microsoft.com/office/powerpoint/2010/main" xmlns:a16="http://schemas.microsoft.com/office/drawing/2014/main" xmlns="" w="9525">
+                  <a14:hiddenLine xmlns="" xmlns:a16="http://schemas.microsoft.com/office/drawing/2014/main" xmlns:p14="http://schemas.microsoft.com/office/powerpoint/2010/main" xmlns:a14="http://schemas.microsoft.com/office/drawing/2010/main" w="9525">
                     <a:solidFill>
                       <a:srgbClr val="000000"/>
                     </a:solidFill>
@@ -21308,7 +21309,7 @@
               </a:ln>
               <a:extLst>
                 <a:ext uri="{91240B29-F687-4f45-9708-019B960494DF}">
-                  <a14:hiddenLine xmlns:a14="http://schemas.microsoft.com/office/drawing/2010/main" xmlns:p14="http://schemas.microsoft.com/office/powerpoint/2010/main" xmlns:a16="http://schemas.microsoft.com/office/drawing/2014/main" xmlns="" w="9525">
+                  <a14:hiddenLine xmlns="" xmlns:a16="http://schemas.microsoft.com/office/drawing/2014/main" xmlns:p14="http://schemas.microsoft.com/office/powerpoint/2010/main" xmlns:a14="http://schemas.microsoft.com/office/drawing/2010/main" w="9525">
                     <a:solidFill>
                       <a:srgbClr val="000000"/>
                     </a:solidFill>
@@ -21364,7 +21365,7 @@
               </a:ln>
               <a:extLst>
                 <a:ext uri="{91240B29-F687-4f45-9708-019B960494DF}">
-                  <a14:hiddenLine xmlns:a14="http://schemas.microsoft.com/office/drawing/2010/main" xmlns:p14="http://schemas.microsoft.com/office/powerpoint/2010/main" xmlns:a16="http://schemas.microsoft.com/office/drawing/2014/main" xmlns="" w="9525">
+                  <a14:hiddenLine xmlns="" xmlns:a16="http://schemas.microsoft.com/office/drawing/2014/main" xmlns:p14="http://schemas.microsoft.com/office/powerpoint/2010/main" xmlns:a14="http://schemas.microsoft.com/office/drawing/2010/main" w="9525">
                     <a:solidFill>
                       <a:srgbClr val="000000"/>
                     </a:solidFill>
@@ -21451,7 +21452,7 @@
               </a:ln>
               <a:extLst>
                 <a:ext uri="{91240B29-F687-4f45-9708-019B960494DF}">
-                  <a14:hiddenLine xmlns:a14="http://schemas.microsoft.com/office/drawing/2010/main" xmlns:p14="http://schemas.microsoft.com/office/powerpoint/2010/main" xmlns:a16="http://schemas.microsoft.com/office/drawing/2014/main" xmlns="" w="9525">
+                  <a14:hiddenLine xmlns="" xmlns:a16="http://schemas.microsoft.com/office/drawing/2014/main" xmlns:p14="http://schemas.microsoft.com/office/powerpoint/2010/main" xmlns:a14="http://schemas.microsoft.com/office/drawing/2010/main" w="9525">
                     <a:solidFill>
                       <a:srgbClr val="000000"/>
                     </a:solidFill>
@@ -21563,7 +21564,7 @@
               </a:ln>
               <a:extLst>
                 <a:ext uri="{91240B29-F687-4f45-9708-019B960494DF}">
-                  <a14:hiddenLine xmlns:a14="http://schemas.microsoft.com/office/drawing/2010/main" xmlns:p14="http://schemas.microsoft.com/office/powerpoint/2010/main" xmlns:a16="http://schemas.microsoft.com/office/drawing/2014/main" xmlns="" w="9525">
+                  <a14:hiddenLine xmlns="" xmlns:a16="http://schemas.microsoft.com/office/drawing/2014/main" xmlns:p14="http://schemas.microsoft.com/office/powerpoint/2010/main" xmlns:a14="http://schemas.microsoft.com/office/drawing/2010/main" w="9525">
                     <a:solidFill>
                       <a:srgbClr val="000000"/>
                     </a:solidFill>
@@ -21647,7 +21648,7 @@
               </a:ln>
               <a:extLst>
                 <a:ext uri="{91240B29-F687-4f45-9708-019B960494DF}">
-                  <a14:hiddenLine xmlns:a14="http://schemas.microsoft.com/office/drawing/2010/main" xmlns:p14="http://schemas.microsoft.com/office/powerpoint/2010/main" xmlns:a16="http://schemas.microsoft.com/office/drawing/2014/main" xmlns="" w="9525">
+                  <a14:hiddenLine xmlns="" xmlns:a16="http://schemas.microsoft.com/office/drawing/2014/main" xmlns:p14="http://schemas.microsoft.com/office/powerpoint/2010/main" xmlns:a14="http://schemas.microsoft.com/office/drawing/2010/main" w="9525">
                     <a:solidFill>
                       <a:srgbClr val="000000"/>
                     </a:solidFill>
@@ -21759,7 +21760,7 @@
               </a:ln>
               <a:extLst>
                 <a:ext uri="{91240B29-F687-4f45-9708-019B960494DF}">
-                  <a14:hiddenLine xmlns:a14="http://schemas.microsoft.com/office/drawing/2010/main" xmlns:p14="http://schemas.microsoft.com/office/powerpoint/2010/main" xmlns:a16="http://schemas.microsoft.com/office/drawing/2014/main" xmlns="" w="9525">
+                  <a14:hiddenLine xmlns="" xmlns:a16="http://schemas.microsoft.com/office/drawing/2014/main" xmlns:p14="http://schemas.microsoft.com/office/powerpoint/2010/main" xmlns:a14="http://schemas.microsoft.com/office/drawing/2010/main" w="9525">
                     <a:solidFill>
                       <a:srgbClr val="000000"/>
                     </a:solidFill>
@@ -21846,7 +21847,7 @@
               </a:ln>
               <a:extLst>
                 <a:ext uri="{91240B29-F687-4f45-9708-019B960494DF}">
-                  <a14:hiddenLine xmlns:a14="http://schemas.microsoft.com/office/drawing/2010/main" xmlns:p14="http://schemas.microsoft.com/office/powerpoint/2010/main" xmlns:a16="http://schemas.microsoft.com/office/drawing/2014/main" xmlns="" w="9525">
+                  <a14:hiddenLine xmlns="" xmlns:a16="http://schemas.microsoft.com/office/drawing/2014/main" xmlns:p14="http://schemas.microsoft.com/office/powerpoint/2010/main" xmlns:a14="http://schemas.microsoft.com/office/drawing/2010/main" w="9525">
                     <a:solidFill>
                       <a:srgbClr val="000000"/>
                     </a:solidFill>
@@ -21930,7 +21931,7 @@
               </a:ln>
               <a:extLst>
                 <a:ext uri="{91240B29-F687-4f45-9708-019B960494DF}">
-                  <a14:hiddenLine xmlns:a14="http://schemas.microsoft.com/office/drawing/2010/main" xmlns:p14="http://schemas.microsoft.com/office/powerpoint/2010/main" xmlns:a16="http://schemas.microsoft.com/office/drawing/2014/main" xmlns="" w="9525">
+                  <a14:hiddenLine xmlns="" xmlns:a16="http://schemas.microsoft.com/office/drawing/2014/main" xmlns:p14="http://schemas.microsoft.com/office/powerpoint/2010/main" xmlns:a14="http://schemas.microsoft.com/office/drawing/2010/main" w="9525">
                     <a:solidFill>
                       <a:srgbClr val="000000"/>
                     </a:solidFill>
@@ -22042,7 +22043,7 @@
               </a:ln>
               <a:extLst>
                 <a:ext uri="{91240B29-F687-4f45-9708-019B960494DF}">
-                  <a14:hiddenLine xmlns:a14="http://schemas.microsoft.com/office/drawing/2010/main" xmlns:p14="http://schemas.microsoft.com/office/powerpoint/2010/main" xmlns:a16="http://schemas.microsoft.com/office/drawing/2014/main" xmlns="" w="9525">
+                  <a14:hiddenLine xmlns="" xmlns:a16="http://schemas.microsoft.com/office/drawing/2014/main" xmlns:p14="http://schemas.microsoft.com/office/powerpoint/2010/main" xmlns:a14="http://schemas.microsoft.com/office/drawing/2010/main" w="9525">
                     <a:solidFill>
                       <a:srgbClr val="000000"/>
                     </a:solidFill>
@@ -22154,7 +22155,7 @@
               </a:ln>
               <a:extLst>
                 <a:ext uri="{91240B29-F687-4f45-9708-019B960494DF}">
-                  <a14:hiddenLine xmlns:a14="http://schemas.microsoft.com/office/drawing/2010/main" xmlns:p14="http://schemas.microsoft.com/office/powerpoint/2010/main" xmlns:a16="http://schemas.microsoft.com/office/drawing/2014/main" xmlns="" w="9525">
+                  <a14:hiddenLine xmlns="" xmlns:a16="http://schemas.microsoft.com/office/drawing/2014/main" xmlns:p14="http://schemas.microsoft.com/office/powerpoint/2010/main" xmlns:a14="http://schemas.microsoft.com/office/drawing/2010/main" w="9525">
                     <a:solidFill>
                       <a:srgbClr val="000000"/>
                     </a:solidFill>
@@ -22241,7 +22242,7 @@
               </a:ln>
               <a:extLst>
                 <a:ext uri="{91240B29-F687-4f45-9708-019B960494DF}">
-                  <a14:hiddenLine xmlns:a14="http://schemas.microsoft.com/office/drawing/2010/main" xmlns:p14="http://schemas.microsoft.com/office/powerpoint/2010/main" xmlns:a16="http://schemas.microsoft.com/office/drawing/2014/main" xmlns="" w="9525">
+                  <a14:hiddenLine xmlns="" xmlns:a16="http://schemas.microsoft.com/office/drawing/2014/main" xmlns:p14="http://schemas.microsoft.com/office/powerpoint/2010/main" xmlns:a14="http://schemas.microsoft.com/office/drawing/2010/main" w="9525">
                     <a:solidFill>
                       <a:srgbClr val="000000"/>
                     </a:solidFill>
@@ -22383,7 +22384,7 @@
               </a:ln>
               <a:extLst>
                 <a:ext uri="{91240B29-F687-4f45-9708-019B960494DF}">
-                  <a14:hiddenLine xmlns:a14="http://schemas.microsoft.com/office/drawing/2010/main" xmlns:p14="http://schemas.microsoft.com/office/powerpoint/2010/main" xmlns:a16="http://schemas.microsoft.com/office/drawing/2014/main" xmlns="" w="9525">
+                  <a14:hiddenLine xmlns="" xmlns:a16="http://schemas.microsoft.com/office/drawing/2014/main" xmlns:p14="http://schemas.microsoft.com/office/powerpoint/2010/main" xmlns:a14="http://schemas.microsoft.com/office/drawing/2010/main" w="9525">
                     <a:solidFill>
                       <a:srgbClr val="000000"/>
                     </a:solidFill>
@@ -22515,7 +22516,7 @@
               </a:ln>
               <a:extLst>
                 <a:ext uri="{91240B29-F687-4f45-9708-019B960494DF}">
-                  <a14:hiddenLine xmlns:a14="http://schemas.microsoft.com/office/drawing/2010/main" xmlns:p14="http://schemas.microsoft.com/office/powerpoint/2010/main" xmlns:a16="http://schemas.microsoft.com/office/drawing/2014/main" xmlns="" w="9525">
+                  <a14:hiddenLine xmlns="" xmlns:a16="http://schemas.microsoft.com/office/drawing/2014/main" xmlns:p14="http://schemas.microsoft.com/office/powerpoint/2010/main" xmlns:a14="http://schemas.microsoft.com/office/drawing/2010/main" w="9525">
                     <a:solidFill>
                       <a:srgbClr val="000000"/>
                     </a:solidFill>
@@ -22652,7 +22653,7 @@
               </a:ln>
               <a:extLst>
                 <a:ext uri="{91240B29-F687-4f45-9708-019B960494DF}">
-                  <a14:hiddenLine xmlns:a14="http://schemas.microsoft.com/office/drawing/2010/main" xmlns:p14="http://schemas.microsoft.com/office/powerpoint/2010/main" xmlns:a16="http://schemas.microsoft.com/office/drawing/2014/main" xmlns="" w="9525">
+                  <a14:hiddenLine xmlns="" xmlns:a16="http://schemas.microsoft.com/office/drawing/2014/main" xmlns:p14="http://schemas.microsoft.com/office/powerpoint/2010/main" xmlns:a14="http://schemas.microsoft.com/office/drawing/2010/main" w="9525">
                     <a:solidFill>
                       <a:srgbClr val="000000"/>
                     </a:solidFill>
@@ -22764,7 +22765,7 @@
               </a:ln>
               <a:extLst>
                 <a:ext uri="{91240B29-F687-4f45-9708-019B960494DF}">
-                  <a14:hiddenLine xmlns:a14="http://schemas.microsoft.com/office/drawing/2010/main" xmlns:p14="http://schemas.microsoft.com/office/powerpoint/2010/main" xmlns:a16="http://schemas.microsoft.com/office/drawing/2014/main" xmlns="" w="9525">
+                  <a14:hiddenLine xmlns="" xmlns:a16="http://schemas.microsoft.com/office/drawing/2014/main" xmlns:p14="http://schemas.microsoft.com/office/powerpoint/2010/main" xmlns:a14="http://schemas.microsoft.com/office/drawing/2010/main" w="9525">
                     <a:solidFill>
                       <a:srgbClr val="000000"/>
                     </a:solidFill>
@@ -22851,7 +22852,7 @@
               </a:ln>
               <a:extLst>
                 <a:ext uri="{91240B29-F687-4f45-9708-019B960494DF}">
-                  <a14:hiddenLine xmlns:a14="http://schemas.microsoft.com/office/drawing/2010/main" xmlns:p14="http://schemas.microsoft.com/office/powerpoint/2010/main" xmlns:a16="http://schemas.microsoft.com/office/drawing/2014/main" xmlns="" w="9525">
+                  <a14:hiddenLine xmlns="" xmlns:a16="http://schemas.microsoft.com/office/drawing/2014/main" xmlns:p14="http://schemas.microsoft.com/office/powerpoint/2010/main" xmlns:a14="http://schemas.microsoft.com/office/drawing/2010/main" w="9525">
                     <a:solidFill>
                       <a:srgbClr val="000000"/>
                     </a:solidFill>
@@ -22963,7 +22964,7 @@
               </a:ln>
               <a:extLst>
                 <a:ext uri="{91240B29-F687-4f45-9708-019B960494DF}">
-                  <a14:hiddenLine xmlns:a14="http://schemas.microsoft.com/office/drawing/2010/main" xmlns:p14="http://schemas.microsoft.com/office/powerpoint/2010/main" xmlns:a16="http://schemas.microsoft.com/office/drawing/2014/main" xmlns="" w="9525">
+                  <a14:hiddenLine xmlns="" xmlns:a16="http://schemas.microsoft.com/office/drawing/2014/main" xmlns:p14="http://schemas.microsoft.com/office/powerpoint/2010/main" xmlns:a14="http://schemas.microsoft.com/office/drawing/2010/main" w="9525">
                     <a:solidFill>
                       <a:srgbClr val="000000"/>
                     </a:solidFill>
@@ -23053,7 +23054,7 @@
               </a:ln>
               <a:extLst>
                 <a:ext uri="{91240B29-F687-4f45-9708-019B960494DF}">
-                  <a14:hiddenLine xmlns:a14="http://schemas.microsoft.com/office/drawing/2010/main" xmlns:p14="http://schemas.microsoft.com/office/powerpoint/2010/main" xmlns:a16="http://schemas.microsoft.com/office/drawing/2014/main" xmlns="" w="9525">
+                  <a14:hiddenLine xmlns="" xmlns:a16="http://schemas.microsoft.com/office/drawing/2014/main" xmlns:p14="http://schemas.microsoft.com/office/powerpoint/2010/main" xmlns:a14="http://schemas.microsoft.com/office/drawing/2010/main" w="9525">
                     <a:solidFill>
                       <a:srgbClr val="000000"/>
                     </a:solidFill>
@@ -23165,7 +23166,7 @@
               </a:ln>
               <a:extLst>
                 <a:ext uri="{91240B29-F687-4f45-9708-019B960494DF}">
-                  <a14:hiddenLine xmlns:a14="http://schemas.microsoft.com/office/drawing/2010/main" xmlns:p14="http://schemas.microsoft.com/office/powerpoint/2010/main" xmlns:a16="http://schemas.microsoft.com/office/drawing/2014/main" xmlns="" w="9525">
+                  <a14:hiddenLine xmlns="" xmlns:a16="http://schemas.microsoft.com/office/drawing/2014/main" xmlns:p14="http://schemas.microsoft.com/office/powerpoint/2010/main" xmlns:a14="http://schemas.microsoft.com/office/drawing/2010/main" w="9525">
                     <a:solidFill>
                       <a:srgbClr val="000000"/>
                     </a:solidFill>
@@ -23255,7 +23256,7 @@
               </a:ln>
               <a:extLst>
                 <a:ext uri="{91240B29-F687-4f45-9708-019B960494DF}">
-                  <a14:hiddenLine xmlns:a14="http://schemas.microsoft.com/office/drawing/2010/main" xmlns:p14="http://schemas.microsoft.com/office/powerpoint/2010/main" xmlns:a16="http://schemas.microsoft.com/office/drawing/2014/main" xmlns="" w="9525">
+                  <a14:hiddenLine xmlns="" xmlns:a16="http://schemas.microsoft.com/office/drawing/2014/main" xmlns:p14="http://schemas.microsoft.com/office/powerpoint/2010/main" xmlns:a14="http://schemas.microsoft.com/office/drawing/2010/main" w="9525">
                     <a:solidFill>
                       <a:srgbClr val="000000"/>
                     </a:solidFill>
@@ -23367,7 +23368,7 @@
               </a:ln>
               <a:extLst>
                 <a:ext uri="{91240B29-F687-4f45-9708-019B960494DF}">
-                  <a14:hiddenLine xmlns:a14="http://schemas.microsoft.com/office/drawing/2010/main" xmlns:p14="http://schemas.microsoft.com/office/powerpoint/2010/main" xmlns:a16="http://schemas.microsoft.com/office/drawing/2014/main" xmlns="" w="9525">
+                  <a14:hiddenLine xmlns="" xmlns:a16="http://schemas.microsoft.com/office/drawing/2014/main" xmlns:p14="http://schemas.microsoft.com/office/powerpoint/2010/main" xmlns:a14="http://schemas.microsoft.com/office/drawing/2010/main" w="9525">
                     <a:solidFill>
                       <a:srgbClr val="000000"/>
                     </a:solidFill>
@@ -23423,7 +23424,7 @@
               </a:ln>
               <a:extLst>
                 <a:ext uri="{91240B29-F687-4f45-9708-019B960494DF}">
-                  <a14:hiddenLine xmlns:a14="http://schemas.microsoft.com/office/drawing/2010/main" xmlns:p14="http://schemas.microsoft.com/office/powerpoint/2010/main" xmlns:a16="http://schemas.microsoft.com/office/drawing/2014/main" xmlns="" w="9525">
+                  <a14:hiddenLine xmlns="" xmlns:a16="http://schemas.microsoft.com/office/drawing/2014/main" xmlns:p14="http://schemas.microsoft.com/office/powerpoint/2010/main" xmlns:a14="http://schemas.microsoft.com/office/drawing/2010/main" w="9525">
                     <a:solidFill>
                       <a:srgbClr val="000000"/>
                     </a:solidFill>
@@ -23492,7 +23493,7 @@
           <a:noFill/>
           <a:extLst>
             <a:ext uri="{909E8E84-426E-40dd-AFC4-6F175D3DCCD1}">
-              <a14:hiddenFill xmlns:a14="http://schemas.microsoft.com/office/drawing/2010/main" xmlns:p14="http://schemas.microsoft.com/office/powerpoint/2010/main" xmlns:a16="http://schemas.microsoft.com/office/drawing/2014/main" xmlns="">
+              <a14:hiddenFill xmlns="" xmlns:a16="http://schemas.microsoft.com/office/drawing/2014/main" xmlns:p14="http://schemas.microsoft.com/office/powerpoint/2010/main" xmlns:a14="http://schemas.microsoft.com/office/drawing/2010/main">
                 <a:solidFill>
                   <a:srgbClr val="FFFFFF"/>
                 </a:solidFill>
@@ -23903,6 +23904,30 @@
 <file path=ppt/slides/slide4.xml><?xml version="1.0" encoding="utf-8"?>
 <p:sld xmlns:a="http://schemas.openxmlformats.org/drawingml/2006/main" xmlns:r="http://schemas.openxmlformats.org/officeDocument/2006/relationships" xmlns:p="http://schemas.openxmlformats.org/presentationml/2006/main">
   <p:cSld>
+    <p:bg>
+      <p:bgPr>
+        <a:blipFill>
+          <a:blip r:embed="rId2">
+            <a:duotone>
+              <a:schemeClr val="bg2">
+                <a:shade val="88000"/>
+                <a:hueMod val="106000"/>
+                <a:satMod val="140000"/>
+                <a:lumMod val="54000"/>
+              </a:schemeClr>
+              <a:schemeClr val="bg2">
+                <a:tint val="98000"/>
+                <a:hueMod val="90000"/>
+                <a:satMod val="150000"/>
+                <a:lumMod val="160000"/>
+              </a:schemeClr>
+            </a:duotone>
+          </a:blip>
+          <a:stretch/>
+        </a:blipFill>
+        <a:effectLst/>
+      </p:bgPr>
+    </p:bg>
     <p:spTree>
       <p:nvGrpSpPr>
         <p:cNvPr id="1" name=""/>
@@ -23935,22 +23960,20 @@
         </p:nvSpPr>
         <p:spPr/>
         <p:txBody>
-          <a:bodyPr/>
+          <a:bodyPr vert="horz" lIns="91440" tIns="45720" rIns="91440" bIns="45720" rtlCol="0" anchor="b">
+            <a:normAutofit/>
+          </a:bodyPr>
           <a:lstStyle/>
           <a:p>
+            <a:pPr algn="ctr"/>
             <a:r>
-              <a:rPr lang="en-GB" dirty="0">
+              <a:rPr lang="en-US" sz="4800" dirty="0">
                 <a:solidFill>
                   <a:schemeClr val="bg1"/>
                 </a:solidFill>
               </a:rPr>
               <a:t>Mutex Locks </a:t>
             </a:r>
-            <a:endParaRPr lang="en-IE" dirty="0">
-              <a:solidFill>
-                <a:schemeClr val="bg1"/>
-              </a:solidFill>
-            </a:endParaRPr>
           </a:p>
         </p:txBody>
       </p:sp>
@@ -23967,7 +23990,87 @@
             <a:spLocks noGrp="1"/>
           </p:cNvSpPr>
           <p:nvPr>
-            <p:ph idx="1"/>
+            <p:ph type="body" sz="half" idx="2"/>
+          </p:nvPr>
+        </p:nvSpPr>
+        <p:spPr/>
+        <p:txBody>
+          <a:bodyPr vert="horz" lIns="91440" tIns="45720" rIns="91440" bIns="45720" rtlCol="0">
+            <a:normAutofit/>
+          </a:bodyPr>
+          <a:lstStyle/>
+          <a:p>
+            <a:pPr marL="342900" indent="-342900">
+              <a:buFont typeface="Arial" panose="020B0604020202020204" pitchFamily="34" charset="0"/>
+              <a:buChar char="•"/>
+            </a:pPr>
+            <a:r>
+              <a:rPr lang="en-US" sz="2000" cap="all" dirty="0">
+                <a:solidFill>
+                  <a:schemeClr val="tx2"/>
+                </a:solidFill>
+              </a:rPr>
+              <a:t>Locks work In pairs </a:t>
+            </a:r>
+          </a:p>
+          <a:p>
+            <a:pPr marL="342900" indent="-342900">
+              <a:buFont typeface="Arial" panose="020B0604020202020204" pitchFamily="34" charset="0"/>
+              <a:buChar char="•"/>
+            </a:pPr>
+            <a:r>
+              <a:rPr lang="en-US" sz="2000" cap="all" dirty="0">
+                <a:solidFill>
+                  <a:schemeClr val="tx2"/>
+                </a:solidFill>
+              </a:rPr>
+              <a:t>Philosophers pick up on chopstick and lock then pick up other if free</a:t>
+            </a:r>
+          </a:p>
+          <a:p>
+            <a:pPr marL="342900" indent="-342900">
+              <a:buFont typeface="Arial" panose="020B0604020202020204" pitchFamily="34" charset="0"/>
+              <a:buChar char="•"/>
+            </a:pPr>
+            <a:r>
+              <a:rPr lang="en-US" sz="2000" cap="all" dirty="0">
+                <a:solidFill>
+                  <a:schemeClr val="tx2"/>
+                </a:solidFill>
+              </a:rPr>
+              <a:t>Can lead to starvation if all pick up right chopstick at one time</a:t>
+            </a:r>
+          </a:p>
+          <a:p>
+            <a:pPr marL="342900" indent="-342900">
+              <a:buFont typeface="Arial" panose="020B0604020202020204" pitchFamily="34" charset="0"/>
+              <a:buChar char="•"/>
+            </a:pPr>
+            <a:r>
+              <a:rPr lang="en-US" sz="2000" cap="all" dirty="0">
+                <a:solidFill>
+                  <a:schemeClr val="tx2"/>
+                </a:solidFill>
+              </a:rPr>
+              <a:t>Has lock method and unlock method </a:t>
+            </a:r>
+          </a:p>
+        </p:txBody>
+      </p:sp>
+      <p:sp>
+        <p:nvSpPr>
+          <p:cNvPr id="8" name="Picture Placeholder 7">
+            <a:extLst>
+              <a:ext uri="{FF2B5EF4-FFF2-40B4-BE49-F238E27FC236}">
+                <a16:creationId xmlns:a16="http://schemas.microsoft.com/office/drawing/2014/main" id="{C167A901-F124-3D42-387C-04E170BE39B3}"/>
+              </a:ext>
+            </a:extLst>
+          </p:cNvPr>
+          <p:cNvSpPr>
+            <a:spLocks noGrp="1"/>
+          </p:cNvSpPr>
+          <p:nvPr>
+            <p:ph type="pic" idx="1"/>
           </p:nvPr>
         </p:nvSpPr>
         <p:spPr/>
@@ -23975,9 +24078,111 @@
           <a:bodyPr/>
           <a:lstStyle/>
           <a:p>
+            <a:endParaRPr lang="en-IE"/>
+          </a:p>
+        </p:txBody>
+      </p:sp>
+      <p:pic>
+        <p:nvPicPr>
+          <p:cNvPr id="9" name="Picture Placeholder 4" descr="A screenshot of a computer&#10;&#10;Description automatically generated">
+            <a:extLst>
+              <a:ext uri="{FF2B5EF4-FFF2-40B4-BE49-F238E27FC236}">
+                <a16:creationId xmlns:a16="http://schemas.microsoft.com/office/drawing/2014/main" id="{E22ADAAD-69DA-A981-2ABE-3ACA3BC12234}"/>
+              </a:ext>
+            </a:extLst>
+          </p:cNvPr>
+          <p:cNvPicPr>
+            <a:picLocks noChangeAspect="1"/>
+          </p:cNvPicPr>
+          <p:nvPr/>
+        </p:nvPicPr>
+        <p:blipFill rotWithShape="1">
+          <a:blip r:embed="rId3" cstate="print">
+            <a:extLst>
+              <a:ext uri="{28A0092B-C50C-407E-A947-70E740481C1C}">
+                <a14:useLocalDpi xmlns:a14="http://schemas.microsoft.com/office/drawing/2010/main" val="0"/>
+              </a:ext>
+            </a:extLst>
+          </a:blip>
+          <a:srcRect l="67059" r="6954"/>
+          <a:stretch/>
+        </p:blipFill>
+        <p:spPr>
+          <a:xfrm>
+            <a:off x="7380721" y="609600"/>
+            <a:ext cx="4650858" cy="5181599"/>
+          </a:xfrm>
+          <a:prstGeom prst="rect">
+            <a:avLst/>
+          </a:prstGeom>
+          <a:ln w="19050" cap="sq">
+            <a:solidFill>
+              <a:schemeClr val="tx2">
+                <a:lumMod val="60000"/>
+                <a:lumOff val="40000"/>
+                <a:alpha val="60000"/>
+              </a:schemeClr>
+            </a:solidFill>
+            <a:miter lim="800000"/>
+          </a:ln>
+          <a:effectLst>
+            <a:outerShdw blurRad="88900" dist="38100" dir="5400000" algn="t" rotWithShape="0">
+              <a:prstClr val="black">
+                <a:alpha val="40000"/>
+              </a:prstClr>
+            </a:outerShdw>
+          </a:effectLst>
+        </p:spPr>
+      </p:pic>
+      <p:sp>
+        <p:nvSpPr>
+          <p:cNvPr id="11" name="TextBox 10">
+            <a:extLst>
+              <a:ext uri="{FF2B5EF4-FFF2-40B4-BE49-F238E27FC236}">
+                <a16:creationId xmlns:a16="http://schemas.microsoft.com/office/drawing/2014/main" id="{4F7CA343-0D7B-2B3D-785A-423FE5491269}"/>
+              </a:ext>
+            </a:extLst>
+          </p:cNvPr>
+          <p:cNvSpPr txBox="1"/>
+          <p:nvPr/>
+        </p:nvSpPr>
+        <p:spPr>
+          <a:xfrm>
+            <a:off x="7380721" y="5791199"/>
+            <a:ext cx="4650858" cy="646331"/>
+          </a:xfrm>
+          <a:prstGeom prst="rect">
+            <a:avLst/>
+          </a:prstGeom>
+          <a:noFill/>
+        </p:spPr>
+        <p:txBody>
+          <a:bodyPr wrap="square" rtlCol="0">
+            <a:spAutoFit/>
+          </a:bodyPr>
+          <a:lstStyle/>
+          <a:p>
             <a:r>
               <a:rPr lang="en-GB" dirty="0"/>
-              <a:t>(PUT SMTH)</a:t>
+              <a:t>Source: </a:t>
+            </a:r>
+            <a:r>
+              <a:rPr lang="en-IE" sz="1800" i="1" dirty="0" err="1">
+                <a:effectLst/>
+                <a:latin typeface="Arial" panose="020B0604020202020204" pitchFamily="34" charset="0"/>
+                <a:ea typeface="SimSun" panose="02010600030101010101" pitchFamily="2" charset="-122"/>
+                <a:cs typeface="Mangal" panose="02040503050203030202" pitchFamily="18" charset="0"/>
+              </a:rPr>
+              <a:t>ThreadMentor</a:t>
+            </a:r>
+            <a:r>
+              <a:rPr lang="en-IE" sz="1800" i="1" dirty="0">
+                <a:effectLst/>
+                <a:latin typeface="Arial" panose="020B0604020202020204" pitchFamily="34" charset="0"/>
+                <a:ea typeface="SimSun" panose="02010600030101010101" pitchFamily="2" charset="-122"/>
+                <a:cs typeface="Mangal" panose="02040503050203030202" pitchFamily="18" charset="0"/>
+              </a:rPr>
+              <a:t>: Visualizing Dining Philosophers: with Four Chairs</a:t>
             </a:r>
             <a:endParaRPr lang="en-IE" dirty="0"/>
           </a:p>
@@ -23993,6 +24198,98 @@
   <p:clrMapOvr>
     <a:masterClrMapping/>
   </p:clrMapOvr>
+  <p:timing>
+    <p:tnLst>
+      <p:par>
+        <p:cTn id="1" dur="indefinite" restart="never" nodeType="tmRoot">
+          <p:childTnLst>
+            <p:seq concurrent="1" nextAc="seek">
+              <p:cTn id="2" dur="indefinite" nodeType="mainSeq">
+                <p:childTnLst>
+                  <p:par>
+                    <p:cTn id="3" fill="hold">
+                      <p:stCondLst>
+                        <p:cond delay="indefinite"/>
+                        <p:cond evt="onBegin" delay="0">
+                          <p:tn val="2"/>
+                        </p:cond>
+                      </p:stCondLst>
+                      <p:childTnLst>
+                        <p:par>
+                          <p:cTn id="4" fill="hold">
+                            <p:stCondLst>
+                              <p:cond delay="0"/>
+                            </p:stCondLst>
+                            <p:childTnLst>
+                              <p:par>
+                                <p:cTn id="5" presetID="10" presetClass="entr" presetSubtype="0" fill="hold" grpId="0" nodeType="withEffect">
+                                  <p:stCondLst>
+                                    <p:cond delay="1000"/>
+                                  </p:stCondLst>
+                                  <p:iterate type="lt">
+                                    <p:tmPct val="10000"/>
+                                  </p:iterate>
+                                  <p:childTnLst>
+                                    <p:set>
+                                      <p:cBhvr>
+                                        <p:cTn id="6" dur="1" fill="hold">
+                                          <p:stCondLst>
+                                            <p:cond delay="0"/>
+                                          </p:stCondLst>
+                                        </p:cTn>
+                                        <p:tgtEl>
+                                          <p:spTgt spid="2"/>
+                                        </p:tgtEl>
+                                        <p:attrNameLst>
+                                          <p:attrName>style.visibility</p:attrName>
+                                        </p:attrNameLst>
+                                      </p:cBhvr>
+                                      <p:to>
+                                        <p:strVal val="visible"/>
+                                      </p:to>
+                                    </p:set>
+                                    <p:animEffect transition="in" filter="fade">
+                                      <p:cBhvr>
+                                        <p:cTn id="7" dur="400"/>
+                                        <p:tgtEl>
+                                          <p:spTgt spid="2"/>
+                                        </p:tgtEl>
+                                      </p:cBhvr>
+                                    </p:animEffect>
+                                  </p:childTnLst>
+                                </p:cTn>
+                              </p:par>
+                            </p:childTnLst>
+                          </p:cTn>
+                        </p:par>
+                      </p:childTnLst>
+                    </p:cTn>
+                  </p:par>
+                </p:childTnLst>
+              </p:cTn>
+              <p:prevCondLst>
+                <p:cond evt="onPrev" delay="0">
+                  <p:tgtEl>
+                    <p:sldTgt/>
+                  </p:tgtEl>
+                </p:cond>
+              </p:prevCondLst>
+              <p:nextCondLst>
+                <p:cond evt="onNext" delay="0">
+                  <p:tgtEl>
+                    <p:sldTgt/>
+                  </p:tgtEl>
+                </p:cond>
+              </p:nextCondLst>
+            </p:seq>
+          </p:childTnLst>
+        </p:cTn>
+      </p:par>
+    </p:tnLst>
+    <p:bldLst>
+      <p:bldP spid="2" grpId="0"/>
+    </p:bldLst>
+  </p:timing>
 </p:sld>
 </file>
 
@@ -24196,31 +24493,90 @@
           <a:lstStyle/>
           <a:p>
             <a:r>
-              <a:rPr lang="en-IE" sz="1800" dirty="0">
+              <a:rPr lang="en-GB" sz="1800" dirty="0">
+                <a:latin typeface="Cambria" panose="02040503050406030204" pitchFamily="18" charset="0"/>
+                <a:ea typeface="MS Mincho" panose="02020609040205080304" pitchFamily="49" charset="-128"/>
+                <a:cs typeface="Times New Roman" panose="02020603050405020304" pitchFamily="18" charset="0"/>
+              </a:rPr>
+              <a:t>Only allows 4 philosophers to sit at the table</a:t>
+            </a:r>
+          </a:p>
+          <a:p>
+            <a:r>
+              <a:rPr lang="en-GB" sz="1800" dirty="0">
                 <a:effectLst/>
                 <a:latin typeface="Cambria" panose="02040503050406030204" pitchFamily="18" charset="0"/>
                 <a:ea typeface="MS Mincho" panose="02020609040205080304" pitchFamily="49" charset="-128"/>
                 <a:cs typeface="Times New Roman" panose="02020603050405020304" pitchFamily="18" charset="0"/>
               </a:rPr>
-              <a:t>(Put </a:t>
+              <a:t>Has a private queue and counter</a:t>
             </a:r>
+          </a:p>
+          <a:p>
             <a:r>
-              <a:rPr lang="en-IE" sz="1800" dirty="0" err="1">
+              <a:rPr lang="en-GB" sz="1800" dirty="0">
+                <a:latin typeface="Cambria" panose="02040503050406030204" pitchFamily="18" charset="0"/>
+                <a:ea typeface="MS Mincho" panose="02020609040205080304" pitchFamily="49" charset="-128"/>
+                <a:cs typeface="Times New Roman" panose="02020603050405020304" pitchFamily="18" charset="0"/>
+              </a:rPr>
+              <a:t>Each chopstick is declare individually </a:t>
+            </a:r>
+            <a:endParaRPr lang="en-GB" sz="1800" dirty="0">
+              <a:effectLst/>
+              <a:latin typeface="Cambria" panose="02040503050406030204" pitchFamily="18" charset="0"/>
+              <a:ea typeface="MS Mincho" panose="02020609040205080304" pitchFamily="49" charset="-128"/>
+              <a:cs typeface="Times New Roman" panose="02020603050405020304" pitchFamily="18" charset="0"/>
+            </a:endParaRPr>
+          </a:p>
+          <a:p>
+            <a:r>
+              <a:rPr lang="en-GB" sz="1800" dirty="0">
+                <a:latin typeface="Cambria" panose="02040503050406030204" pitchFamily="18" charset="0"/>
+                <a:ea typeface="MS Mincho" panose="02020609040205080304" pitchFamily="49" charset="-128"/>
+                <a:cs typeface="Times New Roman" panose="02020603050405020304" pitchFamily="18" charset="0"/>
+              </a:rPr>
+              <a:t>When philosopher sits down to eat they must wait on semaphore before picking up chopsticks</a:t>
+            </a:r>
+          </a:p>
+          <a:p>
+            <a:r>
+              <a:rPr lang="en-GB" sz="1800" dirty="0">
                 <a:effectLst/>
                 <a:latin typeface="Cambria" panose="02040503050406030204" pitchFamily="18" charset="0"/>
                 <a:ea typeface="MS Mincho" panose="02020609040205080304" pitchFamily="49" charset="-128"/>
                 <a:cs typeface="Times New Roman" panose="02020603050405020304" pitchFamily="18" charset="0"/>
               </a:rPr>
-              <a:t>smth</a:t>
+              <a:t>Must signal when finished eating to release </a:t>
             </a:r>
             <a:r>
-              <a:rPr lang="en-IE" sz="1800" dirty="0">
+              <a:rPr lang="en-GB" sz="1800" dirty="0">
                 <a:latin typeface="Cambria" panose="02040503050406030204" pitchFamily="18" charset="0"/>
                 <a:ea typeface="MS Mincho" panose="02020609040205080304" pitchFamily="49" charset="-128"/>
                 <a:cs typeface="Times New Roman" panose="02020603050405020304" pitchFamily="18" charset="0"/>
               </a:rPr>
-              <a:t>)</a:t>
+              <a:t>chair so another can sit in it</a:t>
             </a:r>
+          </a:p>
+          <a:p>
+            <a:r>
+              <a:rPr lang="en-GB" sz="1800" dirty="0">
+                <a:effectLst/>
+                <a:latin typeface="Cambria" panose="02040503050406030204" pitchFamily="18" charset="0"/>
+                <a:ea typeface="MS Mincho" panose="02020609040205080304" pitchFamily="49" charset="-128"/>
+                <a:cs typeface="Times New Roman" panose="02020603050405020304" pitchFamily="18" charset="0"/>
+              </a:rPr>
+              <a:t>Deadlock free solution</a:t>
+            </a:r>
+          </a:p>
+          <a:p>
+            <a:endParaRPr lang="en-GB" sz="1800" dirty="0">
+              <a:effectLst/>
+              <a:latin typeface="Cambria" panose="02040503050406030204" pitchFamily="18" charset="0"/>
+              <a:ea typeface="MS Mincho" panose="02020609040205080304" pitchFamily="49" charset="-128"/>
+              <a:cs typeface="Times New Roman" panose="02020603050405020304" pitchFamily="18" charset="0"/>
+            </a:endParaRPr>
+          </a:p>
+          <a:p>
             <a:endParaRPr lang="en-IE" sz="1800" dirty="0">
               <a:effectLst/>
               <a:latin typeface="Cambria" panose="02040503050406030204" pitchFamily="18" charset="0"/>

--- a/final_Presentation.pptx
+++ b/final_Presentation.pptx
@@ -181,7 +181,7 @@
           <a:noFill/>
           <a:extLst>
             <a:ext uri="{909E8E84-426E-40dd-AFC4-6F175D3DCCD1}">
-              <a14:hiddenFill xmlns:a14="http://schemas.microsoft.com/office/drawing/2010/main" xmlns="">
+              <a14:hiddenFill xmlns="" xmlns:a14="http://schemas.microsoft.com/office/drawing/2010/main">
                 <a:solidFill>
                   <a:srgbClr val="FFFFFF"/>
                 </a:solidFill>
@@ -241,7 +241,7 @@
             </a:ln>
             <a:extLst>
               <a:ext uri="{91240B29-F687-4f45-9708-019B960494DF}">
-                <a14:hiddenLine xmlns:a14="http://schemas.microsoft.com/office/drawing/2010/main" xmlns="" w="9525">
+                <a14:hiddenLine xmlns="" xmlns:a14="http://schemas.microsoft.com/office/drawing/2010/main" w="9525">
                   <a:solidFill>
                     <a:srgbClr val="000000"/>
                   </a:solidFill>
@@ -331,7 +331,7 @@
             </a:ln>
             <a:extLst>
               <a:ext uri="{91240B29-F687-4f45-9708-019B960494DF}">
-                <a14:hiddenLine xmlns:a14="http://schemas.microsoft.com/office/drawing/2010/main" xmlns="" w="9525">
+                <a14:hiddenLine xmlns="" xmlns:a14="http://schemas.microsoft.com/office/drawing/2010/main" w="9525">
                   <a:solidFill>
                     <a:srgbClr val="000000"/>
                   </a:solidFill>
@@ -421,7 +421,7 @@
             </a:ln>
             <a:extLst>
               <a:ext uri="{91240B29-F687-4f45-9708-019B960494DF}">
-                <a14:hiddenLine xmlns:a14="http://schemas.microsoft.com/office/drawing/2010/main" xmlns="" w="9525">
+                <a14:hiddenLine xmlns="" xmlns:a14="http://schemas.microsoft.com/office/drawing/2010/main" w="9525">
                   <a:solidFill>
                     <a:srgbClr val="000000"/>
                   </a:solidFill>
@@ -455,7 +455,7 @@
             </a:ln>
             <a:extLst>
               <a:ext uri="{91240B29-F687-4f45-9708-019B960494DF}">
-                <a14:hiddenLine xmlns:a14="http://schemas.microsoft.com/office/drawing/2010/main" xmlns="" w="9525">
+                <a14:hiddenLine xmlns="" xmlns:a14="http://schemas.microsoft.com/office/drawing/2010/main" w="9525">
                   <a:solidFill>
                     <a:srgbClr val="000000"/>
                   </a:solidFill>
@@ -545,7 +545,7 @@
             </a:ln>
             <a:extLst>
               <a:ext uri="{91240B29-F687-4f45-9708-019B960494DF}">
-                <a14:hiddenLine xmlns:a14="http://schemas.microsoft.com/office/drawing/2010/main" xmlns="" w="9525">
+                <a14:hiddenLine xmlns="" xmlns:a14="http://schemas.microsoft.com/office/drawing/2010/main" w="9525">
                   <a:solidFill>
                     <a:srgbClr val="000000"/>
                   </a:solidFill>
@@ -607,7 +607,7 @@
             </a:ln>
             <a:extLst>
               <a:ext uri="{91240B29-F687-4f45-9708-019B960494DF}">
-                <a14:hiddenLine xmlns:a14="http://schemas.microsoft.com/office/drawing/2010/main" xmlns="" w="9525">
+                <a14:hiddenLine xmlns="" xmlns:a14="http://schemas.microsoft.com/office/drawing/2010/main" w="9525">
                   <a:solidFill>
                     <a:srgbClr val="000000"/>
                   </a:solidFill>
@@ -669,7 +669,7 @@
             </a:ln>
             <a:extLst>
               <a:ext uri="{91240B29-F687-4f45-9708-019B960494DF}">
-                <a14:hiddenLine xmlns:a14="http://schemas.microsoft.com/office/drawing/2010/main" xmlns="" w="9525">
+                <a14:hiddenLine xmlns="" xmlns:a14="http://schemas.microsoft.com/office/drawing/2010/main" w="9525">
                   <a:solidFill>
                     <a:srgbClr val="000000"/>
                   </a:solidFill>
@@ -759,7 +759,7 @@
             </a:ln>
             <a:extLst>
               <a:ext uri="{91240B29-F687-4f45-9708-019B960494DF}">
-                <a14:hiddenLine xmlns:a14="http://schemas.microsoft.com/office/drawing/2010/main" xmlns="" w="9525">
+                <a14:hiddenLine xmlns="" xmlns:a14="http://schemas.microsoft.com/office/drawing/2010/main" w="9525">
                   <a:solidFill>
                     <a:srgbClr val="000000"/>
                   </a:solidFill>
@@ -821,7 +821,7 @@
             </a:ln>
             <a:extLst>
               <a:ext uri="{91240B29-F687-4f45-9708-019B960494DF}">
-                <a14:hiddenLine xmlns:a14="http://schemas.microsoft.com/office/drawing/2010/main" xmlns="" w="9525">
+                <a14:hiddenLine xmlns="" xmlns:a14="http://schemas.microsoft.com/office/drawing/2010/main" w="9525">
                   <a:solidFill>
                     <a:srgbClr val="000000"/>
                   </a:solidFill>
@@ -883,7 +883,7 @@
             </a:ln>
             <a:extLst>
               <a:ext uri="{91240B29-F687-4f45-9708-019B960494DF}">
-                <a14:hiddenLine xmlns:a14="http://schemas.microsoft.com/office/drawing/2010/main" xmlns="" w="9525">
+                <a14:hiddenLine xmlns="" xmlns:a14="http://schemas.microsoft.com/office/drawing/2010/main" w="9525">
                   <a:solidFill>
                     <a:srgbClr val="000000"/>
                   </a:solidFill>
@@ -973,7 +973,7 @@
             </a:ln>
             <a:extLst>
               <a:ext uri="{91240B29-F687-4f45-9708-019B960494DF}">
-                <a14:hiddenLine xmlns:a14="http://schemas.microsoft.com/office/drawing/2010/main" xmlns="" w="9525">
+                <a14:hiddenLine xmlns="" xmlns:a14="http://schemas.microsoft.com/office/drawing/2010/main" w="9525">
                   <a:solidFill>
                     <a:srgbClr val="000000"/>
                   </a:solidFill>
@@ -1063,7 +1063,7 @@
             </a:ln>
             <a:extLst>
               <a:ext uri="{91240B29-F687-4f45-9708-019B960494DF}">
-                <a14:hiddenLine xmlns:a14="http://schemas.microsoft.com/office/drawing/2010/main" xmlns="" w="9525">
+                <a14:hiddenLine xmlns="" xmlns:a14="http://schemas.microsoft.com/office/drawing/2010/main" w="9525">
                   <a:solidFill>
                     <a:srgbClr val="000000"/>
                   </a:solidFill>
@@ -1125,7 +1125,7 @@
             </a:ln>
             <a:extLst>
               <a:ext uri="{91240B29-F687-4f45-9708-019B960494DF}">
-                <a14:hiddenLine xmlns:a14="http://schemas.microsoft.com/office/drawing/2010/main" xmlns="" w="9525">
+                <a14:hiddenLine xmlns="" xmlns:a14="http://schemas.microsoft.com/office/drawing/2010/main" w="9525">
                   <a:solidFill>
                     <a:srgbClr val="000000"/>
                   </a:solidFill>
@@ -1235,7 +1235,7 @@
             </a:ln>
             <a:extLst>
               <a:ext uri="{91240B29-F687-4f45-9708-019B960494DF}">
-                <a14:hiddenLine xmlns:a14="http://schemas.microsoft.com/office/drawing/2010/main" xmlns="" w="9525">
+                <a14:hiddenLine xmlns="" xmlns:a14="http://schemas.microsoft.com/office/drawing/2010/main" w="9525">
                   <a:solidFill>
                     <a:srgbClr val="000000"/>
                   </a:solidFill>
@@ -1297,7 +1297,7 @@
             </a:ln>
             <a:extLst>
               <a:ext uri="{91240B29-F687-4f45-9708-019B960494DF}">
-                <a14:hiddenLine xmlns:a14="http://schemas.microsoft.com/office/drawing/2010/main" xmlns="" w="9525">
+                <a14:hiddenLine xmlns="" xmlns:a14="http://schemas.microsoft.com/office/drawing/2010/main" w="9525">
                   <a:solidFill>
                     <a:srgbClr val="000000"/>
                   </a:solidFill>
@@ -1387,7 +1387,7 @@
             </a:ln>
             <a:extLst>
               <a:ext uri="{91240B29-F687-4f45-9708-019B960494DF}">
-                <a14:hiddenLine xmlns:a14="http://schemas.microsoft.com/office/drawing/2010/main" xmlns="" w="9525">
+                <a14:hiddenLine xmlns="" xmlns:a14="http://schemas.microsoft.com/office/drawing/2010/main" w="9525">
                   <a:solidFill>
                     <a:srgbClr val="000000"/>
                   </a:solidFill>
@@ -1477,7 +1477,7 @@
             </a:ln>
             <a:extLst>
               <a:ext uri="{91240B29-F687-4f45-9708-019B960494DF}">
-                <a14:hiddenLine xmlns:a14="http://schemas.microsoft.com/office/drawing/2010/main" xmlns="" w="9525">
+                <a14:hiddenLine xmlns="" xmlns:a14="http://schemas.microsoft.com/office/drawing/2010/main" w="9525">
                   <a:solidFill>
                     <a:srgbClr val="000000"/>
                   </a:solidFill>
@@ -1539,7 +1539,7 @@
             </a:ln>
             <a:extLst>
               <a:ext uri="{91240B29-F687-4f45-9708-019B960494DF}">
-                <a14:hiddenLine xmlns:a14="http://schemas.microsoft.com/office/drawing/2010/main" xmlns="" w="9525">
+                <a14:hiddenLine xmlns="" xmlns:a14="http://schemas.microsoft.com/office/drawing/2010/main" w="9525">
                   <a:solidFill>
                     <a:srgbClr val="000000"/>
                   </a:solidFill>
@@ -1629,7 +1629,7 @@
             </a:ln>
             <a:extLst>
               <a:ext uri="{91240B29-F687-4f45-9708-019B960494DF}">
-                <a14:hiddenLine xmlns:a14="http://schemas.microsoft.com/office/drawing/2010/main" xmlns="" w="9525">
+                <a14:hiddenLine xmlns="" xmlns:a14="http://schemas.microsoft.com/office/drawing/2010/main" w="9525">
                   <a:solidFill>
                     <a:srgbClr val="000000"/>
                   </a:solidFill>
@@ -1719,7 +1719,7 @@
             </a:ln>
             <a:extLst>
               <a:ext uri="{91240B29-F687-4f45-9708-019B960494DF}">
-                <a14:hiddenLine xmlns:a14="http://schemas.microsoft.com/office/drawing/2010/main" xmlns="" w="9525">
+                <a14:hiddenLine xmlns="" xmlns:a14="http://schemas.microsoft.com/office/drawing/2010/main" w="9525">
                   <a:solidFill>
                     <a:srgbClr val="000000"/>
                   </a:solidFill>
@@ -1775,7 +1775,7 @@
             </a:ln>
             <a:extLst>
               <a:ext uri="{91240B29-F687-4f45-9708-019B960494DF}">
-                <a14:hiddenLine xmlns:a14="http://schemas.microsoft.com/office/drawing/2010/main" xmlns="" w="9525">
+                <a14:hiddenLine xmlns="" xmlns:a14="http://schemas.microsoft.com/office/drawing/2010/main" w="9525">
                   <a:solidFill>
                     <a:srgbClr val="000000"/>
                   </a:solidFill>
@@ -1865,7 +1865,7 @@
             </a:ln>
             <a:extLst>
               <a:ext uri="{91240B29-F687-4f45-9708-019B960494DF}">
-                <a14:hiddenLine xmlns:a14="http://schemas.microsoft.com/office/drawing/2010/main" xmlns="" w="9525">
+                <a14:hiddenLine xmlns="" xmlns:a14="http://schemas.microsoft.com/office/drawing/2010/main" w="9525">
                   <a:solidFill>
                     <a:srgbClr val="000000"/>
                   </a:solidFill>
@@ -1921,7 +1921,7 @@
             </a:ln>
             <a:extLst>
               <a:ext uri="{91240B29-F687-4f45-9708-019B960494DF}">
-                <a14:hiddenLine xmlns:a14="http://schemas.microsoft.com/office/drawing/2010/main" xmlns="" w="9525">
+                <a14:hiddenLine xmlns="" xmlns:a14="http://schemas.microsoft.com/office/drawing/2010/main" w="9525">
                   <a:solidFill>
                     <a:srgbClr val="000000"/>
                   </a:solidFill>
@@ -2011,7 +2011,7 @@
             </a:ln>
             <a:extLst>
               <a:ext uri="{91240B29-F687-4f45-9708-019B960494DF}">
-                <a14:hiddenLine xmlns:a14="http://schemas.microsoft.com/office/drawing/2010/main" xmlns="" w="9525">
+                <a14:hiddenLine xmlns="" xmlns:a14="http://schemas.microsoft.com/office/drawing/2010/main" w="9525">
                   <a:solidFill>
                     <a:srgbClr val="000000"/>
                   </a:solidFill>
@@ -2079,7 +2079,7 @@
             </a:ln>
             <a:extLst>
               <a:ext uri="{91240B29-F687-4f45-9708-019B960494DF}">
-                <a14:hiddenLine xmlns:a14="http://schemas.microsoft.com/office/drawing/2010/main" xmlns="" w="9525">
+                <a14:hiddenLine xmlns="" xmlns:a14="http://schemas.microsoft.com/office/drawing/2010/main" w="9525">
                   <a:solidFill>
                     <a:srgbClr val="000000"/>
                   </a:solidFill>
@@ -2169,7 +2169,7 @@
             </a:ln>
             <a:extLst>
               <a:ext uri="{91240B29-F687-4f45-9708-019B960494DF}">
-                <a14:hiddenLine xmlns:a14="http://schemas.microsoft.com/office/drawing/2010/main" xmlns="" w="9525">
+                <a14:hiddenLine xmlns="" xmlns:a14="http://schemas.microsoft.com/office/drawing/2010/main" w="9525">
                   <a:solidFill>
                     <a:srgbClr val="000000"/>
                   </a:solidFill>
@@ -2237,7 +2237,7 @@
             </a:ln>
             <a:extLst>
               <a:ext uri="{91240B29-F687-4f45-9708-019B960494DF}">
-                <a14:hiddenLine xmlns:a14="http://schemas.microsoft.com/office/drawing/2010/main" xmlns="" w="9525">
+                <a14:hiddenLine xmlns="" xmlns:a14="http://schemas.microsoft.com/office/drawing/2010/main" w="9525">
                   <a:solidFill>
                     <a:srgbClr val="000000"/>
                   </a:solidFill>
@@ -2327,7 +2327,7 @@
             </a:ln>
             <a:extLst>
               <a:ext uri="{91240B29-F687-4f45-9708-019B960494DF}">
-                <a14:hiddenLine xmlns:a14="http://schemas.microsoft.com/office/drawing/2010/main" xmlns="" w="9525">
+                <a14:hiddenLine xmlns="" xmlns:a14="http://schemas.microsoft.com/office/drawing/2010/main" w="9525">
                   <a:solidFill>
                     <a:srgbClr val="000000"/>
                   </a:solidFill>
@@ -2361,7 +2361,7 @@
             </a:ln>
             <a:extLst>
               <a:ext uri="{91240B29-F687-4f45-9708-019B960494DF}">
-                <a14:hiddenLine xmlns:a14="http://schemas.microsoft.com/office/drawing/2010/main" xmlns="" w="9525">
+                <a14:hiddenLine xmlns="" xmlns:a14="http://schemas.microsoft.com/office/drawing/2010/main" w="9525">
                   <a:solidFill>
                     <a:srgbClr val="000000"/>
                   </a:solidFill>
@@ -2451,7 +2451,7 @@
             </a:ln>
             <a:extLst>
               <a:ext uri="{91240B29-F687-4f45-9708-019B960494DF}">
-                <a14:hiddenLine xmlns:a14="http://schemas.microsoft.com/office/drawing/2010/main" xmlns="" w="9525">
+                <a14:hiddenLine xmlns="" xmlns:a14="http://schemas.microsoft.com/office/drawing/2010/main" w="9525">
                   <a:solidFill>
                     <a:srgbClr val="000000"/>
                   </a:solidFill>
@@ -2513,7 +2513,7 @@
             </a:ln>
             <a:extLst>
               <a:ext uri="{91240B29-F687-4f45-9708-019B960494DF}">
-                <a14:hiddenLine xmlns:a14="http://schemas.microsoft.com/office/drawing/2010/main" xmlns="" w="9525">
+                <a14:hiddenLine xmlns="" xmlns:a14="http://schemas.microsoft.com/office/drawing/2010/main" w="9525">
                   <a:solidFill>
                     <a:srgbClr val="000000"/>
                   </a:solidFill>
@@ -2575,7 +2575,7 @@
             </a:ln>
             <a:extLst>
               <a:ext uri="{91240B29-F687-4f45-9708-019B960494DF}">
-                <a14:hiddenLine xmlns:a14="http://schemas.microsoft.com/office/drawing/2010/main" xmlns="" w="9525">
+                <a14:hiddenLine xmlns="" xmlns:a14="http://schemas.microsoft.com/office/drawing/2010/main" w="9525">
                   <a:solidFill>
                     <a:srgbClr val="000000"/>
                   </a:solidFill>
@@ -2665,7 +2665,7 @@
             </a:ln>
             <a:extLst>
               <a:ext uri="{91240B29-F687-4f45-9708-019B960494DF}">
-                <a14:hiddenLine xmlns:a14="http://schemas.microsoft.com/office/drawing/2010/main" xmlns="" w="9525">
+                <a14:hiddenLine xmlns="" xmlns:a14="http://schemas.microsoft.com/office/drawing/2010/main" w="9525">
                   <a:solidFill>
                     <a:srgbClr val="000000"/>
                   </a:solidFill>
@@ -2733,7 +2733,7 @@
             </a:ln>
             <a:extLst>
               <a:ext uri="{91240B29-F687-4f45-9708-019B960494DF}">
-                <a14:hiddenLine xmlns:a14="http://schemas.microsoft.com/office/drawing/2010/main" xmlns="" w="9525">
+                <a14:hiddenLine xmlns="" xmlns:a14="http://schemas.microsoft.com/office/drawing/2010/main" w="9525">
                   <a:solidFill>
                     <a:srgbClr val="000000"/>
                   </a:solidFill>
@@ -2795,7 +2795,7 @@
             </a:ln>
             <a:extLst>
               <a:ext uri="{91240B29-F687-4f45-9708-019B960494DF}">
-                <a14:hiddenLine xmlns:a14="http://schemas.microsoft.com/office/drawing/2010/main" xmlns="" w="9525">
+                <a14:hiddenLine xmlns="" xmlns:a14="http://schemas.microsoft.com/office/drawing/2010/main" w="9525">
                   <a:solidFill>
                     <a:srgbClr val="000000"/>
                   </a:solidFill>
@@ -2885,7 +2885,7 @@
             </a:ln>
             <a:extLst>
               <a:ext uri="{91240B29-F687-4f45-9708-019B960494DF}">
-                <a14:hiddenLine xmlns:a14="http://schemas.microsoft.com/office/drawing/2010/main" xmlns="" w="9525">
+                <a14:hiddenLine xmlns="" xmlns:a14="http://schemas.microsoft.com/office/drawing/2010/main" w="9525">
                   <a:solidFill>
                     <a:srgbClr val="000000"/>
                   </a:solidFill>
@@ -2947,7 +2947,7 @@
             </a:ln>
             <a:extLst>
               <a:ext uri="{91240B29-F687-4f45-9708-019B960494DF}">
-                <a14:hiddenLine xmlns:a14="http://schemas.microsoft.com/office/drawing/2010/main" xmlns="" w="9525">
+                <a14:hiddenLine xmlns="" xmlns:a14="http://schemas.microsoft.com/office/drawing/2010/main" w="9525">
                   <a:solidFill>
                     <a:srgbClr val="000000"/>
                   </a:solidFill>
@@ -3037,7 +3037,7 @@
             </a:ln>
             <a:extLst>
               <a:ext uri="{91240B29-F687-4f45-9708-019B960494DF}">
-                <a14:hiddenLine xmlns:a14="http://schemas.microsoft.com/office/drawing/2010/main" xmlns="" w="9525">
+                <a14:hiddenLine xmlns="" xmlns:a14="http://schemas.microsoft.com/office/drawing/2010/main" w="9525">
                   <a:solidFill>
                     <a:srgbClr val="000000"/>
                   </a:solidFill>
@@ -3099,7 +3099,7 @@
             </a:ln>
             <a:extLst>
               <a:ext uri="{91240B29-F687-4f45-9708-019B960494DF}">
-                <a14:hiddenLine xmlns:a14="http://schemas.microsoft.com/office/drawing/2010/main" xmlns="" w="9525">
+                <a14:hiddenLine xmlns="" xmlns:a14="http://schemas.microsoft.com/office/drawing/2010/main" w="9525">
                   <a:solidFill>
                     <a:srgbClr val="000000"/>
                   </a:solidFill>
@@ -3189,7 +3189,7 @@
             </a:ln>
             <a:extLst>
               <a:ext uri="{91240B29-F687-4f45-9708-019B960494DF}">
-                <a14:hiddenLine xmlns:a14="http://schemas.microsoft.com/office/drawing/2010/main" xmlns="" w="9525">
+                <a14:hiddenLine xmlns="" xmlns:a14="http://schemas.microsoft.com/office/drawing/2010/main" w="9525">
                   <a:solidFill>
                     <a:srgbClr val="000000"/>
                   </a:solidFill>
@@ -3223,7 +3223,7 @@
             </a:ln>
             <a:extLst>
               <a:ext uri="{91240B29-F687-4f45-9708-019B960494DF}">
-                <a14:hiddenLine xmlns:a14="http://schemas.microsoft.com/office/drawing/2010/main" xmlns="" w="9525">
+                <a14:hiddenLine xmlns="" xmlns:a14="http://schemas.microsoft.com/office/drawing/2010/main" w="9525">
                   <a:solidFill>
                     <a:srgbClr val="000000"/>
                   </a:solidFill>
@@ -3288,7 +3288,7 @@
             </a:ln>
             <a:extLst>
               <a:ext uri="{91240B29-F687-4f45-9708-019B960494DF}">
-                <a14:hiddenLine xmlns:a14="http://schemas.microsoft.com/office/drawing/2010/main" xmlns="" w="9525">
+                <a14:hiddenLine xmlns="" xmlns:a14="http://schemas.microsoft.com/office/drawing/2010/main" w="9525">
                   <a:solidFill>
                     <a:srgbClr val="000000"/>
                   </a:solidFill>
@@ -3378,7 +3378,7 @@
             </a:ln>
             <a:extLst>
               <a:ext uri="{91240B29-F687-4f45-9708-019B960494DF}">
-                <a14:hiddenLine xmlns:a14="http://schemas.microsoft.com/office/drawing/2010/main" xmlns="" w="9525">
+                <a14:hiddenLine xmlns="" xmlns:a14="http://schemas.microsoft.com/office/drawing/2010/main" w="9525">
                   <a:solidFill>
                     <a:srgbClr val="000000"/>
                   </a:solidFill>
@@ -3440,7 +3440,7 @@
             </a:ln>
             <a:extLst>
               <a:ext uri="{91240B29-F687-4f45-9708-019B960494DF}">
-                <a14:hiddenLine xmlns:a14="http://schemas.microsoft.com/office/drawing/2010/main" xmlns="" w="9525">
+                <a14:hiddenLine xmlns="" xmlns:a14="http://schemas.microsoft.com/office/drawing/2010/main" w="9525">
                   <a:solidFill>
                     <a:srgbClr val="000000"/>
                   </a:solidFill>
@@ -3530,7 +3530,7 @@
             </a:ln>
             <a:extLst>
               <a:ext uri="{91240B29-F687-4f45-9708-019B960494DF}">
-                <a14:hiddenLine xmlns:a14="http://schemas.microsoft.com/office/drawing/2010/main" xmlns="" w="9525">
+                <a14:hiddenLine xmlns="" xmlns:a14="http://schemas.microsoft.com/office/drawing/2010/main" w="9525">
                   <a:solidFill>
                     <a:srgbClr val="000000"/>
                   </a:solidFill>
@@ -3620,7 +3620,7 @@
             </a:ln>
             <a:extLst>
               <a:ext uri="{91240B29-F687-4f45-9708-019B960494DF}">
-                <a14:hiddenLine xmlns:a14="http://schemas.microsoft.com/office/drawing/2010/main" xmlns="" w="9525">
+                <a14:hiddenLine xmlns="" xmlns:a14="http://schemas.microsoft.com/office/drawing/2010/main" w="9525">
                   <a:solidFill>
                     <a:srgbClr val="000000"/>
                   </a:solidFill>
@@ -3685,7 +3685,7 @@
             </a:ln>
             <a:extLst>
               <a:ext uri="{91240B29-F687-4f45-9708-019B960494DF}">
-                <a14:hiddenLine xmlns:a14="http://schemas.microsoft.com/office/drawing/2010/main" xmlns="" w="9525">
+                <a14:hiddenLine xmlns="" xmlns:a14="http://schemas.microsoft.com/office/drawing/2010/main" w="9525">
                   <a:solidFill>
                     <a:srgbClr val="000000"/>
                   </a:solidFill>
@@ -3747,7 +3747,7 @@
             </a:ln>
             <a:extLst>
               <a:ext uri="{91240B29-F687-4f45-9708-019B960494DF}">
-                <a14:hiddenLine xmlns:a14="http://schemas.microsoft.com/office/drawing/2010/main" xmlns="" w="9525">
+                <a14:hiddenLine xmlns="" xmlns:a14="http://schemas.microsoft.com/office/drawing/2010/main" w="9525">
                   <a:solidFill>
                     <a:srgbClr val="000000"/>
                   </a:solidFill>
@@ -3837,7 +3837,7 @@
             </a:ln>
             <a:extLst>
               <a:ext uri="{91240B29-F687-4f45-9708-019B960494DF}">
-                <a14:hiddenLine xmlns:a14="http://schemas.microsoft.com/office/drawing/2010/main" xmlns="" w="9525">
+                <a14:hiddenLine xmlns="" xmlns:a14="http://schemas.microsoft.com/office/drawing/2010/main" w="9525">
                   <a:solidFill>
                     <a:srgbClr val="000000"/>
                   </a:solidFill>
@@ -3927,7 +3927,7 @@
             </a:ln>
             <a:extLst>
               <a:ext uri="{91240B29-F687-4f45-9708-019B960494DF}">
-                <a14:hiddenLine xmlns:a14="http://schemas.microsoft.com/office/drawing/2010/main" xmlns="" w="9525">
+                <a14:hiddenLine xmlns="" xmlns:a14="http://schemas.microsoft.com/office/drawing/2010/main" w="9525">
                   <a:solidFill>
                     <a:srgbClr val="000000"/>
                   </a:solidFill>
@@ -3989,7 +3989,7 @@
             </a:ln>
             <a:extLst>
               <a:ext uri="{91240B29-F687-4f45-9708-019B960494DF}">
-                <a14:hiddenLine xmlns:a14="http://schemas.microsoft.com/office/drawing/2010/main" xmlns="" w="9525">
+                <a14:hiddenLine xmlns="" xmlns:a14="http://schemas.microsoft.com/office/drawing/2010/main" w="9525">
                   <a:solidFill>
                     <a:srgbClr val="000000"/>
                   </a:solidFill>
@@ -4109,7 +4109,7 @@
             </a:ln>
             <a:extLst>
               <a:ext uri="{91240B29-F687-4f45-9708-019B960494DF}">
-                <a14:hiddenLine xmlns:a14="http://schemas.microsoft.com/office/drawing/2010/main" xmlns="" w="9525">
+                <a14:hiddenLine xmlns="" xmlns:a14="http://schemas.microsoft.com/office/drawing/2010/main" w="9525">
                   <a:solidFill>
                     <a:srgbClr val="000000"/>
                   </a:solidFill>
@@ -4177,7 +4177,7 @@
             </a:ln>
             <a:extLst>
               <a:ext uri="{91240B29-F687-4f45-9708-019B960494DF}">
-                <a14:hiddenLine xmlns:a14="http://schemas.microsoft.com/office/drawing/2010/main" xmlns="" w="9525">
+                <a14:hiddenLine xmlns="" xmlns:a14="http://schemas.microsoft.com/office/drawing/2010/main" w="9525">
                   <a:solidFill>
                     <a:srgbClr val="000000"/>
                   </a:solidFill>
@@ -4267,7 +4267,7 @@
             </a:ln>
             <a:extLst>
               <a:ext uri="{91240B29-F687-4f45-9708-019B960494DF}">
-                <a14:hiddenLine xmlns:a14="http://schemas.microsoft.com/office/drawing/2010/main" xmlns="" w="9525">
+                <a14:hiddenLine xmlns="" xmlns:a14="http://schemas.microsoft.com/office/drawing/2010/main" w="9525">
                   <a:solidFill>
                     <a:srgbClr val="000000"/>
                   </a:solidFill>
@@ -4407,7 +4407,7 @@
           <a:p>
             <a:fld id="{48A87A34-81AB-432B-8DAE-1953F412C126}" type="datetimeFigureOut">
               <a:rPr lang="en-US" dirty="0"/>
-              <a:t>4/23/2024</a:t>
+              <a:t>4/23/24</a:t>
             </a:fld>
             <a:endParaRPr lang="en-US" dirty="0"/>
           </a:p>
@@ -4669,7 +4669,7 @@
           <a:p>
             <a:fld id="{48A87A34-81AB-432B-8DAE-1953F412C126}" type="datetimeFigureOut">
               <a:rPr lang="en-US" dirty="0"/>
-              <a:t>4/23/2024</a:t>
+              <a:t>4/23/24</a:t>
             </a:fld>
             <a:endParaRPr lang="en-US" dirty="0"/>
           </a:p>
@@ -4860,7 +4860,7 @@
           <a:p>
             <a:fld id="{48A87A34-81AB-432B-8DAE-1953F412C126}" type="datetimeFigureOut">
               <a:rPr lang="en-US" dirty="0"/>
-              <a:t>4/23/2024</a:t>
+              <a:t>4/23/24</a:t>
             </a:fld>
             <a:endParaRPr lang="en-US" dirty="0"/>
           </a:p>
@@ -5118,7 +5118,7 @@
           <a:p>
             <a:fld id="{48A87A34-81AB-432B-8DAE-1953F412C126}" type="datetimeFigureOut">
               <a:rPr lang="en-US" dirty="0"/>
-              <a:t>4/23/2024</a:t>
+              <a:t>4/23/24</a:t>
             </a:fld>
             <a:endParaRPr lang="en-US" dirty="0"/>
           </a:p>
@@ -5547,7 +5547,7 @@
           <a:p>
             <a:fld id="{48A87A34-81AB-432B-8DAE-1953F412C126}" type="datetimeFigureOut">
               <a:rPr lang="en-US" dirty="0"/>
-              <a:t>4/23/2024</a:t>
+              <a:t>4/23/24</a:t>
             </a:fld>
             <a:endParaRPr lang="en-US" dirty="0"/>
           </a:p>
@@ -6088,7 +6088,7 @@
           <a:p>
             <a:fld id="{48A87A34-81AB-432B-8DAE-1953F412C126}" type="datetimeFigureOut">
               <a:rPr lang="en-US" dirty="0"/>
-              <a:t>4/23/2024</a:t>
+              <a:t>4/23/24</a:t>
             </a:fld>
             <a:endParaRPr lang="en-US" dirty="0"/>
           </a:p>
@@ -6803,7 +6803,7 @@
           <a:p>
             <a:fld id="{48A87A34-81AB-432B-8DAE-1953F412C126}" type="datetimeFigureOut">
               <a:rPr lang="en-US" dirty="0"/>
-              <a:t>4/23/2024</a:t>
+              <a:t>4/23/24</a:t>
             </a:fld>
             <a:endParaRPr lang="en-US" dirty="0"/>
           </a:p>
@@ -6968,7 +6968,7 @@
           <a:p>
             <a:fld id="{48A87A34-81AB-432B-8DAE-1953F412C126}" type="datetimeFigureOut">
               <a:rPr lang="en-US" dirty="0"/>
-              <a:t>4/23/2024</a:t>
+              <a:t>4/23/24</a:t>
             </a:fld>
             <a:endParaRPr lang="en-US" dirty="0"/>
           </a:p>
@@ -7143,7 +7143,7 @@
           <a:p>
             <a:fld id="{48A87A34-81AB-432B-8DAE-1953F412C126}" type="datetimeFigureOut">
               <a:rPr lang="en-US" dirty="0"/>
-              <a:t>4/23/2024</a:t>
+              <a:t>4/23/24</a:t>
             </a:fld>
             <a:endParaRPr lang="en-US" dirty="0"/>
           </a:p>
@@ -7308,7 +7308,7 @@
           <a:p>
             <a:fld id="{48A87A34-81AB-432B-8DAE-1953F412C126}" type="datetimeFigureOut">
               <a:rPr lang="en-US" dirty="0"/>
-              <a:t>4/23/2024</a:t>
+              <a:t>4/23/24</a:t>
             </a:fld>
             <a:endParaRPr lang="en-US" dirty="0"/>
           </a:p>
@@ -7553,7 +7553,7 @@
           <a:p>
             <a:fld id="{48A87A34-81AB-432B-8DAE-1953F412C126}" type="datetimeFigureOut">
               <a:rPr lang="en-US" dirty="0"/>
-              <a:t>4/23/2024</a:t>
+              <a:t>4/23/24</a:t>
             </a:fld>
             <a:endParaRPr lang="en-US" dirty="0"/>
           </a:p>
@@ -7780,7 +7780,7 @@
           <a:p>
             <a:fld id="{48A87A34-81AB-432B-8DAE-1953F412C126}" type="datetimeFigureOut">
               <a:rPr lang="en-US" dirty="0"/>
-              <a:t>4/23/2024</a:t>
+              <a:t>4/23/24</a:t>
             </a:fld>
             <a:endParaRPr lang="en-US" dirty="0"/>
           </a:p>
@@ -8156,7 +8156,7 @@
           <a:p>
             <a:fld id="{48A87A34-81AB-432B-8DAE-1953F412C126}" type="datetimeFigureOut">
               <a:rPr lang="en-US" dirty="0"/>
-              <a:t>4/23/2024</a:t>
+              <a:t>4/23/24</a:t>
             </a:fld>
             <a:endParaRPr lang="en-US" dirty="0"/>
           </a:p>
@@ -8269,7 +8269,7 @@
           <a:p>
             <a:fld id="{48A87A34-81AB-432B-8DAE-1953F412C126}" type="datetimeFigureOut">
               <a:rPr lang="en-US" dirty="0"/>
-              <a:t>4/23/2024</a:t>
+              <a:t>4/23/24</a:t>
             </a:fld>
             <a:endParaRPr lang="en-US" dirty="0"/>
           </a:p>
@@ -8359,7 +8359,7 @@
           <a:p>
             <a:fld id="{48A87A34-81AB-432B-8DAE-1953F412C126}" type="datetimeFigureOut">
               <a:rPr lang="en-US" dirty="0"/>
-              <a:t>4/23/2024</a:t>
+              <a:t>4/23/24</a:t>
             </a:fld>
             <a:endParaRPr lang="en-US" dirty="0"/>
           </a:p>
@@ -8603,7 +8603,7 @@
           <a:p>
             <a:fld id="{48A87A34-81AB-432B-8DAE-1953F412C126}" type="datetimeFigureOut">
               <a:rPr lang="en-US" dirty="0"/>
-              <a:t>4/23/2024</a:t>
+              <a:t>4/23/24</a:t>
             </a:fld>
             <a:endParaRPr lang="en-US" dirty="0"/>
           </a:p>
@@ -8878,7 +8878,7 @@
           <a:p>
             <a:fld id="{48A87A34-81AB-432B-8DAE-1953F412C126}" type="datetimeFigureOut">
               <a:rPr lang="en-US" dirty="0"/>
-              <a:t>4/23/2024</a:t>
+              <a:t>4/23/24</a:t>
             </a:fld>
             <a:endParaRPr lang="en-US" dirty="0"/>
           </a:p>
@@ -8989,7 +8989,7 @@
           <a:noFill/>
           <a:extLst>
             <a:ext uri="{909E8E84-426E-40dd-AFC4-6F175D3DCCD1}">
-              <a14:hiddenFill xmlns:a14="http://schemas.microsoft.com/office/drawing/2010/main" xmlns="">
+              <a14:hiddenFill xmlns="" xmlns:a14="http://schemas.microsoft.com/office/drawing/2010/main">
                 <a:solidFill>
                   <a:srgbClr val="FFFFFF"/>
                 </a:solidFill>
@@ -9063,7 +9063,7 @@
               </a:ln>
               <a:extLst>
                 <a:ext uri="{91240B29-F687-4f45-9708-019B960494DF}">
-                  <a14:hiddenLine xmlns:a14="http://schemas.microsoft.com/office/drawing/2010/main" xmlns="" w="9525">
+                  <a14:hiddenLine xmlns="" xmlns:a14="http://schemas.microsoft.com/office/drawing/2010/main" w="9525">
                     <a:solidFill>
                       <a:srgbClr val="000000"/>
                     </a:solidFill>
@@ -9153,7 +9153,7 @@
               </a:ln>
               <a:extLst>
                 <a:ext uri="{91240B29-F687-4f45-9708-019B960494DF}">
-                  <a14:hiddenLine xmlns:a14="http://schemas.microsoft.com/office/drawing/2010/main" xmlns="" w="9525">
+                  <a14:hiddenLine xmlns="" xmlns:a14="http://schemas.microsoft.com/office/drawing/2010/main" w="9525">
                     <a:solidFill>
                       <a:srgbClr val="000000"/>
                     </a:solidFill>
@@ -9243,7 +9243,7 @@
               </a:ln>
               <a:extLst>
                 <a:ext uri="{91240B29-F687-4f45-9708-019B960494DF}">
-                  <a14:hiddenLine xmlns:a14="http://schemas.microsoft.com/office/drawing/2010/main" xmlns="" w="9525">
+                  <a14:hiddenLine xmlns="" xmlns:a14="http://schemas.microsoft.com/office/drawing/2010/main" w="9525">
                     <a:solidFill>
                       <a:srgbClr val="000000"/>
                     </a:solidFill>
@@ -9305,7 +9305,7 @@
               </a:ln>
               <a:extLst>
                 <a:ext uri="{91240B29-F687-4f45-9708-019B960494DF}">
-                  <a14:hiddenLine xmlns:a14="http://schemas.microsoft.com/office/drawing/2010/main" xmlns="" w="9525">
+                  <a14:hiddenLine xmlns="" xmlns:a14="http://schemas.microsoft.com/office/drawing/2010/main" w="9525">
                     <a:solidFill>
                       <a:srgbClr val="000000"/>
                     </a:solidFill>
@@ -9395,7 +9395,7 @@
               </a:ln>
               <a:extLst>
                 <a:ext uri="{91240B29-F687-4f45-9708-019B960494DF}">
-                  <a14:hiddenLine xmlns:a14="http://schemas.microsoft.com/office/drawing/2010/main" xmlns="" w="9525">
+                  <a14:hiddenLine xmlns="" xmlns:a14="http://schemas.microsoft.com/office/drawing/2010/main" w="9525">
                     <a:solidFill>
                       <a:srgbClr val="000000"/>
                     </a:solidFill>
@@ -9457,7 +9457,7 @@
               </a:ln>
               <a:extLst>
                 <a:ext uri="{91240B29-F687-4f45-9708-019B960494DF}">
-                  <a14:hiddenLine xmlns:a14="http://schemas.microsoft.com/office/drawing/2010/main" xmlns="" w="9525">
+                  <a14:hiddenLine xmlns="" xmlns:a14="http://schemas.microsoft.com/office/drawing/2010/main" w="9525">
                     <a:solidFill>
                       <a:srgbClr val="000000"/>
                     </a:solidFill>
@@ -9519,7 +9519,7 @@
               </a:ln>
               <a:extLst>
                 <a:ext uri="{91240B29-F687-4f45-9708-019B960494DF}">
-                  <a14:hiddenLine xmlns:a14="http://schemas.microsoft.com/office/drawing/2010/main" xmlns="" w="9525">
+                  <a14:hiddenLine xmlns="" xmlns:a14="http://schemas.microsoft.com/office/drawing/2010/main" w="9525">
                     <a:solidFill>
                       <a:srgbClr val="000000"/>
                     </a:solidFill>
@@ -9609,7 +9609,7 @@
               </a:ln>
               <a:extLst>
                 <a:ext uri="{91240B29-F687-4f45-9708-019B960494DF}">
-                  <a14:hiddenLine xmlns:a14="http://schemas.microsoft.com/office/drawing/2010/main" xmlns="" w="9525">
+                  <a14:hiddenLine xmlns="" xmlns:a14="http://schemas.microsoft.com/office/drawing/2010/main" w="9525">
                     <a:solidFill>
                       <a:srgbClr val="000000"/>
                     </a:solidFill>
@@ -9699,7 +9699,7 @@
               </a:ln>
               <a:extLst>
                 <a:ext uri="{91240B29-F687-4f45-9708-019B960494DF}">
-                  <a14:hiddenLine xmlns:a14="http://schemas.microsoft.com/office/drawing/2010/main" xmlns="" w="9525">
+                  <a14:hiddenLine xmlns="" xmlns:a14="http://schemas.microsoft.com/office/drawing/2010/main" w="9525">
                     <a:solidFill>
                       <a:srgbClr val="000000"/>
                     </a:solidFill>
@@ -9761,7 +9761,7 @@
               </a:ln>
               <a:extLst>
                 <a:ext uri="{91240B29-F687-4f45-9708-019B960494DF}">
-                  <a14:hiddenLine xmlns:a14="http://schemas.microsoft.com/office/drawing/2010/main" xmlns="" w="9525">
+                  <a14:hiddenLine xmlns="" xmlns:a14="http://schemas.microsoft.com/office/drawing/2010/main" w="9525">
                     <a:solidFill>
                       <a:srgbClr val="000000"/>
                     </a:solidFill>
@@ -9871,7 +9871,7 @@
               </a:ln>
               <a:extLst>
                 <a:ext uri="{91240B29-F687-4f45-9708-019B960494DF}">
-                  <a14:hiddenLine xmlns:a14="http://schemas.microsoft.com/office/drawing/2010/main" xmlns="" w="9525">
+                  <a14:hiddenLine xmlns="" xmlns:a14="http://schemas.microsoft.com/office/drawing/2010/main" w="9525">
                     <a:solidFill>
                       <a:srgbClr val="000000"/>
                     </a:solidFill>
@@ -9955,7 +9955,7 @@
               </a:ln>
               <a:extLst>
                 <a:ext uri="{91240B29-F687-4f45-9708-019B960494DF}">
-                  <a14:hiddenLine xmlns:a14="http://schemas.microsoft.com/office/drawing/2010/main" xmlns="" w="9525">
+                  <a14:hiddenLine xmlns="" xmlns:a14="http://schemas.microsoft.com/office/drawing/2010/main" w="9525">
                     <a:solidFill>
                       <a:srgbClr val="000000"/>
                     </a:solidFill>
@@ -10017,7 +10017,7 @@
               </a:ln>
               <a:extLst>
                 <a:ext uri="{91240B29-F687-4f45-9708-019B960494DF}">
-                  <a14:hiddenLine xmlns:a14="http://schemas.microsoft.com/office/drawing/2010/main" xmlns="" w="9525">
+                  <a14:hiddenLine xmlns="" xmlns:a14="http://schemas.microsoft.com/office/drawing/2010/main" w="9525">
                     <a:solidFill>
                       <a:srgbClr val="000000"/>
                     </a:solidFill>
@@ -10079,7 +10079,7 @@
               </a:ln>
               <a:extLst>
                 <a:ext uri="{91240B29-F687-4f45-9708-019B960494DF}">
-                  <a14:hiddenLine xmlns:a14="http://schemas.microsoft.com/office/drawing/2010/main" xmlns="" w="9525">
+                  <a14:hiddenLine xmlns="" xmlns:a14="http://schemas.microsoft.com/office/drawing/2010/main" w="9525">
                     <a:solidFill>
                       <a:srgbClr val="000000"/>
                     </a:solidFill>
@@ -10169,7 +10169,7 @@
               </a:ln>
               <a:extLst>
                 <a:ext uri="{91240B29-F687-4f45-9708-019B960494DF}">
-                  <a14:hiddenLine xmlns:a14="http://schemas.microsoft.com/office/drawing/2010/main" xmlns="" w="9525">
+                  <a14:hiddenLine xmlns="" xmlns:a14="http://schemas.microsoft.com/office/drawing/2010/main" w="9525">
                     <a:solidFill>
                       <a:srgbClr val="000000"/>
                     </a:solidFill>
@@ -10203,7 +10203,7 @@
               </a:ln>
               <a:extLst>
                 <a:ext uri="{91240B29-F687-4f45-9708-019B960494DF}">
-                  <a14:hiddenLine xmlns:a14="http://schemas.microsoft.com/office/drawing/2010/main" xmlns="" w="9525">
+                  <a14:hiddenLine xmlns="" xmlns:a14="http://schemas.microsoft.com/office/drawing/2010/main" w="9525">
                     <a:solidFill>
                       <a:srgbClr val="000000"/>
                     </a:solidFill>
@@ -10268,7 +10268,7 @@
               </a:ln>
               <a:extLst>
                 <a:ext uri="{91240B29-F687-4f45-9708-019B960494DF}">
-                  <a14:hiddenLine xmlns:a14="http://schemas.microsoft.com/office/drawing/2010/main" xmlns="" w="9525">
+                  <a14:hiddenLine xmlns="" xmlns:a14="http://schemas.microsoft.com/office/drawing/2010/main" w="9525">
                     <a:solidFill>
                       <a:srgbClr val="000000"/>
                     </a:solidFill>
@@ -10358,7 +10358,7 @@
               </a:ln>
               <a:extLst>
                 <a:ext uri="{91240B29-F687-4f45-9708-019B960494DF}">
-                  <a14:hiddenLine xmlns:a14="http://schemas.microsoft.com/office/drawing/2010/main" xmlns="" w="9525">
+                  <a14:hiddenLine xmlns="" xmlns:a14="http://schemas.microsoft.com/office/drawing/2010/main" w="9525">
                     <a:solidFill>
                       <a:srgbClr val="000000"/>
                     </a:solidFill>
@@ -10420,7 +10420,7 @@
               </a:ln>
               <a:extLst>
                 <a:ext uri="{91240B29-F687-4f45-9708-019B960494DF}">
-                  <a14:hiddenLine xmlns:a14="http://schemas.microsoft.com/office/drawing/2010/main" xmlns="" w="9525">
+                  <a14:hiddenLine xmlns="" xmlns:a14="http://schemas.microsoft.com/office/drawing/2010/main" w="9525">
                     <a:solidFill>
                       <a:srgbClr val="000000"/>
                     </a:solidFill>
@@ -10510,7 +10510,7 @@
               </a:ln>
               <a:extLst>
                 <a:ext uri="{91240B29-F687-4f45-9708-019B960494DF}">
-                  <a14:hiddenLine xmlns:a14="http://schemas.microsoft.com/office/drawing/2010/main" xmlns="" w="9525">
+                  <a14:hiddenLine xmlns="" xmlns:a14="http://schemas.microsoft.com/office/drawing/2010/main" w="9525">
                     <a:solidFill>
                       <a:srgbClr val="000000"/>
                     </a:solidFill>
@@ -10575,7 +10575,7 @@
               </a:ln>
               <a:extLst>
                 <a:ext uri="{91240B29-F687-4f45-9708-019B960494DF}">
-                  <a14:hiddenLine xmlns:a14="http://schemas.microsoft.com/office/drawing/2010/main" xmlns="" w="9525">
+                  <a14:hiddenLine xmlns="" xmlns:a14="http://schemas.microsoft.com/office/drawing/2010/main" w="9525">
                     <a:solidFill>
                       <a:srgbClr val="000000"/>
                     </a:solidFill>
@@ -10637,7 +10637,7 @@
               </a:ln>
               <a:extLst>
                 <a:ext uri="{91240B29-F687-4f45-9708-019B960494DF}">
-                  <a14:hiddenLine xmlns:a14="http://schemas.microsoft.com/office/drawing/2010/main" xmlns="" w="9525">
+                  <a14:hiddenLine xmlns="" xmlns:a14="http://schemas.microsoft.com/office/drawing/2010/main" w="9525">
                     <a:solidFill>
                       <a:srgbClr val="000000"/>
                     </a:solidFill>
@@ -10727,7 +10727,7 @@
               </a:ln>
               <a:extLst>
                 <a:ext uri="{91240B29-F687-4f45-9708-019B960494DF}">
-                  <a14:hiddenLine xmlns:a14="http://schemas.microsoft.com/office/drawing/2010/main" xmlns="" w="9525">
+                  <a14:hiddenLine xmlns="" xmlns:a14="http://schemas.microsoft.com/office/drawing/2010/main" w="9525">
                     <a:solidFill>
                       <a:srgbClr val="000000"/>
                     </a:solidFill>
@@ -10817,7 +10817,7 @@
               </a:ln>
               <a:extLst>
                 <a:ext uri="{91240B29-F687-4f45-9708-019B960494DF}">
-                  <a14:hiddenLine xmlns:a14="http://schemas.microsoft.com/office/drawing/2010/main" xmlns="" w="9525">
+                  <a14:hiddenLine xmlns="" xmlns:a14="http://schemas.microsoft.com/office/drawing/2010/main" w="9525">
                     <a:solidFill>
                       <a:srgbClr val="000000"/>
                     </a:solidFill>
@@ -10882,7 +10882,7 @@
               </a:ln>
               <a:extLst>
                 <a:ext uri="{91240B29-F687-4f45-9708-019B960494DF}">
-                  <a14:hiddenLine xmlns:a14="http://schemas.microsoft.com/office/drawing/2010/main" xmlns="" w="9525">
+                  <a14:hiddenLine xmlns="" xmlns:a14="http://schemas.microsoft.com/office/drawing/2010/main" w="9525">
                     <a:solidFill>
                       <a:srgbClr val="000000"/>
                     </a:solidFill>
@@ -11002,7 +11002,7 @@
               </a:ln>
               <a:extLst>
                 <a:ext uri="{91240B29-F687-4f45-9708-019B960494DF}">
-                  <a14:hiddenLine xmlns:a14="http://schemas.microsoft.com/office/drawing/2010/main" xmlns="" w="9525">
+                  <a14:hiddenLine xmlns="" xmlns:a14="http://schemas.microsoft.com/office/drawing/2010/main" w="9525">
                     <a:solidFill>
                       <a:srgbClr val="000000"/>
                     </a:solidFill>
@@ -11100,7 +11100,7 @@
               </a:ln>
               <a:extLst>
                 <a:ext uri="{91240B29-F687-4f45-9708-019B960494DF}">
-                  <a14:hiddenLine xmlns:a14="http://schemas.microsoft.com/office/drawing/2010/main" xmlns="" w="9525">
+                  <a14:hiddenLine xmlns="" xmlns:a14="http://schemas.microsoft.com/office/drawing/2010/main" w="9525">
                     <a:solidFill>
                       <a:srgbClr val="000000"/>
                     </a:solidFill>
@@ -11215,7 +11215,7 @@
               </a:ln>
               <a:extLst>
                 <a:ext uri="{91240B29-F687-4f45-9708-019B960494DF}">
-                  <a14:hiddenLine xmlns:a14="http://schemas.microsoft.com/office/drawing/2010/main" xmlns="" w="9525">
+                  <a14:hiddenLine xmlns="" xmlns:a14="http://schemas.microsoft.com/office/drawing/2010/main" w="9525">
                     <a:solidFill>
                       <a:srgbClr val="000000"/>
                     </a:solidFill>
@@ -11305,7 +11305,7 @@
               </a:ln>
               <a:extLst>
                 <a:ext uri="{91240B29-F687-4f45-9708-019B960494DF}">
-                  <a14:hiddenLine xmlns:a14="http://schemas.microsoft.com/office/drawing/2010/main" xmlns="" w="9525">
+                  <a14:hiddenLine xmlns="" xmlns:a14="http://schemas.microsoft.com/office/drawing/2010/main" w="9525">
                     <a:solidFill>
                       <a:srgbClr val="000000"/>
                     </a:solidFill>
@@ -11370,7 +11370,7 @@
               </a:ln>
               <a:extLst>
                 <a:ext uri="{91240B29-F687-4f45-9708-019B960494DF}">
-                  <a14:hiddenLine xmlns:a14="http://schemas.microsoft.com/office/drawing/2010/main" xmlns="" w="9525">
+                  <a14:hiddenLine xmlns="" xmlns:a14="http://schemas.microsoft.com/office/drawing/2010/main" w="9525">
                     <a:solidFill>
                       <a:srgbClr val="000000"/>
                     </a:solidFill>
@@ -11460,7 +11460,7 @@
               </a:ln>
               <a:extLst>
                 <a:ext uri="{91240B29-F687-4f45-9708-019B960494DF}">
-                  <a14:hiddenLine xmlns:a14="http://schemas.microsoft.com/office/drawing/2010/main" xmlns="" w="9525">
+                  <a14:hiddenLine xmlns="" xmlns:a14="http://schemas.microsoft.com/office/drawing/2010/main" w="9525">
                     <a:solidFill>
                       <a:srgbClr val="000000"/>
                     </a:solidFill>
@@ -11528,7 +11528,7 @@
               </a:ln>
               <a:extLst>
                 <a:ext uri="{91240B29-F687-4f45-9708-019B960494DF}">
-                  <a14:hiddenLine xmlns:a14="http://schemas.microsoft.com/office/drawing/2010/main" xmlns="" w="9525">
+                  <a14:hiddenLine xmlns="" xmlns:a14="http://schemas.microsoft.com/office/drawing/2010/main" w="9525">
                     <a:solidFill>
                       <a:srgbClr val="000000"/>
                     </a:solidFill>
@@ -11618,7 +11618,7 @@
               </a:ln>
               <a:extLst>
                 <a:ext uri="{91240B29-F687-4f45-9708-019B960494DF}">
-                  <a14:hiddenLine xmlns:a14="http://schemas.microsoft.com/office/drawing/2010/main" xmlns="" w="9525">
+                  <a14:hiddenLine xmlns="" xmlns:a14="http://schemas.microsoft.com/office/drawing/2010/main" w="9525">
                     <a:solidFill>
                       <a:srgbClr val="000000"/>
                     </a:solidFill>
@@ -11686,7 +11686,7 @@
               </a:ln>
               <a:extLst>
                 <a:ext uri="{91240B29-F687-4f45-9708-019B960494DF}">
-                  <a14:hiddenLine xmlns:a14="http://schemas.microsoft.com/office/drawing/2010/main" xmlns="" w="9525">
+                  <a14:hiddenLine xmlns="" xmlns:a14="http://schemas.microsoft.com/office/drawing/2010/main" w="9525">
                     <a:solidFill>
                       <a:srgbClr val="000000"/>
                     </a:solidFill>
@@ -11776,7 +11776,7 @@
               </a:ln>
               <a:extLst>
                 <a:ext uri="{91240B29-F687-4f45-9708-019B960494DF}">
-                  <a14:hiddenLine xmlns:a14="http://schemas.microsoft.com/office/drawing/2010/main" xmlns="" w="9525">
+                  <a14:hiddenLine xmlns="" xmlns:a14="http://schemas.microsoft.com/office/drawing/2010/main" w="9525">
                     <a:solidFill>
                       <a:srgbClr val="000000"/>
                     </a:solidFill>
@@ -11810,7 +11810,7 @@
               </a:ln>
               <a:extLst>
                 <a:ext uri="{91240B29-F687-4f45-9708-019B960494DF}">
-                  <a14:hiddenLine xmlns:a14="http://schemas.microsoft.com/office/drawing/2010/main" xmlns="" w="9525">
+                  <a14:hiddenLine xmlns="" xmlns:a14="http://schemas.microsoft.com/office/drawing/2010/main" w="9525">
                     <a:solidFill>
                       <a:srgbClr val="000000"/>
                     </a:solidFill>
@@ -11951,7 +11951,7 @@
             <a:fld id="{48A87A34-81AB-432B-8DAE-1953F412C126}" type="datetimeFigureOut">
               <a:rPr lang="en-US" dirty="0"/>
               <a:pPr/>
-              <a:t>4/23/2024</a:t>
+              <a:t>4/23/24</a:t>
             </a:fld>
             <a:endParaRPr lang="en-US" dirty="0"/>
           </a:p>
@@ -13132,7 +13132,7 @@
           <a:noFill/>
           <a:extLst>
             <a:ext uri="{909E8E84-426E-40dd-AFC4-6F175D3DCCD1}">
-              <a14:hiddenFill xmlns="" xmlns:a16="http://schemas.microsoft.com/office/drawing/2014/main" xmlns:p14="http://schemas.microsoft.com/office/powerpoint/2010/main" xmlns:a14="http://schemas.microsoft.com/office/drawing/2010/main">
+              <a14:hiddenFill xmlns:a14="http://schemas.microsoft.com/office/drawing/2010/main" xmlns:p14="http://schemas.microsoft.com/office/powerpoint/2010/main" xmlns:a16="http://schemas.microsoft.com/office/drawing/2014/main" xmlns="">
                 <a:solidFill>
                   <a:srgbClr val="FFFFFF"/>
                 </a:solidFill>
@@ -13388,7 +13388,7 @@
             </a:ln>
             <a:extLst>
               <a:ext uri="{91240B29-F687-4f45-9708-019B960494DF}">
-                <a14:hiddenLine xmlns="" xmlns:a16="http://schemas.microsoft.com/office/drawing/2014/main" xmlns:p14="http://schemas.microsoft.com/office/powerpoint/2010/main" xmlns:a14="http://schemas.microsoft.com/office/drawing/2010/main" w="9525">
+                <a14:hiddenLine xmlns:a14="http://schemas.microsoft.com/office/drawing/2010/main" xmlns:p14="http://schemas.microsoft.com/office/powerpoint/2010/main" xmlns:a16="http://schemas.microsoft.com/office/drawing/2014/main" xmlns="" w="9525">
                   <a:solidFill>
                     <a:srgbClr val="000000"/>
                   </a:solidFill>
@@ -13500,7 +13500,7 @@
             </a:ln>
             <a:extLst>
               <a:ext uri="{91240B29-F687-4f45-9708-019B960494DF}">
-                <a14:hiddenLine xmlns="" xmlns:a16="http://schemas.microsoft.com/office/drawing/2014/main" xmlns:p14="http://schemas.microsoft.com/office/powerpoint/2010/main" xmlns:a14="http://schemas.microsoft.com/office/drawing/2010/main" w="9525">
+                <a14:hiddenLine xmlns:a14="http://schemas.microsoft.com/office/drawing/2010/main" xmlns:p14="http://schemas.microsoft.com/office/powerpoint/2010/main" xmlns:a16="http://schemas.microsoft.com/office/drawing/2014/main" xmlns="" w="9525">
                   <a:solidFill>
                     <a:srgbClr val="000000"/>
                   </a:solidFill>
@@ -13612,7 +13612,7 @@
             </a:ln>
             <a:extLst>
               <a:ext uri="{91240B29-F687-4f45-9708-019B960494DF}">
-                <a14:hiddenLine xmlns="" xmlns:a16="http://schemas.microsoft.com/office/drawing/2014/main" xmlns:p14="http://schemas.microsoft.com/office/powerpoint/2010/main" xmlns:a14="http://schemas.microsoft.com/office/drawing/2010/main" w="9525">
+                <a14:hiddenLine xmlns:a14="http://schemas.microsoft.com/office/drawing/2010/main" xmlns:p14="http://schemas.microsoft.com/office/powerpoint/2010/main" xmlns:a16="http://schemas.microsoft.com/office/drawing/2014/main" xmlns="" w="9525">
                   <a:solidFill>
                     <a:srgbClr val="000000"/>
                   </a:solidFill>
@@ -13696,7 +13696,7 @@
             </a:ln>
             <a:extLst>
               <a:ext uri="{91240B29-F687-4f45-9708-019B960494DF}">
-                <a14:hiddenLine xmlns="" xmlns:a16="http://schemas.microsoft.com/office/drawing/2014/main" xmlns:p14="http://schemas.microsoft.com/office/powerpoint/2010/main" xmlns:a14="http://schemas.microsoft.com/office/drawing/2010/main" w="9525">
+                <a14:hiddenLine xmlns:a14="http://schemas.microsoft.com/office/drawing/2010/main" xmlns:p14="http://schemas.microsoft.com/office/powerpoint/2010/main" xmlns:a16="http://schemas.microsoft.com/office/drawing/2014/main" xmlns="" w="9525">
                   <a:solidFill>
                     <a:srgbClr val="000000"/>
                   </a:solidFill>
@@ -13808,7 +13808,7 @@
             </a:ln>
             <a:extLst>
               <a:ext uri="{91240B29-F687-4f45-9708-019B960494DF}">
-                <a14:hiddenLine xmlns="" xmlns:a16="http://schemas.microsoft.com/office/drawing/2014/main" xmlns:p14="http://schemas.microsoft.com/office/powerpoint/2010/main" xmlns:a14="http://schemas.microsoft.com/office/drawing/2010/main" w="9525">
+                <a14:hiddenLine xmlns:a14="http://schemas.microsoft.com/office/drawing/2010/main" xmlns:p14="http://schemas.microsoft.com/office/powerpoint/2010/main" xmlns:a16="http://schemas.microsoft.com/office/drawing/2014/main" xmlns="" w="9525">
                   <a:solidFill>
                     <a:srgbClr val="000000"/>
                   </a:solidFill>
@@ -13892,7 +13892,7 @@
             </a:ln>
             <a:extLst>
               <a:ext uri="{91240B29-F687-4f45-9708-019B960494DF}">
-                <a14:hiddenLine xmlns="" xmlns:a16="http://schemas.microsoft.com/office/drawing/2014/main" xmlns:p14="http://schemas.microsoft.com/office/powerpoint/2010/main" xmlns:a14="http://schemas.microsoft.com/office/drawing/2010/main" w="9525">
+                <a14:hiddenLine xmlns:a14="http://schemas.microsoft.com/office/drawing/2010/main" xmlns:p14="http://schemas.microsoft.com/office/powerpoint/2010/main" xmlns:a16="http://schemas.microsoft.com/office/drawing/2014/main" xmlns="" w="9525">
                   <a:solidFill>
                     <a:srgbClr val="000000"/>
                   </a:solidFill>
@@ -13976,7 +13976,7 @@
             </a:ln>
             <a:extLst>
               <a:ext uri="{91240B29-F687-4f45-9708-019B960494DF}">
-                <a14:hiddenLine xmlns="" xmlns:a16="http://schemas.microsoft.com/office/drawing/2014/main" xmlns:p14="http://schemas.microsoft.com/office/powerpoint/2010/main" xmlns:a14="http://schemas.microsoft.com/office/drawing/2010/main" w="9525">
+                <a14:hiddenLine xmlns:a14="http://schemas.microsoft.com/office/drawing/2010/main" xmlns:p14="http://schemas.microsoft.com/office/powerpoint/2010/main" xmlns:a16="http://schemas.microsoft.com/office/drawing/2014/main" xmlns="" w="9525">
                   <a:solidFill>
                     <a:srgbClr val="000000"/>
                   </a:solidFill>
@@ -14088,7 +14088,7 @@
             </a:ln>
             <a:extLst>
               <a:ext uri="{91240B29-F687-4f45-9708-019B960494DF}">
-                <a14:hiddenLine xmlns="" xmlns:a16="http://schemas.microsoft.com/office/drawing/2014/main" xmlns:p14="http://schemas.microsoft.com/office/powerpoint/2010/main" xmlns:a14="http://schemas.microsoft.com/office/drawing/2010/main" w="9525">
+                <a14:hiddenLine xmlns:a14="http://schemas.microsoft.com/office/drawing/2010/main" xmlns:p14="http://schemas.microsoft.com/office/powerpoint/2010/main" xmlns:a16="http://schemas.microsoft.com/office/drawing/2014/main" xmlns="" w="9525">
                   <a:solidFill>
                     <a:srgbClr val="000000"/>
                   </a:solidFill>
@@ -14200,7 +14200,7 @@
             </a:ln>
             <a:extLst>
               <a:ext uri="{91240B29-F687-4f45-9708-019B960494DF}">
-                <a14:hiddenLine xmlns="" xmlns:a16="http://schemas.microsoft.com/office/drawing/2014/main" xmlns:p14="http://schemas.microsoft.com/office/powerpoint/2010/main" xmlns:a14="http://schemas.microsoft.com/office/drawing/2010/main" w="9525">
+                <a14:hiddenLine xmlns:a14="http://schemas.microsoft.com/office/drawing/2010/main" xmlns:p14="http://schemas.microsoft.com/office/powerpoint/2010/main" xmlns:a16="http://schemas.microsoft.com/office/drawing/2014/main" xmlns="" w="9525">
                   <a:solidFill>
                     <a:srgbClr val="000000"/>
                   </a:solidFill>
@@ -14284,7 +14284,7 @@
             </a:ln>
             <a:extLst>
               <a:ext uri="{91240B29-F687-4f45-9708-019B960494DF}">
-                <a14:hiddenLine xmlns="" xmlns:a16="http://schemas.microsoft.com/office/drawing/2014/main" xmlns:p14="http://schemas.microsoft.com/office/powerpoint/2010/main" xmlns:a14="http://schemas.microsoft.com/office/drawing/2010/main" w="9525">
+                <a14:hiddenLine xmlns:a14="http://schemas.microsoft.com/office/drawing/2010/main" xmlns:p14="http://schemas.microsoft.com/office/powerpoint/2010/main" xmlns:a16="http://schemas.microsoft.com/office/drawing/2014/main" xmlns="" w="9525">
                   <a:solidFill>
                     <a:srgbClr val="000000"/>
                   </a:solidFill>
@@ -14416,7 +14416,7 @@
             </a:ln>
             <a:extLst>
               <a:ext uri="{91240B29-F687-4f45-9708-019B960494DF}">
-                <a14:hiddenLine xmlns="" xmlns:a16="http://schemas.microsoft.com/office/drawing/2014/main" xmlns:p14="http://schemas.microsoft.com/office/powerpoint/2010/main" xmlns:a14="http://schemas.microsoft.com/office/drawing/2010/main" w="9525">
+                <a14:hiddenLine xmlns:a14="http://schemas.microsoft.com/office/drawing/2010/main" xmlns:p14="http://schemas.microsoft.com/office/powerpoint/2010/main" xmlns:a16="http://schemas.microsoft.com/office/drawing/2014/main" xmlns="" w="9525">
                   <a:solidFill>
                     <a:srgbClr val="000000"/>
                   </a:solidFill>
@@ -14544,7 +14544,7 @@
             </a:ln>
             <a:extLst>
               <a:ext uri="{91240B29-F687-4f45-9708-019B960494DF}">
-                <a14:hiddenLine xmlns="" xmlns:a16="http://schemas.microsoft.com/office/drawing/2014/main" xmlns:p14="http://schemas.microsoft.com/office/powerpoint/2010/main" xmlns:a14="http://schemas.microsoft.com/office/drawing/2010/main" w="9525">
+                <a14:hiddenLine xmlns:a14="http://schemas.microsoft.com/office/drawing/2010/main" xmlns:p14="http://schemas.microsoft.com/office/powerpoint/2010/main" xmlns:a16="http://schemas.microsoft.com/office/drawing/2014/main" xmlns="" w="9525">
                   <a:solidFill>
                     <a:srgbClr val="000000"/>
                   </a:solidFill>
@@ -14628,7 +14628,7 @@
             </a:ln>
             <a:extLst>
               <a:ext uri="{91240B29-F687-4f45-9708-019B960494DF}">
-                <a14:hiddenLine xmlns="" xmlns:a16="http://schemas.microsoft.com/office/drawing/2014/main" xmlns:p14="http://schemas.microsoft.com/office/powerpoint/2010/main" xmlns:a14="http://schemas.microsoft.com/office/drawing/2010/main" w="9525">
+                <a14:hiddenLine xmlns:a14="http://schemas.microsoft.com/office/drawing/2010/main" xmlns:p14="http://schemas.microsoft.com/office/powerpoint/2010/main" xmlns:a16="http://schemas.microsoft.com/office/drawing/2014/main" xmlns="" w="9525">
                   <a:solidFill>
                     <a:srgbClr val="000000"/>
                   </a:solidFill>
@@ -14712,7 +14712,7 @@
             </a:ln>
             <a:extLst>
               <a:ext uri="{91240B29-F687-4f45-9708-019B960494DF}">
-                <a14:hiddenLine xmlns="" xmlns:a16="http://schemas.microsoft.com/office/drawing/2014/main" xmlns:p14="http://schemas.microsoft.com/office/powerpoint/2010/main" xmlns:a14="http://schemas.microsoft.com/office/drawing/2010/main" w="9525">
+                <a14:hiddenLine xmlns:a14="http://schemas.microsoft.com/office/drawing/2010/main" xmlns:p14="http://schemas.microsoft.com/office/powerpoint/2010/main" xmlns:a16="http://schemas.microsoft.com/office/drawing/2014/main" xmlns="" w="9525">
                   <a:solidFill>
                     <a:srgbClr val="000000"/>
                   </a:solidFill>
@@ -14824,7 +14824,7 @@
             </a:ln>
             <a:extLst>
               <a:ext uri="{91240B29-F687-4f45-9708-019B960494DF}">
-                <a14:hiddenLine xmlns="" xmlns:a16="http://schemas.microsoft.com/office/drawing/2014/main" xmlns:p14="http://schemas.microsoft.com/office/powerpoint/2010/main" xmlns:a14="http://schemas.microsoft.com/office/drawing/2010/main" w="9525">
+                <a14:hiddenLine xmlns:a14="http://schemas.microsoft.com/office/drawing/2010/main" xmlns:p14="http://schemas.microsoft.com/office/powerpoint/2010/main" xmlns:a16="http://schemas.microsoft.com/office/drawing/2014/main" xmlns="" w="9525">
                   <a:solidFill>
                     <a:srgbClr val="000000"/>
                   </a:solidFill>
@@ -14880,7 +14880,7 @@
             </a:ln>
             <a:extLst>
               <a:ext uri="{91240B29-F687-4f45-9708-019B960494DF}">
-                <a14:hiddenLine xmlns="" xmlns:a16="http://schemas.microsoft.com/office/drawing/2014/main" xmlns:p14="http://schemas.microsoft.com/office/powerpoint/2010/main" xmlns:a14="http://schemas.microsoft.com/office/drawing/2010/main" w="9525">
+                <a14:hiddenLine xmlns:a14="http://schemas.microsoft.com/office/drawing/2010/main" xmlns:p14="http://schemas.microsoft.com/office/powerpoint/2010/main" xmlns:a16="http://schemas.microsoft.com/office/drawing/2014/main" xmlns="" w="9525">
                   <a:solidFill>
                     <a:srgbClr val="000000"/>
                   </a:solidFill>
@@ -14967,7 +14967,7 @@
             </a:ln>
             <a:extLst>
               <a:ext uri="{91240B29-F687-4f45-9708-019B960494DF}">
-                <a14:hiddenLine xmlns="" xmlns:a16="http://schemas.microsoft.com/office/drawing/2014/main" xmlns:p14="http://schemas.microsoft.com/office/powerpoint/2010/main" xmlns:a14="http://schemas.microsoft.com/office/drawing/2010/main" w="9525">
+                <a14:hiddenLine xmlns:a14="http://schemas.microsoft.com/office/drawing/2010/main" xmlns:p14="http://schemas.microsoft.com/office/powerpoint/2010/main" xmlns:a16="http://schemas.microsoft.com/office/drawing/2014/main" xmlns="" w="9525">
                   <a:solidFill>
                     <a:srgbClr val="000000"/>
                   </a:solidFill>
@@ -15079,7 +15079,7 @@
             </a:ln>
             <a:extLst>
               <a:ext uri="{91240B29-F687-4f45-9708-019B960494DF}">
-                <a14:hiddenLine xmlns="" xmlns:a16="http://schemas.microsoft.com/office/drawing/2014/main" xmlns:p14="http://schemas.microsoft.com/office/powerpoint/2010/main" xmlns:a14="http://schemas.microsoft.com/office/drawing/2010/main" w="9525">
+                <a14:hiddenLine xmlns:a14="http://schemas.microsoft.com/office/drawing/2010/main" xmlns:p14="http://schemas.microsoft.com/office/powerpoint/2010/main" xmlns:a16="http://schemas.microsoft.com/office/drawing/2014/main" xmlns="" w="9525">
                   <a:solidFill>
                     <a:srgbClr val="000000"/>
                   </a:solidFill>
@@ -15163,7 +15163,7 @@
             </a:ln>
             <a:extLst>
               <a:ext uri="{91240B29-F687-4f45-9708-019B960494DF}">
-                <a14:hiddenLine xmlns="" xmlns:a16="http://schemas.microsoft.com/office/drawing/2014/main" xmlns:p14="http://schemas.microsoft.com/office/powerpoint/2010/main" xmlns:a14="http://schemas.microsoft.com/office/drawing/2010/main" w="9525">
+                <a14:hiddenLine xmlns:a14="http://schemas.microsoft.com/office/drawing/2010/main" xmlns:p14="http://schemas.microsoft.com/office/powerpoint/2010/main" xmlns:a16="http://schemas.microsoft.com/office/drawing/2014/main" xmlns="" w="9525">
                   <a:solidFill>
                     <a:srgbClr val="000000"/>
                   </a:solidFill>
@@ -15275,7 +15275,7 @@
             </a:ln>
             <a:extLst>
               <a:ext uri="{91240B29-F687-4f45-9708-019B960494DF}">
-                <a14:hiddenLine xmlns="" xmlns:a16="http://schemas.microsoft.com/office/drawing/2014/main" xmlns:p14="http://schemas.microsoft.com/office/powerpoint/2010/main" xmlns:a14="http://schemas.microsoft.com/office/drawing/2010/main" w="9525">
+                <a14:hiddenLine xmlns:a14="http://schemas.microsoft.com/office/drawing/2010/main" xmlns:p14="http://schemas.microsoft.com/office/powerpoint/2010/main" xmlns:a16="http://schemas.microsoft.com/office/drawing/2014/main" xmlns="" w="9525">
                   <a:solidFill>
                     <a:srgbClr val="000000"/>
                   </a:solidFill>
@@ -15362,7 +15362,7 @@
             </a:ln>
             <a:extLst>
               <a:ext uri="{91240B29-F687-4f45-9708-019B960494DF}">
-                <a14:hiddenLine xmlns="" xmlns:a16="http://schemas.microsoft.com/office/drawing/2014/main" xmlns:p14="http://schemas.microsoft.com/office/powerpoint/2010/main" xmlns:a14="http://schemas.microsoft.com/office/drawing/2010/main" w="9525">
+                <a14:hiddenLine xmlns:a14="http://schemas.microsoft.com/office/drawing/2010/main" xmlns:p14="http://schemas.microsoft.com/office/powerpoint/2010/main" xmlns:a16="http://schemas.microsoft.com/office/drawing/2014/main" xmlns="" w="9525">
                   <a:solidFill>
                     <a:srgbClr val="000000"/>
                   </a:solidFill>
@@ -15446,7 +15446,7 @@
             </a:ln>
             <a:extLst>
               <a:ext uri="{91240B29-F687-4f45-9708-019B960494DF}">
-                <a14:hiddenLine xmlns="" xmlns:a16="http://schemas.microsoft.com/office/drawing/2014/main" xmlns:p14="http://schemas.microsoft.com/office/powerpoint/2010/main" xmlns:a14="http://schemas.microsoft.com/office/drawing/2010/main" w="9525">
+                <a14:hiddenLine xmlns:a14="http://schemas.microsoft.com/office/drawing/2010/main" xmlns:p14="http://schemas.microsoft.com/office/powerpoint/2010/main" xmlns:a16="http://schemas.microsoft.com/office/drawing/2014/main" xmlns="" w="9525">
                   <a:solidFill>
                     <a:srgbClr val="000000"/>
                   </a:solidFill>
@@ -15558,7 +15558,7 @@
             </a:ln>
             <a:extLst>
               <a:ext uri="{91240B29-F687-4f45-9708-019B960494DF}">
-                <a14:hiddenLine xmlns="" xmlns:a16="http://schemas.microsoft.com/office/drawing/2014/main" xmlns:p14="http://schemas.microsoft.com/office/powerpoint/2010/main" xmlns:a14="http://schemas.microsoft.com/office/drawing/2010/main" w="9525">
+                <a14:hiddenLine xmlns:a14="http://schemas.microsoft.com/office/drawing/2010/main" xmlns:p14="http://schemas.microsoft.com/office/powerpoint/2010/main" xmlns:a16="http://schemas.microsoft.com/office/drawing/2014/main" xmlns="" w="9525">
                   <a:solidFill>
                     <a:srgbClr val="000000"/>
                   </a:solidFill>
@@ -15670,7 +15670,7 @@
             </a:ln>
             <a:extLst>
               <a:ext uri="{91240B29-F687-4f45-9708-019B960494DF}">
-                <a14:hiddenLine xmlns="" xmlns:a16="http://schemas.microsoft.com/office/drawing/2014/main" xmlns:p14="http://schemas.microsoft.com/office/powerpoint/2010/main" xmlns:a14="http://schemas.microsoft.com/office/drawing/2010/main" w="9525">
+                <a14:hiddenLine xmlns:a14="http://schemas.microsoft.com/office/drawing/2010/main" xmlns:p14="http://schemas.microsoft.com/office/powerpoint/2010/main" xmlns:a16="http://schemas.microsoft.com/office/drawing/2014/main" xmlns="" w="9525">
                   <a:solidFill>
                     <a:srgbClr val="000000"/>
                   </a:solidFill>
@@ -15757,7 +15757,7 @@
             </a:ln>
             <a:extLst>
               <a:ext uri="{91240B29-F687-4f45-9708-019B960494DF}">
-                <a14:hiddenLine xmlns="" xmlns:a16="http://schemas.microsoft.com/office/drawing/2014/main" xmlns:p14="http://schemas.microsoft.com/office/powerpoint/2010/main" xmlns:a14="http://schemas.microsoft.com/office/drawing/2010/main" w="9525">
+                <a14:hiddenLine xmlns:a14="http://schemas.microsoft.com/office/drawing/2010/main" xmlns:p14="http://schemas.microsoft.com/office/powerpoint/2010/main" xmlns:a16="http://schemas.microsoft.com/office/drawing/2014/main" xmlns="" w="9525">
                   <a:solidFill>
                     <a:srgbClr val="000000"/>
                   </a:solidFill>
@@ -15899,7 +15899,7 @@
             </a:ln>
             <a:extLst>
               <a:ext uri="{91240B29-F687-4f45-9708-019B960494DF}">
-                <a14:hiddenLine xmlns="" xmlns:a16="http://schemas.microsoft.com/office/drawing/2014/main" xmlns:p14="http://schemas.microsoft.com/office/powerpoint/2010/main" xmlns:a14="http://schemas.microsoft.com/office/drawing/2010/main" w="9525">
+                <a14:hiddenLine xmlns:a14="http://schemas.microsoft.com/office/drawing/2010/main" xmlns:p14="http://schemas.microsoft.com/office/powerpoint/2010/main" xmlns:a16="http://schemas.microsoft.com/office/drawing/2014/main" xmlns="" w="9525">
                   <a:solidFill>
                     <a:srgbClr val="000000"/>
                   </a:solidFill>
@@ -16005,7 +16005,7 @@
           <a:noFill/>
           <a:extLst>
             <a:ext uri="{909E8E84-426E-40dd-AFC4-6F175D3DCCD1}">
-              <a14:hiddenFill xmlns="" xmlns:a16="http://schemas.microsoft.com/office/drawing/2014/main" xmlns:p14="http://schemas.microsoft.com/office/powerpoint/2010/main" xmlns:a14="http://schemas.microsoft.com/office/drawing/2010/main">
+              <a14:hiddenFill xmlns:a14="http://schemas.microsoft.com/office/drawing/2010/main" xmlns:p14="http://schemas.microsoft.com/office/powerpoint/2010/main" xmlns:a16="http://schemas.microsoft.com/office/drawing/2014/main" xmlns="">
                 <a:solidFill>
                   <a:srgbClr val="FFFFFF"/>
                 </a:solidFill>
@@ -16126,7 +16126,7 @@
               </a:ln>
               <a:extLst>
                 <a:ext uri="{91240B29-F687-4f45-9708-019B960494DF}">
-                  <a14:hiddenLine xmlns="" xmlns:a16="http://schemas.microsoft.com/office/drawing/2014/main" xmlns:p14="http://schemas.microsoft.com/office/powerpoint/2010/main" xmlns:a14="http://schemas.microsoft.com/office/drawing/2010/main" w="9525">
+                  <a14:hiddenLine xmlns:a14="http://schemas.microsoft.com/office/drawing/2010/main" xmlns:p14="http://schemas.microsoft.com/office/powerpoint/2010/main" xmlns:a16="http://schemas.microsoft.com/office/drawing/2014/main" xmlns="" w="9525">
                     <a:solidFill>
                       <a:srgbClr val="000000"/>
                     </a:solidFill>
@@ -16238,7 +16238,7 @@
               </a:ln>
               <a:extLst>
                 <a:ext uri="{91240B29-F687-4f45-9708-019B960494DF}">
-                  <a14:hiddenLine xmlns="" xmlns:a16="http://schemas.microsoft.com/office/drawing/2014/main" xmlns:p14="http://schemas.microsoft.com/office/powerpoint/2010/main" xmlns:a14="http://schemas.microsoft.com/office/drawing/2010/main" w="9525">
+                  <a14:hiddenLine xmlns:a14="http://schemas.microsoft.com/office/drawing/2010/main" xmlns:p14="http://schemas.microsoft.com/office/powerpoint/2010/main" xmlns:a16="http://schemas.microsoft.com/office/drawing/2014/main" xmlns="" w="9525">
                     <a:solidFill>
                       <a:srgbClr val="000000"/>
                     </a:solidFill>
@@ -16350,7 +16350,7 @@
               </a:ln>
               <a:extLst>
                 <a:ext uri="{91240B29-F687-4f45-9708-019B960494DF}">
-                  <a14:hiddenLine xmlns="" xmlns:a16="http://schemas.microsoft.com/office/drawing/2014/main" xmlns:p14="http://schemas.microsoft.com/office/powerpoint/2010/main" xmlns:a14="http://schemas.microsoft.com/office/drawing/2010/main" w="9525">
+                  <a14:hiddenLine xmlns:a14="http://schemas.microsoft.com/office/drawing/2010/main" xmlns:p14="http://schemas.microsoft.com/office/powerpoint/2010/main" xmlns:a16="http://schemas.microsoft.com/office/drawing/2014/main" xmlns="" w="9525">
                     <a:solidFill>
                       <a:srgbClr val="000000"/>
                     </a:solidFill>
@@ -16434,7 +16434,7 @@
               </a:ln>
               <a:extLst>
                 <a:ext uri="{91240B29-F687-4f45-9708-019B960494DF}">
-                  <a14:hiddenLine xmlns="" xmlns:a16="http://schemas.microsoft.com/office/drawing/2014/main" xmlns:p14="http://schemas.microsoft.com/office/powerpoint/2010/main" xmlns:a14="http://schemas.microsoft.com/office/drawing/2010/main" w="9525">
+                  <a14:hiddenLine xmlns:a14="http://schemas.microsoft.com/office/drawing/2010/main" xmlns:p14="http://schemas.microsoft.com/office/powerpoint/2010/main" xmlns:a16="http://schemas.microsoft.com/office/drawing/2014/main" xmlns="" w="9525">
                     <a:solidFill>
                       <a:srgbClr val="000000"/>
                     </a:solidFill>
@@ -16546,7 +16546,7 @@
               </a:ln>
               <a:extLst>
                 <a:ext uri="{91240B29-F687-4f45-9708-019B960494DF}">
-                  <a14:hiddenLine xmlns="" xmlns:a16="http://schemas.microsoft.com/office/drawing/2014/main" xmlns:p14="http://schemas.microsoft.com/office/powerpoint/2010/main" xmlns:a14="http://schemas.microsoft.com/office/drawing/2010/main" w="9525">
+                  <a14:hiddenLine xmlns:a14="http://schemas.microsoft.com/office/drawing/2010/main" xmlns:p14="http://schemas.microsoft.com/office/powerpoint/2010/main" xmlns:a16="http://schemas.microsoft.com/office/drawing/2014/main" xmlns="" w="9525">
                     <a:solidFill>
                       <a:srgbClr val="000000"/>
                     </a:solidFill>
@@ -16630,7 +16630,7 @@
               </a:ln>
               <a:extLst>
                 <a:ext uri="{91240B29-F687-4f45-9708-019B960494DF}">
-                  <a14:hiddenLine xmlns="" xmlns:a16="http://schemas.microsoft.com/office/drawing/2014/main" xmlns:p14="http://schemas.microsoft.com/office/powerpoint/2010/main" xmlns:a14="http://schemas.microsoft.com/office/drawing/2010/main" w="9525">
+                  <a14:hiddenLine xmlns:a14="http://schemas.microsoft.com/office/drawing/2010/main" xmlns:p14="http://schemas.microsoft.com/office/powerpoint/2010/main" xmlns:a16="http://schemas.microsoft.com/office/drawing/2014/main" xmlns="" w="9525">
                     <a:solidFill>
                       <a:srgbClr val="000000"/>
                     </a:solidFill>
@@ -16714,7 +16714,7 @@
               </a:ln>
               <a:extLst>
                 <a:ext uri="{91240B29-F687-4f45-9708-019B960494DF}">
-                  <a14:hiddenLine xmlns="" xmlns:a16="http://schemas.microsoft.com/office/drawing/2014/main" xmlns:p14="http://schemas.microsoft.com/office/powerpoint/2010/main" xmlns:a14="http://schemas.microsoft.com/office/drawing/2010/main" w="9525">
+                  <a14:hiddenLine xmlns:a14="http://schemas.microsoft.com/office/drawing/2010/main" xmlns:p14="http://schemas.microsoft.com/office/powerpoint/2010/main" xmlns:a16="http://schemas.microsoft.com/office/drawing/2014/main" xmlns="" w="9525">
                     <a:solidFill>
                       <a:srgbClr val="000000"/>
                     </a:solidFill>
@@ -16826,7 +16826,7 @@
               </a:ln>
               <a:extLst>
                 <a:ext uri="{91240B29-F687-4f45-9708-019B960494DF}">
-                  <a14:hiddenLine xmlns="" xmlns:a16="http://schemas.microsoft.com/office/drawing/2014/main" xmlns:p14="http://schemas.microsoft.com/office/powerpoint/2010/main" xmlns:a14="http://schemas.microsoft.com/office/drawing/2010/main" w="9525">
+                  <a14:hiddenLine xmlns:a14="http://schemas.microsoft.com/office/drawing/2010/main" xmlns:p14="http://schemas.microsoft.com/office/powerpoint/2010/main" xmlns:a16="http://schemas.microsoft.com/office/drawing/2014/main" xmlns="" w="9525">
                     <a:solidFill>
                       <a:srgbClr val="000000"/>
                     </a:solidFill>
@@ -16938,7 +16938,7 @@
               </a:ln>
               <a:extLst>
                 <a:ext uri="{91240B29-F687-4f45-9708-019B960494DF}">
-                  <a14:hiddenLine xmlns="" xmlns:a16="http://schemas.microsoft.com/office/drawing/2014/main" xmlns:p14="http://schemas.microsoft.com/office/powerpoint/2010/main" xmlns:a14="http://schemas.microsoft.com/office/drawing/2010/main" w="9525">
+                  <a14:hiddenLine xmlns:a14="http://schemas.microsoft.com/office/drawing/2010/main" xmlns:p14="http://schemas.microsoft.com/office/powerpoint/2010/main" xmlns:a16="http://schemas.microsoft.com/office/drawing/2014/main" xmlns="" w="9525">
                     <a:solidFill>
                       <a:srgbClr val="000000"/>
                     </a:solidFill>
@@ -17022,7 +17022,7 @@
               </a:ln>
               <a:extLst>
                 <a:ext uri="{91240B29-F687-4f45-9708-019B960494DF}">
-                  <a14:hiddenLine xmlns="" xmlns:a16="http://schemas.microsoft.com/office/drawing/2014/main" xmlns:p14="http://schemas.microsoft.com/office/powerpoint/2010/main" xmlns:a14="http://schemas.microsoft.com/office/drawing/2010/main" w="9525">
+                  <a14:hiddenLine xmlns:a14="http://schemas.microsoft.com/office/drawing/2010/main" xmlns:p14="http://schemas.microsoft.com/office/powerpoint/2010/main" xmlns:a16="http://schemas.microsoft.com/office/drawing/2014/main" xmlns="" w="9525">
                     <a:solidFill>
                       <a:srgbClr val="000000"/>
                     </a:solidFill>
@@ -17154,7 +17154,7 @@
               </a:ln>
               <a:extLst>
                 <a:ext uri="{91240B29-F687-4f45-9708-019B960494DF}">
-                  <a14:hiddenLine xmlns="" xmlns:a16="http://schemas.microsoft.com/office/drawing/2014/main" xmlns:p14="http://schemas.microsoft.com/office/powerpoint/2010/main" xmlns:a14="http://schemas.microsoft.com/office/drawing/2010/main" w="9525">
+                  <a14:hiddenLine xmlns:a14="http://schemas.microsoft.com/office/drawing/2010/main" xmlns:p14="http://schemas.microsoft.com/office/powerpoint/2010/main" xmlns:a16="http://schemas.microsoft.com/office/drawing/2014/main" xmlns="" w="9525">
                     <a:solidFill>
                       <a:srgbClr val="000000"/>
                     </a:solidFill>
@@ -17282,7 +17282,7 @@
               </a:ln>
               <a:extLst>
                 <a:ext uri="{91240B29-F687-4f45-9708-019B960494DF}">
-                  <a14:hiddenLine xmlns="" xmlns:a16="http://schemas.microsoft.com/office/drawing/2014/main" xmlns:p14="http://schemas.microsoft.com/office/powerpoint/2010/main" xmlns:a14="http://schemas.microsoft.com/office/drawing/2010/main" w="9525">
+                  <a14:hiddenLine xmlns:a14="http://schemas.microsoft.com/office/drawing/2010/main" xmlns:p14="http://schemas.microsoft.com/office/powerpoint/2010/main" xmlns:a16="http://schemas.microsoft.com/office/drawing/2014/main" xmlns="" w="9525">
                     <a:solidFill>
                       <a:srgbClr val="000000"/>
                     </a:solidFill>
@@ -17366,7 +17366,7 @@
               </a:ln>
               <a:extLst>
                 <a:ext uri="{91240B29-F687-4f45-9708-019B960494DF}">
-                  <a14:hiddenLine xmlns="" xmlns:a16="http://schemas.microsoft.com/office/drawing/2014/main" xmlns:p14="http://schemas.microsoft.com/office/powerpoint/2010/main" xmlns:a14="http://schemas.microsoft.com/office/drawing/2010/main" w="9525">
+                  <a14:hiddenLine xmlns:a14="http://schemas.microsoft.com/office/drawing/2010/main" xmlns:p14="http://schemas.microsoft.com/office/powerpoint/2010/main" xmlns:a16="http://schemas.microsoft.com/office/drawing/2014/main" xmlns="" w="9525">
                     <a:solidFill>
                       <a:srgbClr val="000000"/>
                     </a:solidFill>
@@ -17450,7 +17450,7 @@
               </a:ln>
               <a:extLst>
                 <a:ext uri="{91240B29-F687-4f45-9708-019B960494DF}">
-                  <a14:hiddenLine xmlns="" xmlns:a16="http://schemas.microsoft.com/office/drawing/2014/main" xmlns:p14="http://schemas.microsoft.com/office/powerpoint/2010/main" xmlns:a14="http://schemas.microsoft.com/office/drawing/2010/main" w="9525">
+                  <a14:hiddenLine xmlns:a14="http://schemas.microsoft.com/office/drawing/2010/main" xmlns:p14="http://schemas.microsoft.com/office/powerpoint/2010/main" xmlns:a16="http://schemas.microsoft.com/office/drawing/2014/main" xmlns="" w="9525">
                     <a:solidFill>
                       <a:srgbClr val="000000"/>
                     </a:solidFill>
@@ -17562,7 +17562,7 @@
               </a:ln>
               <a:extLst>
                 <a:ext uri="{91240B29-F687-4f45-9708-019B960494DF}">
-                  <a14:hiddenLine xmlns="" xmlns:a16="http://schemas.microsoft.com/office/drawing/2014/main" xmlns:p14="http://schemas.microsoft.com/office/powerpoint/2010/main" xmlns:a14="http://schemas.microsoft.com/office/drawing/2010/main" w="9525">
+                  <a14:hiddenLine xmlns:a14="http://schemas.microsoft.com/office/drawing/2010/main" xmlns:p14="http://schemas.microsoft.com/office/powerpoint/2010/main" xmlns:a16="http://schemas.microsoft.com/office/drawing/2014/main" xmlns="" w="9525">
                     <a:solidFill>
                       <a:srgbClr val="000000"/>
                     </a:solidFill>
@@ -17618,7 +17618,7 @@
               </a:ln>
               <a:extLst>
                 <a:ext uri="{91240B29-F687-4f45-9708-019B960494DF}">
-                  <a14:hiddenLine xmlns="" xmlns:a16="http://schemas.microsoft.com/office/drawing/2014/main" xmlns:p14="http://schemas.microsoft.com/office/powerpoint/2010/main" xmlns:a14="http://schemas.microsoft.com/office/drawing/2010/main" w="9525">
+                  <a14:hiddenLine xmlns:a14="http://schemas.microsoft.com/office/drawing/2010/main" xmlns:p14="http://schemas.microsoft.com/office/powerpoint/2010/main" xmlns:a16="http://schemas.microsoft.com/office/drawing/2014/main" xmlns="" w="9525">
                     <a:solidFill>
                       <a:srgbClr val="000000"/>
                     </a:solidFill>
@@ -17705,7 +17705,7 @@
               </a:ln>
               <a:extLst>
                 <a:ext uri="{91240B29-F687-4f45-9708-019B960494DF}">
-                  <a14:hiddenLine xmlns="" xmlns:a16="http://schemas.microsoft.com/office/drawing/2014/main" xmlns:p14="http://schemas.microsoft.com/office/powerpoint/2010/main" xmlns:a14="http://schemas.microsoft.com/office/drawing/2010/main" w="9525">
+                  <a14:hiddenLine xmlns:a14="http://schemas.microsoft.com/office/drawing/2010/main" xmlns:p14="http://schemas.microsoft.com/office/powerpoint/2010/main" xmlns:a16="http://schemas.microsoft.com/office/drawing/2014/main" xmlns="" w="9525">
                     <a:solidFill>
                       <a:srgbClr val="000000"/>
                     </a:solidFill>
@@ -17817,7 +17817,7 @@
               </a:ln>
               <a:extLst>
                 <a:ext uri="{91240B29-F687-4f45-9708-019B960494DF}">
-                  <a14:hiddenLine xmlns="" xmlns:a16="http://schemas.microsoft.com/office/drawing/2014/main" xmlns:p14="http://schemas.microsoft.com/office/powerpoint/2010/main" xmlns:a14="http://schemas.microsoft.com/office/drawing/2010/main" w="9525">
+                  <a14:hiddenLine xmlns:a14="http://schemas.microsoft.com/office/drawing/2010/main" xmlns:p14="http://schemas.microsoft.com/office/powerpoint/2010/main" xmlns:a16="http://schemas.microsoft.com/office/drawing/2014/main" xmlns="" w="9525">
                     <a:solidFill>
                       <a:srgbClr val="000000"/>
                     </a:solidFill>
@@ -17901,7 +17901,7 @@
               </a:ln>
               <a:extLst>
                 <a:ext uri="{91240B29-F687-4f45-9708-019B960494DF}">
-                  <a14:hiddenLine xmlns="" xmlns:a16="http://schemas.microsoft.com/office/drawing/2014/main" xmlns:p14="http://schemas.microsoft.com/office/powerpoint/2010/main" xmlns:a14="http://schemas.microsoft.com/office/drawing/2010/main" w="9525">
+                  <a14:hiddenLine xmlns:a14="http://schemas.microsoft.com/office/drawing/2010/main" xmlns:p14="http://schemas.microsoft.com/office/powerpoint/2010/main" xmlns:a16="http://schemas.microsoft.com/office/drawing/2014/main" xmlns="" w="9525">
                     <a:solidFill>
                       <a:srgbClr val="000000"/>
                     </a:solidFill>
@@ -18013,7 +18013,7 @@
               </a:ln>
               <a:extLst>
                 <a:ext uri="{91240B29-F687-4f45-9708-019B960494DF}">
-                  <a14:hiddenLine xmlns="" xmlns:a16="http://schemas.microsoft.com/office/drawing/2014/main" xmlns:p14="http://schemas.microsoft.com/office/powerpoint/2010/main" xmlns:a14="http://schemas.microsoft.com/office/drawing/2010/main" w="9525">
+                  <a14:hiddenLine xmlns:a14="http://schemas.microsoft.com/office/drawing/2010/main" xmlns:p14="http://schemas.microsoft.com/office/powerpoint/2010/main" xmlns:a16="http://schemas.microsoft.com/office/drawing/2014/main" xmlns="" w="9525">
                     <a:solidFill>
                       <a:srgbClr val="000000"/>
                     </a:solidFill>
@@ -18100,7 +18100,7 @@
               </a:ln>
               <a:extLst>
                 <a:ext uri="{91240B29-F687-4f45-9708-019B960494DF}">
-                  <a14:hiddenLine xmlns="" xmlns:a16="http://schemas.microsoft.com/office/drawing/2014/main" xmlns:p14="http://schemas.microsoft.com/office/powerpoint/2010/main" xmlns:a14="http://schemas.microsoft.com/office/drawing/2010/main" w="9525">
+                  <a14:hiddenLine xmlns:a14="http://schemas.microsoft.com/office/drawing/2010/main" xmlns:p14="http://schemas.microsoft.com/office/powerpoint/2010/main" xmlns:a16="http://schemas.microsoft.com/office/drawing/2014/main" xmlns="" w="9525">
                     <a:solidFill>
                       <a:srgbClr val="000000"/>
                     </a:solidFill>
@@ -18184,7 +18184,7 @@
               </a:ln>
               <a:extLst>
                 <a:ext uri="{91240B29-F687-4f45-9708-019B960494DF}">
-                  <a14:hiddenLine xmlns="" xmlns:a16="http://schemas.microsoft.com/office/drawing/2014/main" xmlns:p14="http://schemas.microsoft.com/office/powerpoint/2010/main" xmlns:a14="http://schemas.microsoft.com/office/drawing/2010/main" w="9525">
+                  <a14:hiddenLine xmlns:a14="http://schemas.microsoft.com/office/drawing/2010/main" xmlns:p14="http://schemas.microsoft.com/office/powerpoint/2010/main" xmlns:a16="http://schemas.microsoft.com/office/drawing/2014/main" xmlns="" w="9525">
                     <a:solidFill>
                       <a:srgbClr val="000000"/>
                     </a:solidFill>
@@ -18296,7 +18296,7 @@
               </a:ln>
               <a:extLst>
                 <a:ext uri="{91240B29-F687-4f45-9708-019B960494DF}">
-                  <a14:hiddenLine xmlns="" xmlns:a16="http://schemas.microsoft.com/office/drawing/2014/main" xmlns:p14="http://schemas.microsoft.com/office/powerpoint/2010/main" xmlns:a14="http://schemas.microsoft.com/office/drawing/2010/main" w="9525">
+                  <a14:hiddenLine xmlns:a14="http://schemas.microsoft.com/office/drawing/2010/main" xmlns:p14="http://schemas.microsoft.com/office/powerpoint/2010/main" xmlns:a16="http://schemas.microsoft.com/office/drawing/2014/main" xmlns="" w="9525">
                     <a:solidFill>
                       <a:srgbClr val="000000"/>
                     </a:solidFill>
@@ -18408,7 +18408,7 @@
               </a:ln>
               <a:extLst>
                 <a:ext uri="{91240B29-F687-4f45-9708-019B960494DF}">
-                  <a14:hiddenLine xmlns="" xmlns:a16="http://schemas.microsoft.com/office/drawing/2014/main" xmlns:p14="http://schemas.microsoft.com/office/powerpoint/2010/main" xmlns:a14="http://schemas.microsoft.com/office/drawing/2010/main" w="9525">
+                  <a14:hiddenLine xmlns:a14="http://schemas.microsoft.com/office/drawing/2010/main" xmlns:p14="http://schemas.microsoft.com/office/powerpoint/2010/main" xmlns:a16="http://schemas.microsoft.com/office/drawing/2014/main" xmlns="" w="9525">
                     <a:solidFill>
                       <a:srgbClr val="000000"/>
                     </a:solidFill>
@@ -18495,7 +18495,7 @@
               </a:ln>
               <a:extLst>
                 <a:ext uri="{91240B29-F687-4f45-9708-019B960494DF}">
-                  <a14:hiddenLine xmlns="" xmlns:a16="http://schemas.microsoft.com/office/drawing/2014/main" xmlns:p14="http://schemas.microsoft.com/office/powerpoint/2010/main" xmlns:a14="http://schemas.microsoft.com/office/drawing/2010/main" w="9525">
+                  <a14:hiddenLine xmlns:a14="http://schemas.microsoft.com/office/drawing/2010/main" xmlns:p14="http://schemas.microsoft.com/office/powerpoint/2010/main" xmlns:a16="http://schemas.microsoft.com/office/drawing/2014/main" xmlns="" w="9525">
                     <a:solidFill>
                       <a:srgbClr val="000000"/>
                     </a:solidFill>
@@ -18637,7 +18637,7 @@
               </a:ln>
               <a:extLst>
                 <a:ext uri="{91240B29-F687-4f45-9708-019B960494DF}">
-                  <a14:hiddenLine xmlns="" xmlns:a16="http://schemas.microsoft.com/office/drawing/2014/main" xmlns:p14="http://schemas.microsoft.com/office/powerpoint/2010/main" xmlns:a14="http://schemas.microsoft.com/office/drawing/2010/main" w="9525">
+                  <a14:hiddenLine xmlns:a14="http://schemas.microsoft.com/office/drawing/2010/main" xmlns:p14="http://schemas.microsoft.com/office/powerpoint/2010/main" xmlns:a16="http://schemas.microsoft.com/office/drawing/2014/main" xmlns="" w="9525">
                     <a:solidFill>
                       <a:srgbClr val="000000"/>
                     </a:solidFill>
@@ -18772,7 +18772,7 @@
               </a:ln>
               <a:extLst>
                 <a:ext uri="{91240B29-F687-4f45-9708-019B960494DF}">
-                  <a14:hiddenLine xmlns="" xmlns:a16="http://schemas.microsoft.com/office/drawing/2014/main" xmlns:p14="http://schemas.microsoft.com/office/powerpoint/2010/main" xmlns:a14="http://schemas.microsoft.com/office/drawing/2010/main" w="9525">
+                  <a14:hiddenLine xmlns:a14="http://schemas.microsoft.com/office/drawing/2010/main" xmlns:p14="http://schemas.microsoft.com/office/powerpoint/2010/main" xmlns:a16="http://schemas.microsoft.com/office/drawing/2014/main" xmlns="" w="9525">
                     <a:solidFill>
                       <a:srgbClr val="000000"/>
                     </a:solidFill>
@@ -18909,7 +18909,7 @@
               </a:ln>
               <a:extLst>
                 <a:ext uri="{91240B29-F687-4f45-9708-019B960494DF}">
-                  <a14:hiddenLine xmlns="" xmlns:a16="http://schemas.microsoft.com/office/drawing/2014/main" xmlns:p14="http://schemas.microsoft.com/office/powerpoint/2010/main" xmlns:a14="http://schemas.microsoft.com/office/drawing/2010/main" w="9525">
+                  <a14:hiddenLine xmlns:a14="http://schemas.microsoft.com/office/drawing/2010/main" xmlns:p14="http://schemas.microsoft.com/office/powerpoint/2010/main" xmlns:a16="http://schemas.microsoft.com/office/drawing/2014/main" xmlns="" w="9525">
                     <a:solidFill>
                       <a:srgbClr val="000000"/>
                     </a:solidFill>
@@ -19021,7 +19021,7 @@
               </a:ln>
               <a:extLst>
                 <a:ext uri="{91240B29-F687-4f45-9708-019B960494DF}">
-                  <a14:hiddenLine xmlns="" xmlns:a16="http://schemas.microsoft.com/office/drawing/2014/main" xmlns:p14="http://schemas.microsoft.com/office/powerpoint/2010/main" xmlns:a14="http://schemas.microsoft.com/office/drawing/2010/main" w="9525">
+                  <a14:hiddenLine xmlns:a14="http://schemas.microsoft.com/office/drawing/2010/main" xmlns:p14="http://schemas.microsoft.com/office/powerpoint/2010/main" xmlns:a16="http://schemas.microsoft.com/office/drawing/2014/main" xmlns="" w="9525">
                     <a:solidFill>
                       <a:srgbClr val="000000"/>
                     </a:solidFill>
@@ -19108,7 +19108,7 @@
               </a:ln>
               <a:extLst>
                 <a:ext uri="{91240B29-F687-4f45-9708-019B960494DF}">
-                  <a14:hiddenLine xmlns="" xmlns:a16="http://schemas.microsoft.com/office/drawing/2014/main" xmlns:p14="http://schemas.microsoft.com/office/powerpoint/2010/main" xmlns:a14="http://schemas.microsoft.com/office/drawing/2010/main" w="9525">
+                  <a14:hiddenLine xmlns:a14="http://schemas.microsoft.com/office/drawing/2010/main" xmlns:p14="http://schemas.microsoft.com/office/powerpoint/2010/main" xmlns:a16="http://schemas.microsoft.com/office/drawing/2014/main" xmlns="" w="9525">
                     <a:solidFill>
                       <a:srgbClr val="000000"/>
                     </a:solidFill>
@@ -19220,7 +19220,7 @@
               </a:ln>
               <a:extLst>
                 <a:ext uri="{91240B29-F687-4f45-9708-019B960494DF}">
-                  <a14:hiddenLine xmlns="" xmlns:a16="http://schemas.microsoft.com/office/drawing/2014/main" xmlns:p14="http://schemas.microsoft.com/office/powerpoint/2010/main" xmlns:a14="http://schemas.microsoft.com/office/drawing/2010/main" w="9525">
+                  <a14:hiddenLine xmlns:a14="http://schemas.microsoft.com/office/drawing/2010/main" xmlns:p14="http://schemas.microsoft.com/office/powerpoint/2010/main" xmlns:a16="http://schemas.microsoft.com/office/drawing/2014/main" xmlns="" w="9525">
                     <a:solidFill>
                       <a:srgbClr val="000000"/>
                     </a:solidFill>
@@ -19310,7 +19310,7 @@
               </a:ln>
               <a:extLst>
                 <a:ext uri="{91240B29-F687-4f45-9708-019B960494DF}">
-                  <a14:hiddenLine xmlns="" xmlns:a16="http://schemas.microsoft.com/office/drawing/2014/main" xmlns:p14="http://schemas.microsoft.com/office/powerpoint/2010/main" xmlns:a14="http://schemas.microsoft.com/office/drawing/2010/main" w="9525">
+                  <a14:hiddenLine xmlns:a14="http://schemas.microsoft.com/office/drawing/2010/main" xmlns:p14="http://schemas.microsoft.com/office/powerpoint/2010/main" xmlns:a16="http://schemas.microsoft.com/office/drawing/2014/main" xmlns="" w="9525">
                     <a:solidFill>
                       <a:srgbClr val="000000"/>
                     </a:solidFill>
@@ -19422,7 +19422,7 @@
               </a:ln>
               <a:extLst>
                 <a:ext uri="{91240B29-F687-4f45-9708-019B960494DF}">
-                  <a14:hiddenLine xmlns="" xmlns:a16="http://schemas.microsoft.com/office/drawing/2014/main" xmlns:p14="http://schemas.microsoft.com/office/powerpoint/2010/main" xmlns:a14="http://schemas.microsoft.com/office/drawing/2010/main" w="9525">
+                  <a14:hiddenLine xmlns:a14="http://schemas.microsoft.com/office/drawing/2010/main" xmlns:p14="http://schemas.microsoft.com/office/powerpoint/2010/main" xmlns:a16="http://schemas.microsoft.com/office/drawing/2014/main" xmlns="" w="9525">
                     <a:solidFill>
                       <a:srgbClr val="000000"/>
                     </a:solidFill>
@@ -19512,7 +19512,7 @@
               </a:ln>
               <a:extLst>
                 <a:ext uri="{91240B29-F687-4f45-9708-019B960494DF}">
-                  <a14:hiddenLine xmlns="" xmlns:a16="http://schemas.microsoft.com/office/drawing/2014/main" xmlns:p14="http://schemas.microsoft.com/office/powerpoint/2010/main" xmlns:a14="http://schemas.microsoft.com/office/drawing/2010/main" w="9525">
+                  <a14:hiddenLine xmlns:a14="http://schemas.microsoft.com/office/drawing/2010/main" xmlns:p14="http://schemas.microsoft.com/office/powerpoint/2010/main" xmlns:a16="http://schemas.microsoft.com/office/drawing/2014/main" xmlns="" w="9525">
                     <a:solidFill>
                       <a:srgbClr val="000000"/>
                     </a:solidFill>
@@ -19624,7 +19624,7 @@
               </a:ln>
               <a:extLst>
                 <a:ext uri="{91240B29-F687-4f45-9708-019B960494DF}">
-                  <a14:hiddenLine xmlns="" xmlns:a16="http://schemas.microsoft.com/office/drawing/2014/main" xmlns:p14="http://schemas.microsoft.com/office/powerpoint/2010/main" xmlns:a14="http://schemas.microsoft.com/office/drawing/2010/main" w="9525">
+                  <a14:hiddenLine xmlns:a14="http://schemas.microsoft.com/office/drawing/2010/main" xmlns:p14="http://schemas.microsoft.com/office/powerpoint/2010/main" xmlns:a16="http://schemas.microsoft.com/office/drawing/2014/main" xmlns="" w="9525">
                     <a:solidFill>
                       <a:srgbClr val="000000"/>
                     </a:solidFill>
@@ -19680,7 +19680,7 @@
               </a:ln>
               <a:extLst>
                 <a:ext uri="{91240B29-F687-4f45-9708-019B960494DF}">
-                  <a14:hiddenLine xmlns="" xmlns:a16="http://schemas.microsoft.com/office/drawing/2014/main" xmlns:p14="http://schemas.microsoft.com/office/powerpoint/2010/main" xmlns:a14="http://schemas.microsoft.com/office/drawing/2010/main" w="9525">
+                  <a14:hiddenLine xmlns:a14="http://schemas.microsoft.com/office/drawing/2010/main" xmlns:p14="http://schemas.microsoft.com/office/powerpoint/2010/main" xmlns:a16="http://schemas.microsoft.com/office/drawing/2014/main" xmlns="" w="9525">
                     <a:solidFill>
                       <a:srgbClr val="000000"/>
                     </a:solidFill>
@@ -19873,7 +19873,7 @@
               </a:ln>
               <a:extLst>
                 <a:ext uri="{91240B29-F687-4f45-9708-019B960494DF}">
-                  <a14:hiddenLine xmlns="" xmlns:a16="http://schemas.microsoft.com/office/drawing/2014/main" xmlns:p14="http://schemas.microsoft.com/office/powerpoint/2010/main" xmlns:a14="http://schemas.microsoft.com/office/drawing/2010/main" w="9525">
+                  <a14:hiddenLine xmlns:a14="http://schemas.microsoft.com/office/drawing/2010/main" xmlns:p14="http://schemas.microsoft.com/office/powerpoint/2010/main" xmlns:a16="http://schemas.microsoft.com/office/drawing/2014/main" xmlns="" w="9525">
                     <a:solidFill>
                       <a:srgbClr val="000000"/>
                     </a:solidFill>
@@ -19985,7 +19985,7 @@
               </a:ln>
               <a:extLst>
                 <a:ext uri="{91240B29-F687-4f45-9708-019B960494DF}">
-                  <a14:hiddenLine xmlns="" xmlns:a16="http://schemas.microsoft.com/office/drawing/2014/main" xmlns:p14="http://schemas.microsoft.com/office/powerpoint/2010/main" xmlns:a14="http://schemas.microsoft.com/office/drawing/2010/main" w="9525">
+                  <a14:hiddenLine xmlns:a14="http://schemas.microsoft.com/office/drawing/2010/main" xmlns:p14="http://schemas.microsoft.com/office/powerpoint/2010/main" xmlns:a16="http://schemas.microsoft.com/office/drawing/2014/main" xmlns="" w="9525">
                     <a:solidFill>
                       <a:srgbClr val="000000"/>
                     </a:solidFill>
@@ -20097,7 +20097,7 @@
               </a:ln>
               <a:extLst>
                 <a:ext uri="{91240B29-F687-4f45-9708-019B960494DF}">
-                  <a14:hiddenLine xmlns="" xmlns:a16="http://schemas.microsoft.com/office/drawing/2014/main" xmlns:p14="http://schemas.microsoft.com/office/powerpoint/2010/main" xmlns:a14="http://schemas.microsoft.com/office/drawing/2010/main" w="9525">
+                  <a14:hiddenLine xmlns:a14="http://schemas.microsoft.com/office/drawing/2010/main" xmlns:p14="http://schemas.microsoft.com/office/powerpoint/2010/main" xmlns:a16="http://schemas.microsoft.com/office/drawing/2014/main" xmlns="" w="9525">
                     <a:solidFill>
                       <a:srgbClr val="000000"/>
                     </a:solidFill>
@@ -20181,7 +20181,7 @@
               </a:ln>
               <a:extLst>
                 <a:ext uri="{91240B29-F687-4f45-9708-019B960494DF}">
-                  <a14:hiddenLine xmlns="" xmlns:a16="http://schemas.microsoft.com/office/drawing/2014/main" xmlns:p14="http://schemas.microsoft.com/office/powerpoint/2010/main" xmlns:a14="http://schemas.microsoft.com/office/drawing/2010/main" w="9525">
+                  <a14:hiddenLine xmlns:a14="http://schemas.microsoft.com/office/drawing/2010/main" xmlns:p14="http://schemas.microsoft.com/office/powerpoint/2010/main" xmlns:a16="http://schemas.microsoft.com/office/drawing/2014/main" xmlns="" w="9525">
                     <a:solidFill>
                       <a:srgbClr val="000000"/>
                     </a:solidFill>
@@ -20293,7 +20293,7 @@
               </a:ln>
               <a:extLst>
                 <a:ext uri="{91240B29-F687-4f45-9708-019B960494DF}">
-                  <a14:hiddenLine xmlns="" xmlns:a16="http://schemas.microsoft.com/office/drawing/2014/main" xmlns:p14="http://schemas.microsoft.com/office/powerpoint/2010/main" xmlns:a14="http://schemas.microsoft.com/office/drawing/2010/main" w="9525">
+                  <a14:hiddenLine xmlns:a14="http://schemas.microsoft.com/office/drawing/2010/main" xmlns:p14="http://schemas.microsoft.com/office/powerpoint/2010/main" xmlns:a16="http://schemas.microsoft.com/office/drawing/2014/main" xmlns="" w="9525">
                     <a:solidFill>
                       <a:srgbClr val="000000"/>
                     </a:solidFill>
@@ -20377,7 +20377,7 @@
               </a:ln>
               <a:extLst>
                 <a:ext uri="{91240B29-F687-4f45-9708-019B960494DF}">
-                  <a14:hiddenLine xmlns="" xmlns:a16="http://schemas.microsoft.com/office/drawing/2014/main" xmlns:p14="http://schemas.microsoft.com/office/powerpoint/2010/main" xmlns:a14="http://schemas.microsoft.com/office/drawing/2010/main" w="9525">
+                  <a14:hiddenLine xmlns:a14="http://schemas.microsoft.com/office/drawing/2010/main" xmlns:p14="http://schemas.microsoft.com/office/powerpoint/2010/main" xmlns:a16="http://schemas.microsoft.com/office/drawing/2014/main" xmlns="" w="9525">
                     <a:solidFill>
                       <a:srgbClr val="000000"/>
                     </a:solidFill>
@@ -20461,7 +20461,7 @@
               </a:ln>
               <a:extLst>
                 <a:ext uri="{91240B29-F687-4f45-9708-019B960494DF}">
-                  <a14:hiddenLine xmlns="" xmlns:a16="http://schemas.microsoft.com/office/drawing/2014/main" xmlns:p14="http://schemas.microsoft.com/office/powerpoint/2010/main" xmlns:a14="http://schemas.microsoft.com/office/drawing/2010/main" w="9525">
+                  <a14:hiddenLine xmlns:a14="http://schemas.microsoft.com/office/drawing/2010/main" xmlns:p14="http://schemas.microsoft.com/office/powerpoint/2010/main" xmlns:a16="http://schemas.microsoft.com/office/drawing/2014/main" xmlns="" w="9525">
                     <a:solidFill>
                       <a:srgbClr val="000000"/>
                     </a:solidFill>
@@ -20573,7 +20573,7 @@
               </a:ln>
               <a:extLst>
                 <a:ext uri="{91240B29-F687-4f45-9708-019B960494DF}">
-                  <a14:hiddenLine xmlns="" xmlns:a16="http://schemas.microsoft.com/office/drawing/2014/main" xmlns:p14="http://schemas.microsoft.com/office/powerpoint/2010/main" xmlns:a14="http://schemas.microsoft.com/office/drawing/2010/main" w="9525">
+                  <a14:hiddenLine xmlns:a14="http://schemas.microsoft.com/office/drawing/2010/main" xmlns:p14="http://schemas.microsoft.com/office/powerpoint/2010/main" xmlns:a16="http://schemas.microsoft.com/office/drawing/2014/main" xmlns="" w="9525">
                     <a:solidFill>
                       <a:srgbClr val="000000"/>
                     </a:solidFill>
@@ -20685,7 +20685,7 @@
               </a:ln>
               <a:extLst>
                 <a:ext uri="{91240B29-F687-4f45-9708-019B960494DF}">
-                  <a14:hiddenLine xmlns="" xmlns:a16="http://schemas.microsoft.com/office/drawing/2014/main" xmlns:p14="http://schemas.microsoft.com/office/powerpoint/2010/main" xmlns:a14="http://schemas.microsoft.com/office/drawing/2010/main" w="9525">
+                  <a14:hiddenLine xmlns:a14="http://schemas.microsoft.com/office/drawing/2010/main" xmlns:p14="http://schemas.microsoft.com/office/powerpoint/2010/main" xmlns:a16="http://schemas.microsoft.com/office/drawing/2014/main" xmlns="" w="9525">
                     <a:solidFill>
                       <a:srgbClr val="000000"/>
                     </a:solidFill>
@@ -20769,7 +20769,7 @@
               </a:ln>
               <a:extLst>
                 <a:ext uri="{91240B29-F687-4f45-9708-019B960494DF}">
-                  <a14:hiddenLine xmlns="" xmlns:a16="http://schemas.microsoft.com/office/drawing/2014/main" xmlns:p14="http://schemas.microsoft.com/office/powerpoint/2010/main" xmlns:a14="http://schemas.microsoft.com/office/drawing/2010/main" w="9525">
+                  <a14:hiddenLine xmlns:a14="http://schemas.microsoft.com/office/drawing/2010/main" xmlns:p14="http://schemas.microsoft.com/office/powerpoint/2010/main" xmlns:a16="http://schemas.microsoft.com/office/drawing/2014/main" xmlns="" w="9525">
                     <a:solidFill>
                       <a:srgbClr val="000000"/>
                     </a:solidFill>
@@ -20901,7 +20901,7 @@
               </a:ln>
               <a:extLst>
                 <a:ext uri="{91240B29-F687-4f45-9708-019B960494DF}">
-                  <a14:hiddenLine xmlns="" xmlns:a16="http://schemas.microsoft.com/office/drawing/2014/main" xmlns:p14="http://schemas.microsoft.com/office/powerpoint/2010/main" xmlns:a14="http://schemas.microsoft.com/office/drawing/2010/main" w="9525">
+                  <a14:hiddenLine xmlns:a14="http://schemas.microsoft.com/office/drawing/2010/main" xmlns:p14="http://schemas.microsoft.com/office/powerpoint/2010/main" xmlns:a16="http://schemas.microsoft.com/office/drawing/2014/main" xmlns="" w="9525">
                     <a:solidFill>
                       <a:srgbClr val="000000"/>
                     </a:solidFill>
@@ -21029,7 +21029,7 @@
               </a:ln>
               <a:extLst>
                 <a:ext uri="{91240B29-F687-4f45-9708-019B960494DF}">
-                  <a14:hiddenLine xmlns="" xmlns:a16="http://schemas.microsoft.com/office/drawing/2014/main" xmlns:p14="http://schemas.microsoft.com/office/powerpoint/2010/main" xmlns:a14="http://schemas.microsoft.com/office/drawing/2010/main" w="9525">
+                  <a14:hiddenLine xmlns:a14="http://schemas.microsoft.com/office/drawing/2010/main" xmlns:p14="http://schemas.microsoft.com/office/powerpoint/2010/main" xmlns:a16="http://schemas.microsoft.com/office/drawing/2014/main" xmlns="" w="9525">
                     <a:solidFill>
                       <a:srgbClr val="000000"/>
                     </a:solidFill>
@@ -21113,7 +21113,7 @@
               </a:ln>
               <a:extLst>
                 <a:ext uri="{91240B29-F687-4f45-9708-019B960494DF}">
-                  <a14:hiddenLine xmlns="" xmlns:a16="http://schemas.microsoft.com/office/drawing/2014/main" xmlns:p14="http://schemas.microsoft.com/office/powerpoint/2010/main" xmlns:a14="http://schemas.microsoft.com/office/drawing/2010/main" w="9525">
+                  <a14:hiddenLine xmlns:a14="http://schemas.microsoft.com/office/drawing/2010/main" xmlns:p14="http://schemas.microsoft.com/office/powerpoint/2010/main" xmlns:a16="http://schemas.microsoft.com/office/drawing/2014/main" xmlns="" w="9525">
                     <a:solidFill>
                       <a:srgbClr val="000000"/>
                     </a:solidFill>
@@ -21197,7 +21197,7 @@
               </a:ln>
               <a:extLst>
                 <a:ext uri="{91240B29-F687-4f45-9708-019B960494DF}">
-                  <a14:hiddenLine xmlns="" xmlns:a16="http://schemas.microsoft.com/office/drawing/2014/main" xmlns:p14="http://schemas.microsoft.com/office/powerpoint/2010/main" xmlns:a14="http://schemas.microsoft.com/office/drawing/2010/main" w="9525">
+                  <a14:hiddenLine xmlns:a14="http://schemas.microsoft.com/office/drawing/2010/main" xmlns:p14="http://schemas.microsoft.com/office/powerpoint/2010/main" xmlns:a16="http://schemas.microsoft.com/office/drawing/2014/main" xmlns="" w="9525">
                     <a:solidFill>
                       <a:srgbClr val="000000"/>
                     </a:solidFill>
@@ -21309,7 +21309,7 @@
               </a:ln>
               <a:extLst>
                 <a:ext uri="{91240B29-F687-4f45-9708-019B960494DF}">
-                  <a14:hiddenLine xmlns="" xmlns:a16="http://schemas.microsoft.com/office/drawing/2014/main" xmlns:p14="http://schemas.microsoft.com/office/powerpoint/2010/main" xmlns:a14="http://schemas.microsoft.com/office/drawing/2010/main" w="9525">
+                  <a14:hiddenLine xmlns:a14="http://schemas.microsoft.com/office/drawing/2010/main" xmlns:p14="http://schemas.microsoft.com/office/powerpoint/2010/main" xmlns:a16="http://schemas.microsoft.com/office/drawing/2014/main" xmlns="" w="9525">
                     <a:solidFill>
                       <a:srgbClr val="000000"/>
                     </a:solidFill>
@@ -21365,7 +21365,7 @@
               </a:ln>
               <a:extLst>
                 <a:ext uri="{91240B29-F687-4f45-9708-019B960494DF}">
-                  <a14:hiddenLine xmlns="" xmlns:a16="http://schemas.microsoft.com/office/drawing/2014/main" xmlns:p14="http://schemas.microsoft.com/office/powerpoint/2010/main" xmlns:a14="http://schemas.microsoft.com/office/drawing/2010/main" w="9525">
+                  <a14:hiddenLine xmlns:a14="http://schemas.microsoft.com/office/drawing/2010/main" xmlns:p14="http://schemas.microsoft.com/office/powerpoint/2010/main" xmlns:a16="http://schemas.microsoft.com/office/drawing/2014/main" xmlns="" w="9525">
                     <a:solidFill>
                       <a:srgbClr val="000000"/>
                     </a:solidFill>
@@ -21452,7 +21452,7 @@
               </a:ln>
               <a:extLst>
                 <a:ext uri="{91240B29-F687-4f45-9708-019B960494DF}">
-                  <a14:hiddenLine xmlns="" xmlns:a16="http://schemas.microsoft.com/office/drawing/2014/main" xmlns:p14="http://schemas.microsoft.com/office/powerpoint/2010/main" xmlns:a14="http://schemas.microsoft.com/office/drawing/2010/main" w="9525">
+                  <a14:hiddenLine xmlns:a14="http://schemas.microsoft.com/office/drawing/2010/main" xmlns:p14="http://schemas.microsoft.com/office/powerpoint/2010/main" xmlns:a16="http://schemas.microsoft.com/office/drawing/2014/main" xmlns="" w="9525">
                     <a:solidFill>
                       <a:srgbClr val="000000"/>
                     </a:solidFill>
@@ -21564,7 +21564,7 @@
               </a:ln>
               <a:extLst>
                 <a:ext uri="{91240B29-F687-4f45-9708-019B960494DF}">
-                  <a14:hiddenLine xmlns="" xmlns:a16="http://schemas.microsoft.com/office/drawing/2014/main" xmlns:p14="http://schemas.microsoft.com/office/powerpoint/2010/main" xmlns:a14="http://schemas.microsoft.com/office/drawing/2010/main" w="9525">
+                  <a14:hiddenLine xmlns:a14="http://schemas.microsoft.com/office/drawing/2010/main" xmlns:p14="http://schemas.microsoft.com/office/powerpoint/2010/main" xmlns:a16="http://schemas.microsoft.com/office/drawing/2014/main" xmlns="" w="9525">
                     <a:solidFill>
                       <a:srgbClr val="000000"/>
                     </a:solidFill>
@@ -21648,7 +21648,7 @@
               </a:ln>
               <a:extLst>
                 <a:ext uri="{91240B29-F687-4f45-9708-019B960494DF}">
-                  <a14:hiddenLine xmlns="" xmlns:a16="http://schemas.microsoft.com/office/drawing/2014/main" xmlns:p14="http://schemas.microsoft.com/office/powerpoint/2010/main" xmlns:a14="http://schemas.microsoft.com/office/drawing/2010/main" w="9525">
+                  <a14:hiddenLine xmlns:a14="http://schemas.microsoft.com/office/drawing/2010/main" xmlns:p14="http://schemas.microsoft.com/office/powerpoint/2010/main" xmlns:a16="http://schemas.microsoft.com/office/drawing/2014/main" xmlns="" w="9525">
                     <a:solidFill>
                       <a:srgbClr val="000000"/>
                     </a:solidFill>
@@ -21760,7 +21760,7 @@
               </a:ln>
               <a:extLst>
                 <a:ext uri="{91240B29-F687-4f45-9708-019B960494DF}">
-                  <a14:hiddenLine xmlns="" xmlns:a16="http://schemas.microsoft.com/office/drawing/2014/main" xmlns:p14="http://schemas.microsoft.com/office/powerpoint/2010/main" xmlns:a14="http://schemas.microsoft.com/office/drawing/2010/main" w="9525">
+                  <a14:hiddenLine xmlns:a14="http://schemas.microsoft.com/office/drawing/2010/main" xmlns:p14="http://schemas.microsoft.com/office/powerpoint/2010/main" xmlns:a16="http://schemas.microsoft.com/office/drawing/2014/main" xmlns="" w="9525">
                     <a:solidFill>
                       <a:srgbClr val="000000"/>
                     </a:solidFill>
@@ -21847,7 +21847,7 @@
               </a:ln>
               <a:extLst>
                 <a:ext uri="{91240B29-F687-4f45-9708-019B960494DF}">
-                  <a14:hiddenLine xmlns="" xmlns:a16="http://schemas.microsoft.com/office/drawing/2014/main" xmlns:p14="http://schemas.microsoft.com/office/powerpoint/2010/main" xmlns:a14="http://schemas.microsoft.com/office/drawing/2010/main" w="9525">
+                  <a14:hiddenLine xmlns:a14="http://schemas.microsoft.com/office/drawing/2010/main" xmlns:p14="http://schemas.microsoft.com/office/powerpoint/2010/main" xmlns:a16="http://schemas.microsoft.com/office/drawing/2014/main" xmlns="" w="9525">
                     <a:solidFill>
                       <a:srgbClr val="000000"/>
                     </a:solidFill>
@@ -21931,7 +21931,7 @@
               </a:ln>
               <a:extLst>
                 <a:ext uri="{91240B29-F687-4f45-9708-019B960494DF}">
-                  <a14:hiddenLine xmlns="" xmlns:a16="http://schemas.microsoft.com/office/drawing/2014/main" xmlns:p14="http://schemas.microsoft.com/office/powerpoint/2010/main" xmlns:a14="http://schemas.microsoft.com/office/drawing/2010/main" w="9525">
+                  <a14:hiddenLine xmlns:a14="http://schemas.microsoft.com/office/drawing/2010/main" xmlns:p14="http://schemas.microsoft.com/office/powerpoint/2010/main" xmlns:a16="http://schemas.microsoft.com/office/drawing/2014/main" xmlns="" w="9525">
                     <a:solidFill>
                       <a:srgbClr val="000000"/>
                     </a:solidFill>
@@ -22043,7 +22043,7 @@
               </a:ln>
               <a:extLst>
                 <a:ext uri="{91240B29-F687-4f45-9708-019B960494DF}">
-                  <a14:hiddenLine xmlns="" xmlns:a16="http://schemas.microsoft.com/office/drawing/2014/main" xmlns:p14="http://schemas.microsoft.com/office/powerpoint/2010/main" xmlns:a14="http://schemas.microsoft.com/office/drawing/2010/main" w="9525">
+                  <a14:hiddenLine xmlns:a14="http://schemas.microsoft.com/office/drawing/2010/main" xmlns:p14="http://schemas.microsoft.com/office/powerpoint/2010/main" xmlns:a16="http://schemas.microsoft.com/office/drawing/2014/main" xmlns="" w="9525">
                     <a:solidFill>
                       <a:srgbClr val="000000"/>
                     </a:solidFill>
@@ -22155,7 +22155,7 @@
               </a:ln>
               <a:extLst>
                 <a:ext uri="{91240B29-F687-4f45-9708-019B960494DF}">
-                  <a14:hiddenLine xmlns="" xmlns:a16="http://schemas.microsoft.com/office/drawing/2014/main" xmlns:p14="http://schemas.microsoft.com/office/powerpoint/2010/main" xmlns:a14="http://schemas.microsoft.com/office/drawing/2010/main" w="9525">
+                  <a14:hiddenLine xmlns:a14="http://schemas.microsoft.com/office/drawing/2010/main" xmlns:p14="http://schemas.microsoft.com/office/powerpoint/2010/main" xmlns:a16="http://schemas.microsoft.com/office/drawing/2014/main" xmlns="" w="9525">
                     <a:solidFill>
                       <a:srgbClr val="000000"/>
                     </a:solidFill>
@@ -22242,7 +22242,7 @@
               </a:ln>
               <a:extLst>
                 <a:ext uri="{91240B29-F687-4f45-9708-019B960494DF}">
-                  <a14:hiddenLine xmlns="" xmlns:a16="http://schemas.microsoft.com/office/drawing/2014/main" xmlns:p14="http://schemas.microsoft.com/office/powerpoint/2010/main" xmlns:a14="http://schemas.microsoft.com/office/drawing/2010/main" w="9525">
+                  <a14:hiddenLine xmlns:a14="http://schemas.microsoft.com/office/drawing/2010/main" xmlns:p14="http://schemas.microsoft.com/office/powerpoint/2010/main" xmlns:a16="http://schemas.microsoft.com/office/drawing/2014/main" xmlns="" w="9525">
                     <a:solidFill>
                       <a:srgbClr val="000000"/>
                     </a:solidFill>
@@ -22384,7 +22384,7 @@
               </a:ln>
               <a:extLst>
                 <a:ext uri="{91240B29-F687-4f45-9708-019B960494DF}">
-                  <a14:hiddenLine xmlns="" xmlns:a16="http://schemas.microsoft.com/office/drawing/2014/main" xmlns:p14="http://schemas.microsoft.com/office/powerpoint/2010/main" xmlns:a14="http://schemas.microsoft.com/office/drawing/2010/main" w="9525">
+                  <a14:hiddenLine xmlns:a14="http://schemas.microsoft.com/office/drawing/2010/main" xmlns:p14="http://schemas.microsoft.com/office/powerpoint/2010/main" xmlns:a16="http://schemas.microsoft.com/office/drawing/2014/main" xmlns="" w="9525">
                     <a:solidFill>
                       <a:srgbClr val="000000"/>
                     </a:solidFill>
@@ -22516,7 +22516,7 @@
               </a:ln>
               <a:extLst>
                 <a:ext uri="{91240B29-F687-4f45-9708-019B960494DF}">
-                  <a14:hiddenLine xmlns="" xmlns:a16="http://schemas.microsoft.com/office/drawing/2014/main" xmlns:p14="http://schemas.microsoft.com/office/powerpoint/2010/main" xmlns:a14="http://schemas.microsoft.com/office/drawing/2010/main" w="9525">
+                  <a14:hiddenLine xmlns:a14="http://schemas.microsoft.com/office/drawing/2010/main" xmlns:p14="http://schemas.microsoft.com/office/powerpoint/2010/main" xmlns:a16="http://schemas.microsoft.com/office/drawing/2014/main" xmlns="" w="9525">
                     <a:solidFill>
                       <a:srgbClr val="000000"/>
                     </a:solidFill>
@@ -22653,7 +22653,7 @@
               </a:ln>
               <a:extLst>
                 <a:ext uri="{91240B29-F687-4f45-9708-019B960494DF}">
-                  <a14:hiddenLine xmlns="" xmlns:a16="http://schemas.microsoft.com/office/drawing/2014/main" xmlns:p14="http://schemas.microsoft.com/office/powerpoint/2010/main" xmlns:a14="http://schemas.microsoft.com/office/drawing/2010/main" w="9525">
+                  <a14:hiddenLine xmlns:a14="http://schemas.microsoft.com/office/drawing/2010/main" xmlns:p14="http://schemas.microsoft.com/office/powerpoint/2010/main" xmlns:a16="http://schemas.microsoft.com/office/drawing/2014/main" xmlns="" w="9525">
                     <a:solidFill>
                       <a:srgbClr val="000000"/>
                     </a:solidFill>
@@ -22765,7 +22765,7 @@
               </a:ln>
               <a:extLst>
                 <a:ext uri="{91240B29-F687-4f45-9708-019B960494DF}">
-                  <a14:hiddenLine xmlns="" xmlns:a16="http://schemas.microsoft.com/office/drawing/2014/main" xmlns:p14="http://schemas.microsoft.com/office/powerpoint/2010/main" xmlns:a14="http://schemas.microsoft.com/office/drawing/2010/main" w="9525">
+                  <a14:hiddenLine xmlns:a14="http://schemas.microsoft.com/office/drawing/2010/main" xmlns:p14="http://schemas.microsoft.com/office/powerpoint/2010/main" xmlns:a16="http://schemas.microsoft.com/office/drawing/2014/main" xmlns="" w="9525">
                     <a:solidFill>
                       <a:srgbClr val="000000"/>
                     </a:solidFill>
@@ -22852,7 +22852,7 @@
               </a:ln>
               <a:extLst>
                 <a:ext uri="{91240B29-F687-4f45-9708-019B960494DF}">
-                  <a14:hiddenLine xmlns="" xmlns:a16="http://schemas.microsoft.com/office/drawing/2014/main" xmlns:p14="http://schemas.microsoft.com/office/powerpoint/2010/main" xmlns:a14="http://schemas.microsoft.com/office/drawing/2010/main" w="9525">
+                  <a14:hiddenLine xmlns:a14="http://schemas.microsoft.com/office/drawing/2010/main" xmlns:p14="http://schemas.microsoft.com/office/powerpoint/2010/main" xmlns:a16="http://schemas.microsoft.com/office/drawing/2014/main" xmlns="" w="9525">
                     <a:solidFill>
                       <a:srgbClr val="000000"/>
                     </a:solidFill>
@@ -22964,7 +22964,7 @@
               </a:ln>
               <a:extLst>
                 <a:ext uri="{91240B29-F687-4f45-9708-019B960494DF}">
-                  <a14:hiddenLine xmlns="" xmlns:a16="http://schemas.microsoft.com/office/drawing/2014/main" xmlns:p14="http://schemas.microsoft.com/office/powerpoint/2010/main" xmlns:a14="http://schemas.microsoft.com/office/drawing/2010/main" w="9525">
+                  <a14:hiddenLine xmlns:a14="http://schemas.microsoft.com/office/drawing/2010/main" xmlns:p14="http://schemas.microsoft.com/office/powerpoint/2010/main" xmlns:a16="http://schemas.microsoft.com/office/drawing/2014/main" xmlns="" w="9525">
                     <a:solidFill>
                       <a:srgbClr val="000000"/>
                     </a:solidFill>
@@ -23054,7 +23054,7 @@
               </a:ln>
               <a:extLst>
                 <a:ext uri="{91240B29-F687-4f45-9708-019B960494DF}">
-                  <a14:hiddenLine xmlns="" xmlns:a16="http://schemas.microsoft.com/office/drawing/2014/main" xmlns:p14="http://schemas.microsoft.com/office/powerpoint/2010/main" xmlns:a14="http://schemas.microsoft.com/office/drawing/2010/main" w="9525">
+                  <a14:hiddenLine xmlns:a14="http://schemas.microsoft.com/office/drawing/2010/main" xmlns:p14="http://schemas.microsoft.com/office/powerpoint/2010/main" xmlns:a16="http://schemas.microsoft.com/office/drawing/2014/main" xmlns="" w="9525">
                     <a:solidFill>
                       <a:srgbClr val="000000"/>
                     </a:solidFill>
@@ -23166,7 +23166,7 @@
               </a:ln>
               <a:extLst>
                 <a:ext uri="{91240B29-F687-4f45-9708-019B960494DF}">
-                  <a14:hiddenLine xmlns="" xmlns:a16="http://schemas.microsoft.com/office/drawing/2014/main" xmlns:p14="http://schemas.microsoft.com/office/powerpoint/2010/main" xmlns:a14="http://schemas.microsoft.com/office/drawing/2010/main" w="9525">
+                  <a14:hiddenLine xmlns:a14="http://schemas.microsoft.com/office/drawing/2010/main" xmlns:p14="http://schemas.microsoft.com/office/powerpoint/2010/main" xmlns:a16="http://schemas.microsoft.com/office/drawing/2014/main" xmlns="" w="9525">
                     <a:solidFill>
                       <a:srgbClr val="000000"/>
                     </a:solidFill>
@@ -23256,7 +23256,7 @@
               </a:ln>
               <a:extLst>
                 <a:ext uri="{91240B29-F687-4f45-9708-019B960494DF}">
-                  <a14:hiddenLine xmlns="" xmlns:a16="http://schemas.microsoft.com/office/drawing/2014/main" xmlns:p14="http://schemas.microsoft.com/office/powerpoint/2010/main" xmlns:a14="http://schemas.microsoft.com/office/drawing/2010/main" w="9525">
+                  <a14:hiddenLine xmlns:a14="http://schemas.microsoft.com/office/drawing/2010/main" xmlns:p14="http://schemas.microsoft.com/office/powerpoint/2010/main" xmlns:a16="http://schemas.microsoft.com/office/drawing/2014/main" xmlns="" w="9525">
                     <a:solidFill>
                       <a:srgbClr val="000000"/>
                     </a:solidFill>
@@ -23368,7 +23368,7 @@
               </a:ln>
               <a:extLst>
                 <a:ext uri="{91240B29-F687-4f45-9708-019B960494DF}">
-                  <a14:hiddenLine xmlns="" xmlns:a16="http://schemas.microsoft.com/office/drawing/2014/main" xmlns:p14="http://schemas.microsoft.com/office/powerpoint/2010/main" xmlns:a14="http://schemas.microsoft.com/office/drawing/2010/main" w="9525">
+                  <a14:hiddenLine xmlns:a14="http://schemas.microsoft.com/office/drawing/2010/main" xmlns:p14="http://schemas.microsoft.com/office/powerpoint/2010/main" xmlns:a16="http://schemas.microsoft.com/office/drawing/2014/main" xmlns="" w="9525">
                     <a:solidFill>
                       <a:srgbClr val="000000"/>
                     </a:solidFill>
@@ -23424,7 +23424,7 @@
               </a:ln>
               <a:extLst>
                 <a:ext uri="{91240B29-F687-4f45-9708-019B960494DF}">
-                  <a14:hiddenLine xmlns="" xmlns:a16="http://schemas.microsoft.com/office/drawing/2014/main" xmlns:p14="http://schemas.microsoft.com/office/powerpoint/2010/main" xmlns:a14="http://schemas.microsoft.com/office/drawing/2010/main" w="9525">
+                  <a14:hiddenLine xmlns:a14="http://schemas.microsoft.com/office/drawing/2010/main" xmlns:p14="http://schemas.microsoft.com/office/powerpoint/2010/main" xmlns:a16="http://schemas.microsoft.com/office/drawing/2014/main" xmlns="" w="9525">
                     <a:solidFill>
                       <a:srgbClr val="000000"/>
                     </a:solidFill>
@@ -23493,7 +23493,7 @@
           <a:noFill/>
           <a:extLst>
             <a:ext uri="{909E8E84-426E-40dd-AFC4-6F175D3DCCD1}">
-              <a14:hiddenFill xmlns="" xmlns:a16="http://schemas.microsoft.com/office/drawing/2014/main" xmlns:p14="http://schemas.microsoft.com/office/powerpoint/2010/main" xmlns:a14="http://schemas.microsoft.com/office/drawing/2010/main">
+              <a14:hiddenFill xmlns:a14="http://schemas.microsoft.com/office/drawing/2010/main" xmlns:p14="http://schemas.microsoft.com/office/powerpoint/2010/main" xmlns:a16="http://schemas.microsoft.com/office/drawing/2014/main" xmlns="">
                 <a:solidFill>
                   <a:srgbClr val="FFFFFF"/>
                 </a:solidFill>
@@ -24182,7 +24182,7 @@
                 <a:ea typeface="SimSun" panose="02010600030101010101" pitchFamily="2" charset="-122"/>
                 <a:cs typeface="Mangal" panose="02040503050203030202" pitchFamily="18" charset="0"/>
               </a:rPr>
-              <a:t>: Visualizing Dining Philosophers: with Four Chairs</a:t>
+              <a:t>: Visualising Dining Philosophers: with Four Chairs</a:t>
             </a:r>
             <a:endParaRPr lang="en-IE" dirty="0"/>
           </a:p>
@@ -24692,15 +24692,16 @@
           <a:p>
             <a:r>
               <a:rPr lang="en-IE" sz="1800" dirty="0">
+                <a:solidFill>
+                  <a:schemeClr val="bg1"/>
+                </a:solidFill>
                 <a:effectLst/>
                 <a:latin typeface="Cambria" panose="02040503050406030204" pitchFamily="18" charset="0"/>
                 <a:ea typeface="MS Mincho" panose="02020609040205080304" pitchFamily="49" charset="-128"/>
                 <a:cs typeface="Times New Roman" panose="02020603050405020304" pitchFamily="18" charset="0"/>
               </a:rPr>
-              <a:t>JN – Join: This Thread has joined with another thread.</a:t>
+              <a:t>JN</a:t>
             </a:r>
-          </a:p>
-          <a:p>
             <a:r>
               <a:rPr lang="en-IE" sz="1800" dirty="0">
                 <a:effectLst/>
@@ -24708,10 +24709,22 @@
                 <a:ea typeface="MS Mincho" panose="02020609040205080304" pitchFamily="49" charset="-128"/>
                 <a:cs typeface="Times New Roman" panose="02020603050405020304" pitchFamily="18" charset="0"/>
               </a:rPr>
-              <a:t>SW – Semaphore Wait: This thread is waiting on semaphore.</a:t>
+              <a:t> – Join: This Thread has joined with another thread.</a:t>
             </a:r>
           </a:p>
           <a:p>
+            <a:r>
+              <a:rPr lang="en-IE" sz="1800" dirty="0">
+                <a:solidFill>
+                  <a:schemeClr val="bg1"/>
+                </a:solidFill>
+                <a:effectLst/>
+                <a:latin typeface="Cambria" panose="02040503050406030204" pitchFamily="18" charset="0"/>
+                <a:ea typeface="MS Mincho" panose="02020609040205080304" pitchFamily="49" charset="-128"/>
+                <a:cs typeface="Times New Roman" panose="02020603050405020304" pitchFamily="18" charset="0"/>
+              </a:rPr>
+              <a:t>SW </a:t>
+            </a:r>
             <a:r>
               <a:rPr lang="en-IE" sz="1800" dirty="0">
                 <a:effectLst/>
@@ -24719,10 +24732,31 @@
                 <a:ea typeface="MS Mincho" panose="02020609040205080304" pitchFamily="49" charset="-128"/>
                 <a:cs typeface="Times New Roman" panose="02020603050405020304" pitchFamily="18" charset="0"/>
               </a:rPr>
-              <a:t>SE – Semaphore Enter: This thread has been let through a semaphore.</a:t>
+              <a:t>– Semaphore Wait: This thread is waiting on semaphore.</a:t>
             </a:r>
+            <a:endParaRPr lang="en-IE" sz="1800" dirty="0">
+              <a:solidFill>
+                <a:schemeClr val="bg1"/>
+              </a:solidFill>
+              <a:effectLst/>
+              <a:latin typeface="Cambria" panose="02040503050406030204" pitchFamily="18" charset="0"/>
+              <a:ea typeface="MS Mincho" panose="02020609040205080304" pitchFamily="49" charset="-128"/>
+              <a:cs typeface="Times New Roman" panose="02020603050405020304" pitchFamily="18" charset="0"/>
+            </a:endParaRPr>
           </a:p>
           <a:p>
+            <a:r>
+              <a:rPr lang="en-IE" sz="1800" dirty="0">
+                <a:solidFill>
+                  <a:schemeClr val="bg1"/>
+                </a:solidFill>
+                <a:effectLst/>
+                <a:latin typeface="Cambria" panose="02040503050406030204" pitchFamily="18" charset="0"/>
+                <a:ea typeface="MS Mincho" panose="02020609040205080304" pitchFamily="49" charset="-128"/>
+                <a:cs typeface="Times New Roman" panose="02020603050405020304" pitchFamily="18" charset="0"/>
+              </a:rPr>
+              <a:t>SE</a:t>
+            </a:r>
             <a:r>
               <a:rPr lang="en-IE" sz="1800" dirty="0">
                 <a:effectLst/>
@@ -24730,10 +24764,22 @@
                 <a:ea typeface="MS Mincho" panose="02020609040205080304" pitchFamily="49" charset="-128"/>
                 <a:cs typeface="Times New Roman" panose="02020603050405020304" pitchFamily="18" charset="0"/>
               </a:rPr>
-              <a:t>SS – Semaphore Signal: This Thread has signalled a semaphore.</a:t>
+              <a:t> – Semaphore Enter: This thread has been let through a semaphore.</a:t>
             </a:r>
           </a:p>
           <a:p>
+            <a:r>
+              <a:rPr lang="en-IE" sz="1800" dirty="0">
+                <a:solidFill>
+                  <a:schemeClr val="bg1"/>
+                </a:solidFill>
+                <a:effectLst/>
+                <a:latin typeface="Cambria" panose="02040503050406030204" pitchFamily="18" charset="0"/>
+                <a:ea typeface="MS Mincho" panose="02020609040205080304" pitchFamily="49" charset="-128"/>
+                <a:cs typeface="Times New Roman" panose="02020603050405020304" pitchFamily="18" charset="0"/>
+              </a:rPr>
+              <a:t>SS</a:t>
+            </a:r>
             <a:r>
               <a:rPr lang="en-IE" sz="1800" dirty="0">
                 <a:effectLst/>
@@ -24741,10 +24787,22 @@
                 <a:ea typeface="MS Mincho" panose="02020609040205080304" pitchFamily="49" charset="-128"/>
                 <a:cs typeface="Times New Roman" panose="02020603050405020304" pitchFamily="18" charset="0"/>
               </a:rPr>
-              <a:t>MW – Mutex Wait: This thread is waiting to obtain(lock) a mutex.</a:t>
+              <a:t> – Semaphore Signal: This Thread has signalled a semaphore.</a:t>
             </a:r>
           </a:p>
           <a:p>
+            <a:r>
+              <a:rPr lang="en-IE" sz="1800" dirty="0">
+                <a:solidFill>
+                  <a:schemeClr val="bg1"/>
+                </a:solidFill>
+                <a:effectLst/>
+                <a:latin typeface="Cambria" panose="02040503050406030204" pitchFamily="18" charset="0"/>
+                <a:ea typeface="MS Mincho" panose="02020609040205080304" pitchFamily="49" charset="-128"/>
+                <a:cs typeface="Times New Roman" panose="02020603050405020304" pitchFamily="18" charset="0"/>
+              </a:rPr>
+              <a:t>MW</a:t>
+            </a:r>
             <a:r>
               <a:rPr lang="en-IE" sz="1800" dirty="0">
                 <a:effectLst/>
@@ -24752,10 +24810,22 @@
                 <a:ea typeface="MS Mincho" panose="02020609040205080304" pitchFamily="49" charset="-128"/>
                 <a:cs typeface="Times New Roman" panose="02020603050405020304" pitchFamily="18" charset="0"/>
               </a:rPr>
-              <a:t>ML – Mutex Lock: This thread has obtained(locked) a mutex.</a:t>
+              <a:t> – Mutex Wait: This thread is waiting to obtain(lock) a mutex.</a:t>
             </a:r>
           </a:p>
           <a:p>
+            <a:r>
+              <a:rPr lang="en-IE" sz="1800" dirty="0">
+                <a:solidFill>
+                  <a:schemeClr val="bg1"/>
+                </a:solidFill>
+                <a:effectLst/>
+                <a:latin typeface="Cambria" panose="02040503050406030204" pitchFamily="18" charset="0"/>
+                <a:ea typeface="MS Mincho" panose="02020609040205080304" pitchFamily="49" charset="-128"/>
+                <a:cs typeface="Times New Roman" panose="02020603050405020304" pitchFamily="18" charset="0"/>
+              </a:rPr>
+              <a:t>ML</a:t>
+            </a:r>
             <a:r>
               <a:rPr lang="en-IE" sz="1800" dirty="0">
                 <a:effectLst/>
@@ -24763,7 +24833,39 @@
                 <a:ea typeface="MS Mincho" panose="02020609040205080304" pitchFamily="49" charset="-128"/>
                 <a:cs typeface="Times New Roman" panose="02020603050405020304" pitchFamily="18" charset="0"/>
               </a:rPr>
-              <a:t>MU – Mutex Unlock: This thread has obtained(locked) a mutex.</a:t>
+              <a:t> – Mutex Lock: This thread has obtained(locked) a mutex.</a:t>
+            </a:r>
+            <a:endParaRPr lang="en-IE" sz="1800" dirty="0">
+              <a:solidFill>
+                <a:schemeClr val="bg1"/>
+              </a:solidFill>
+              <a:effectLst/>
+              <a:latin typeface="Cambria" panose="02040503050406030204" pitchFamily="18" charset="0"/>
+              <a:ea typeface="MS Mincho" panose="02020609040205080304" pitchFamily="49" charset="-128"/>
+              <a:cs typeface="Times New Roman" panose="02020603050405020304" pitchFamily="18" charset="0"/>
+            </a:endParaRPr>
+          </a:p>
+          <a:p>
+            <a:r>
+              <a:rPr lang="en-IE" sz="1800" dirty="0">
+                <a:solidFill>
+                  <a:schemeClr val="bg1"/>
+                </a:solidFill>
+                <a:effectLst/>
+                <a:latin typeface="Cambria" panose="02040503050406030204" pitchFamily="18" charset="0"/>
+                <a:ea typeface="MS Mincho" panose="02020609040205080304" pitchFamily="49" charset="-128"/>
+                <a:cs typeface="Times New Roman" panose="02020603050405020304" pitchFamily="18" charset="0"/>
+              </a:rPr>
+              <a:t>MU</a:t>
+            </a:r>
+            <a:r>
+              <a:rPr lang="en-IE" sz="1800" dirty="0">
+                <a:effectLst/>
+                <a:latin typeface="Cambria" panose="02040503050406030204" pitchFamily="18" charset="0"/>
+                <a:ea typeface="MS Mincho" panose="02020609040205080304" pitchFamily="49" charset="-128"/>
+                <a:cs typeface="Times New Roman" panose="02020603050405020304" pitchFamily="18" charset="0"/>
+              </a:rPr>
+              <a:t> – Mutex Unlock: This thread has obtained(locked) a mutex.</a:t>
             </a:r>
           </a:p>
         </p:txBody>
@@ -24851,23 +24953,268 @@
             <p:ph idx="1"/>
           </p:nvPr>
         </p:nvSpPr>
-        <p:spPr/>
+        <p:spPr>
+          <a:xfrm>
+            <a:off x="983848" y="1983269"/>
+            <a:ext cx="10538125" cy="3541714"/>
+          </a:xfrm>
+        </p:spPr>
         <p:txBody>
-          <a:bodyPr/>
+          <a:bodyPr>
+            <a:normAutofit lnSpcReduction="10000"/>
+          </a:bodyPr>
           <a:lstStyle/>
           <a:p>
+            <a:pPr marL="0" indent="0">
+              <a:buNone/>
+            </a:pPr>
             <a:r>
-              <a:rPr lang="en-GB" dirty="0"/>
-              <a:t>(PUT </a:t>
+              <a:rPr lang="en-US" cap="all" dirty="0">
+                <a:solidFill>
+                  <a:schemeClr val="bg1"/>
+                </a:solidFill>
+              </a:rPr>
+              <a:t>HAS only three files to compile:</a:t>
+            </a:r>
+            <a:endParaRPr lang="en-US" sz="2400" cap="all" dirty="0">
+              <a:solidFill>
+                <a:schemeClr val="bg1"/>
+              </a:solidFill>
+            </a:endParaRPr>
+          </a:p>
+          <a:p>
+            <a:pPr marL="342900" indent="-342900"/>
+            <a:r>
+              <a:rPr lang="en-US" cap="all" dirty="0">
+                <a:solidFill>
+                  <a:schemeClr val="bg1"/>
+                </a:solidFill>
+              </a:rPr>
+              <a:t>First: </a:t>
             </a:r>
             <a:r>
-              <a:rPr lang="en-GB" dirty="0" err="1"/>
-              <a:t>smth</a:t>
+              <a:rPr lang="en-US" cap="all" dirty="0">
+                <a:solidFill>
+                  <a:schemeClr val="tx2"/>
+                </a:solidFill>
+              </a:rPr>
+              <a:t>Philosopher-4chairs.h: </a:t>
             </a:r>
             <a:r>
-              <a:rPr lang="en-GB" dirty="0"/>
-              <a:t>)</a:t>
+              <a:rPr lang="en-GB" sz="1800" dirty="0">
+                <a:effectLst/>
+                <a:latin typeface="Arial" panose="020B0604020202020204" pitchFamily="34" charset="0"/>
+                <a:ea typeface="SimSun" panose="02010600030101010101" pitchFamily="2" charset="-122"/>
+                <a:cs typeface="Mangal" panose="02040503050203030202" pitchFamily="18" charset="0"/>
+              </a:rPr>
+              <a:t>Foundation and takes two arguments: </a:t>
             </a:r>
+            <a:r>
+              <a:rPr lang="en-GB" sz="1800" b="1" dirty="0">
+                <a:effectLst/>
+                <a:latin typeface="Arial" panose="020B0604020202020204" pitchFamily="34" charset="0"/>
+                <a:ea typeface="SimSun" panose="02010600030101010101" pitchFamily="2" charset="-122"/>
+                <a:cs typeface="Mangal" panose="02040503050203030202" pitchFamily="18" charset="0"/>
+              </a:rPr>
+              <a:t>NUMBER(philosophers)</a:t>
+            </a:r>
+            <a:r>
+              <a:rPr lang="en-GB" sz="1800" dirty="0">
+                <a:effectLst/>
+                <a:latin typeface="Arial" panose="020B0604020202020204" pitchFamily="34" charset="0"/>
+                <a:ea typeface="SimSun" panose="02010600030101010101" pitchFamily="2" charset="-122"/>
+                <a:cs typeface="Mangal" panose="02040503050203030202" pitchFamily="18" charset="0"/>
+              </a:rPr>
+              <a:t>, and </a:t>
+            </a:r>
+            <a:r>
+              <a:rPr lang="en-GB" sz="1800" b="1" dirty="0">
+                <a:effectLst/>
+                <a:latin typeface="Arial" panose="020B0604020202020204" pitchFamily="34" charset="0"/>
+                <a:ea typeface="SimSun" panose="02010600030101010101" pitchFamily="2" charset="-122"/>
+                <a:cs typeface="Mangal" panose="02040503050203030202" pitchFamily="18" charset="0"/>
+              </a:rPr>
+              <a:t>ITER(eating cycles)</a:t>
+            </a:r>
+            <a:r>
+              <a:rPr lang="en-GB" sz="1800" b="1" dirty="0">
+                <a:latin typeface="Arial" panose="020B0604020202020204" pitchFamily="34" charset="0"/>
+                <a:ea typeface="SimSun" panose="02010600030101010101" pitchFamily="2" charset="-122"/>
+                <a:cs typeface="Mangal" panose="02040503050203030202" pitchFamily="18" charset="0"/>
+              </a:rPr>
+              <a:t>. </a:t>
+            </a:r>
+            <a:endParaRPr lang="en-US" sz="2400" cap="all" dirty="0">
+              <a:solidFill>
+                <a:schemeClr val="tx2"/>
+              </a:solidFill>
+            </a:endParaRPr>
+          </a:p>
+          <a:p>
+            <a:pPr marL="342900" indent="-342900"/>
+            <a:r>
+              <a:rPr lang="en-US" sz="2400" cap="all" dirty="0">
+                <a:solidFill>
+                  <a:schemeClr val="bg1"/>
+                </a:solidFill>
+              </a:rPr>
+              <a:t>SECOND: </a:t>
+            </a:r>
+            <a:r>
+              <a:rPr lang="en-US" cap="all" dirty="0">
+                <a:solidFill>
+                  <a:schemeClr val="tx2"/>
+                </a:solidFill>
+              </a:rPr>
+              <a:t>Philosopher-4chairs.cpp: </a:t>
+            </a:r>
+            <a:r>
+              <a:rPr lang="en-GB" sz="1800" dirty="0">
+                <a:effectLst/>
+                <a:latin typeface="Arial" panose="020B0604020202020204" pitchFamily="34" charset="0"/>
+                <a:ea typeface="SimSun" panose="02010600030101010101" pitchFamily="2" charset="-122"/>
+                <a:cs typeface="Mangal" panose="02040503050203030202" pitchFamily="18" charset="0"/>
+              </a:rPr>
+              <a:t>Establishes rules(</a:t>
+            </a:r>
+            <a:r>
+              <a:rPr lang="en-GB" sz="1800" dirty="0" err="1">
+                <a:effectLst/>
+                <a:latin typeface="Arial" panose="020B0604020202020204" pitchFamily="34" charset="0"/>
+                <a:ea typeface="SimSun" panose="02010600030101010101" pitchFamily="2" charset="-122"/>
+                <a:cs typeface="Mangal" panose="02040503050203030202" pitchFamily="18" charset="0"/>
+              </a:rPr>
+              <a:t>Semaphors</a:t>
+            </a:r>
+            <a:r>
+              <a:rPr lang="en-GB" sz="1800" dirty="0">
+                <a:effectLst/>
+                <a:latin typeface="Arial" panose="020B0604020202020204" pitchFamily="34" charset="0"/>
+                <a:ea typeface="SimSun" panose="02010600030101010101" pitchFamily="2" charset="-122"/>
+                <a:cs typeface="Mangal" panose="02040503050203030202" pitchFamily="18" charset="0"/>
+              </a:rPr>
+              <a:t>, Mutex Locks), acts like a bouncer</a:t>
+            </a:r>
+            <a:r>
+              <a:rPr lang="en-IE" sz="1400" dirty="0">
+                <a:effectLst/>
+                <a:latin typeface="Arial" panose="020B0604020202020204" pitchFamily="34" charset="0"/>
+                <a:ea typeface="SimSun" panose="02010600030101010101" pitchFamily="2" charset="-122"/>
+                <a:cs typeface="Mangal" panose="02040503050203030202" pitchFamily="18" charset="0"/>
+              </a:rPr>
+              <a:t> </a:t>
+            </a:r>
+            <a:r>
+              <a:rPr lang="en-IE" sz="1800" dirty="0">
+                <a:effectLst/>
+                <a:latin typeface="Arial" panose="020B0604020202020204" pitchFamily="34" charset="0"/>
+                <a:ea typeface="SimSun" panose="02010600030101010101" pitchFamily="2" charset="-122"/>
+                <a:cs typeface="Mangal" panose="02040503050203030202" pitchFamily="18" charset="0"/>
+              </a:rPr>
+              <a:t>and</a:t>
+            </a:r>
+            <a:r>
+              <a:rPr lang="en-IE" sz="1400" dirty="0">
+                <a:effectLst/>
+                <a:latin typeface="Arial" panose="020B0604020202020204" pitchFamily="34" charset="0"/>
+                <a:ea typeface="SimSun" panose="02010600030101010101" pitchFamily="2" charset="-122"/>
+                <a:cs typeface="Mangal" panose="02040503050203030202" pitchFamily="18" charset="0"/>
+              </a:rPr>
+              <a:t> </a:t>
+            </a:r>
+            <a:r>
+              <a:rPr lang="en-GB" sz="1800" dirty="0">
+                <a:effectLst/>
+                <a:latin typeface="Arial" panose="020B0604020202020204" pitchFamily="34" charset="0"/>
+                <a:ea typeface="SimSun" panose="02010600030101010101" pitchFamily="2" charset="-122"/>
+                <a:cs typeface="Mangal" panose="02040503050203030202" pitchFamily="18" charset="0"/>
+              </a:rPr>
+              <a:t>uses Mutexes locks, to make sure everyone picks up and puts down their chopsticks in order</a:t>
+            </a:r>
+            <a:r>
+              <a:rPr lang="en-IE" sz="1400" dirty="0">
+                <a:effectLst/>
+              </a:rPr>
+              <a:t> </a:t>
+            </a:r>
+            <a:r>
+              <a:rPr lang="en-GB" sz="1800" dirty="0">
+                <a:effectLst/>
+                <a:latin typeface="Arial" panose="020B0604020202020204" pitchFamily="34" charset="0"/>
+                <a:ea typeface="SimSun" panose="02010600030101010101" pitchFamily="2" charset="-122"/>
+                <a:cs typeface="Mangal" panose="02040503050203030202" pitchFamily="18" charset="0"/>
+              </a:rPr>
+              <a:t> </a:t>
+            </a:r>
+            <a:endParaRPr lang="en-US" cap="all" dirty="0">
+              <a:solidFill>
+                <a:schemeClr val="tx2"/>
+              </a:solidFill>
+            </a:endParaRPr>
+          </a:p>
+          <a:p>
+            <a:pPr marL="342900" indent="-342900"/>
+            <a:r>
+              <a:rPr lang="en-US" sz="2400" cap="all" dirty="0">
+                <a:solidFill>
+                  <a:schemeClr val="bg1"/>
+                </a:solidFill>
+              </a:rPr>
+              <a:t>THIRD: </a:t>
+            </a:r>
+            <a:r>
+              <a:rPr lang="en-US" cap="all" dirty="0" err="1">
+                <a:solidFill>
+                  <a:schemeClr val="tx2"/>
+                </a:solidFill>
+              </a:rPr>
+              <a:t>main.cpp</a:t>
+            </a:r>
+            <a:r>
+              <a:rPr lang="en-US" cap="all" dirty="0">
+                <a:solidFill>
+                  <a:schemeClr val="tx2"/>
+                </a:solidFill>
+              </a:rPr>
+              <a:t>: </a:t>
+            </a:r>
+            <a:r>
+              <a:rPr lang="en-GB" sz="1800" dirty="0">
+                <a:effectLst/>
+                <a:latin typeface="Arial" panose="020B0604020202020204" pitchFamily="34" charset="0"/>
+                <a:ea typeface="SimSun" panose="02010600030101010101" pitchFamily="2" charset="-122"/>
+                <a:cs typeface="Mangal" panose="02040503050203030202" pitchFamily="18" charset="0"/>
+              </a:rPr>
+              <a:t>Depends on </a:t>
+            </a:r>
+            <a:r>
+              <a:rPr lang="en-GB" sz="1800" dirty="0">
+                <a:latin typeface="Arial" panose="020B0604020202020204" pitchFamily="34" charset="0"/>
+                <a:ea typeface="SimSun" panose="02010600030101010101" pitchFamily="2" charset="-122"/>
+                <a:cs typeface="Mangal" panose="02040503050203030202" pitchFamily="18" charset="0"/>
+              </a:rPr>
+              <a:t>eating cycles, </a:t>
+            </a:r>
+            <a:r>
+              <a:rPr lang="en-GB" sz="1800" dirty="0">
+                <a:effectLst/>
+                <a:latin typeface="Arial" panose="020B0604020202020204" pitchFamily="34" charset="0"/>
+                <a:ea typeface="SimSun" panose="02010600030101010101" pitchFamily="2" charset="-122"/>
+                <a:cs typeface="Mangal" panose="02040503050203030202" pitchFamily="18" charset="0"/>
+              </a:rPr>
+              <a:t>generates threads for each philosopher, waits for everyone to complete, and exiting(ends the program).</a:t>
+            </a:r>
+            <a:endParaRPr lang="en-US" cap="all" dirty="0">
+              <a:solidFill>
+                <a:schemeClr val="tx2"/>
+              </a:solidFill>
+            </a:endParaRPr>
+          </a:p>
+          <a:p>
+            <a:pPr marL="0" indent="0">
+              <a:buNone/>
+            </a:pPr>
+            <a:endParaRPr lang="en-GB" dirty="0"/>
           </a:p>
         </p:txBody>
       </p:sp>

--- a/final_Presentation.pptx
+++ b/final_Presentation.pptx
@@ -13,10 +13,11 @@
     <p:sldId id="259" r:id="rId7"/>
     <p:sldId id="267" r:id="rId8"/>
     <p:sldId id="264" r:id="rId9"/>
-    <p:sldId id="261" r:id="rId10"/>
-    <p:sldId id="262" r:id="rId11"/>
-    <p:sldId id="268" r:id="rId12"/>
-    <p:sldId id="265" r:id="rId13"/>
+    <p:sldId id="269" r:id="rId10"/>
+    <p:sldId id="261" r:id="rId11"/>
+    <p:sldId id="262" r:id="rId12"/>
+    <p:sldId id="268" r:id="rId13"/>
+    <p:sldId id="265" r:id="rId14"/>
   </p:sldIdLst>
   <p:sldSz cx="12192000" cy="6858000"/>
   <p:notesSz cx="6858000" cy="9144000"/>
@@ -12383,7 +12384,12 @@
             <p:ph type="ctrTitle"/>
           </p:nvPr>
         </p:nvSpPr>
-        <p:spPr/>
+        <p:spPr>
+          <a:xfrm>
+            <a:off x="2578698" y="1097311"/>
+            <a:ext cx="7034603" cy="1493273"/>
+          </a:xfrm>
+        </p:spPr>
         <p:txBody>
           <a:bodyPr>
             <a:normAutofit/>
@@ -12392,10 +12398,18 @@
           <a:p>
             <a:pPr algn="ctr"/>
             <a:r>
-              <a:rPr lang="en-GB" sz="3200" dirty="0"/>
+              <a:rPr lang="en-GB" sz="3200" dirty="0">
+                <a:solidFill>
+                  <a:schemeClr val="bg1"/>
+                </a:solidFill>
+              </a:rPr>
               <a:t>A study of synchronization and concurrency issue in the dining philosophers problem</a:t>
             </a:r>
-            <a:endParaRPr lang="en-IE" sz="3200" dirty="0"/>
+            <a:endParaRPr lang="en-IE" sz="3200" dirty="0">
+              <a:solidFill>
+                <a:schemeClr val="bg1"/>
+              </a:solidFill>
+            </a:endParaRPr>
           </a:p>
         </p:txBody>
       </p:sp>
@@ -12415,20 +12429,47 @@
             <p:ph type="subTitle" idx="1"/>
           </p:nvPr>
         </p:nvSpPr>
-        <p:spPr/>
+        <p:spPr>
+          <a:xfrm>
+            <a:off x="3101039" y="3429000"/>
+            <a:ext cx="5989921" cy="2034675"/>
+          </a:xfrm>
+        </p:spPr>
         <p:txBody>
-          <a:bodyPr/>
+          <a:bodyPr>
+            <a:normAutofit/>
+          </a:bodyPr>
           <a:lstStyle/>
           <a:p>
-            <a:pPr algn="ctr"/>
             <a:r>
               <a:rPr lang="en-GB" dirty="0"/>
-              <a:t>Group: Rochelle Mullen, Steven Kelly, Habiba Nour, Piotr </a:t>
+              <a:t>Submitted by: 	Rochelle Mullen     B00156311</a:t>
             </a:r>
+          </a:p>
+          <a:p>
             <a:r>
-              <a:rPr lang="en-GB" dirty="0" err="1"/>
-              <a:t>Momat</a:t>
+              <a:rPr lang="en-GB" dirty="0"/>
+              <a:t>		Steven Kelly 	       B00150588</a:t>
             </a:r>
+          </a:p>
+          <a:p>
+            <a:r>
+              <a:rPr lang="en-GB" dirty="0"/>
+              <a:t>		Habiba Nour 	       B00151078</a:t>
+            </a:r>
+          </a:p>
+          <a:p>
+            <a:r>
+              <a:rPr lang="en-GB" dirty="0"/>
+              <a:t>		Piotr Momat 	       B00156112</a:t>
+            </a:r>
+          </a:p>
+          <a:p>
+            <a:pPr algn="ctr"/>
+            <a:endParaRPr lang="en-GB" dirty="0"/>
+          </a:p>
+          <a:p>
+            <a:pPr algn="ctr"/>
             <a:endParaRPr lang="en-IE" dirty="0"/>
           </a:p>
         </p:txBody>
@@ -12447,6 +12488,204 @@
 </file>
 
 <file path=ppt/slides/slide10.xml><?xml version="1.0" encoding="utf-8"?>
+<p:sld xmlns:a="http://schemas.openxmlformats.org/drawingml/2006/main" xmlns:r="http://schemas.openxmlformats.org/officeDocument/2006/relationships" xmlns:p="http://schemas.openxmlformats.org/presentationml/2006/main">
+  <p:cSld>
+    <p:spTree>
+      <p:nvGrpSpPr>
+        <p:cNvPr id="1" name=""/>
+        <p:cNvGrpSpPr/>
+        <p:nvPr/>
+      </p:nvGrpSpPr>
+      <p:grpSpPr>
+        <a:xfrm>
+          <a:off x="0" y="0"/>
+          <a:ext cx="0" cy="0"/>
+          <a:chOff x="0" y="0"/>
+          <a:chExt cx="0" cy="0"/>
+        </a:xfrm>
+      </p:grpSpPr>
+      <p:sp>
+        <p:nvSpPr>
+          <p:cNvPr id="2" name="Title 1">
+            <a:extLst>
+              <a:ext uri="{FF2B5EF4-FFF2-40B4-BE49-F238E27FC236}">
+                <a16:creationId xmlns:a16="http://schemas.microsoft.com/office/drawing/2014/main" id="{75958C27-AEAD-28B8-6C38-2699A6354868}"/>
+              </a:ext>
+            </a:extLst>
+          </p:cNvPr>
+          <p:cNvSpPr>
+            <a:spLocks noGrp="1"/>
+          </p:cNvSpPr>
+          <p:nvPr>
+            <p:ph type="title"/>
+          </p:nvPr>
+        </p:nvSpPr>
+        <p:spPr/>
+        <p:txBody>
+          <a:bodyPr/>
+          <a:lstStyle/>
+          <a:p>
+            <a:r>
+              <a:rPr lang="en-GB" dirty="0">
+                <a:solidFill>
+                  <a:schemeClr val="bg1"/>
+                </a:solidFill>
+              </a:rPr>
+              <a:t>Results and Analysis</a:t>
+            </a:r>
+            <a:endParaRPr lang="en-IE" dirty="0">
+              <a:solidFill>
+                <a:schemeClr val="bg1"/>
+              </a:solidFill>
+            </a:endParaRPr>
+          </a:p>
+        </p:txBody>
+      </p:sp>
+      <p:pic>
+        <p:nvPicPr>
+          <p:cNvPr id="5" name="Content Placeholder 4">
+            <a:extLst>
+              <a:ext uri="{FF2B5EF4-FFF2-40B4-BE49-F238E27FC236}">
+                <a16:creationId xmlns:a16="http://schemas.microsoft.com/office/drawing/2014/main" id="{E334DCB2-F73E-4065-EDE9-8ABE300A9C11}"/>
+              </a:ext>
+            </a:extLst>
+          </p:cNvPr>
+          <p:cNvPicPr>
+            <a:picLocks noGrp="1" noChangeAspect="1"/>
+          </p:cNvPicPr>
+          <p:nvPr>
+            <p:ph idx="1"/>
+          </p:nvPr>
+        </p:nvPicPr>
+        <p:blipFill>
+          <a:blip r:embed="rId2"/>
+          <a:stretch>
+            <a:fillRect/>
+          </a:stretch>
+        </p:blipFill>
+        <p:spPr>
+          <a:xfrm>
+            <a:off x="1141413" y="2133600"/>
+            <a:ext cx="6783592" cy="1823258"/>
+          </a:xfrm>
+        </p:spPr>
+      </p:pic>
+      <p:pic>
+        <p:nvPicPr>
+          <p:cNvPr id="7" name="Picture 6">
+            <a:extLst>
+              <a:ext uri="{FF2B5EF4-FFF2-40B4-BE49-F238E27FC236}">
+                <a16:creationId xmlns:a16="http://schemas.microsoft.com/office/drawing/2014/main" id="{6A746032-BDCF-05CE-B2E5-069A074FCBC7}"/>
+              </a:ext>
+            </a:extLst>
+          </p:cNvPr>
+          <p:cNvPicPr>
+            <a:picLocks noChangeAspect="1"/>
+          </p:cNvPicPr>
+          <p:nvPr/>
+        </p:nvPicPr>
+        <p:blipFill>
+          <a:blip r:embed="rId3"/>
+          <a:stretch>
+            <a:fillRect/>
+          </a:stretch>
+        </p:blipFill>
+        <p:spPr>
+          <a:xfrm>
+            <a:off x="5057775" y="3993370"/>
+            <a:ext cx="6996558" cy="2453150"/>
+          </a:xfrm>
+          <a:prstGeom prst="rect">
+            <a:avLst/>
+          </a:prstGeom>
+        </p:spPr>
+      </p:pic>
+      <p:sp>
+        <p:nvSpPr>
+          <p:cNvPr id="9" name="TextBox 8">
+            <a:extLst>
+              <a:ext uri="{FF2B5EF4-FFF2-40B4-BE49-F238E27FC236}">
+                <a16:creationId xmlns:a16="http://schemas.microsoft.com/office/drawing/2014/main" id="{C185EAF9-FD17-69BE-A8E1-F77037846927}"/>
+              </a:ext>
+            </a:extLst>
+          </p:cNvPr>
+          <p:cNvSpPr txBox="1"/>
+          <p:nvPr/>
+        </p:nvSpPr>
+        <p:spPr>
+          <a:xfrm>
+            <a:off x="1043709" y="4230255"/>
+            <a:ext cx="3833091" cy="1477328"/>
+          </a:xfrm>
+          <a:prstGeom prst="rect">
+            <a:avLst/>
+          </a:prstGeom>
+          <a:noFill/>
+        </p:spPr>
+        <p:txBody>
+          <a:bodyPr wrap="square" rtlCol="0">
+            <a:spAutoFit/>
+          </a:bodyPr>
+          <a:lstStyle/>
+          <a:p>
+            <a:pPr marL="285750" indent="-285750">
+              <a:buFont typeface="Arial" panose="020B0604020202020204" pitchFamily="34" charset="0"/>
+              <a:buChar char="•"/>
+            </a:pPr>
+            <a:r>
+              <a:rPr lang="en-GB" dirty="0"/>
+              <a:t>Wait() is SW tag</a:t>
+            </a:r>
+          </a:p>
+          <a:p>
+            <a:pPr marL="285750" indent="-285750">
+              <a:buFont typeface="Arial" panose="020B0604020202020204" pitchFamily="34" charset="0"/>
+              <a:buChar char="•"/>
+            </a:pPr>
+            <a:r>
+              <a:rPr lang="en-GB" dirty="0"/>
+              <a:t>Lock() is ML tag</a:t>
+            </a:r>
+          </a:p>
+          <a:p>
+            <a:pPr marL="285750" indent="-285750">
+              <a:buFont typeface="Arial" panose="020B0604020202020204" pitchFamily="34" charset="0"/>
+              <a:buChar char="•"/>
+            </a:pPr>
+            <a:r>
+              <a:rPr lang="en-GB" dirty="0"/>
+              <a:t>Unlock() is MU tag</a:t>
+            </a:r>
+          </a:p>
+          <a:p>
+            <a:pPr marL="285750" indent="-285750">
+              <a:buFont typeface="Arial" panose="020B0604020202020204" pitchFamily="34" charset="0"/>
+              <a:buChar char="•"/>
+            </a:pPr>
+            <a:r>
+              <a:rPr lang="en-GB" dirty="0"/>
+              <a:t>Signal() is releasing chair</a:t>
+            </a:r>
+          </a:p>
+          <a:p>
+            <a:endParaRPr lang="en-IE" dirty="0"/>
+          </a:p>
+        </p:txBody>
+      </p:sp>
+    </p:spTree>
+    <p:extLst>
+      <p:ext uri="{BB962C8B-B14F-4D97-AF65-F5344CB8AC3E}">
+        <p14:creationId xmlns:p14="http://schemas.microsoft.com/office/powerpoint/2010/main" val="3408443899"/>
+      </p:ext>
+    </p:extLst>
+  </p:cSld>
+  <p:clrMapOvr>
+    <a:masterClrMapping/>
+  </p:clrMapOvr>
+</p:sld>
+</file>
+
+<file path=ppt/slides/slide11.xml><?xml version="1.0" encoding="utf-8"?>
 <p:sld xmlns:a="http://schemas.openxmlformats.org/drawingml/2006/main" xmlns:r="http://schemas.openxmlformats.org/officeDocument/2006/relationships" xmlns:p="http://schemas.openxmlformats.org/presentationml/2006/main">
   <p:cSld>
     <p:spTree>
@@ -12662,7 +12901,7 @@
 </p:sld>
 </file>
 
-<file path=ppt/slides/slide11.xml><?xml version="1.0" encoding="utf-8"?>
+<file path=ppt/slides/slide12.xml><?xml version="1.0" encoding="utf-8"?>
 <p:sld xmlns:a="http://schemas.openxmlformats.org/drawingml/2006/main" xmlns:r="http://schemas.openxmlformats.org/officeDocument/2006/relationships" xmlns:p="http://schemas.openxmlformats.org/presentationml/2006/main">
   <p:cSld>
     <p:spTree>
@@ -12766,7 +13005,7 @@
 </p:sld>
 </file>
 
-<file path=ppt/slides/slide12.xml><?xml version="1.0" encoding="utf-8"?>
+<file path=ppt/slides/slide13.xml><?xml version="1.0" encoding="utf-8"?>
 <p:sld xmlns:a="http://schemas.openxmlformats.org/drawingml/2006/main" xmlns:r="http://schemas.openxmlformats.org/officeDocument/2006/relationships" xmlns:p="http://schemas.openxmlformats.org/presentationml/2006/main">
   <p:cSld>
     <p:spTree>
@@ -13159,8 +13398,8 @@
         </p:nvSpPr>
         <p:spPr>
           <a:xfrm>
-            <a:off x="1141413" y="618518"/>
-            <a:ext cx="4459286" cy="1478570"/>
+            <a:off x="1622427" y="175755"/>
+            <a:ext cx="4459286" cy="626390"/>
           </a:xfrm>
         </p:spPr>
         <p:txBody>
@@ -13170,10 +13409,18 @@
           <a:lstStyle/>
           <a:p>
             <a:r>
-              <a:rPr lang="en-GB" sz="3200"/>
+              <a:rPr lang="en-GB" sz="3200" dirty="0">
+                <a:solidFill>
+                  <a:schemeClr val="bg1"/>
+                </a:solidFill>
+              </a:rPr>
               <a:t>Introduction</a:t>
             </a:r>
-            <a:endParaRPr lang="en-IE" sz="3200"/>
+            <a:endParaRPr lang="en-IE" sz="3200" dirty="0">
+              <a:solidFill>
+                <a:schemeClr val="bg1"/>
+              </a:solidFill>
+            </a:endParaRPr>
           </a:p>
         </p:txBody>
       </p:sp>
@@ -13195,8 +13442,8 @@
         </p:nvSpPr>
         <p:spPr>
           <a:xfrm>
-            <a:off x="706508" y="1801813"/>
-            <a:ext cx="5133903" cy="4410075"/>
+            <a:off x="1143040" y="4614070"/>
+            <a:ext cx="5479768" cy="2027236"/>
           </a:xfrm>
         </p:spPr>
         <p:txBody>
@@ -13228,31 +13475,6 @@
               <a:t>The Dining Philosophers Problem with Four Chairs</a:t>
             </a:r>
           </a:p>
-          <a:p>
-            <a:r>
-              <a:rPr lang="en-GB" sz="2000" dirty="0" err="1"/>
-              <a:t>Makefile</a:t>
-            </a:r>
-            <a:endParaRPr lang="en-GB" sz="2000" dirty="0"/>
-          </a:p>
-          <a:p>
-            <a:r>
-              <a:rPr lang="en-GB" sz="2000" dirty="0"/>
-              <a:t>Results and Analysis </a:t>
-            </a:r>
-          </a:p>
-          <a:p>
-            <a:r>
-              <a:rPr lang="en-GB" sz="2000" dirty="0"/>
-              <a:t>Conclusion</a:t>
-            </a:r>
-          </a:p>
-          <a:p>
-            <a:pPr marL="0" indent="0">
-              <a:buNone/>
-            </a:pPr>
-            <a:endParaRPr lang="en-GB" sz="2000" dirty="0"/>
-          </a:p>
         </p:txBody>
       </p:sp>
       <p:pic>
@@ -13277,8 +13499,8 @@
         </p:blipFill>
         <p:spPr>
           <a:xfrm>
-            <a:off x="5340020" y="1989773"/>
-            <a:ext cx="6704342" cy="3358713"/>
+            <a:off x="946150" y="923967"/>
+            <a:ext cx="9891714" cy="3499823"/>
           </a:xfrm>
           <a:prstGeom prst="round2DiagRect">
             <a:avLst>
@@ -15919,6 +16141,146 @@
           </p:txBody>
         </p:sp>
       </p:grpSp>
+      <p:sp>
+        <p:nvSpPr>
+          <p:cNvPr id="6" name="TextBox 5">
+            <a:extLst>
+              <a:ext uri="{FF2B5EF4-FFF2-40B4-BE49-F238E27FC236}">
+                <a16:creationId xmlns:a16="http://schemas.microsoft.com/office/drawing/2014/main" id="{0071CE8B-7C00-2054-233D-246C1294D9EE}"/>
+              </a:ext>
+            </a:extLst>
+          </p:cNvPr>
+          <p:cNvSpPr txBox="1"/>
+          <p:nvPr/>
+        </p:nvSpPr>
+        <p:spPr>
+          <a:xfrm>
+            <a:off x="7508673" y="4614070"/>
+            <a:ext cx="2687512" cy="1733808"/>
+          </a:xfrm>
+          <a:prstGeom prst="rect">
+            <a:avLst/>
+          </a:prstGeom>
+          <a:noFill/>
+        </p:spPr>
+        <p:txBody>
+          <a:bodyPr wrap="square" rtlCol="0">
+            <a:spAutoFit/>
+          </a:bodyPr>
+          <a:lstStyle/>
+          <a:p>
+            <a:pPr marL="228600" marR="0" lvl="0" indent="-228600" algn="l" defTabSz="914400" rtl="0" eaLnBrk="1" fontAlgn="auto" latinLnBrk="0" hangingPunct="1">
+              <a:lnSpc>
+                <a:spcPct val="120000"/>
+              </a:lnSpc>
+              <a:spcBef>
+                <a:spcPts val="1000"/>
+              </a:spcBef>
+              <a:spcAft>
+                <a:spcPts val="0"/>
+              </a:spcAft>
+              <a:buClrTx/>
+              <a:buSzPct val="125000"/>
+              <a:buFont typeface="Arial" panose="020B0604020202020204" pitchFamily="34" charset="0"/>
+              <a:buChar char="•"/>
+              <a:tabLst/>
+              <a:defRPr/>
+            </a:pPr>
+            <a:r>
+              <a:rPr kumimoji="0" lang="en-GB" sz="2000" b="0" i="0" u="none" strike="noStrike" kern="1200" cap="none" spc="0" normalizeH="0" baseline="0" noProof="0" dirty="0">
+                <a:ln>
+                  <a:noFill/>
+                </a:ln>
+                <a:solidFill>
+                  <a:prstClr val="white"/>
+                </a:solidFill>
+                <a:effectLst/>
+                <a:uLnTx/>
+                <a:uFillTx/>
+                <a:latin typeface="Tw Cen MT" panose="020B0602020104020603"/>
+                <a:ea typeface="+mn-ea"/>
+                <a:cs typeface="+mn-cs"/>
+              </a:rPr>
+              <a:t>Makefile</a:t>
+            </a:r>
+          </a:p>
+          <a:p>
+            <a:pPr marL="228600" marR="0" lvl="0" indent="-228600" algn="l" defTabSz="914400" rtl="0" eaLnBrk="1" fontAlgn="auto" latinLnBrk="0" hangingPunct="1">
+              <a:lnSpc>
+                <a:spcPct val="120000"/>
+              </a:lnSpc>
+              <a:spcBef>
+                <a:spcPts val="1000"/>
+              </a:spcBef>
+              <a:spcAft>
+                <a:spcPts val="0"/>
+              </a:spcAft>
+              <a:buClrTx/>
+              <a:buSzPct val="125000"/>
+              <a:buFont typeface="Arial" panose="020B0604020202020204" pitchFamily="34" charset="0"/>
+              <a:buChar char="•"/>
+              <a:tabLst/>
+              <a:defRPr/>
+            </a:pPr>
+            <a:r>
+              <a:rPr kumimoji="0" lang="en-GB" sz="2000" b="0" i="0" u="none" strike="noStrike" kern="1200" cap="none" spc="0" normalizeH="0" baseline="0" noProof="0" dirty="0">
+                <a:ln>
+                  <a:noFill/>
+                </a:ln>
+                <a:solidFill>
+                  <a:prstClr val="white"/>
+                </a:solidFill>
+                <a:effectLst/>
+                <a:uLnTx/>
+                <a:uFillTx/>
+                <a:latin typeface="Tw Cen MT" panose="020B0602020104020603"/>
+                <a:ea typeface="+mn-ea"/>
+                <a:cs typeface="+mn-cs"/>
+              </a:rPr>
+              <a:t>Results and Analysis </a:t>
+            </a:r>
+          </a:p>
+          <a:p>
+            <a:pPr marL="228600" marR="0" lvl="0" indent="-228600" algn="l" defTabSz="914400" rtl="0" eaLnBrk="1" fontAlgn="auto" latinLnBrk="0" hangingPunct="1">
+              <a:lnSpc>
+                <a:spcPct val="120000"/>
+              </a:lnSpc>
+              <a:spcBef>
+                <a:spcPts val="1000"/>
+              </a:spcBef>
+              <a:spcAft>
+                <a:spcPts val="0"/>
+              </a:spcAft>
+              <a:buClrTx/>
+              <a:buSzPct val="125000"/>
+              <a:buFont typeface="Arial" panose="020B0604020202020204" pitchFamily="34" charset="0"/>
+              <a:buChar char="•"/>
+              <a:tabLst/>
+              <a:defRPr/>
+            </a:pPr>
+            <a:r>
+              <a:rPr kumimoji="0" lang="en-GB" sz="2000" b="0" i="0" u="none" strike="noStrike" kern="1200" cap="none" spc="0" normalizeH="0" baseline="0" noProof="0" dirty="0">
+                <a:ln>
+                  <a:noFill/>
+                </a:ln>
+                <a:solidFill>
+                  <a:prstClr val="white"/>
+                </a:solidFill>
+                <a:effectLst/>
+                <a:uLnTx/>
+                <a:uFillTx/>
+                <a:latin typeface="Tw Cen MT" panose="020B0602020104020603"/>
+                <a:ea typeface="+mn-ea"/>
+                <a:cs typeface="+mn-cs"/>
+              </a:rPr>
+              <a:t>Conclusion</a:t>
+            </a:r>
+          </a:p>
+          <a:p>
+            <a:endParaRPr lang="en-US" dirty="0"/>
+          </a:p>
+        </p:txBody>
+      </p:sp>
     </p:spTree>
     <p:extLst>
       <p:ext uri="{BB962C8B-B14F-4D97-AF65-F5344CB8AC3E}">
@@ -24916,9 +25278,16 @@
             <p:ph type="title"/>
           </p:nvPr>
         </p:nvSpPr>
-        <p:spPr/>
+        <p:spPr>
+          <a:xfrm>
+            <a:off x="983848" y="618518"/>
+            <a:ext cx="10063563" cy="573674"/>
+          </a:xfrm>
+        </p:spPr>
         <p:txBody>
-          <a:bodyPr/>
+          <a:bodyPr>
+            <a:normAutofit fontScale="90000"/>
+          </a:bodyPr>
           <a:lstStyle/>
           <a:p>
             <a:r>
@@ -24956,7 +25325,7 @@
         <p:spPr>
           <a:xfrm>
             <a:off x="983848" y="1983269"/>
-            <a:ext cx="10538125" cy="3541714"/>
+            <a:ext cx="10538125" cy="3387384"/>
           </a:xfrm>
         </p:spPr>
         <p:txBody>
@@ -24974,7 +25343,7 @@
                   <a:schemeClr val="bg1"/>
                 </a:solidFill>
               </a:rPr>
-              <a:t>HAS only three files to compile:</a:t>
+              <a:t>For out case we need only three files to compile:</a:t>
             </a:r>
             <a:endParaRPr lang="en-US" sz="2400" cap="all" dirty="0">
               <a:solidFill>
@@ -25218,6 +25587,143 @@
           </a:p>
         </p:txBody>
       </p:sp>
+      <p:sp>
+        <p:nvSpPr>
+          <p:cNvPr id="4" name="TextBox 3">
+            <a:extLst>
+              <a:ext uri="{FF2B5EF4-FFF2-40B4-BE49-F238E27FC236}">
+                <a16:creationId xmlns:a16="http://schemas.microsoft.com/office/drawing/2014/main" id="{ADE946F4-1C91-F018-3EE0-B9C8F40550E0}"/>
+              </a:ext>
+            </a:extLst>
+          </p:cNvPr>
+          <p:cNvSpPr txBox="1"/>
+          <p:nvPr/>
+        </p:nvSpPr>
+        <p:spPr>
+          <a:xfrm>
+            <a:off x="1400537" y="5879939"/>
+            <a:ext cx="9646874" cy="646331"/>
+          </a:xfrm>
+          <a:prstGeom prst="rect">
+            <a:avLst/>
+          </a:prstGeom>
+          <a:noFill/>
+        </p:spPr>
+        <p:txBody>
+          <a:bodyPr wrap="square" rtlCol="0">
+            <a:spAutoFit/>
+          </a:bodyPr>
+          <a:lstStyle/>
+          <a:p>
+            <a:r>
+              <a:rPr lang="en-US" dirty="0"/>
+              <a:t>Code snippets were taken from: </a:t>
+            </a:r>
+            <a:r>
+              <a:rPr lang="en-US" dirty="0">
+                <a:solidFill>
+                  <a:srgbClr val="FF0000"/>
+                </a:solidFill>
+              </a:rPr>
+              <a:t>https://</a:t>
+            </a:r>
+            <a:r>
+              <a:rPr lang="en-US" dirty="0" err="1">
+                <a:solidFill>
+                  <a:srgbClr val="FF0000"/>
+                </a:solidFill>
+              </a:rPr>
+              <a:t>pages.mtu.edu</a:t>
+            </a:r>
+            <a:r>
+              <a:rPr lang="en-US" dirty="0">
+                <a:solidFill>
+                  <a:srgbClr val="FF0000"/>
+                </a:solidFill>
+              </a:rPr>
+              <a:t>/~</a:t>
+            </a:r>
+            <a:r>
+              <a:rPr lang="en-US" dirty="0" err="1">
+                <a:solidFill>
+                  <a:srgbClr val="FF0000"/>
+                </a:solidFill>
+              </a:rPr>
+              <a:t>shene</a:t>
+            </a:r>
+            <a:r>
+              <a:rPr lang="en-US" dirty="0">
+                <a:solidFill>
+                  <a:srgbClr val="FF0000"/>
+                </a:solidFill>
+              </a:rPr>
+              <a:t>/NSF-3/e-Book/SEMA/TM-example-philos-4chairs.html</a:t>
+            </a:r>
+          </a:p>
+        </p:txBody>
+      </p:sp>
+      <p:sp>
+        <p:nvSpPr>
+          <p:cNvPr id="5" name="TextBox 4">
+            <a:extLst>
+              <a:ext uri="{FF2B5EF4-FFF2-40B4-BE49-F238E27FC236}">
+                <a16:creationId xmlns:a16="http://schemas.microsoft.com/office/drawing/2014/main" id="{019C868E-F6E5-EF29-4DD4-ECE872316D69}"/>
+              </a:ext>
+            </a:extLst>
+          </p:cNvPr>
+          <p:cNvSpPr txBox="1"/>
+          <p:nvPr/>
+        </p:nvSpPr>
+        <p:spPr>
+          <a:xfrm>
+            <a:off x="1073239" y="1192192"/>
+            <a:ext cx="10359341" cy="646331"/>
+          </a:xfrm>
+          <a:prstGeom prst="rect">
+            <a:avLst/>
+          </a:prstGeom>
+          <a:noFill/>
+        </p:spPr>
+        <p:txBody>
+          <a:bodyPr wrap="square" rtlCol="0">
+            <a:spAutoFit/>
+          </a:bodyPr>
+          <a:lstStyle/>
+          <a:p>
+            <a:r>
+              <a:rPr lang="en-IE" b="0" i="0" u="none" strike="noStrike" dirty="0">
+                <a:solidFill>
+                  <a:srgbClr val="ECECEC"/>
+                </a:solidFill>
+                <a:effectLst/>
+                <a:latin typeface="Söhne"/>
+              </a:rPr>
+              <a:t>This </a:t>
+            </a:r>
+            <a:r>
+              <a:rPr lang="en-IE" b="0" i="0" u="none" strike="noStrike" dirty="0" err="1">
+                <a:solidFill>
+                  <a:srgbClr val="ECECEC"/>
+                </a:solidFill>
+                <a:effectLst/>
+                <a:latin typeface="Söhne"/>
+              </a:rPr>
+              <a:t>Makefile</a:t>
+            </a:r>
+            <a:r>
+              <a:rPr lang="en-IE" b="0" i="0" u="none" strike="noStrike" dirty="0">
+                <a:solidFill>
+                  <a:srgbClr val="ECECEC"/>
+                </a:solidFill>
+                <a:effectLst/>
+                <a:latin typeface="Söhne"/>
+              </a:rPr>
+              <a:t> is designed for compiling C++ programs. It specifies the compiler command(CMD), allows for passing a CMD value, and defines the paths to the source files and libraries used in the compilation process.</a:t>
+            </a:r>
+            <a:endParaRPr lang="en-US" dirty="0"/>
+          </a:p>
+        </p:txBody>
+      </p:sp>
     </p:spTree>
     <p:extLst>
       <p:ext uri="{BB962C8B-B14F-4D97-AF65-F5344CB8AC3E}">
@@ -25253,7 +25759,7 @@
           <p:cNvPr id="2" name="Title 1">
             <a:extLst>
               <a:ext uri="{FF2B5EF4-FFF2-40B4-BE49-F238E27FC236}">
-                <a16:creationId xmlns:a16="http://schemas.microsoft.com/office/drawing/2014/main" id="{75958C27-AEAD-28B8-6C38-2699A6354868}"/>
+                <a16:creationId xmlns:a16="http://schemas.microsoft.com/office/drawing/2014/main" id="{7B98C2F0-4798-FBFD-6F0F-EE0914E2AB57}"/>
               </a:ext>
             </a:extLst>
           </p:cNvPr>
@@ -25264,7 +25770,12 @@
             <p:ph type="title"/>
           </p:nvPr>
         </p:nvSpPr>
-        <p:spPr/>
+        <p:spPr>
+          <a:xfrm>
+            <a:off x="1141413" y="387024"/>
+            <a:ext cx="9905998" cy="916368"/>
+          </a:xfrm>
+        </p:spPr>
         <p:txBody>
           <a:bodyPr/>
           <a:lstStyle/>
@@ -25275,7 +25786,7 @@
                   <a:schemeClr val="bg1"/>
                 </a:solidFill>
               </a:rPr>
-              <a:t>Results and Analysis</a:t>
+              <a:t>FILEs after compilation</a:t>
             </a:r>
             <a:endParaRPr lang="en-IE" dirty="0">
               <a:solidFill>
@@ -25287,19 +25798,17 @@
       </p:sp>
       <p:pic>
         <p:nvPicPr>
-          <p:cNvPr id="5" name="Content Placeholder 4">
+          <p:cNvPr id="7" name="Picture 6" descr="A group of icons with text&#10;&#10;Description automatically generated">
             <a:extLst>
               <a:ext uri="{FF2B5EF4-FFF2-40B4-BE49-F238E27FC236}">
-                <a16:creationId xmlns:a16="http://schemas.microsoft.com/office/drawing/2014/main" id="{E334DCB2-F73E-4065-EDE9-8ABE300A9C11}"/>
+                <a16:creationId xmlns:a16="http://schemas.microsoft.com/office/drawing/2014/main" id="{665889E4-31A3-CFA1-8A30-757C920BF566}"/>
               </a:ext>
             </a:extLst>
           </p:cNvPr>
           <p:cNvPicPr>
-            <a:picLocks noGrp="1" noChangeAspect="1"/>
+            <a:picLocks noChangeAspect="1"/>
           </p:cNvPicPr>
-          <p:nvPr>
-            <p:ph idx="1"/>
-          </p:nvPr>
+          <p:nvPr/>
         </p:nvPicPr>
         <p:blipFill>
           <a:blip r:embed="rId2"/>
@@ -25309,35 +25818,8 @@
         </p:blipFill>
         <p:spPr>
           <a:xfrm>
-            <a:off x="1141413" y="2133600"/>
-            <a:ext cx="6783592" cy="1823258"/>
-          </a:xfrm>
-        </p:spPr>
-      </p:pic>
-      <p:pic>
-        <p:nvPicPr>
-          <p:cNvPr id="7" name="Picture 6">
-            <a:extLst>
-              <a:ext uri="{FF2B5EF4-FFF2-40B4-BE49-F238E27FC236}">
-                <a16:creationId xmlns:a16="http://schemas.microsoft.com/office/drawing/2014/main" id="{6A746032-BDCF-05CE-B2E5-069A074FCBC7}"/>
-              </a:ext>
-            </a:extLst>
-          </p:cNvPr>
-          <p:cNvPicPr>
-            <a:picLocks noChangeAspect="1"/>
-          </p:cNvPicPr>
-          <p:nvPr/>
-        </p:nvPicPr>
-        <p:blipFill>
-          <a:blip r:embed="rId3"/>
-          <a:stretch>
-            <a:fillRect/>
-          </a:stretch>
-        </p:blipFill>
-        <p:spPr>
-          <a:xfrm>
-            <a:off x="5057775" y="3993370"/>
-            <a:ext cx="6996558" cy="2453150"/>
+            <a:off x="1141413" y="2051164"/>
+            <a:ext cx="9905998" cy="4228460"/>
           </a:xfrm>
           <a:prstGeom prst="rect">
             <a:avLst/>
@@ -25346,10 +25828,10 @@
       </p:pic>
       <p:sp>
         <p:nvSpPr>
-          <p:cNvPr id="9" name="TextBox 8">
+          <p:cNvPr id="3" name="TextBox 2">
             <a:extLst>
               <a:ext uri="{FF2B5EF4-FFF2-40B4-BE49-F238E27FC236}">
-                <a16:creationId xmlns:a16="http://schemas.microsoft.com/office/drawing/2014/main" id="{C185EAF9-FD17-69BE-A8E1-F77037846927}"/>
+                <a16:creationId xmlns:a16="http://schemas.microsoft.com/office/drawing/2014/main" id="{3B5AF558-87D9-D45E-1B11-39E19DD2B549}"/>
               </a:ext>
             </a:extLst>
           </p:cNvPr>
@@ -25358,8 +25840,8 @@
         </p:nvSpPr>
         <p:spPr>
           <a:xfrm>
-            <a:off x="1043709" y="4230255"/>
-            <a:ext cx="3833091" cy="1477328"/>
+            <a:off x="1435260" y="1192192"/>
+            <a:ext cx="9398643" cy="646331"/>
           </a:xfrm>
           <a:prstGeom prst="rect">
             <a:avLst/>
@@ -25372,54 +25854,25 @@
           </a:bodyPr>
           <a:lstStyle/>
           <a:p>
-            <a:pPr marL="285750" indent="-285750">
-              <a:buFont typeface="Arial" panose="020B0604020202020204" pitchFamily="34" charset="0"/>
-              <a:buChar char="•"/>
-            </a:pPr>
             <a:r>
-              <a:rPr lang="en-GB" dirty="0"/>
-              <a:t>Wait() is SW tag</a:t>
+              <a:rPr lang="en-US" dirty="0"/>
+              <a:t>We can remove </a:t>
             </a:r>
-          </a:p>
-          <a:p>
-            <a:pPr marL="285750" indent="-285750">
-              <a:buFont typeface="Arial" panose="020B0604020202020204" pitchFamily="34" charset="0"/>
-              <a:buChar char="•"/>
-            </a:pPr>
             <a:r>
-              <a:rPr lang="en-GB" dirty="0"/>
-              <a:t>Lock() is ML tag</a:t>
+              <a:rPr lang="en-US" dirty="0" err="1"/>
+              <a:t>Makefile</a:t>
             </a:r>
-          </a:p>
-          <a:p>
-            <a:pPr marL="285750" indent="-285750">
-              <a:buFont typeface="Arial" panose="020B0604020202020204" pitchFamily="34" charset="0"/>
-              <a:buChar char="•"/>
-            </a:pPr>
             <a:r>
-              <a:rPr lang="en-GB" dirty="0"/>
-              <a:t>Unlock() is MU tag</a:t>
+              <a:rPr lang="en-US" dirty="0"/>
+              <a:t> after we compile the program. We also get three classes being generated once we compile our solution.</a:t>
             </a:r>
-          </a:p>
-          <a:p>
-            <a:pPr marL="285750" indent="-285750">
-              <a:buFont typeface="Arial" panose="020B0604020202020204" pitchFamily="34" charset="0"/>
-              <a:buChar char="•"/>
-            </a:pPr>
-            <a:r>
-              <a:rPr lang="en-GB" dirty="0"/>
-              <a:t>Signal() is releasing chair</a:t>
-            </a:r>
-          </a:p>
-          <a:p>
-            <a:endParaRPr lang="en-IE" dirty="0"/>
           </a:p>
         </p:txBody>
       </p:sp>
     </p:spTree>
     <p:extLst>
       <p:ext uri="{BB962C8B-B14F-4D97-AF65-F5344CB8AC3E}">
-        <p14:creationId xmlns:p14="http://schemas.microsoft.com/office/powerpoint/2010/main" val="3408443899"/>
+        <p14:creationId xmlns:p14="http://schemas.microsoft.com/office/powerpoint/2010/main" val="3032352033"/>
       </p:ext>
     </p:extLst>
   </p:cSld>

--- a/final_Presentation.pptx
+++ b/final_Presentation.pptx
@@ -24994,7 +24994,12 @@
             <p:ph type="title"/>
           </p:nvPr>
         </p:nvSpPr>
-        <p:spPr/>
+        <p:spPr>
+          <a:xfrm>
+            <a:off x="1141412" y="1066799"/>
+            <a:ext cx="9905998" cy="859553"/>
+          </a:xfrm>
+        </p:spPr>
         <p:txBody>
           <a:bodyPr/>
           <a:lstStyle/>
@@ -25005,23 +25010,7 @@
                   <a:schemeClr val="bg1"/>
                 </a:solidFill>
               </a:rPr>
-              <a:t>Tags used in </a:t>
-            </a:r>
-            <a:r>
-              <a:rPr lang="en-GB" dirty="0" err="1">
-                <a:solidFill>
-                  <a:schemeClr val="bg1"/>
-                </a:solidFill>
-              </a:rPr>
-              <a:t>ThreadMentor</a:t>
-            </a:r>
-            <a:r>
-              <a:rPr lang="en-GB" dirty="0">
-                <a:solidFill>
-                  <a:schemeClr val="bg1"/>
-                </a:solidFill>
-              </a:rPr>
-              <a:t> when run</a:t>
+              <a:t>Tags used in our solution int threadmentor</a:t>
             </a:r>
             <a:endParaRPr lang="en-IE" dirty="0">
               <a:solidFill>

--- a/final_Presentation.pptx
+++ b/final_Presentation.pptx
@@ -14,10 +14,11 @@
     <p:sldId id="267" r:id="rId8"/>
     <p:sldId id="264" r:id="rId9"/>
     <p:sldId id="269" r:id="rId10"/>
-    <p:sldId id="261" r:id="rId11"/>
-    <p:sldId id="262" r:id="rId12"/>
-    <p:sldId id="268" r:id="rId13"/>
-    <p:sldId id="265" r:id="rId14"/>
+    <p:sldId id="270" r:id="rId11"/>
+    <p:sldId id="261" r:id="rId12"/>
+    <p:sldId id="262" r:id="rId13"/>
+    <p:sldId id="268" r:id="rId14"/>
+    <p:sldId id="265" r:id="rId15"/>
   </p:sldIdLst>
   <p:sldSz cx="12192000" cy="6858000"/>
   <p:notesSz cx="6858000" cy="9144000"/>
@@ -12506,6 +12507,142 @@
       </p:grpSpPr>
       <p:sp>
         <p:nvSpPr>
+          <p:cNvPr id="3" name="Title 1">
+            <a:extLst>
+              <a:ext uri="{FF2B5EF4-FFF2-40B4-BE49-F238E27FC236}">
+                <a16:creationId xmlns:a16="http://schemas.microsoft.com/office/drawing/2014/main" id="{7938F63C-4BC4-58BC-EAE9-0371EC01A39C}"/>
+              </a:ext>
+            </a:extLst>
+          </p:cNvPr>
+          <p:cNvSpPr txBox="1">
+            <a:spLocks/>
+          </p:cNvSpPr>
+          <p:nvPr/>
+        </p:nvSpPr>
+        <p:spPr>
+          <a:xfrm>
+            <a:off x="1446213" y="619761"/>
+            <a:ext cx="9905998" cy="803882"/>
+          </a:xfrm>
+          <a:prstGeom prst="rect">
+            <a:avLst/>
+          </a:prstGeom>
+        </p:spPr>
+        <p:txBody>
+          <a:bodyPr vert="horz" lIns="91440" tIns="45720" rIns="91440" bIns="45720" rtlCol="0" anchor="ctr">
+            <a:normAutofit/>
+          </a:bodyPr>
+          <a:lstStyle>
+            <a:lvl1pPr algn="l" defTabSz="914400" rtl="0" eaLnBrk="1" latinLnBrk="0" hangingPunct="1">
+              <a:lnSpc>
+                <a:spcPct val="90000"/>
+              </a:lnSpc>
+              <a:spcBef>
+                <a:spcPct val="0"/>
+              </a:spcBef>
+              <a:buNone/>
+              <a:defRPr sz="3600" kern="1200" cap="all" baseline="0">
+                <a:solidFill>
+                  <a:schemeClr val="tx1"/>
+                </a:solidFill>
+                <a:latin typeface="+mj-lt"/>
+                <a:ea typeface="+mj-ea"/>
+                <a:cs typeface="+mj-cs"/>
+              </a:defRPr>
+            </a:lvl1pPr>
+          </a:lstStyle>
+          <a:p>
+            <a:r>
+              <a:rPr lang="en-GB" dirty="0">
+                <a:solidFill>
+                  <a:schemeClr val="bg1"/>
+                </a:solidFill>
+              </a:rPr>
+              <a:t>Results and Analysis:</a:t>
+            </a:r>
+            <a:endParaRPr lang="en-IE" dirty="0">
+              <a:solidFill>
+                <a:schemeClr val="bg1"/>
+              </a:solidFill>
+            </a:endParaRPr>
+          </a:p>
+        </p:txBody>
+      </p:sp>
+      <p:sp>
+        <p:nvSpPr>
+          <p:cNvPr id="12" name="TextBox 11">
+            <a:extLst>
+              <a:ext uri="{FF2B5EF4-FFF2-40B4-BE49-F238E27FC236}">
+                <a16:creationId xmlns:a16="http://schemas.microsoft.com/office/drawing/2014/main" id="{44DD9DCD-CC2D-4B06-00B2-0A3AD81ECD9D}"/>
+              </a:ext>
+            </a:extLst>
+          </p:cNvPr>
+          <p:cNvSpPr txBox="1"/>
+          <p:nvPr/>
+        </p:nvSpPr>
+        <p:spPr>
+          <a:xfrm>
+            <a:off x="1214203" y="2413416"/>
+            <a:ext cx="8949128" cy="1200329"/>
+          </a:xfrm>
+          <a:prstGeom prst="rect">
+            <a:avLst/>
+          </a:prstGeom>
+          <a:noFill/>
+        </p:spPr>
+        <p:txBody>
+          <a:bodyPr wrap="square" rtlCol="0">
+            <a:spAutoFit/>
+          </a:bodyPr>
+          <a:lstStyle/>
+          <a:p>
+            <a:r>
+              <a:rPr lang="en-US" dirty="0"/>
+              <a:t>After running our solution in </a:t>
+            </a:r>
+            <a:r>
+              <a:rPr lang="en-US" dirty="0" err="1"/>
+              <a:t>ThreadMentor</a:t>
+            </a:r>
+            <a:r>
+              <a:rPr lang="en-US" dirty="0"/>
+              <a:t> for more than 10 times with different values, we were expecting to see at least once starvation, but unfortunately we did not come across it. It is the only problem that our solution can have, since only 4 Philosophers sit at the table. $ philosopher only at the table allows us to avoid </a:t>
+            </a:r>
+          </a:p>
+        </p:txBody>
+      </p:sp>
+    </p:spTree>
+    <p:extLst>
+      <p:ext uri="{BB962C8B-B14F-4D97-AF65-F5344CB8AC3E}">
+        <p14:creationId xmlns:p14="http://schemas.microsoft.com/office/powerpoint/2010/main" val="157892900"/>
+      </p:ext>
+    </p:extLst>
+  </p:cSld>
+  <p:clrMapOvr>
+    <a:masterClrMapping/>
+  </p:clrMapOvr>
+</p:sld>
+</file>
+
+<file path=ppt/slides/slide11.xml><?xml version="1.0" encoding="utf-8"?>
+<p:sld xmlns:a="http://schemas.openxmlformats.org/drawingml/2006/main" xmlns:r="http://schemas.openxmlformats.org/officeDocument/2006/relationships" xmlns:p="http://schemas.openxmlformats.org/presentationml/2006/main">
+  <p:cSld>
+    <p:spTree>
+      <p:nvGrpSpPr>
+        <p:cNvPr id="1" name=""/>
+        <p:cNvGrpSpPr/>
+        <p:nvPr/>
+      </p:nvGrpSpPr>
+      <p:grpSpPr>
+        <a:xfrm>
+          <a:off x="0" y="0"/>
+          <a:ext cx="0" cy="0"/>
+          <a:chOff x="0" y="0"/>
+          <a:chExt cx="0" cy="0"/>
+        </a:xfrm>
+      </p:grpSpPr>
+      <p:sp>
+        <p:nvSpPr>
           <p:cNvPr id="2" name="Title 1">
             <a:extLst>
               <a:ext uri="{FF2B5EF4-FFF2-40B4-BE49-F238E27FC236}">
@@ -12520,7 +12657,12 @@
             <p:ph type="title"/>
           </p:nvPr>
         </p:nvSpPr>
-        <p:spPr/>
+        <p:spPr>
+          <a:xfrm>
+            <a:off x="1446213" y="619761"/>
+            <a:ext cx="9905998" cy="803882"/>
+          </a:xfrm>
+        </p:spPr>
         <p:txBody>
           <a:bodyPr/>
           <a:lstStyle/>
@@ -12541,65 +12683,6 @@
           </a:p>
         </p:txBody>
       </p:sp>
-      <p:pic>
-        <p:nvPicPr>
-          <p:cNvPr id="5" name="Content Placeholder 4">
-            <a:extLst>
-              <a:ext uri="{FF2B5EF4-FFF2-40B4-BE49-F238E27FC236}">
-                <a16:creationId xmlns:a16="http://schemas.microsoft.com/office/drawing/2014/main" id="{E334DCB2-F73E-4065-EDE9-8ABE300A9C11}"/>
-              </a:ext>
-            </a:extLst>
-          </p:cNvPr>
-          <p:cNvPicPr>
-            <a:picLocks noGrp="1" noChangeAspect="1"/>
-          </p:cNvPicPr>
-          <p:nvPr>
-            <p:ph idx="1"/>
-          </p:nvPr>
-        </p:nvPicPr>
-        <p:blipFill>
-          <a:blip r:embed="rId2"/>
-          <a:stretch>
-            <a:fillRect/>
-          </a:stretch>
-        </p:blipFill>
-        <p:spPr>
-          <a:xfrm>
-            <a:off x="1141413" y="2133600"/>
-            <a:ext cx="6783592" cy="1823258"/>
-          </a:xfrm>
-        </p:spPr>
-      </p:pic>
-      <p:pic>
-        <p:nvPicPr>
-          <p:cNvPr id="7" name="Picture 6">
-            <a:extLst>
-              <a:ext uri="{FF2B5EF4-FFF2-40B4-BE49-F238E27FC236}">
-                <a16:creationId xmlns:a16="http://schemas.microsoft.com/office/drawing/2014/main" id="{6A746032-BDCF-05CE-B2E5-069A074FCBC7}"/>
-              </a:ext>
-            </a:extLst>
-          </p:cNvPr>
-          <p:cNvPicPr>
-            <a:picLocks noChangeAspect="1"/>
-          </p:cNvPicPr>
-          <p:nvPr/>
-        </p:nvPicPr>
-        <p:blipFill>
-          <a:blip r:embed="rId3"/>
-          <a:stretch>
-            <a:fillRect/>
-          </a:stretch>
-        </p:blipFill>
-        <p:spPr>
-          <a:xfrm>
-            <a:off x="5057775" y="3993370"/>
-            <a:ext cx="6996558" cy="2453150"/>
-          </a:xfrm>
-          <a:prstGeom prst="rect">
-            <a:avLst/>
-          </a:prstGeom>
-        </p:spPr>
-      </p:pic>
       <p:sp>
         <p:nvSpPr>
           <p:cNvPr id="9" name="TextBox 8">
@@ -12614,8 +12697,8 @@
         </p:nvSpPr>
         <p:spPr>
           <a:xfrm>
-            <a:off x="1043709" y="4230255"/>
-            <a:ext cx="3833091" cy="1477328"/>
+            <a:off x="794587" y="4667301"/>
+            <a:ext cx="10717859" cy="1754326"/>
           </a:xfrm>
           <a:prstGeom prst="rect">
             <a:avLst/>
@@ -12628,50 +12711,57 @@
           </a:bodyPr>
           <a:lstStyle/>
           <a:p>
-            <a:pPr marL="285750" indent="-285750">
-              <a:buFont typeface="Arial" panose="020B0604020202020204" pitchFamily="34" charset="0"/>
-              <a:buChar char="•"/>
-            </a:pPr>
             <a:r>
-              <a:rPr lang="en-GB" dirty="0"/>
-              <a:t>Wait() is SW tag</a:t>
+              <a:rPr lang="en-GB" sz="1800" dirty="0">
+                <a:effectLst/>
+                <a:latin typeface="Arial" panose="020B0604020202020204" pitchFamily="34" charset="0"/>
+                <a:ea typeface="SimSun" panose="02010600030101010101" pitchFamily="2" charset="-122"/>
+                <a:cs typeface="Mangal" panose="02040503050203030202" pitchFamily="18" charset="0"/>
+              </a:rPr>
+              <a:t>Philosopher0 finished eating, because thread is finished. Philospoher1 was locked from eating(red line) and MU means chopsticks are unlocked and he is eating. Philosopher</a:t>
             </a:r>
-          </a:p>
-          <a:p>
-            <a:pPr marL="285750" indent="-285750">
-              <a:buFont typeface="Arial" panose="020B0604020202020204" pitchFamily="34" charset="0"/>
-              <a:buChar char="•"/>
-            </a:pPr>
             <a:r>
-              <a:rPr lang="en-GB" dirty="0"/>
-              <a:t>Lock() is ML tag</a:t>
+              <a:rPr lang="en-GB" dirty="0">
+                <a:latin typeface="Arial" panose="020B0604020202020204" pitchFamily="34" charset="0"/>
+                <a:ea typeface="SimSun" panose="02010600030101010101" pitchFamily="2" charset="-122"/>
+                <a:cs typeface="Mangal" panose="02040503050203030202" pitchFamily="18" charset="0"/>
+              </a:rPr>
+              <a:t>2 is in wait phase(MLW). Philosopher3 was eating, after semaphore signal, the Philosopehr3 had to give up the chair, and once he took his seat back(SE) he waited for the chopstick(MW). Philosopher4 was eating, after he gave a signal(SS) so bouncer asked him to wait, and after some time he entered eating again(SE)  and MW means he waited for chopsticks. </a:t>
             </a:r>
-          </a:p>
-          <a:p>
-            <a:pPr marL="285750" indent="-285750">
-              <a:buFont typeface="Arial" panose="020B0604020202020204" pitchFamily="34" charset="0"/>
-              <a:buChar char="•"/>
-            </a:pPr>
-            <a:r>
-              <a:rPr lang="en-GB" dirty="0"/>
-              <a:t>Unlock() is MU tag</a:t>
-            </a:r>
-          </a:p>
-          <a:p>
-            <a:pPr marL="285750" indent="-285750">
-              <a:buFont typeface="Arial" panose="020B0604020202020204" pitchFamily="34" charset="0"/>
-              <a:buChar char="•"/>
-            </a:pPr>
-            <a:r>
-              <a:rPr lang="en-GB" dirty="0"/>
-              <a:t>Signal() is releasing chair</a:t>
-            </a:r>
-          </a:p>
-          <a:p>
             <a:endParaRPr lang="en-IE" dirty="0"/>
           </a:p>
         </p:txBody>
       </p:sp>
+      <p:pic>
+        <p:nvPicPr>
+          <p:cNvPr id="10" name="Picture 9" descr="A screenshot of a computer&#10;&#10;Description automatically generated">
+            <a:extLst>
+              <a:ext uri="{FF2B5EF4-FFF2-40B4-BE49-F238E27FC236}">
+                <a16:creationId xmlns:a16="http://schemas.microsoft.com/office/drawing/2014/main" id="{5DFF34A6-89D0-C5C8-71C4-43834D3A2C72}"/>
+              </a:ext>
+            </a:extLst>
+          </p:cNvPr>
+          <p:cNvPicPr>
+            <a:picLocks noChangeAspect="1"/>
+          </p:cNvPicPr>
+          <p:nvPr/>
+        </p:nvPicPr>
+        <p:blipFill>
+          <a:blip r:embed="rId2"/>
+          <a:stretch>
+            <a:fillRect/>
+          </a:stretch>
+        </p:blipFill>
+        <p:spPr>
+          <a:xfrm>
+            <a:off x="1446213" y="1453044"/>
+            <a:ext cx="7772400" cy="3004580"/>
+          </a:xfrm>
+          <a:prstGeom prst="rect">
+            <a:avLst/>
+          </a:prstGeom>
+        </p:spPr>
+      </p:pic>
     </p:spTree>
     <p:extLst>
       <p:ext uri="{BB962C8B-B14F-4D97-AF65-F5344CB8AC3E}">
@@ -12685,7 +12775,7 @@
 </p:sld>
 </file>
 
-<file path=ppt/slides/slide11.xml><?xml version="1.0" encoding="utf-8"?>
+<file path=ppt/slides/slide12.xml><?xml version="1.0" encoding="utf-8"?>
 <p:sld xmlns:a="http://schemas.openxmlformats.org/drawingml/2006/main" xmlns:r="http://schemas.openxmlformats.org/officeDocument/2006/relationships" xmlns:p="http://schemas.openxmlformats.org/presentationml/2006/main">
   <p:cSld>
     <p:spTree>
@@ -12901,7 +12991,7 @@
 </p:sld>
 </file>
 
-<file path=ppt/slides/slide12.xml><?xml version="1.0" encoding="utf-8"?>
+<file path=ppt/slides/slide13.xml><?xml version="1.0" encoding="utf-8"?>
 <p:sld xmlns:a="http://schemas.openxmlformats.org/drawingml/2006/main" xmlns:r="http://schemas.openxmlformats.org/officeDocument/2006/relationships" xmlns:p="http://schemas.openxmlformats.org/presentationml/2006/main">
   <p:cSld>
     <p:spTree>
@@ -13005,7 +13095,7 @@
 </p:sld>
 </file>
 
-<file path=ppt/slides/slide13.xml><?xml version="1.0" encoding="utf-8"?>
+<file path=ppt/slides/slide14.xml><?xml version="1.0" encoding="utf-8"?>
 <p:sld xmlns:a="http://schemas.openxmlformats.org/drawingml/2006/main" xmlns:r="http://schemas.openxmlformats.org/officeDocument/2006/relationships" xmlns:p="http://schemas.openxmlformats.org/presentationml/2006/main">
   <p:cSld>
     <p:spTree>
@@ -13499,8 +13589,8 @@
         </p:blipFill>
         <p:spPr>
           <a:xfrm>
-            <a:off x="946150" y="923967"/>
-            <a:ext cx="9891714" cy="3499823"/>
+            <a:off x="584200" y="939535"/>
+            <a:ext cx="11379199" cy="3499823"/>
           </a:xfrm>
           <a:prstGeom prst="round2DiagRect">
             <a:avLst>
@@ -25313,8 +25403,8 @@
         </p:nvSpPr>
         <p:spPr>
           <a:xfrm>
-            <a:off x="983848" y="1983269"/>
-            <a:ext cx="10538125" cy="3387384"/>
+            <a:off x="983849" y="1983269"/>
+            <a:ext cx="9828314" cy="3387384"/>
           </a:xfrm>
         </p:spPr>
         <p:txBody>
@@ -25332,7 +25422,7 @@
                   <a:schemeClr val="bg1"/>
                 </a:solidFill>
               </a:rPr>
-              <a:t>For out case we need only three files to compile:</a:t>
+              <a:t>For our case we need only three files to compile:</a:t>
             </a:r>
             <a:endParaRPr lang="en-US" sz="2400" cap="all" dirty="0">
               <a:solidFill>
@@ -25469,16 +25559,7 @@
                 <a:ea typeface="SimSun" panose="02010600030101010101" pitchFamily="2" charset="-122"/>
                 <a:cs typeface="Mangal" panose="02040503050203030202" pitchFamily="18" charset="0"/>
               </a:rPr>
-              <a:t>and</a:t>
-            </a:r>
-            <a:r>
-              <a:rPr lang="en-IE" sz="1400" dirty="0">
-                <a:effectLst/>
-                <a:latin typeface="Arial" panose="020B0604020202020204" pitchFamily="34" charset="0"/>
-                <a:ea typeface="SimSun" panose="02010600030101010101" pitchFamily="2" charset="-122"/>
-                <a:cs typeface="Mangal" panose="02040503050203030202" pitchFamily="18" charset="0"/>
-              </a:rPr>
-              <a:t> </a:t>
+              <a:t>with help of semaphores and </a:t>
             </a:r>
             <a:r>
               <a:rPr lang="en-GB" sz="1800" dirty="0">
@@ -25487,28 +25568,8 @@
                 <a:ea typeface="SimSun" panose="02010600030101010101" pitchFamily="2" charset="-122"/>
                 <a:cs typeface="Mangal" panose="02040503050203030202" pitchFamily="18" charset="0"/>
               </a:rPr>
-              <a:t>uses Mutexes locks, to make sure everyone picks up and puts down their chopsticks in order</a:t>
+              <a:t>Mutexes locks, to make sure everyone picks up and puts down their chopsticks and seats </a:t>
             </a:r>
-            <a:r>
-              <a:rPr lang="en-IE" sz="1400" dirty="0">
-                <a:effectLst/>
-              </a:rPr>
-              <a:t> </a:t>
-            </a:r>
-            <a:r>
-              <a:rPr lang="en-GB" sz="1800" dirty="0">
-                <a:effectLst/>
-                <a:latin typeface="Arial" panose="020B0604020202020204" pitchFamily="34" charset="0"/>
-                <a:ea typeface="SimSun" panose="02010600030101010101" pitchFamily="2" charset="-122"/>
-                <a:cs typeface="Mangal" panose="02040503050203030202" pitchFamily="18" charset="0"/>
-              </a:rPr>
-              <a:t> </a:t>
-            </a:r>
-            <a:endParaRPr lang="en-US" cap="all" dirty="0">
-              <a:solidFill>
-                <a:schemeClr val="tx2"/>
-              </a:solidFill>
-            </a:endParaRPr>
           </a:p>
           <a:p>
             <a:pPr marL="342900" indent="-342900"/>
@@ -25521,20 +25582,12 @@
               <a:t>THIRD: </a:t>
             </a:r>
             <a:r>
-              <a:rPr lang="en-US" cap="all" dirty="0" err="1">
-                <a:solidFill>
-                  <a:schemeClr val="tx2"/>
-                </a:solidFill>
-              </a:rPr>
-              <a:t>main.cpp</a:t>
-            </a:r>
-            <a:r>
               <a:rPr lang="en-US" cap="all" dirty="0">
                 <a:solidFill>
                   <a:schemeClr val="tx2"/>
                 </a:solidFill>
               </a:rPr>
-              <a:t>: </a:t>
+              <a:t>main.cpp: </a:t>
             </a:r>
             <a:r>
               <a:rPr lang="en-GB" sz="1800" dirty="0">

--- a/final_Presentation.pptx
+++ b/final_Presentation.pptx
@@ -7,18 +7,19 @@
   <p:sldIdLst>
     <p:sldId id="256" r:id="rId2"/>
     <p:sldId id="257" r:id="rId3"/>
-    <p:sldId id="258" r:id="rId4"/>
-    <p:sldId id="263" r:id="rId5"/>
-    <p:sldId id="266" r:id="rId6"/>
-    <p:sldId id="259" r:id="rId7"/>
-    <p:sldId id="267" r:id="rId8"/>
-    <p:sldId id="264" r:id="rId9"/>
-    <p:sldId id="269" r:id="rId10"/>
-    <p:sldId id="270" r:id="rId11"/>
-    <p:sldId id="261" r:id="rId12"/>
-    <p:sldId id="262" r:id="rId13"/>
-    <p:sldId id="268" r:id="rId14"/>
-    <p:sldId id="265" r:id="rId15"/>
+    <p:sldId id="272" r:id="rId4"/>
+    <p:sldId id="273" r:id="rId5"/>
+    <p:sldId id="271" r:id="rId6"/>
+    <p:sldId id="266" r:id="rId7"/>
+    <p:sldId id="259" r:id="rId8"/>
+    <p:sldId id="267" r:id="rId9"/>
+    <p:sldId id="264" r:id="rId10"/>
+    <p:sldId id="269" r:id="rId11"/>
+    <p:sldId id="270" r:id="rId12"/>
+    <p:sldId id="261" r:id="rId13"/>
+    <p:sldId id="262" r:id="rId14"/>
+    <p:sldId id="268" r:id="rId15"/>
+    <p:sldId id="265" r:id="rId16"/>
   </p:sldIdLst>
   <p:sldSz cx="12192000" cy="6858000"/>
   <p:notesSz cx="6858000" cy="9144000"/>
@@ -183,7 +184,7 @@
           <a:noFill/>
           <a:extLst>
             <a:ext uri="{909E8E84-426E-40dd-AFC4-6F175D3DCCD1}">
-              <a14:hiddenFill xmlns="" xmlns:a14="http://schemas.microsoft.com/office/drawing/2010/main">
+              <a14:hiddenFill xmlns:a14="http://schemas.microsoft.com/office/drawing/2010/main" xmlns="">
                 <a:solidFill>
                   <a:srgbClr val="FFFFFF"/>
                 </a:solidFill>
@@ -243,7 +244,7 @@
             </a:ln>
             <a:extLst>
               <a:ext uri="{91240B29-F687-4f45-9708-019B960494DF}">
-                <a14:hiddenLine xmlns="" xmlns:a14="http://schemas.microsoft.com/office/drawing/2010/main" w="9525">
+                <a14:hiddenLine xmlns:a14="http://schemas.microsoft.com/office/drawing/2010/main" xmlns="" w="9525">
                   <a:solidFill>
                     <a:srgbClr val="000000"/>
                   </a:solidFill>
@@ -333,7 +334,7 @@
             </a:ln>
             <a:extLst>
               <a:ext uri="{91240B29-F687-4f45-9708-019B960494DF}">
-                <a14:hiddenLine xmlns="" xmlns:a14="http://schemas.microsoft.com/office/drawing/2010/main" w="9525">
+                <a14:hiddenLine xmlns:a14="http://schemas.microsoft.com/office/drawing/2010/main" xmlns="" w="9525">
                   <a:solidFill>
                     <a:srgbClr val="000000"/>
                   </a:solidFill>
@@ -423,7 +424,7 @@
             </a:ln>
             <a:extLst>
               <a:ext uri="{91240B29-F687-4f45-9708-019B960494DF}">
-                <a14:hiddenLine xmlns="" xmlns:a14="http://schemas.microsoft.com/office/drawing/2010/main" w="9525">
+                <a14:hiddenLine xmlns:a14="http://schemas.microsoft.com/office/drawing/2010/main" xmlns="" w="9525">
                   <a:solidFill>
                     <a:srgbClr val="000000"/>
                   </a:solidFill>
@@ -457,7 +458,7 @@
             </a:ln>
             <a:extLst>
               <a:ext uri="{91240B29-F687-4f45-9708-019B960494DF}">
-                <a14:hiddenLine xmlns="" xmlns:a14="http://schemas.microsoft.com/office/drawing/2010/main" w="9525">
+                <a14:hiddenLine xmlns:a14="http://schemas.microsoft.com/office/drawing/2010/main" xmlns="" w="9525">
                   <a:solidFill>
                     <a:srgbClr val="000000"/>
                   </a:solidFill>
@@ -547,7 +548,7 @@
             </a:ln>
             <a:extLst>
               <a:ext uri="{91240B29-F687-4f45-9708-019B960494DF}">
-                <a14:hiddenLine xmlns="" xmlns:a14="http://schemas.microsoft.com/office/drawing/2010/main" w="9525">
+                <a14:hiddenLine xmlns:a14="http://schemas.microsoft.com/office/drawing/2010/main" xmlns="" w="9525">
                   <a:solidFill>
                     <a:srgbClr val="000000"/>
                   </a:solidFill>
@@ -609,7 +610,7 @@
             </a:ln>
             <a:extLst>
               <a:ext uri="{91240B29-F687-4f45-9708-019B960494DF}">
-                <a14:hiddenLine xmlns="" xmlns:a14="http://schemas.microsoft.com/office/drawing/2010/main" w="9525">
+                <a14:hiddenLine xmlns:a14="http://schemas.microsoft.com/office/drawing/2010/main" xmlns="" w="9525">
                   <a:solidFill>
                     <a:srgbClr val="000000"/>
                   </a:solidFill>
@@ -671,7 +672,7 @@
             </a:ln>
             <a:extLst>
               <a:ext uri="{91240B29-F687-4f45-9708-019B960494DF}">
-                <a14:hiddenLine xmlns="" xmlns:a14="http://schemas.microsoft.com/office/drawing/2010/main" w="9525">
+                <a14:hiddenLine xmlns:a14="http://schemas.microsoft.com/office/drawing/2010/main" xmlns="" w="9525">
                   <a:solidFill>
                     <a:srgbClr val="000000"/>
                   </a:solidFill>
@@ -761,7 +762,7 @@
             </a:ln>
             <a:extLst>
               <a:ext uri="{91240B29-F687-4f45-9708-019B960494DF}">
-                <a14:hiddenLine xmlns="" xmlns:a14="http://schemas.microsoft.com/office/drawing/2010/main" w="9525">
+                <a14:hiddenLine xmlns:a14="http://schemas.microsoft.com/office/drawing/2010/main" xmlns="" w="9525">
                   <a:solidFill>
                     <a:srgbClr val="000000"/>
                   </a:solidFill>
@@ -823,7 +824,7 @@
             </a:ln>
             <a:extLst>
               <a:ext uri="{91240B29-F687-4f45-9708-019B960494DF}">
-                <a14:hiddenLine xmlns="" xmlns:a14="http://schemas.microsoft.com/office/drawing/2010/main" w="9525">
+                <a14:hiddenLine xmlns:a14="http://schemas.microsoft.com/office/drawing/2010/main" xmlns="" w="9525">
                   <a:solidFill>
                     <a:srgbClr val="000000"/>
                   </a:solidFill>
@@ -885,7 +886,7 @@
             </a:ln>
             <a:extLst>
               <a:ext uri="{91240B29-F687-4f45-9708-019B960494DF}">
-                <a14:hiddenLine xmlns="" xmlns:a14="http://schemas.microsoft.com/office/drawing/2010/main" w="9525">
+                <a14:hiddenLine xmlns:a14="http://schemas.microsoft.com/office/drawing/2010/main" xmlns="" w="9525">
                   <a:solidFill>
                     <a:srgbClr val="000000"/>
                   </a:solidFill>
@@ -975,7 +976,7 @@
             </a:ln>
             <a:extLst>
               <a:ext uri="{91240B29-F687-4f45-9708-019B960494DF}">
-                <a14:hiddenLine xmlns="" xmlns:a14="http://schemas.microsoft.com/office/drawing/2010/main" w="9525">
+                <a14:hiddenLine xmlns:a14="http://schemas.microsoft.com/office/drawing/2010/main" xmlns="" w="9525">
                   <a:solidFill>
                     <a:srgbClr val="000000"/>
                   </a:solidFill>
@@ -1065,7 +1066,7 @@
             </a:ln>
             <a:extLst>
               <a:ext uri="{91240B29-F687-4f45-9708-019B960494DF}">
-                <a14:hiddenLine xmlns="" xmlns:a14="http://schemas.microsoft.com/office/drawing/2010/main" w="9525">
+                <a14:hiddenLine xmlns:a14="http://schemas.microsoft.com/office/drawing/2010/main" xmlns="" w="9525">
                   <a:solidFill>
                     <a:srgbClr val="000000"/>
                   </a:solidFill>
@@ -1127,7 +1128,7 @@
             </a:ln>
             <a:extLst>
               <a:ext uri="{91240B29-F687-4f45-9708-019B960494DF}">
-                <a14:hiddenLine xmlns="" xmlns:a14="http://schemas.microsoft.com/office/drawing/2010/main" w="9525">
+                <a14:hiddenLine xmlns:a14="http://schemas.microsoft.com/office/drawing/2010/main" xmlns="" w="9525">
                   <a:solidFill>
                     <a:srgbClr val="000000"/>
                   </a:solidFill>
@@ -1237,7 +1238,7 @@
             </a:ln>
             <a:extLst>
               <a:ext uri="{91240B29-F687-4f45-9708-019B960494DF}">
-                <a14:hiddenLine xmlns="" xmlns:a14="http://schemas.microsoft.com/office/drawing/2010/main" w="9525">
+                <a14:hiddenLine xmlns:a14="http://schemas.microsoft.com/office/drawing/2010/main" xmlns="" w="9525">
                   <a:solidFill>
                     <a:srgbClr val="000000"/>
                   </a:solidFill>
@@ -1299,7 +1300,7 @@
             </a:ln>
             <a:extLst>
               <a:ext uri="{91240B29-F687-4f45-9708-019B960494DF}">
-                <a14:hiddenLine xmlns="" xmlns:a14="http://schemas.microsoft.com/office/drawing/2010/main" w="9525">
+                <a14:hiddenLine xmlns:a14="http://schemas.microsoft.com/office/drawing/2010/main" xmlns="" w="9525">
                   <a:solidFill>
                     <a:srgbClr val="000000"/>
                   </a:solidFill>
@@ -1389,7 +1390,7 @@
             </a:ln>
             <a:extLst>
               <a:ext uri="{91240B29-F687-4f45-9708-019B960494DF}">
-                <a14:hiddenLine xmlns="" xmlns:a14="http://schemas.microsoft.com/office/drawing/2010/main" w="9525">
+                <a14:hiddenLine xmlns:a14="http://schemas.microsoft.com/office/drawing/2010/main" xmlns="" w="9525">
                   <a:solidFill>
                     <a:srgbClr val="000000"/>
                   </a:solidFill>
@@ -1479,7 +1480,7 @@
             </a:ln>
             <a:extLst>
               <a:ext uri="{91240B29-F687-4f45-9708-019B960494DF}">
-                <a14:hiddenLine xmlns="" xmlns:a14="http://schemas.microsoft.com/office/drawing/2010/main" w="9525">
+                <a14:hiddenLine xmlns:a14="http://schemas.microsoft.com/office/drawing/2010/main" xmlns="" w="9525">
                   <a:solidFill>
                     <a:srgbClr val="000000"/>
                   </a:solidFill>
@@ -1541,7 +1542,7 @@
             </a:ln>
             <a:extLst>
               <a:ext uri="{91240B29-F687-4f45-9708-019B960494DF}">
-                <a14:hiddenLine xmlns="" xmlns:a14="http://schemas.microsoft.com/office/drawing/2010/main" w="9525">
+                <a14:hiddenLine xmlns:a14="http://schemas.microsoft.com/office/drawing/2010/main" xmlns="" w="9525">
                   <a:solidFill>
                     <a:srgbClr val="000000"/>
                   </a:solidFill>
@@ -1631,7 +1632,7 @@
             </a:ln>
             <a:extLst>
               <a:ext uri="{91240B29-F687-4f45-9708-019B960494DF}">
-                <a14:hiddenLine xmlns="" xmlns:a14="http://schemas.microsoft.com/office/drawing/2010/main" w="9525">
+                <a14:hiddenLine xmlns:a14="http://schemas.microsoft.com/office/drawing/2010/main" xmlns="" w="9525">
                   <a:solidFill>
                     <a:srgbClr val="000000"/>
                   </a:solidFill>
@@ -1721,7 +1722,7 @@
             </a:ln>
             <a:extLst>
               <a:ext uri="{91240B29-F687-4f45-9708-019B960494DF}">
-                <a14:hiddenLine xmlns="" xmlns:a14="http://schemas.microsoft.com/office/drawing/2010/main" w="9525">
+                <a14:hiddenLine xmlns:a14="http://schemas.microsoft.com/office/drawing/2010/main" xmlns="" w="9525">
                   <a:solidFill>
                     <a:srgbClr val="000000"/>
                   </a:solidFill>
@@ -1777,7 +1778,7 @@
             </a:ln>
             <a:extLst>
               <a:ext uri="{91240B29-F687-4f45-9708-019B960494DF}">
-                <a14:hiddenLine xmlns="" xmlns:a14="http://schemas.microsoft.com/office/drawing/2010/main" w="9525">
+                <a14:hiddenLine xmlns:a14="http://schemas.microsoft.com/office/drawing/2010/main" xmlns="" w="9525">
                   <a:solidFill>
                     <a:srgbClr val="000000"/>
                   </a:solidFill>
@@ -1867,7 +1868,7 @@
             </a:ln>
             <a:extLst>
               <a:ext uri="{91240B29-F687-4f45-9708-019B960494DF}">
-                <a14:hiddenLine xmlns="" xmlns:a14="http://schemas.microsoft.com/office/drawing/2010/main" w="9525">
+                <a14:hiddenLine xmlns:a14="http://schemas.microsoft.com/office/drawing/2010/main" xmlns="" w="9525">
                   <a:solidFill>
                     <a:srgbClr val="000000"/>
                   </a:solidFill>
@@ -1923,7 +1924,7 @@
             </a:ln>
             <a:extLst>
               <a:ext uri="{91240B29-F687-4f45-9708-019B960494DF}">
-                <a14:hiddenLine xmlns="" xmlns:a14="http://schemas.microsoft.com/office/drawing/2010/main" w="9525">
+                <a14:hiddenLine xmlns:a14="http://schemas.microsoft.com/office/drawing/2010/main" xmlns="" w="9525">
                   <a:solidFill>
                     <a:srgbClr val="000000"/>
                   </a:solidFill>
@@ -2013,7 +2014,7 @@
             </a:ln>
             <a:extLst>
               <a:ext uri="{91240B29-F687-4f45-9708-019B960494DF}">
-                <a14:hiddenLine xmlns="" xmlns:a14="http://schemas.microsoft.com/office/drawing/2010/main" w="9525">
+                <a14:hiddenLine xmlns:a14="http://schemas.microsoft.com/office/drawing/2010/main" xmlns="" w="9525">
                   <a:solidFill>
                     <a:srgbClr val="000000"/>
                   </a:solidFill>
@@ -2081,7 +2082,7 @@
             </a:ln>
             <a:extLst>
               <a:ext uri="{91240B29-F687-4f45-9708-019B960494DF}">
-                <a14:hiddenLine xmlns="" xmlns:a14="http://schemas.microsoft.com/office/drawing/2010/main" w="9525">
+                <a14:hiddenLine xmlns:a14="http://schemas.microsoft.com/office/drawing/2010/main" xmlns="" w="9525">
                   <a:solidFill>
                     <a:srgbClr val="000000"/>
                   </a:solidFill>
@@ -2171,7 +2172,7 @@
             </a:ln>
             <a:extLst>
               <a:ext uri="{91240B29-F687-4f45-9708-019B960494DF}">
-                <a14:hiddenLine xmlns="" xmlns:a14="http://schemas.microsoft.com/office/drawing/2010/main" w="9525">
+                <a14:hiddenLine xmlns:a14="http://schemas.microsoft.com/office/drawing/2010/main" xmlns="" w="9525">
                   <a:solidFill>
                     <a:srgbClr val="000000"/>
                   </a:solidFill>
@@ -2239,7 +2240,7 @@
             </a:ln>
             <a:extLst>
               <a:ext uri="{91240B29-F687-4f45-9708-019B960494DF}">
-                <a14:hiddenLine xmlns="" xmlns:a14="http://schemas.microsoft.com/office/drawing/2010/main" w="9525">
+                <a14:hiddenLine xmlns:a14="http://schemas.microsoft.com/office/drawing/2010/main" xmlns="" w="9525">
                   <a:solidFill>
                     <a:srgbClr val="000000"/>
                   </a:solidFill>
@@ -2329,7 +2330,7 @@
             </a:ln>
             <a:extLst>
               <a:ext uri="{91240B29-F687-4f45-9708-019B960494DF}">
-                <a14:hiddenLine xmlns="" xmlns:a14="http://schemas.microsoft.com/office/drawing/2010/main" w="9525">
+                <a14:hiddenLine xmlns:a14="http://schemas.microsoft.com/office/drawing/2010/main" xmlns="" w="9525">
                   <a:solidFill>
                     <a:srgbClr val="000000"/>
                   </a:solidFill>
@@ -2363,7 +2364,7 @@
             </a:ln>
             <a:extLst>
               <a:ext uri="{91240B29-F687-4f45-9708-019B960494DF}">
-                <a14:hiddenLine xmlns="" xmlns:a14="http://schemas.microsoft.com/office/drawing/2010/main" w="9525">
+                <a14:hiddenLine xmlns:a14="http://schemas.microsoft.com/office/drawing/2010/main" xmlns="" w="9525">
                   <a:solidFill>
                     <a:srgbClr val="000000"/>
                   </a:solidFill>
@@ -2453,7 +2454,7 @@
             </a:ln>
             <a:extLst>
               <a:ext uri="{91240B29-F687-4f45-9708-019B960494DF}">
-                <a14:hiddenLine xmlns="" xmlns:a14="http://schemas.microsoft.com/office/drawing/2010/main" w="9525">
+                <a14:hiddenLine xmlns:a14="http://schemas.microsoft.com/office/drawing/2010/main" xmlns="" w="9525">
                   <a:solidFill>
                     <a:srgbClr val="000000"/>
                   </a:solidFill>
@@ -2515,7 +2516,7 @@
             </a:ln>
             <a:extLst>
               <a:ext uri="{91240B29-F687-4f45-9708-019B960494DF}">
-                <a14:hiddenLine xmlns="" xmlns:a14="http://schemas.microsoft.com/office/drawing/2010/main" w="9525">
+                <a14:hiddenLine xmlns:a14="http://schemas.microsoft.com/office/drawing/2010/main" xmlns="" w="9525">
                   <a:solidFill>
                     <a:srgbClr val="000000"/>
                   </a:solidFill>
@@ -2577,7 +2578,7 @@
             </a:ln>
             <a:extLst>
               <a:ext uri="{91240B29-F687-4f45-9708-019B960494DF}">
-                <a14:hiddenLine xmlns="" xmlns:a14="http://schemas.microsoft.com/office/drawing/2010/main" w="9525">
+                <a14:hiddenLine xmlns:a14="http://schemas.microsoft.com/office/drawing/2010/main" xmlns="" w="9525">
                   <a:solidFill>
                     <a:srgbClr val="000000"/>
                   </a:solidFill>
@@ -2667,7 +2668,7 @@
             </a:ln>
             <a:extLst>
               <a:ext uri="{91240B29-F687-4f45-9708-019B960494DF}">
-                <a14:hiddenLine xmlns="" xmlns:a14="http://schemas.microsoft.com/office/drawing/2010/main" w="9525">
+                <a14:hiddenLine xmlns:a14="http://schemas.microsoft.com/office/drawing/2010/main" xmlns="" w="9525">
                   <a:solidFill>
                     <a:srgbClr val="000000"/>
                   </a:solidFill>
@@ -2735,7 +2736,7 @@
             </a:ln>
             <a:extLst>
               <a:ext uri="{91240B29-F687-4f45-9708-019B960494DF}">
-                <a14:hiddenLine xmlns="" xmlns:a14="http://schemas.microsoft.com/office/drawing/2010/main" w="9525">
+                <a14:hiddenLine xmlns:a14="http://schemas.microsoft.com/office/drawing/2010/main" xmlns="" w="9525">
                   <a:solidFill>
                     <a:srgbClr val="000000"/>
                   </a:solidFill>
@@ -2797,7 +2798,7 @@
             </a:ln>
             <a:extLst>
               <a:ext uri="{91240B29-F687-4f45-9708-019B960494DF}">
-                <a14:hiddenLine xmlns="" xmlns:a14="http://schemas.microsoft.com/office/drawing/2010/main" w="9525">
+                <a14:hiddenLine xmlns:a14="http://schemas.microsoft.com/office/drawing/2010/main" xmlns="" w="9525">
                   <a:solidFill>
                     <a:srgbClr val="000000"/>
                   </a:solidFill>
@@ -2887,7 +2888,7 @@
             </a:ln>
             <a:extLst>
               <a:ext uri="{91240B29-F687-4f45-9708-019B960494DF}">
-                <a14:hiddenLine xmlns="" xmlns:a14="http://schemas.microsoft.com/office/drawing/2010/main" w="9525">
+                <a14:hiddenLine xmlns:a14="http://schemas.microsoft.com/office/drawing/2010/main" xmlns="" w="9525">
                   <a:solidFill>
                     <a:srgbClr val="000000"/>
                   </a:solidFill>
@@ -2949,7 +2950,7 @@
             </a:ln>
             <a:extLst>
               <a:ext uri="{91240B29-F687-4f45-9708-019B960494DF}">
-                <a14:hiddenLine xmlns="" xmlns:a14="http://schemas.microsoft.com/office/drawing/2010/main" w="9525">
+                <a14:hiddenLine xmlns:a14="http://schemas.microsoft.com/office/drawing/2010/main" xmlns="" w="9525">
                   <a:solidFill>
                     <a:srgbClr val="000000"/>
                   </a:solidFill>
@@ -3039,7 +3040,7 @@
             </a:ln>
             <a:extLst>
               <a:ext uri="{91240B29-F687-4f45-9708-019B960494DF}">
-                <a14:hiddenLine xmlns="" xmlns:a14="http://schemas.microsoft.com/office/drawing/2010/main" w="9525">
+                <a14:hiddenLine xmlns:a14="http://schemas.microsoft.com/office/drawing/2010/main" xmlns="" w="9525">
                   <a:solidFill>
                     <a:srgbClr val="000000"/>
                   </a:solidFill>
@@ -3101,7 +3102,7 @@
             </a:ln>
             <a:extLst>
               <a:ext uri="{91240B29-F687-4f45-9708-019B960494DF}">
-                <a14:hiddenLine xmlns="" xmlns:a14="http://schemas.microsoft.com/office/drawing/2010/main" w="9525">
+                <a14:hiddenLine xmlns:a14="http://schemas.microsoft.com/office/drawing/2010/main" xmlns="" w="9525">
                   <a:solidFill>
                     <a:srgbClr val="000000"/>
                   </a:solidFill>
@@ -3191,7 +3192,7 @@
             </a:ln>
             <a:extLst>
               <a:ext uri="{91240B29-F687-4f45-9708-019B960494DF}">
-                <a14:hiddenLine xmlns="" xmlns:a14="http://schemas.microsoft.com/office/drawing/2010/main" w="9525">
+                <a14:hiddenLine xmlns:a14="http://schemas.microsoft.com/office/drawing/2010/main" xmlns="" w="9525">
                   <a:solidFill>
                     <a:srgbClr val="000000"/>
                   </a:solidFill>
@@ -3225,7 +3226,7 @@
             </a:ln>
             <a:extLst>
               <a:ext uri="{91240B29-F687-4f45-9708-019B960494DF}">
-                <a14:hiddenLine xmlns="" xmlns:a14="http://schemas.microsoft.com/office/drawing/2010/main" w="9525">
+                <a14:hiddenLine xmlns:a14="http://schemas.microsoft.com/office/drawing/2010/main" xmlns="" w="9525">
                   <a:solidFill>
                     <a:srgbClr val="000000"/>
                   </a:solidFill>
@@ -3290,7 +3291,7 @@
             </a:ln>
             <a:extLst>
               <a:ext uri="{91240B29-F687-4f45-9708-019B960494DF}">
-                <a14:hiddenLine xmlns="" xmlns:a14="http://schemas.microsoft.com/office/drawing/2010/main" w="9525">
+                <a14:hiddenLine xmlns:a14="http://schemas.microsoft.com/office/drawing/2010/main" xmlns="" w="9525">
                   <a:solidFill>
                     <a:srgbClr val="000000"/>
                   </a:solidFill>
@@ -3380,7 +3381,7 @@
             </a:ln>
             <a:extLst>
               <a:ext uri="{91240B29-F687-4f45-9708-019B960494DF}">
-                <a14:hiddenLine xmlns="" xmlns:a14="http://schemas.microsoft.com/office/drawing/2010/main" w="9525">
+                <a14:hiddenLine xmlns:a14="http://schemas.microsoft.com/office/drawing/2010/main" xmlns="" w="9525">
                   <a:solidFill>
                     <a:srgbClr val="000000"/>
                   </a:solidFill>
@@ -3442,7 +3443,7 @@
             </a:ln>
             <a:extLst>
               <a:ext uri="{91240B29-F687-4f45-9708-019B960494DF}">
-                <a14:hiddenLine xmlns="" xmlns:a14="http://schemas.microsoft.com/office/drawing/2010/main" w="9525">
+                <a14:hiddenLine xmlns:a14="http://schemas.microsoft.com/office/drawing/2010/main" xmlns="" w="9525">
                   <a:solidFill>
                     <a:srgbClr val="000000"/>
                   </a:solidFill>
@@ -3532,7 +3533,7 @@
             </a:ln>
             <a:extLst>
               <a:ext uri="{91240B29-F687-4f45-9708-019B960494DF}">
-                <a14:hiddenLine xmlns="" xmlns:a14="http://schemas.microsoft.com/office/drawing/2010/main" w="9525">
+                <a14:hiddenLine xmlns:a14="http://schemas.microsoft.com/office/drawing/2010/main" xmlns="" w="9525">
                   <a:solidFill>
                     <a:srgbClr val="000000"/>
                   </a:solidFill>
@@ -3622,7 +3623,7 @@
             </a:ln>
             <a:extLst>
               <a:ext uri="{91240B29-F687-4f45-9708-019B960494DF}">
-                <a14:hiddenLine xmlns="" xmlns:a14="http://schemas.microsoft.com/office/drawing/2010/main" w="9525">
+                <a14:hiddenLine xmlns:a14="http://schemas.microsoft.com/office/drawing/2010/main" xmlns="" w="9525">
                   <a:solidFill>
                     <a:srgbClr val="000000"/>
                   </a:solidFill>
@@ -3687,7 +3688,7 @@
             </a:ln>
             <a:extLst>
               <a:ext uri="{91240B29-F687-4f45-9708-019B960494DF}">
-                <a14:hiddenLine xmlns="" xmlns:a14="http://schemas.microsoft.com/office/drawing/2010/main" w="9525">
+                <a14:hiddenLine xmlns:a14="http://schemas.microsoft.com/office/drawing/2010/main" xmlns="" w="9525">
                   <a:solidFill>
                     <a:srgbClr val="000000"/>
                   </a:solidFill>
@@ -3749,7 +3750,7 @@
             </a:ln>
             <a:extLst>
               <a:ext uri="{91240B29-F687-4f45-9708-019B960494DF}">
-                <a14:hiddenLine xmlns="" xmlns:a14="http://schemas.microsoft.com/office/drawing/2010/main" w="9525">
+                <a14:hiddenLine xmlns:a14="http://schemas.microsoft.com/office/drawing/2010/main" xmlns="" w="9525">
                   <a:solidFill>
                     <a:srgbClr val="000000"/>
                   </a:solidFill>
@@ -3839,7 +3840,7 @@
             </a:ln>
             <a:extLst>
               <a:ext uri="{91240B29-F687-4f45-9708-019B960494DF}">
-                <a14:hiddenLine xmlns="" xmlns:a14="http://schemas.microsoft.com/office/drawing/2010/main" w="9525">
+                <a14:hiddenLine xmlns:a14="http://schemas.microsoft.com/office/drawing/2010/main" xmlns="" w="9525">
                   <a:solidFill>
                     <a:srgbClr val="000000"/>
                   </a:solidFill>
@@ -3929,7 +3930,7 @@
             </a:ln>
             <a:extLst>
               <a:ext uri="{91240B29-F687-4f45-9708-019B960494DF}">
-                <a14:hiddenLine xmlns="" xmlns:a14="http://schemas.microsoft.com/office/drawing/2010/main" w="9525">
+                <a14:hiddenLine xmlns:a14="http://schemas.microsoft.com/office/drawing/2010/main" xmlns="" w="9525">
                   <a:solidFill>
                     <a:srgbClr val="000000"/>
                   </a:solidFill>
@@ -3991,7 +3992,7 @@
             </a:ln>
             <a:extLst>
               <a:ext uri="{91240B29-F687-4f45-9708-019B960494DF}">
-                <a14:hiddenLine xmlns="" xmlns:a14="http://schemas.microsoft.com/office/drawing/2010/main" w="9525">
+                <a14:hiddenLine xmlns:a14="http://schemas.microsoft.com/office/drawing/2010/main" xmlns="" w="9525">
                   <a:solidFill>
                     <a:srgbClr val="000000"/>
                   </a:solidFill>
@@ -4111,7 +4112,7 @@
             </a:ln>
             <a:extLst>
               <a:ext uri="{91240B29-F687-4f45-9708-019B960494DF}">
-                <a14:hiddenLine xmlns="" xmlns:a14="http://schemas.microsoft.com/office/drawing/2010/main" w="9525">
+                <a14:hiddenLine xmlns:a14="http://schemas.microsoft.com/office/drawing/2010/main" xmlns="" w="9525">
                   <a:solidFill>
                     <a:srgbClr val="000000"/>
                   </a:solidFill>
@@ -4179,7 +4180,7 @@
             </a:ln>
             <a:extLst>
               <a:ext uri="{91240B29-F687-4f45-9708-019B960494DF}">
-                <a14:hiddenLine xmlns="" xmlns:a14="http://schemas.microsoft.com/office/drawing/2010/main" w="9525">
+                <a14:hiddenLine xmlns:a14="http://schemas.microsoft.com/office/drawing/2010/main" xmlns="" w="9525">
                   <a:solidFill>
                     <a:srgbClr val="000000"/>
                   </a:solidFill>
@@ -4269,7 +4270,7 @@
             </a:ln>
             <a:extLst>
               <a:ext uri="{91240B29-F687-4f45-9708-019B960494DF}">
-                <a14:hiddenLine xmlns="" xmlns:a14="http://schemas.microsoft.com/office/drawing/2010/main" w="9525">
+                <a14:hiddenLine xmlns:a14="http://schemas.microsoft.com/office/drawing/2010/main" xmlns="" w="9525">
                   <a:solidFill>
                     <a:srgbClr val="000000"/>
                   </a:solidFill>
@@ -4409,7 +4410,7 @@
           <a:p>
             <a:fld id="{48A87A34-81AB-432B-8DAE-1953F412C126}" type="datetimeFigureOut">
               <a:rPr lang="en-US" dirty="0"/>
-              <a:t>4/23/24</a:t>
+              <a:t>4/23/2024</a:t>
             </a:fld>
             <a:endParaRPr lang="en-US" dirty="0"/>
           </a:p>
@@ -4671,7 +4672,7 @@
           <a:p>
             <a:fld id="{48A87A34-81AB-432B-8DAE-1953F412C126}" type="datetimeFigureOut">
               <a:rPr lang="en-US" dirty="0"/>
-              <a:t>4/23/24</a:t>
+              <a:t>4/23/2024</a:t>
             </a:fld>
             <a:endParaRPr lang="en-US" dirty="0"/>
           </a:p>
@@ -4862,7 +4863,7 @@
           <a:p>
             <a:fld id="{48A87A34-81AB-432B-8DAE-1953F412C126}" type="datetimeFigureOut">
               <a:rPr lang="en-US" dirty="0"/>
-              <a:t>4/23/24</a:t>
+              <a:t>4/23/2024</a:t>
             </a:fld>
             <a:endParaRPr lang="en-US" dirty="0"/>
           </a:p>
@@ -5120,7 +5121,7 @@
           <a:p>
             <a:fld id="{48A87A34-81AB-432B-8DAE-1953F412C126}" type="datetimeFigureOut">
               <a:rPr lang="en-US" dirty="0"/>
-              <a:t>4/23/24</a:t>
+              <a:t>4/23/2024</a:t>
             </a:fld>
             <a:endParaRPr lang="en-US" dirty="0"/>
           </a:p>
@@ -5549,7 +5550,7 @@
           <a:p>
             <a:fld id="{48A87A34-81AB-432B-8DAE-1953F412C126}" type="datetimeFigureOut">
               <a:rPr lang="en-US" dirty="0"/>
-              <a:t>4/23/24</a:t>
+              <a:t>4/23/2024</a:t>
             </a:fld>
             <a:endParaRPr lang="en-US" dirty="0"/>
           </a:p>
@@ -6090,7 +6091,7 @@
           <a:p>
             <a:fld id="{48A87A34-81AB-432B-8DAE-1953F412C126}" type="datetimeFigureOut">
               <a:rPr lang="en-US" dirty="0"/>
-              <a:t>4/23/24</a:t>
+              <a:t>4/23/2024</a:t>
             </a:fld>
             <a:endParaRPr lang="en-US" dirty="0"/>
           </a:p>
@@ -6805,7 +6806,7 @@
           <a:p>
             <a:fld id="{48A87A34-81AB-432B-8DAE-1953F412C126}" type="datetimeFigureOut">
               <a:rPr lang="en-US" dirty="0"/>
-              <a:t>4/23/24</a:t>
+              <a:t>4/23/2024</a:t>
             </a:fld>
             <a:endParaRPr lang="en-US" dirty="0"/>
           </a:p>
@@ -6970,7 +6971,7 @@
           <a:p>
             <a:fld id="{48A87A34-81AB-432B-8DAE-1953F412C126}" type="datetimeFigureOut">
               <a:rPr lang="en-US" dirty="0"/>
-              <a:t>4/23/24</a:t>
+              <a:t>4/23/2024</a:t>
             </a:fld>
             <a:endParaRPr lang="en-US" dirty="0"/>
           </a:p>
@@ -7145,7 +7146,7 @@
           <a:p>
             <a:fld id="{48A87A34-81AB-432B-8DAE-1953F412C126}" type="datetimeFigureOut">
               <a:rPr lang="en-US" dirty="0"/>
-              <a:t>4/23/24</a:t>
+              <a:t>4/23/2024</a:t>
             </a:fld>
             <a:endParaRPr lang="en-US" dirty="0"/>
           </a:p>
@@ -7310,7 +7311,7 @@
           <a:p>
             <a:fld id="{48A87A34-81AB-432B-8DAE-1953F412C126}" type="datetimeFigureOut">
               <a:rPr lang="en-US" dirty="0"/>
-              <a:t>4/23/24</a:t>
+              <a:t>4/23/2024</a:t>
             </a:fld>
             <a:endParaRPr lang="en-US" dirty="0"/>
           </a:p>
@@ -7555,7 +7556,7 @@
           <a:p>
             <a:fld id="{48A87A34-81AB-432B-8DAE-1953F412C126}" type="datetimeFigureOut">
               <a:rPr lang="en-US" dirty="0"/>
-              <a:t>4/23/24</a:t>
+              <a:t>4/23/2024</a:t>
             </a:fld>
             <a:endParaRPr lang="en-US" dirty="0"/>
           </a:p>
@@ -7782,7 +7783,7 @@
           <a:p>
             <a:fld id="{48A87A34-81AB-432B-8DAE-1953F412C126}" type="datetimeFigureOut">
               <a:rPr lang="en-US" dirty="0"/>
-              <a:t>4/23/24</a:t>
+              <a:t>4/23/2024</a:t>
             </a:fld>
             <a:endParaRPr lang="en-US" dirty="0"/>
           </a:p>
@@ -8158,7 +8159,7 @@
           <a:p>
             <a:fld id="{48A87A34-81AB-432B-8DAE-1953F412C126}" type="datetimeFigureOut">
               <a:rPr lang="en-US" dirty="0"/>
-              <a:t>4/23/24</a:t>
+              <a:t>4/23/2024</a:t>
             </a:fld>
             <a:endParaRPr lang="en-US" dirty="0"/>
           </a:p>
@@ -8271,7 +8272,7 @@
           <a:p>
             <a:fld id="{48A87A34-81AB-432B-8DAE-1953F412C126}" type="datetimeFigureOut">
               <a:rPr lang="en-US" dirty="0"/>
-              <a:t>4/23/24</a:t>
+              <a:t>4/23/2024</a:t>
             </a:fld>
             <a:endParaRPr lang="en-US" dirty="0"/>
           </a:p>
@@ -8361,7 +8362,7 @@
           <a:p>
             <a:fld id="{48A87A34-81AB-432B-8DAE-1953F412C126}" type="datetimeFigureOut">
               <a:rPr lang="en-US" dirty="0"/>
-              <a:t>4/23/24</a:t>
+              <a:t>4/23/2024</a:t>
             </a:fld>
             <a:endParaRPr lang="en-US" dirty="0"/>
           </a:p>
@@ -8605,7 +8606,7 @@
           <a:p>
             <a:fld id="{48A87A34-81AB-432B-8DAE-1953F412C126}" type="datetimeFigureOut">
               <a:rPr lang="en-US" dirty="0"/>
-              <a:t>4/23/24</a:t>
+              <a:t>4/23/2024</a:t>
             </a:fld>
             <a:endParaRPr lang="en-US" dirty="0"/>
           </a:p>
@@ -8880,7 +8881,7 @@
           <a:p>
             <a:fld id="{48A87A34-81AB-432B-8DAE-1953F412C126}" type="datetimeFigureOut">
               <a:rPr lang="en-US" dirty="0"/>
-              <a:t>4/23/24</a:t>
+              <a:t>4/23/2024</a:t>
             </a:fld>
             <a:endParaRPr lang="en-US" dirty="0"/>
           </a:p>
@@ -8991,7 +8992,7 @@
           <a:noFill/>
           <a:extLst>
             <a:ext uri="{909E8E84-426E-40dd-AFC4-6F175D3DCCD1}">
-              <a14:hiddenFill xmlns="" xmlns:a14="http://schemas.microsoft.com/office/drawing/2010/main">
+              <a14:hiddenFill xmlns:a14="http://schemas.microsoft.com/office/drawing/2010/main" xmlns="">
                 <a:solidFill>
                   <a:srgbClr val="FFFFFF"/>
                 </a:solidFill>
@@ -9065,7 +9066,7 @@
               </a:ln>
               <a:extLst>
                 <a:ext uri="{91240B29-F687-4f45-9708-019B960494DF}">
-                  <a14:hiddenLine xmlns="" xmlns:a14="http://schemas.microsoft.com/office/drawing/2010/main" w="9525">
+                  <a14:hiddenLine xmlns:a14="http://schemas.microsoft.com/office/drawing/2010/main" xmlns="" w="9525">
                     <a:solidFill>
                       <a:srgbClr val="000000"/>
                     </a:solidFill>
@@ -9155,7 +9156,7 @@
               </a:ln>
               <a:extLst>
                 <a:ext uri="{91240B29-F687-4f45-9708-019B960494DF}">
-                  <a14:hiddenLine xmlns="" xmlns:a14="http://schemas.microsoft.com/office/drawing/2010/main" w="9525">
+                  <a14:hiddenLine xmlns:a14="http://schemas.microsoft.com/office/drawing/2010/main" xmlns="" w="9525">
                     <a:solidFill>
                       <a:srgbClr val="000000"/>
                     </a:solidFill>
@@ -9245,7 +9246,7 @@
               </a:ln>
               <a:extLst>
                 <a:ext uri="{91240B29-F687-4f45-9708-019B960494DF}">
-                  <a14:hiddenLine xmlns="" xmlns:a14="http://schemas.microsoft.com/office/drawing/2010/main" w="9525">
+                  <a14:hiddenLine xmlns:a14="http://schemas.microsoft.com/office/drawing/2010/main" xmlns="" w="9525">
                     <a:solidFill>
                       <a:srgbClr val="000000"/>
                     </a:solidFill>
@@ -9307,7 +9308,7 @@
               </a:ln>
               <a:extLst>
                 <a:ext uri="{91240B29-F687-4f45-9708-019B960494DF}">
-                  <a14:hiddenLine xmlns="" xmlns:a14="http://schemas.microsoft.com/office/drawing/2010/main" w="9525">
+                  <a14:hiddenLine xmlns:a14="http://schemas.microsoft.com/office/drawing/2010/main" xmlns="" w="9525">
                     <a:solidFill>
                       <a:srgbClr val="000000"/>
                     </a:solidFill>
@@ -9397,7 +9398,7 @@
               </a:ln>
               <a:extLst>
                 <a:ext uri="{91240B29-F687-4f45-9708-019B960494DF}">
-                  <a14:hiddenLine xmlns="" xmlns:a14="http://schemas.microsoft.com/office/drawing/2010/main" w="9525">
+                  <a14:hiddenLine xmlns:a14="http://schemas.microsoft.com/office/drawing/2010/main" xmlns="" w="9525">
                     <a:solidFill>
                       <a:srgbClr val="000000"/>
                     </a:solidFill>
@@ -9459,7 +9460,7 @@
               </a:ln>
               <a:extLst>
                 <a:ext uri="{91240B29-F687-4f45-9708-019B960494DF}">
-                  <a14:hiddenLine xmlns="" xmlns:a14="http://schemas.microsoft.com/office/drawing/2010/main" w="9525">
+                  <a14:hiddenLine xmlns:a14="http://schemas.microsoft.com/office/drawing/2010/main" xmlns="" w="9525">
                     <a:solidFill>
                       <a:srgbClr val="000000"/>
                     </a:solidFill>
@@ -9521,7 +9522,7 @@
               </a:ln>
               <a:extLst>
                 <a:ext uri="{91240B29-F687-4f45-9708-019B960494DF}">
-                  <a14:hiddenLine xmlns="" xmlns:a14="http://schemas.microsoft.com/office/drawing/2010/main" w="9525">
+                  <a14:hiddenLine xmlns:a14="http://schemas.microsoft.com/office/drawing/2010/main" xmlns="" w="9525">
                     <a:solidFill>
                       <a:srgbClr val="000000"/>
                     </a:solidFill>
@@ -9611,7 +9612,7 @@
               </a:ln>
               <a:extLst>
                 <a:ext uri="{91240B29-F687-4f45-9708-019B960494DF}">
-                  <a14:hiddenLine xmlns="" xmlns:a14="http://schemas.microsoft.com/office/drawing/2010/main" w="9525">
+                  <a14:hiddenLine xmlns:a14="http://schemas.microsoft.com/office/drawing/2010/main" xmlns="" w="9525">
                     <a:solidFill>
                       <a:srgbClr val="000000"/>
                     </a:solidFill>
@@ -9701,7 +9702,7 @@
               </a:ln>
               <a:extLst>
                 <a:ext uri="{91240B29-F687-4f45-9708-019B960494DF}">
-                  <a14:hiddenLine xmlns="" xmlns:a14="http://schemas.microsoft.com/office/drawing/2010/main" w="9525">
+                  <a14:hiddenLine xmlns:a14="http://schemas.microsoft.com/office/drawing/2010/main" xmlns="" w="9525">
                     <a:solidFill>
                       <a:srgbClr val="000000"/>
                     </a:solidFill>
@@ -9763,7 +9764,7 @@
               </a:ln>
               <a:extLst>
                 <a:ext uri="{91240B29-F687-4f45-9708-019B960494DF}">
-                  <a14:hiddenLine xmlns="" xmlns:a14="http://schemas.microsoft.com/office/drawing/2010/main" w="9525">
+                  <a14:hiddenLine xmlns:a14="http://schemas.microsoft.com/office/drawing/2010/main" xmlns="" w="9525">
                     <a:solidFill>
                       <a:srgbClr val="000000"/>
                     </a:solidFill>
@@ -9873,7 +9874,7 @@
               </a:ln>
               <a:extLst>
                 <a:ext uri="{91240B29-F687-4f45-9708-019B960494DF}">
-                  <a14:hiddenLine xmlns="" xmlns:a14="http://schemas.microsoft.com/office/drawing/2010/main" w="9525">
+                  <a14:hiddenLine xmlns:a14="http://schemas.microsoft.com/office/drawing/2010/main" xmlns="" w="9525">
                     <a:solidFill>
                       <a:srgbClr val="000000"/>
                     </a:solidFill>
@@ -9957,7 +9958,7 @@
               </a:ln>
               <a:extLst>
                 <a:ext uri="{91240B29-F687-4f45-9708-019B960494DF}">
-                  <a14:hiddenLine xmlns="" xmlns:a14="http://schemas.microsoft.com/office/drawing/2010/main" w="9525">
+                  <a14:hiddenLine xmlns:a14="http://schemas.microsoft.com/office/drawing/2010/main" xmlns="" w="9525">
                     <a:solidFill>
                       <a:srgbClr val="000000"/>
                     </a:solidFill>
@@ -10019,7 +10020,7 @@
               </a:ln>
               <a:extLst>
                 <a:ext uri="{91240B29-F687-4f45-9708-019B960494DF}">
-                  <a14:hiddenLine xmlns="" xmlns:a14="http://schemas.microsoft.com/office/drawing/2010/main" w="9525">
+                  <a14:hiddenLine xmlns:a14="http://schemas.microsoft.com/office/drawing/2010/main" xmlns="" w="9525">
                     <a:solidFill>
                       <a:srgbClr val="000000"/>
                     </a:solidFill>
@@ -10081,7 +10082,7 @@
               </a:ln>
               <a:extLst>
                 <a:ext uri="{91240B29-F687-4f45-9708-019B960494DF}">
-                  <a14:hiddenLine xmlns="" xmlns:a14="http://schemas.microsoft.com/office/drawing/2010/main" w="9525">
+                  <a14:hiddenLine xmlns:a14="http://schemas.microsoft.com/office/drawing/2010/main" xmlns="" w="9525">
                     <a:solidFill>
                       <a:srgbClr val="000000"/>
                     </a:solidFill>
@@ -10171,7 +10172,7 @@
               </a:ln>
               <a:extLst>
                 <a:ext uri="{91240B29-F687-4f45-9708-019B960494DF}">
-                  <a14:hiddenLine xmlns="" xmlns:a14="http://schemas.microsoft.com/office/drawing/2010/main" w="9525">
+                  <a14:hiddenLine xmlns:a14="http://schemas.microsoft.com/office/drawing/2010/main" xmlns="" w="9525">
                     <a:solidFill>
                       <a:srgbClr val="000000"/>
                     </a:solidFill>
@@ -10205,7 +10206,7 @@
               </a:ln>
               <a:extLst>
                 <a:ext uri="{91240B29-F687-4f45-9708-019B960494DF}">
-                  <a14:hiddenLine xmlns="" xmlns:a14="http://schemas.microsoft.com/office/drawing/2010/main" w="9525">
+                  <a14:hiddenLine xmlns:a14="http://schemas.microsoft.com/office/drawing/2010/main" xmlns="" w="9525">
                     <a:solidFill>
                       <a:srgbClr val="000000"/>
                     </a:solidFill>
@@ -10270,7 +10271,7 @@
               </a:ln>
               <a:extLst>
                 <a:ext uri="{91240B29-F687-4f45-9708-019B960494DF}">
-                  <a14:hiddenLine xmlns="" xmlns:a14="http://schemas.microsoft.com/office/drawing/2010/main" w="9525">
+                  <a14:hiddenLine xmlns:a14="http://schemas.microsoft.com/office/drawing/2010/main" xmlns="" w="9525">
                     <a:solidFill>
                       <a:srgbClr val="000000"/>
                     </a:solidFill>
@@ -10360,7 +10361,7 @@
               </a:ln>
               <a:extLst>
                 <a:ext uri="{91240B29-F687-4f45-9708-019B960494DF}">
-                  <a14:hiddenLine xmlns="" xmlns:a14="http://schemas.microsoft.com/office/drawing/2010/main" w="9525">
+                  <a14:hiddenLine xmlns:a14="http://schemas.microsoft.com/office/drawing/2010/main" xmlns="" w="9525">
                     <a:solidFill>
                       <a:srgbClr val="000000"/>
                     </a:solidFill>
@@ -10422,7 +10423,7 @@
               </a:ln>
               <a:extLst>
                 <a:ext uri="{91240B29-F687-4f45-9708-019B960494DF}">
-                  <a14:hiddenLine xmlns="" xmlns:a14="http://schemas.microsoft.com/office/drawing/2010/main" w="9525">
+                  <a14:hiddenLine xmlns:a14="http://schemas.microsoft.com/office/drawing/2010/main" xmlns="" w="9525">
                     <a:solidFill>
                       <a:srgbClr val="000000"/>
                     </a:solidFill>
@@ -10512,7 +10513,7 @@
               </a:ln>
               <a:extLst>
                 <a:ext uri="{91240B29-F687-4f45-9708-019B960494DF}">
-                  <a14:hiddenLine xmlns="" xmlns:a14="http://schemas.microsoft.com/office/drawing/2010/main" w="9525">
+                  <a14:hiddenLine xmlns:a14="http://schemas.microsoft.com/office/drawing/2010/main" xmlns="" w="9525">
                     <a:solidFill>
                       <a:srgbClr val="000000"/>
                     </a:solidFill>
@@ -10577,7 +10578,7 @@
               </a:ln>
               <a:extLst>
                 <a:ext uri="{91240B29-F687-4f45-9708-019B960494DF}">
-                  <a14:hiddenLine xmlns="" xmlns:a14="http://schemas.microsoft.com/office/drawing/2010/main" w="9525">
+                  <a14:hiddenLine xmlns:a14="http://schemas.microsoft.com/office/drawing/2010/main" xmlns="" w="9525">
                     <a:solidFill>
                       <a:srgbClr val="000000"/>
                     </a:solidFill>
@@ -10639,7 +10640,7 @@
               </a:ln>
               <a:extLst>
                 <a:ext uri="{91240B29-F687-4f45-9708-019B960494DF}">
-                  <a14:hiddenLine xmlns="" xmlns:a14="http://schemas.microsoft.com/office/drawing/2010/main" w="9525">
+                  <a14:hiddenLine xmlns:a14="http://schemas.microsoft.com/office/drawing/2010/main" xmlns="" w="9525">
                     <a:solidFill>
                       <a:srgbClr val="000000"/>
                     </a:solidFill>
@@ -10729,7 +10730,7 @@
               </a:ln>
               <a:extLst>
                 <a:ext uri="{91240B29-F687-4f45-9708-019B960494DF}">
-                  <a14:hiddenLine xmlns="" xmlns:a14="http://schemas.microsoft.com/office/drawing/2010/main" w="9525">
+                  <a14:hiddenLine xmlns:a14="http://schemas.microsoft.com/office/drawing/2010/main" xmlns="" w="9525">
                     <a:solidFill>
                       <a:srgbClr val="000000"/>
                     </a:solidFill>
@@ -10819,7 +10820,7 @@
               </a:ln>
               <a:extLst>
                 <a:ext uri="{91240B29-F687-4f45-9708-019B960494DF}">
-                  <a14:hiddenLine xmlns="" xmlns:a14="http://schemas.microsoft.com/office/drawing/2010/main" w="9525">
+                  <a14:hiddenLine xmlns:a14="http://schemas.microsoft.com/office/drawing/2010/main" xmlns="" w="9525">
                     <a:solidFill>
                       <a:srgbClr val="000000"/>
                     </a:solidFill>
@@ -10884,7 +10885,7 @@
               </a:ln>
               <a:extLst>
                 <a:ext uri="{91240B29-F687-4f45-9708-019B960494DF}">
-                  <a14:hiddenLine xmlns="" xmlns:a14="http://schemas.microsoft.com/office/drawing/2010/main" w="9525">
+                  <a14:hiddenLine xmlns:a14="http://schemas.microsoft.com/office/drawing/2010/main" xmlns="" w="9525">
                     <a:solidFill>
                       <a:srgbClr val="000000"/>
                     </a:solidFill>
@@ -11004,7 +11005,7 @@
               </a:ln>
               <a:extLst>
                 <a:ext uri="{91240B29-F687-4f45-9708-019B960494DF}">
-                  <a14:hiddenLine xmlns="" xmlns:a14="http://schemas.microsoft.com/office/drawing/2010/main" w="9525">
+                  <a14:hiddenLine xmlns:a14="http://schemas.microsoft.com/office/drawing/2010/main" xmlns="" w="9525">
                     <a:solidFill>
                       <a:srgbClr val="000000"/>
                     </a:solidFill>
@@ -11102,7 +11103,7 @@
               </a:ln>
               <a:extLst>
                 <a:ext uri="{91240B29-F687-4f45-9708-019B960494DF}">
-                  <a14:hiddenLine xmlns="" xmlns:a14="http://schemas.microsoft.com/office/drawing/2010/main" w="9525">
+                  <a14:hiddenLine xmlns:a14="http://schemas.microsoft.com/office/drawing/2010/main" xmlns="" w="9525">
                     <a:solidFill>
                       <a:srgbClr val="000000"/>
                     </a:solidFill>
@@ -11217,7 +11218,7 @@
               </a:ln>
               <a:extLst>
                 <a:ext uri="{91240B29-F687-4f45-9708-019B960494DF}">
-                  <a14:hiddenLine xmlns="" xmlns:a14="http://schemas.microsoft.com/office/drawing/2010/main" w="9525">
+                  <a14:hiddenLine xmlns:a14="http://schemas.microsoft.com/office/drawing/2010/main" xmlns="" w="9525">
                     <a:solidFill>
                       <a:srgbClr val="000000"/>
                     </a:solidFill>
@@ -11307,7 +11308,7 @@
               </a:ln>
               <a:extLst>
                 <a:ext uri="{91240B29-F687-4f45-9708-019B960494DF}">
-                  <a14:hiddenLine xmlns="" xmlns:a14="http://schemas.microsoft.com/office/drawing/2010/main" w="9525">
+                  <a14:hiddenLine xmlns:a14="http://schemas.microsoft.com/office/drawing/2010/main" xmlns="" w="9525">
                     <a:solidFill>
                       <a:srgbClr val="000000"/>
                     </a:solidFill>
@@ -11372,7 +11373,7 @@
               </a:ln>
               <a:extLst>
                 <a:ext uri="{91240B29-F687-4f45-9708-019B960494DF}">
-                  <a14:hiddenLine xmlns="" xmlns:a14="http://schemas.microsoft.com/office/drawing/2010/main" w="9525">
+                  <a14:hiddenLine xmlns:a14="http://schemas.microsoft.com/office/drawing/2010/main" xmlns="" w="9525">
                     <a:solidFill>
                       <a:srgbClr val="000000"/>
                     </a:solidFill>
@@ -11462,7 +11463,7 @@
               </a:ln>
               <a:extLst>
                 <a:ext uri="{91240B29-F687-4f45-9708-019B960494DF}">
-                  <a14:hiddenLine xmlns="" xmlns:a14="http://schemas.microsoft.com/office/drawing/2010/main" w="9525">
+                  <a14:hiddenLine xmlns:a14="http://schemas.microsoft.com/office/drawing/2010/main" xmlns="" w="9525">
                     <a:solidFill>
                       <a:srgbClr val="000000"/>
                     </a:solidFill>
@@ -11530,7 +11531,7 @@
               </a:ln>
               <a:extLst>
                 <a:ext uri="{91240B29-F687-4f45-9708-019B960494DF}">
-                  <a14:hiddenLine xmlns="" xmlns:a14="http://schemas.microsoft.com/office/drawing/2010/main" w="9525">
+                  <a14:hiddenLine xmlns:a14="http://schemas.microsoft.com/office/drawing/2010/main" xmlns="" w="9525">
                     <a:solidFill>
                       <a:srgbClr val="000000"/>
                     </a:solidFill>
@@ -11620,7 +11621,7 @@
               </a:ln>
               <a:extLst>
                 <a:ext uri="{91240B29-F687-4f45-9708-019B960494DF}">
-                  <a14:hiddenLine xmlns="" xmlns:a14="http://schemas.microsoft.com/office/drawing/2010/main" w="9525">
+                  <a14:hiddenLine xmlns:a14="http://schemas.microsoft.com/office/drawing/2010/main" xmlns="" w="9525">
                     <a:solidFill>
                       <a:srgbClr val="000000"/>
                     </a:solidFill>
@@ -11688,7 +11689,7 @@
               </a:ln>
               <a:extLst>
                 <a:ext uri="{91240B29-F687-4f45-9708-019B960494DF}">
-                  <a14:hiddenLine xmlns="" xmlns:a14="http://schemas.microsoft.com/office/drawing/2010/main" w="9525">
+                  <a14:hiddenLine xmlns:a14="http://schemas.microsoft.com/office/drawing/2010/main" xmlns="" w="9525">
                     <a:solidFill>
                       <a:srgbClr val="000000"/>
                     </a:solidFill>
@@ -11778,7 +11779,7 @@
               </a:ln>
               <a:extLst>
                 <a:ext uri="{91240B29-F687-4f45-9708-019B960494DF}">
-                  <a14:hiddenLine xmlns="" xmlns:a14="http://schemas.microsoft.com/office/drawing/2010/main" w="9525">
+                  <a14:hiddenLine xmlns:a14="http://schemas.microsoft.com/office/drawing/2010/main" xmlns="" w="9525">
                     <a:solidFill>
                       <a:srgbClr val="000000"/>
                     </a:solidFill>
@@ -11812,7 +11813,7 @@
               </a:ln>
               <a:extLst>
                 <a:ext uri="{91240B29-F687-4f45-9708-019B960494DF}">
-                  <a14:hiddenLine xmlns="" xmlns:a14="http://schemas.microsoft.com/office/drawing/2010/main" w="9525">
+                  <a14:hiddenLine xmlns:a14="http://schemas.microsoft.com/office/drawing/2010/main" xmlns="" w="9525">
                     <a:solidFill>
                       <a:srgbClr val="000000"/>
                     </a:solidFill>
@@ -11953,7 +11954,7 @@
             <a:fld id="{48A87A34-81AB-432B-8DAE-1953F412C126}" type="datetimeFigureOut">
               <a:rPr lang="en-US" dirty="0"/>
               <a:pPr/>
-              <a:t>4/23/24</a:t>
+              <a:t>4/23/2024</a:t>
             </a:fld>
             <a:endParaRPr lang="en-US" dirty="0"/>
           </a:p>
@@ -12507,6 +12508,151 @@
       </p:grpSpPr>
       <p:sp>
         <p:nvSpPr>
+          <p:cNvPr id="2" name="Title 1">
+            <a:extLst>
+              <a:ext uri="{FF2B5EF4-FFF2-40B4-BE49-F238E27FC236}">
+                <a16:creationId xmlns:a16="http://schemas.microsoft.com/office/drawing/2014/main" id="{7B98C2F0-4798-FBFD-6F0F-EE0914E2AB57}"/>
+              </a:ext>
+            </a:extLst>
+          </p:cNvPr>
+          <p:cNvSpPr>
+            <a:spLocks noGrp="1"/>
+          </p:cNvSpPr>
+          <p:nvPr>
+            <p:ph type="title"/>
+          </p:nvPr>
+        </p:nvSpPr>
+        <p:spPr>
+          <a:xfrm>
+            <a:off x="1141413" y="387024"/>
+            <a:ext cx="9905998" cy="916368"/>
+          </a:xfrm>
+        </p:spPr>
+        <p:txBody>
+          <a:bodyPr/>
+          <a:lstStyle/>
+          <a:p>
+            <a:r>
+              <a:rPr lang="en-GB" dirty="0">
+                <a:solidFill>
+                  <a:schemeClr val="bg1"/>
+                </a:solidFill>
+              </a:rPr>
+              <a:t>FILEs after compilation</a:t>
+            </a:r>
+            <a:endParaRPr lang="en-IE" dirty="0">
+              <a:solidFill>
+                <a:schemeClr val="bg1"/>
+              </a:solidFill>
+            </a:endParaRPr>
+          </a:p>
+        </p:txBody>
+      </p:sp>
+      <p:pic>
+        <p:nvPicPr>
+          <p:cNvPr id="7" name="Picture 6" descr="A group of icons with text&#10;&#10;Description automatically generated">
+            <a:extLst>
+              <a:ext uri="{FF2B5EF4-FFF2-40B4-BE49-F238E27FC236}">
+                <a16:creationId xmlns:a16="http://schemas.microsoft.com/office/drawing/2014/main" id="{665889E4-31A3-CFA1-8A30-757C920BF566}"/>
+              </a:ext>
+            </a:extLst>
+          </p:cNvPr>
+          <p:cNvPicPr>
+            <a:picLocks noChangeAspect="1"/>
+          </p:cNvPicPr>
+          <p:nvPr/>
+        </p:nvPicPr>
+        <p:blipFill>
+          <a:blip r:embed="rId2"/>
+          <a:stretch>
+            <a:fillRect/>
+          </a:stretch>
+        </p:blipFill>
+        <p:spPr>
+          <a:xfrm>
+            <a:off x="1141413" y="2051164"/>
+            <a:ext cx="9905998" cy="4228460"/>
+          </a:xfrm>
+          <a:prstGeom prst="rect">
+            <a:avLst/>
+          </a:prstGeom>
+        </p:spPr>
+      </p:pic>
+      <p:sp>
+        <p:nvSpPr>
+          <p:cNvPr id="3" name="TextBox 2">
+            <a:extLst>
+              <a:ext uri="{FF2B5EF4-FFF2-40B4-BE49-F238E27FC236}">
+                <a16:creationId xmlns:a16="http://schemas.microsoft.com/office/drawing/2014/main" id="{3B5AF558-87D9-D45E-1B11-39E19DD2B549}"/>
+              </a:ext>
+            </a:extLst>
+          </p:cNvPr>
+          <p:cNvSpPr txBox="1"/>
+          <p:nvPr/>
+        </p:nvSpPr>
+        <p:spPr>
+          <a:xfrm>
+            <a:off x="1435260" y="1192192"/>
+            <a:ext cx="9398643" cy="646331"/>
+          </a:xfrm>
+          <a:prstGeom prst="rect">
+            <a:avLst/>
+          </a:prstGeom>
+          <a:noFill/>
+        </p:spPr>
+        <p:txBody>
+          <a:bodyPr wrap="square" rtlCol="0">
+            <a:spAutoFit/>
+          </a:bodyPr>
+          <a:lstStyle/>
+          <a:p>
+            <a:r>
+              <a:rPr lang="en-US" dirty="0"/>
+              <a:t>We can remove </a:t>
+            </a:r>
+            <a:r>
+              <a:rPr lang="en-US" dirty="0" err="1"/>
+              <a:t>Makefile</a:t>
+            </a:r>
+            <a:r>
+              <a:rPr lang="en-US" dirty="0"/>
+              <a:t> after we compile the program. We also get three classes being generated once we compile our solution.</a:t>
+            </a:r>
+          </a:p>
+        </p:txBody>
+      </p:sp>
+    </p:spTree>
+    <p:extLst>
+      <p:ext uri="{BB962C8B-B14F-4D97-AF65-F5344CB8AC3E}">
+        <p14:creationId xmlns:p14="http://schemas.microsoft.com/office/powerpoint/2010/main" val="3032352033"/>
+      </p:ext>
+    </p:extLst>
+  </p:cSld>
+  <p:clrMapOvr>
+    <a:masterClrMapping/>
+  </p:clrMapOvr>
+</p:sld>
+</file>
+
+<file path=ppt/slides/slide11.xml><?xml version="1.0" encoding="utf-8"?>
+<p:sld xmlns:a="http://schemas.openxmlformats.org/drawingml/2006/main" xmlns:r="http://schemas.openxmlformats.org/officeDocument/2006/relationships" xmlns:p="http://schemas.openxmlformats.org/presentationml/2006/main">
+  <p:cSld>
+    <p:spTree>
+      <p:nvGrpSpPr>
+        <p:cNvPr id="1" name=""/>
+        <p:cNvGrpSpPr/>
+        <p:nvPr/>
+      </p:nvGrpSpPr>
+      <p:grpSpPr>
+        <a:xfrm>
+          <a:off x="0" y="0"/>
+          <a:ext cx="0" cy="0"/>
+          <a:chOff x="0" y="0"/>
+          <a:chExt cx="0" cy="0"/>
+        </a:xfrm>
+      </p:grpSpPr>
+      <p:sp>
+        <p:nvSpPr>
           <p:cNvPr id="3" name="Title 1">
             <a:extLst>
               <a:ext uri="{FF2B5EF4-FFF2-40B4-BE49-F238E27FC236}">
@@ -12624,7 +12770,7 @@
 </p:sld>
 </file>
 
-<file path=ppt/slides/slide11.xml><?xml version="1.0" encoding="utf-8"?>
+<file path=ppt/slides/slide12.xml><?xml version="1.0" encoding="utf-8"?>
 <p:sld xmlns:a="http://schemas.openxmlformats.org/drawingml/2006/main" xmlns:r="http://schemas.openxmlformats.org/officeDocument/2006/relationships" xmlns:p="http://schemas.openxmlformats.org/presentationml/2006/main">
   <p:cSld>
     <p:spTree>
@@ -12775,7 +12921,7 @@
 </p:sld>
 </file>
 
-<file path=ppt/slides/slide12.xml><?xml version="1.0" encoding="utf-8"?>
+<file path=ppt/slides/slide13.xml><?xml version="1.0" encoding="utf-8"?>
 <p:sld xmlns:a="http://schemas.openxmlformats.org/drawingml/2006/main" xmlns:r="http://schemas.openxmlformats.org/officeDocument/2006/relationships" xmlns:p="http://schemas.openxmlformats.org/presentationml/2006/main">
   <p:cSld>
     <p:spTree>
@@ -12991,7 +13137,7 @@
 </p:sld>
 </file>
 
-<file path=ppt/slides/slide13.xml><?xml version="1.0" encoding="utf-8"?>
+<file path=ppt/slides/slide14.xml><?xml version="1.0" encoding="utf-8"?>
 <p:sld xmlns:a="http://schemas.openxmlformats.org/drawingml/2006/main" xmlns:r="http://schemas.openxmlformats.org/officeDocument/2006/relationships" xmlns:p="http://schemas.openxmlformats.org/presentationml/2006/main">
   <p:cSld>
     <p:spTree>
@@ -13095,7 +13241,7 @@
 </p:sld>
 </file>
 
-<file path=ppt/slides/slide14.xml><?xml version="1.0" encoding="utf-8"?>
+<file path=ppt/slides/slide15.xml><?xml version="1.0" encoding="utf-8"?>
 <p:sld xmlns:a="http://schemas.openxmlformats.org/drawingml/2006/main" xmlns:r="http://schemas.openxmlformats.org/officeDocument/2006/relationships" xmlns:p="http://schemas.openxmlformats.org/presentationml/2006/main">
   <p:cSld>
     <p:spTree>
@@ -13461,7 +13607,7 @@
           <a:noFill/>
           <a:extLst>
             <a:ext uri="{909E8E84-426E-40dd-AFC4-6F175D3DCCD1}">
-              <a14:hiddenFill xmlns:a14="http://schemas.microsoft.com/office/drawing/2010/main" xmlns:p14="http://schemas.microsoft.com/office/powerpoint/2010/main" xmlns:a16="http://schemas.microsoft.com/office/drawing/2014/main" xmlns="">
+              <a14:hiddenFill xmlns="" xmlns:a16="http://schemas.microsoft.com/office/drawing/2014/main" xmlns:p14="http://schemas.microsoft.com/office/powerpoint/2010/main" xmlns:a14="http://schemas.microsoft.com/office/drawing/2010/main">
                 <a:solidFill>
                   <a:srgbClr val="FFFFFF"/>
                 </a:solidFill>
@@ -13700,7 +13846,7 @@
             </a:ln>
             <a:extLst>
               <a:ext uri="{91240B29-F687-4f45-9708-019B960494DF}">
-                <a14:hiddenLine xmlns:a14="http://schemas.microsoft.com/office/drawing/2010/main" xmlns:p14="http://schemas.microsoft.com/office/powerpoint/2010/main" xmlns:a16="http://schemas.microsoft.com/office/drawing/2014/main" xmlns="" w="9525">
+                <a14:hiddenLine xmlns="" xmlns:a16="http://schemas.microsoft.com/office/drawing/2014/main" xmlns:p14="http://schemas.microsoft.com/office/powerpoint/2010/main" xmlns:a14="http://schemas.microsoft.com/office/drawing/2010/main" w="9525">
                   <a:solidFill>
                     <a:srgbClr val="000000"/>
                   </a:solidFill>
@@ -13812,7 +13958,7 @@
             </a:ln>
             <a:extLst>
               <a:ext uri="{91240B29-F687-4f45-9708-019B960494DF}">
-                <a14:hiddenLine xmlns:a14="http://schemas.microsoft.com/office/drawing/2010/main" xmlns:p14="http://schemas.microsoft.com/office/powerpoint/2010/main" xmlns:a16="http://schemas.microsoft.com/office/drawing/2014/main" xmlns="" w="9525">
+                <a14:hiddenLine xmlns="" xmlns:a16="http://schemas.microsoft.com/office/drawing/2014/main" xmlns:p14="http://schemas.microsoft.com/office/powerpoint/2010/main" xmlns:a14="http://schemas.microsoft.com/office/drawing/2010/main" w="9525">
                   <a:solidFill>
                     <a:srgbClr val="000000"/>
                   </a:solidFill>
@@ -13924,7 +14070,7 @@
             </a:ln>
             <a:extLst>
               <a:ext uri="{91240B29-F687-4f45-9708-019B960494DF}">
-                <a14:hiddenLine xmlns:a14="http://schemas.microsoft.com/office/drawing/2010/main" xmlns:p14="http://schemas.microsoft.com/office/powerpoint/2010/main" xmlns:a16="http://schemas.microsoft.com/office/drawing/2014/main" xmlns="" w="9525">
+                <a14:hiddenLine xmlns="" xmlns:a16="http://schemas.microsoft.com/office/drawing/2014/main" xmlns:p14="http://schemas.microsoft.com/office/powerpoint/2010/main" xmlns:a14="http://schemas.microsoft.com/office/drawing/2010/main" w="9525">
                   <a:solidFill>
                     <a:srgbClr val="000000"/>
                   </a:solidFill>
@@ -14008,7 +14154,7 @@
             </a:ln>
             <a:extLst>
               <a:ext uri="{91240B29-F687-4f45-9708-019B960494DF}">
-                <a14:hiddenLine xmlns:a14="http://schemas.microsoft.com/office/drawing/2010/main" xmlns:p14="http://schemas.microsoft.com/office/powerpoint/2010/main" xmlns:a16="http://schemas.microsoft.com/office/drawing/2014/main" xmlns="" w="9525">
+                <a14:hiddenLine xmlns="" xmlns:a16="http://schemas.microsoft.com/office/drawing/2014/main" xmlns:p14="http://schemas.microsoft.com/office/powerpoint/2010/main" xmlns:a14="http://schemas.microsoft.com/office/drawing/2010/main" w="9525">
                   <a:solidFill>
                     <a:srgbClr val="000000"/>
                   </a:solidFill>
@@ -14120,7 +14266,7 @@
             </a:ln>
             <a:extLst>
               <a:ext uri="{91240B29-F687-4f45-9708-019B960494DF}">
-                <a14:hiddenLine xmlns:a14="http://schemas.microsoft.com/office/drawing/2010/main" xmlns:p14="http://schemas.microsoft.com/office/powerpoint/2010/main" xmlns:a16="http://schemas.microsoft.com/office/drawing/2014/main" xmlns="" w="9525">
+                <a14:hiddenLine xmlns="" xmlns:a16="http://schemas.microsoft.com/office/drawing/2014/main" xmlns:p14="http://schemas.microsoft.com/office/powerpoint/2010/main" xmlns:a14="http://schemas.microsoft.com/office/drawing/2010/main" w="9525">
                   <a:solidFill>
                     <a:srgbClr val="000000"/>
                   </a:solidFill>
@@ -14204,7 +14350,7 @@
             </a:ln>
             <a:extLst>
               <a:ext uri="{91240B29-F687-4f45-9708-019B960494DF}">
-                <a14:hiddenLine xmlns:a14="http://schemas.microsoft.com/office/drawing/2010/main" xmlns:p14="http://schemas.microsoft.com/office/powerpoint/2010/main" xmlns:a16="http://schemas.microsoft.com/office/drawing/2014/main" xmlns="" w="9525">
+                <a14:hiddenLine xmlns="" xmlns:a16="http://schemas.microsoft.com/office/drawing/2014/main" xmlns:p14="http://schemas.microsoft.com/office/powerpoint/2010/main" xmlns:a14="http://schemas.microsoft.com/office/drawing/2010/main" w="9525">
                   <a:solidFill>
                     <a:srgbClr val="000000"/>
                   </a:solidFill>
@@ -14288,7 +14434,7 @@
             </a:ln>
             <a:extLst>
               <a:ext uri="{91240B29-F687-4f45-9708-019B960494DF}">
-                <a14:hiddenLine xmlns:a14="http://schemas.microsoft.com/office/drawing/2010/main" xmlns:p14="http://schemas.microsoft.com/office/powerpoint/2010/main" xmlns:a16="http://schemas.microsoft.com/office/drawing/2014/main" xmlns="" w="9525">
+                <a14:hiddenLine xmlns="" xmlns:a16="http://schemas.microsoft.com/office/drawing/2014/main" xmlns:p14="http://schemas.microsoft.com/office/powerpoint/2010/main" xmlns:a14="http://schemas.microsoft.com/office/drawing/2010/main" w="9525">
                   <a:solidFill>
                     <a:srgbClr val="000000"/>
                   </a:solidFill>
@@ -14400,7 +14546,7 @@
             </a:ln>
             <a:extLst>
               <a:ext uri="{91240B29-F687-4f45-9708-019B960494DF}">
-                <a14:hiddenLine xmlns:a14="http://schemas.microsoft.com/office/drawing/2010/main" xmlns:p14="http://schemas.microsoft.com/office/powerpoint/2010/main" xmlns:a16="http://schemas.microsoft.com/office/drawing/2014/main" xmlns="" w="9525">
+                <a14:hiddenLine xmlns="" xmlns:a16="http://schemas.microsoft.com/office/drawing/2014/main" xmlns:p14="http://schemas.microsoft.com/office/powerpoint/2010/main" xmlns:a14="http://schemas.microsoft.com/office/drawing/2010/main" w="9525">
                   <a:solidFill>
                     <a:srgbClr val="000000"/>
                   </a:solidFill>
@@ -14512,7 +14658,7 @@
             </a:ln>
             <a:extLst>
               <a:ext uri="{91240B29-F687-4f45-9708-019B960494DF}">
-                <a14:hiddenLine xmlns:a14="http://schemas.microsoft.com/office/drawing/2010/main" xmlns:p14="http://schemas.microsoft.com/office/powerpoint/2010/main" xmlns:a16="http://schemas.microsoft.com/office/drawing/2014/main" xmlns="" w="9525">
+                <a14:hiddenLine xmlns="" xmlns:a16="http://schemas.microsoft.com/office/drawing/2014/main" xmlns:p14="http://schemas.microsoft.com/office/powerpoint/2010/main" xmlns:a14="http://schemas.microsoft.com/office/drawing/2010/main" w="9525">
                   <a:solidFill>
                     <a:srgbClr val="000000"/>
                   </a:solidFill>
@@ -14596,7 +14742,7 @@
             </a:ln>
             <a:extLst>
               <a:ext uri="{91240B29-F687-4f45-9708-019B960494DF}">
-                <a14:hiddenLine xmlns:a14="http://schemas.microsoft.com/office/drawing/2010/main" xmlns:p14="http://schemas.microsoft.com/office/powerpoint/2010/main" xmlns:a16="http://schemas.microsoft.com/office/drawing/2014/main" xmlns="" w="9525">
+                <a14:hiddenLine xmlns="" xmlns:a16="http://schemas.microsoft.com/office/drawing/2014/main" xmlns:p14="http://schemas.microsoft.com/office/powerpoint/2010/main" xmlns:a14="http://schemas.microsoft.com/office/drawing/2010/main" w="9525">
                   <a:solidFill>
                     <a:srgbClr val="000000"/>
                   </a:solidFill>
@@ -14728,7 +14874,7 @@
             </a:ln>
             <a:extLst>
               <a:ext uri="{91240B29-F687-4f45-9708-019B960494DF}">
-                <a14:hiddenLine xmlns:a14="http://schemas.microsoft.com/office/drawing/2010/main" xmlns:p14="http://schemas.microsoft.com/office/powerpoint/2010/main" xmlns:a16="http://schemas.microsoft.com/office/drawing/2014/main" xmlns="" w="9525">
+                <a14:hiddenLine xmlns="" xmlns:a16="http://schemas.microsoft.com/office/drawing/2014/main" xmlns:p14="http://schemas.microsoft.com/office/powerpoint/2010/main" xmlns:a14="http://schemas.microsoft.com/office/drawing/2010/main" w="9525">
                   <a:solidFill>
                     <a:srgbClr val="000000"/>
                   </a:solidFill>
@@ -14856,7 +15002,7 @@
             </a:ln>
             <a:extLst>
               <a:ext uri="{91240B29-F687-4f45-9708-019B960494DF}">
-                <a14:hiddenLine xmlns:a14="http://schemas.microsoft.com/office/drawing/2010/main" xmlns:p14="http://schemas.microsoft.com/office/powerpoint/2010/main" xmlns:a16="http://schemas.microsoft.com/office/drawing/2014/main" xmlns="" w="9525">
+                <a14:hiddenLine xmlns="" xmlns:a16="http://schemas.microsoft.com/office/drawing/2014/main" xmlns:p14="http://schemas.microsoft.com/office/powerpoint/2010/main" xmlns:a14="http://schemas.microsoft.com/office/drawing/2010/main" w="9525">
                   <a:solidFill>
                     <a:srgbClr val="000000"/>
                   </a:solidFill>
@@ -14940,7 +15086,7 @@
             </a:ln>
             <a:extLst>
               <a:ext uri="{91240B29-F687-4f45-9708-019B960494DF}">
-                <a14:hiddenLine xmlns:a14="http://schemas.microsoft.com/office/drawing/2010/main" xmlns:p14="http://schemas.microsoft.com/office/powerpoint/2010/main" xmlns:a16="http://schemas.microsoft.com/office/drawing/2014/main" xmlns="" w="9525">
+                <a14:hiddenLine xmlns="" xmlns:a16="http://schemas.microsoft.com/office/drawing/2014/main" xmlns:p14="http://schemas.microsoft.com/office/powerpoint/2010/main" xmlns:a14="http://schemas.microsoft.com/office/drawing/2010/main" w="9525">
                   <a:solidFill>
                     <a:srgbClr val="000000"/>
                   </a:solidFill>
@@ -15024,7 +15170,7 @@
             </a:ln>
             <a:extLst>
               <a:ext uri="{91240B29-F687-4f45-9708-019B960494DF}">
-                <a14:hiddenLine xmlns:a14="http://schemas.microsoft.com/office/drawing/2010/main" xmlns:p14="http://schemas.microsoft.com/office/powerpoint/2010/main" xmlns:a16="http://schemas.microsoft.com/office/drawing/2014/main" xmlns="" w="9525">
+                <a14:hiddenLine xmlns="" xmlns:a16="http://schemas.microsoft.com/office/drawing/2014/main" xmlns:p14="http://schemas.microsoft.com/office/powerpoint/2010/main" xmlns:a14="http://schemas.microsoft.com/office/drawing/2010/main" w="9525">
                   <a:solidFill>
                     <a:srgbClr val="000000"/>
                   </a:solidFill>
@@ -15136,7 +15282,7 @@
             </a:ln>
             <a:extLst>
               <a:ext uri="{91240B29-F687-4f45-9708-019B960494DF}">
-                <a14:hiddenLine xmlns:a14="http://schemas.microsoft.com/office/drawing/2010/main" xmlns:p14="http://schemas.microsoft.com/office/powerpoint/2010/main" xmlns:a16="http://schemas.microsoft.com/office/drawing/2014/main" xmlns="" w="9525">
+                <a14:hiddenLine xmlns="" xmlns:a16="http://schemas.microsoft.com/office/drawing/2014/main" xmlns:p14="http://schemas.microsoft.com/office/powerpoint/2010/main" xmlns:a14="http://schemas.microsoft.com/office/drawing/2010/main" w="9525">
                   <a:solidFill>
                     <a:srgbClr val="000000"/>
                   </a:solidFill>
@@ -15192,7 +15338,7 @@
             </a:ln>
             <a:extLst>
               <a:ext uri="{91240B29-F687-4f45-9708-019B960494DF}">
-                <a14:hiddenLine xmlns:a14="http://schemas.microsoft.com/office/drawing/2010/main" xmlns:p14="http://schemas.microsoft.com/office/powerpoint/2010/main" xmlns:a16="http://schemas.microsoft.com/office/drawing/2014/main" xmlns="" w="9525">
+                <a14:hiddenLine xmlns="" xmlns:a16="http://schemas.microsoft.com/office/drawing/2014/main" xmlns:p14="http://schemas.microsoft.com/office/powerpoint/2010/main" xmlns:a14="http://schemas.microsoft.com/office/drawing/2010/main" w="9525">
                   <a:solidFill>
                     <a:srgbClr val="000000"/>
                   </a:solidFill>
@@ -15279,7 +15425,7 @@
             </a:ln>
             <a:extLst>
               <a:ext uri="{91240B29-F687-4f45-9708-019B960494DF}">
-                <a14:hiddenLine xmlns:a14="http://schemas.microsoft.com/office/drawing/2010/main" xmlns:p14="http://schemas.microsoft.com/office/powerpoint/2010/main" xmlns:a16="http://schemas.microsoft.com/office/drawing/2014/main" xmlns="" w="9525">
+                <a14:hiddenLine xmlns="" xmlns:a16="http://schemas.microsoft.com/office/drawing/2014/main" xmlns:p14="http://schemas.microsoft.com/office/powerpoint/2010/main" xmlns:a14="http://schemas.microsoft.com/office/drawing/2010/main" w="9525">
                   <a:solidFill>
                     <a:srgbClr val="000000"/>
                   </a:solidFill>
@@ -15391,7 +15537,7 @@
             </a:ln>
             <a:extLst>
               <a:ext uri="{91240B29-F687-4f45-9708-019B960494DF}">
-                <a14:hiddenLine xmlns:a14="http://schemas.microsoft.com/office/drawing/2010/main" xmlns:p14="http://schemas.microsoft.com/office/powerpoint/2010/main" xmlns:a16="http://schemas.microsoft.com/office/drawing/2014/main" xmlns="" w="9525">
+                <a14:hiddenLine xmlns="" xmlns:a16="http://schemas.microsoft.com/office/drawing/2014/main" xmlns:p14="http://schemas.microsoft.com/office/powerpoint/2010/main" xmlns:a14="http://schemas.microsoft.com/office/drawing/2010/main" w="9525">
                   <a:solidFill>
                     <a:srgbClr val="000000"/>
                   </a:solidFill>
@@ -15475,7 +15621,7 @@
             </a:ln>
             <a:extLst>
               <a:ext uri="{91240B29-F687-4f45-9708-019B960494DF}">
-                <a14:hiddenLine xmlns:a14="http://schemas.microsoft.com/office/drawing/2010/main" xmlns:p14="http://schemas.microsoft.com/office/powerpoint/2010/main" xmlns:a16="http://schemas.microsoft.com/office/drawing/2014/main" xmlns="" w="9525">
+                <a14:hiddenLine xmlns="" xmlns:a16="http://schemas.microsoft.com/office/drawing/2014/main" xmlns:p14="http://schemas.microsoft.com/office/powerpoint/2010/main" xmlns:a14="http://schemas.microsoft.com/office/drawing/2010/main" w="9525">
                   <a:solidFill>
                     <a:srgbClr val="000000"/>
                   </a:solidFill>
@@ -15587,7 +15733,7 @@
             </a:ln>
             <a:extLst>
               <a:ext uri="{91240B29-F687-4f45-9708-019B960494DF}">
-                <a14:hiddenLine xmlns:a14="http://schemas.microsoft.com/office/drawing/2010/main" xmlns:p14="http://schemas.microsoft.com/office/powerpoint/2010/main" xmlns:a16="http://schemas.microsoft.com/office/drawing/2014/main" xmlns="" w="9525">
+                <a14:hiddenLine xmlns="" xmlns:a16="http://schemas.microsoft.com/office/drawing/2014/main" xmlns:p14="http://schemas.microsoft.com/office/powerpoint/2010/main" xmlns:a14="http://schemas.microsoft.com/office/drawing/2010/main" w="9525">
                   <a:solidFill>
                     <a:srgbClr val="000000"/>
                   </a:solidFill>
@@ -15674,7 +15820,7 @@
             </a:ln>
             <a:extLst>
               <a:ext uri="{91240B29-F687-4f45-9708-019B960494DF}">
-                <a14:hiddenLine xmlns:a14="http://schemas.microsoft.com/office/drawing/2010/main" xmlns:p14="http://schemas.microsoft.com/office/powerpoint/2010/main" xmlns:a16="http://schemas.microsoft.com/office/drawing/2014/main" xmlns="" w="9525">
+                <a14:hiddenLine xmlns="" xmlns:a16="http://schemas.microsoft.com/office/drawing/2014/main" xmlns:p14="http://schemas.microsoft.com/office/powerpoint/2010/main" xmlns:a14="http://schemas.microsoft.com/office/drawing/2010/main" w="9525">
                   <a:solidFill>
                     <a:srgbClr val="000000"/>
                   </a:solidFill>
@@ -15758,7 +15904,7 @@
             </a:ln>
             <a:extLst>
               <a:ext uri="{91240B29-F687-4f45-9708-019B960494DF}">
-                <a14:hiddenLine xmlns:a14="http://schemas.microsoft.com/office/drawing/2010/main" xmlns:p14="http://schemas.microsoft.com/office/powerpoint/2010/main" xmlns:a16="http://schemas.microsoft.com/office/drawing/2014/main" xmlns="" w="9525">
+                <a14:hiddenLine xmlns="" xmlns:a16="http://schemas.microsoft.com/office/drawing/2014/main" xmlns:p14="http://schemas.microsoft.com/office/powerpoint/2010/main" xmlns:a14="http://schemas.microsoft.com/office/drawing/2010/main" w="9525">
                   <a:solidFill>
                     <a:srgbClr val="000000"/>
                   </a:solidFill>
@@ -15870,7 +16016,7 @@
             </a:ln>
             <a:extLst>
               <a:ext uri="{91240B29-F687-4f45-9708-019B960494DF}">
-                <a14:hiddenLine xmlns:a14="http://schemas.microsoft.com/office/drawing/2010/main" xmlns:p14="http://schemas.microsoft.com/office/powerpoint/2010/main" xmlns:a16="http://schemas.microsoft.com/office/drawing/2014/main" xmlns="" w="9525">
+                <a14:hiddenLine xmlns="" xmlns:a16="http://schemas.microsoft.com/office/drawing/2014/main" xmlns:p14="http://schemas.microsoft.com/office/powerpoint/2010/main" xmlns:a14="http://schemas.microsoft.com/office/drawing/2010/main" w="9525">
                   <a:solidFill>
                     <a:srgbClr val="000000"/>
                   </a:solidFill>
@@ -15982,7 +16128,7 @@
             </a:ln>
             <a:extLst>
               <a:ext uri="{91240B29-F687-4f45-9708-019B960494DF}">
-                <a14:hiddenLine xmlns:a14="http://schemas.microsoft.com/office/drawing/2010/main" xmlns:p14="http://schemas.microsoft.com/office/powerpoint/2010/main" xmlns:a16="http://schemas.microsoft.com/office/drawing/2014/main" xmlns="" w="9525">
+                <a14:hiddenLine xmlns="" xmlns:a16="http://schemas.microsoft.com/office/drawing/2014/main" xmlns:p14="http://schemas.microsoft.com/office/powerpoint/2010/main" xmlns:a14="http://schemas.microsoft.com/office/drawing/2010/main" w="9525">
                   <a:solidFill>
                     <a:srgbClr val="000000"/>
                   </a:solidFill>
@@ -16069,7 +16215,7 @@
             </a:ln>
             <a:extLst>
               <a:ext uri="{91240B29-F687-4f45-9708-019B960494DF}">
-                <a14:hiddenLine xmlns:a14="http://schemas.microsoft.com/office/drawing/2010/main" xmlns:p14="http://schemas.microsoft.com/office/powerpoint/2010/main" xmlns:a16="http://schemas.microsoft.com/office/drawing/2014/main" xmlns="" w="9525">
+                <a14:hiddenLine xmlns="" xmlns:a16="http://schemas.microsoft.com/office/drawing/2014/main" xmlns:p14="http://schemas.microsoft.com/office/powerpoint/2010/main" xmlns:a14="http://schemas.microsoft.com/office/drawing/2010/main" w="9525">
                   <a:solidFill>
                     <a:srgbClr val="000000"/>
                   </a:solidFill>
@@ -16211,7 +16357,7 @@
             </a:ln>
             <a:extLst>
               <a:ext uri="{91240B29-F687-4f45-9708-019B960494DF}">
-                <a14:hiddenLine xmlns:a14="http://schemas.microsoft.com/office/drawing/2010/main" xmlns:p14="http://schemas.microsoft.com/office/powerpoint/2010/main" xmlns:a16="http://schemas.microsoft.com/office/drawing/2014/main" xmlns="" w="9525">
+                <a14:hiddenLine xmlns="" xmlns:a16="http://schemas.microsoft.com/office/drawing/2014/main" xmlns:p14="http://schemas.microsoft.com/office/powerpoint/2010/main" xmlns:a14="http://schemas.microsoft.com/office/drawing/2010/main" w="9525">
                   <a:solidFill>
                     <a:srgbClr val="000000"/>
                   </a:solidFill>
@@ -16387,6 +16533,141 @@
 <file path=ppt/slides/slide3.xml><?xml version="1.0" encoding="utf-8"?>
 <p:sld xmlns:a="http://schemas.openxmlformats.org/drawingml/2006/main" xmlns:r="http://schemas.openxmlformats.org/officeDocument/2006/relationships" xmlns:p="http://schemas.openxmlformats.org/presentationml/2006/main">
   <p:cSld>
+    <p:spTree>
+      <p:nvGrpSpPr>
+        <p:cNvPr id="1" name=""/>
+        <p:cNvGrpSpPr/>
+        <p:nvPr/>
+      </p:nvGrpSpPr>
+      <p:grpSpPr>
+        <a:xfrm>
+          <a:off x="0" y="0"/>
+          <a:ext cx="0" cy="0"/>
+          <a:chOff x="0" y="0"/>
+          <a:chExt cx="0" cy="0"/>
+        </a:xfrm>
+      </p:grpSpPr>
+      <p:sp>
+        <p:nvSpPr>
+          <p:cNvPr id="2" name="Title 1">
+            <a:extLst>
+              <a:ext uri="{FF2B5EF4-FFF2-40B4-BE49-F238E27FC236}">
+                <a16:creationId xmlns:a16="http://schemas.microsoft.com/office/drawing/2014/main" id="{B636E749-81BD-06DC-7C01-0743F2A1D7B0}"/>
+              </a:ext>
+            </a:extLst>
+          </p:cNvPr>
+          <p:cNvSpPr>
+            <a:spLocks noGrp="1"/>
+          </p:cNvSpPr>
+          <p:nvPr>
+            <p:ph type="title"/>
+          </p:nvPr>
+        </p:nvSpPr>
+        <p:spPr/>
+        <p:txBody>
+          <a:bodyPr/>
+          <a:lstStyle/>
+          <a:p>
+            <a:r>
+              <a:rPr lang="en-GB" dirty="0">
+                <a:solidFill>
+                  <a:schemeClr val="bg1"/>
+                </a:solidFill>
+              </a:rPr>
+              <a:t>Concurrency Issues in </a:t>
+            </a:r>
+            <a:r>
+              <a:rPr lang="en-GB" dirty="0" err="1">
+                <a:solidFill>
+                  <a:schemeClr val="bg1"/>
+                </a:solidFill>
+              </a:rPr>
+              <a:t>oses</a:t>
+            </a:r>
+            <a:endParaRPr lang="en-IE" dirty="0">
+              <a:solidFill>
+                <a:schemeClr val="bg1"/>
+              </a:solidFill>
+            </a:endParaRPr>
+          </a:p>
+        </p:txBody>
+      </p:sp>
+      <p:sp>
+        <p:nvSpPr>
+          <p:cNvPr id="3" name="Content Placeholder 2">
+            <a:extLst>
+              <a:ext uri="{FF2B5EF4-FFF2-40B4-BE49-F238E27FC236}">
+                <a16:creationId xmlns:a16="http://schemas.microsoft.com/office/drawing/2014/main" id="{F27E7C55-EBAB-C480-560A-1A5AC6F4C00F}"/>
+              </a:ext>
+            </a:extLst>
+          </p:cNvPr>
+          <p:cNvSpPr>
+            <a:spLocks noGrp="1"/>
+          </p:cNvSpPr>
+          <p:nvPr>
+            <p:ph idx="1"/>
+          </p:nvPr>
+        </p:nvSpPr>
+        <p:spPr/>
+        <p:txBody>
+          <a:bodyPr/>
+          <a:lstStyle/>
+          <a:p>
+            <a:r>
+              <a:rPr lang="en-GB" dirty="0"/>
+              <a:t>Concurrency: </a:t>
+            </a:r>
+            <a:r>
+              <a:rPr lang="en-GB" dirty="0" err="1"/>
+              <a:t>Os</a:t>
+            </a:r>
+            <a:r>
+              <a:rPr lang="en-GB" dirty="0"/>
+              <a:t> ability to execute simultaneous tasks</a:t>
+            </a:r>
+          </a:p>
+          <a:p>
+            <a:r>
+              <a:rPr lang="en-GB" dirty="0"/>
+              <a:t>Independent processes and Cooperating processes</a:t>
+            </a:r>
+          </a:p>
+          <a:p>
+            <a:r>
+              <a:rPr lang="en-GB" dirty="0"/>
+              <a:t>Deadlock: Processes/ threads are waiting for release</a:t>
+            </a:r>
+          </a:p>
+          <a:p>
+            <a:r>
+              <a:rPr lang="en-GB" dirty="0"/>
+              <a:t>Starvation: Thread can’t gain access to shared resources, cannot progress</a:t>
+            </a:r>
+          </a:p>
+          <a:p>
+            <a:r>
+              <a:rPr lang="en-GB" dirty="0"/>
+              <a:t>Blocking: System call where process execution is blocked until requested operation is complete</a:t>
+            </a:r>
+          </a:p>
+        </p:txBody>
+      </p:sp>
+    </p:spTree>
+    <p:extLst>
+      <p:ext uri="{BB962C8B-B14F-4D97-AF65-F5344CB8AC3E}">
+        <p14:creationId xmlns:p14="http://schemas.microsoft.com/office/powerpoint/2010/main" val="1990579082"/>
+      </p:ext>
+    </p:extLst>
+  </p:cSld>
+  <p:clrMapOvr>
+    <a:masterClrMapping/>
+  </p:clrMapOvr>
+</p:sld>
+</file>
+
+<file path=ppt/slides/slide4.xml><?xml version="1.0" encoding="utf-8"?>
+<p:sld xmlns:a="http://schemas.openxmlformats.org/drawingml/2006/main" xmlns:r="http://schemas.openxmlformats.org/officeDocument/2006/relationships" xmlns:p="http://schemas.openxmlformats.org/presentationml/2006/main">
+  <p:cSld>
     <p:bg>
       <p:bgPr>
         <a:solidFill>
@@ -16409,21 +16690,21 @@
           <a:chExt cx="0" cy="0"/>
         </a:xfrm>
       </p:grpSpPr>
-      <p:pic>
-        <p:nvPicPr>
-          <p:cNvPr id="16" name="Picture 2">
+      <p:sp>
+        <p:nvSpPr>
+          <p:cNvPr id="51" name="Rectangle 50">
             <a:extLst>
               <a:ext uri="{FF2B5EF4-FFF2-40B4-BE49-F238E27FC236}">
-                <a16:creationId xmlns:a16="http://schemas.microsoft.com/office/drawing/2014/main" id="{5FF7B57D-FF7B-48B3-9F60-9BCEEECF9E76}"/>
+                <a16:creationId xmlns:a16="http://schemas.microsoft.com/office/drawing/2014/main" id="{046B922C-5BA7-4973-B12F-71A509E4BF13}"/>
               </a:ext>
               <a:ext uri="{C183D7F6-B498-43B3-948B-1728B52AA6E4}">
                 <adec:decorative xmlns:adec="http://schemas.microsoft.com/office/drawing/2017/decorative" val="1"/>
               </a:ext>
             </a:extLst>
           </p:cNvPr>
-          <p:cNvPicPr>
-            <a:picLocks noGrp="1" noRot="1" noChangeAspect="1" noMove="1" noResize="1" noEditPoints="1" noAdjustHandles="1" noChangeArrowheads="1" noChangeShapeType="1" noCrop="1"/>
-          </p:cNvPicPr>
+          <p:cNvSpPr>
+            <a:spLocks noGrp="1" noRot="1" noChangeAspect="1" noMove="1" noResize="1" noEditPoints="1" noAdjustHandles="1" noChangeArrowheads="1" noChangeShapeType="1" noTextEdit="1"/>
+          </p:cNvSpPr>
           <p:nvPr>
             <p:extLst>
               <p:ext uri="{386F3935-93C4-4BCD-93E2-E3B085C9AB24}">
@@ -16431,47 +16712,50 @@
               </p:ext>
             </p:extLst>
           </p:nvPr>
-        </p:nvPicPr>
-        <p:blipFill>
-          <a:blip r:embed="rId2">
-            <a:alphaModFix amt="30000"/>
-            <a:extLst>
-              <a:ext uri="{28A0092B-C50C-407E-A947-70E740481C1C}">
-                <a14:useLocalDpi xmlns:a14="http://schemas.microsoft.com/office/drawing/2010/main" val="0"/>
-              </a:ext>
-            </a:extLst>
-          </a:blip>
-          <a:srcRect/>
-          <a:stretch>
-            <a:fillRect/>
-          </a:stretch>
-        </p:blipFill>
-        <p:spPr bwMode="auto">
+        </p:nvSpPr>
+        <p:spPr>
           <a:xfrm>
             <a:off x="0" y="0"/>
-            <a:ext cx="12192003" cy="6858001"/>
+            <a:ext cx="12192000" cy="6858000"/>
           </a:xfrm>
           <a:prstGeom prst="rect">
             <a:avLst/>
           </a:prstGeom>
-          <a:noFill/>
-          <a:extLst>
-            <a:ext uri="{909E8E84-426E-40dd-AFC4-6F175D3DCCD1}">
-              <a14:hiddenFill xmlns:a14="http://schemas.microsoft.com/office/drawing/2010/main" xmlns:p14="http://schemas.microsoft.com/office/powerpoint/2010/main" xmlns:a16="http://schemas.microsoft.com/office/drawing/2014/main" xmlns="">
-                <a:solidFill>
-                  <a:srgbClr val="FFFFFF"/>
-                </a:solidFill>
-              </a14:hiddenFill>
-            </a:ext>
-          </a:extLst>
+          <a:ln>
+            <a:noFill/>
+          </a:ln>
         </p:spPr>
-      </p:pic>
+        <p:style>
+          <a:lnRef idx="2">
+            <a:schemeClr val="accent1">
+              <a:shade val="50000"/>
+            </a:schemeClr>
+          </a:lnRef>
+          <a:fillRef idx="1003">
+            <a:schemeClr val="dk2"/>
+          </a:fillRef>
+          <a:effectRef idx="0">
+            <a:schemeClr val="accent1"/>
+          </a:effectRef>
+          <a:fontRef idx="minor">
+            <a:schemeClr val="lt1"/>
+          </a:fontRef>
+        </p:style>
+        <p:txBody>
+          <a:bodyPr rtlCol="0" anchor="ctr"/>
+          <a:lstStyle/>
+          <a:p>
+            <a:pPr algn="ctr"/>
+            <a:endParaRPr lang="en-US"/>
+          </a:p>
+        </p:txBody>
+      </p:sp>
       <p:grpSp>
         <p:nvGrpSpPr>
-          <p:cNvPr id="18" name="Group 17">
+          <p:cNvPr id="53" name="Group 52">
             <a:extLst>
               <a:ext uri="{FF2B5EF4-FFF2-40B4-BE49-F238E27FC236}">
-                <a16:creationId xmlns:a16="http://schemas.microsoft.com/office/drawing/2014/main" id="{EB95AFDF-FA7D-4311-9C65-6D507D92F474}"/>
+                <a16:creationId xmlns:a16="http://schemas.microsoft.com/office/drawing/2014/main" id="{96D34D8D-9EE9-4659-8C22-7551A95F96FA}"/>
               </a:ext>
               <a:ext uri="{C183D7F6-B498-43B3-948B-1728B52AA6E4}">
                 <adec:decorative xmlns:adec="http://schemas.microsoft.com/office/drawing/2017/decorative" val="1"/>
@@ -16491,18 +16775,18 @@
         </p:nvGrpSpPr>
         <p:grpSpPr>
           <a:xfrm>
-            <a:off x="-14288" y="0"/>
-            <a:ext cx="12053888" cy="6858001"/>
-            <a:chOff x="-14288" y="0"/>
-            <a:chExt cx="12053888" cy="6858001"/>
+            <a:off x="0" y="0"/>
+            <a:ext cx="11902285" cy="6858001"/>
+            <a:chOff x="0" y="0"/>
+            <a:chExt cx="11902285" cy="6858001"/>
           </a:xfrm>
         </p:grpSpPr>
         <p:grpSp>
           <p:nvGrpSpPr>
-            <p:cNvPr id="19" name="Group 18">
+            <p:cNvPr id="12" name="Group 11">
               <a:extLst>
                 <a:ext uri="{FF2B5EF4-FFF2-40B4-BE49-F238E27FC236}">
-                  <a16:creationId xmlns:a16="http://schemas.microsoft.com/office/drawing/2014/main" id="{9A5CCD98-20C1-4404-B788-FDA92F8A4403}"/>
+                  <a16:creationId xmlns:a16="http://schemas.microsoft.com/office/drawing/2014/main" id="{3CA93C16-1147-4EB3-B4E7-3C43102494D0}"/>
                 </a:ext>
                 <a:ext uri="{C183D7F6-B498-43B3-948B-1728B52AA6E4}">
                   <adec:decorative xmlns:adec="http://schemas.microsoft.com/office/drawing/2017/decorative" val="1"/>
@@ -16520,7 +16804,7 @@
           </p:nvGrpSpPr>
           <p:grpSpPr>
             <a:xfrm>
-              <a:off x="-14288" y="0"/>
+              <a:off x="0" y="0"/>
               <a:ext cx="1220788" cy="6858001"/>
               <a:chOff x="-14288" y="0"/>
               <a:chExt cx="1220788" cy="6858001"/>
@@ -16528,10 +16812,10 @@
             <a:gradFill flip="none" rotWithShape="1">
               <a:gsLst>
                 <a:gs pos="0">
-                  <a:schemeClr val="tx2"/>
+                  <a:schemeClr val="bg2"/>
                 </a:gs>
                 <a:gs pos="100000">
-                  <a:schemeClr val="bg2">
+                  <a:schemeClr val="tx2">
                     <a:lumMod val="60000"/>
                     <a:lumOff val="40000"/>
                   </a:schemeClr>
@@ -16543,10 +16827,10 @@
           </p:grpSpPr>
           <p:sp>
             <p:nvSpPr>
-              <p:cNvPr id="31" name="Rectangle 5">
+              <p:cNvPr id="55" name="Rectangle 5">
                 <a:extLst>
                   <a:ext uri="{FF2B5EF4-FFF2-40B4-BE49-F238E27FC236}">
-                    <a16:creationId xmlns:a16="http://schemas.microsoft.com/office/drawing/2014/main" id="{C1424C76-B5C3-468E-86FA-8D9B269053DE}"/>
+                    <a16:creationId xmlns:a16="http://schemas.microsoft.com/office/drawing/2014/main" id="{C4779968-92AF-4B85-8C27-EBBFE1D69904}"/>
                   </a:ext>
                   <a:ext uri="{C183D7F6-B498-43B3-948B-1728B52AA6E4}">
                     <adec:decorative xmlns:adec="http://schemas.microsoft.com/office/drawing/2017/decorative" val="1"/>
@@ -16578,7 +16862,7 @@
               </a:ln>
               <a:extLst>
                 <a:ext uri="{91240B29-F687-4f45-9708-019B960494DF}">
-                  <a14:hiddenLine xmlns:a14="http://schemas.microsoft.com/office/drawing/2010/main" xmlns:p14="http://schemas.microsoft.com/office/powerpoint/2010/main" xmlns:a16="http://schemas.microsoft.com/office/drawing/2014/main" xmlns="" w="9525">
+                  <a14:hiddenLine xmlns="" xmlns:a16="http://schemas.microsoft.com/office/drawing/2014/main" xmlns:p14="http://schemas.microsoft.com/office/powerpoint/2010/main" xmlns:a14="http://schemas.microsoft.com/office/drawing/2010/main" w="9525">
                     <a:solidFill>
                       <a:srgbClr val="000000"/>
                     </a:solidFill>
@@ -16599,10 +16883,10 @@
           </p:sp>
           <p:sp>
             <p:nvSpPr>
-              <p:cNvPr id="32" name="Freeform 6">
+              <p:cNvPr id="56" name="Freeform 6">
                 <a:extLst>
                   <a:ext uri="{FF2B5EF4-FFF2-40B4-BE49-F238E27FC236}">
-                    <a16:creationId xmlns:a16="http://schemas.microsoft.com/office/drawing/2014/main" id="{B3922267-72C9-403B-A6DE-7D0A43D5541F}"/>
+                    <a16:creationId xmlns:a16="http://schemas.microsoft.com/office/drawing/2014/main" id="{2C43E18D-7024-4F17-A664-E23BFBC12B79}"/>
                   </a:ext>
                   <a:ext uri="{C183D7F6-B498-43B3-948B-1728B52AA6E4}">
                     <adec:decorative xmlns:adec="http://schemas.microsoft.com/office/drawing/2017/decorative" val="1"/>
@@ -16690,7 +16974,7 @@
               </a:ln>
               <a:extLst>
                 <a:ext uri="{91240B29-F687-4f45-9708-019B960494DF}">
-                  <a14:hiddenLine xmlns:a14="http://schemas.microsoft.com/office/drawing/2010/main" xmlns:p14="http://schemas.microsoft.com/office/powerpoint/2010/main" xmlns:a16="http://schemas.microsoft.com/office/drawing/2014/main" xmlns="" w="9525">
+                  <a14:hiddenLine xmlns="" xmlns:a16="http://schemas.microsoft.com/office/drawing/2014/main" xmlns:p14="http://schemas.microsoft.com/office/powerpoint/2010/main" xmlns:a14="http://schemas.microsoft.com/office/drawing/2010/main" w="9525">
                     <a:solidFill>
                       <a:srgbClr val="000000"/>
                     </a:solidFill>
@@ -16711,10 +16995,10 @@
           </p:sp>
           <p:sp>
             <p:nvSpPr>
-              <p:cNvPr id="33" name="Freeform 7">
+              <p:cNvPr id="57" name="Freeform 7">
                 <a:extLst>
                   <a:ext uri="{FF2B5EF4-FFF2-40B4-BE49-F238E27FC236}">
-                    <a16:creationId xmlns:a16="http://schemas.microsoft.com/office/drawing/2014/main" id="{7276DB68-2E8D-4723-852B-7476DD38FED0}"/>
+                    <a16:creationId xmlns:a16="http://schemas.microsoft.com/office/drawing/2014/main" id="{CA2ACEBA-081B-4B0B-AFB1-C596B834FDA3}"/>
                   </a:ext>
                   <a:ext uri="{C183D7F6-B498-43B3-948B-1728B52AA6E4}">
                     <adec:decorative xmlns:adec="http://schemas.microsoft.com/office/drawing/2017/decorative" val="1"/>
@@ -16802,7 +17086,7 @@
               </a:ln>
               <a:extLst>
                 <a:ext uri="{91240B29-F687-4f45-9708-019B960494DF}">
-                  <a14:hiddenLine xmlns:a14="http://schemas.microsoft.com/office/drawing/2010/main" xmlns:p14="http://schemas.microsoft.com/office/powerpoint/2010/main" xmlns:a16="http://schemas.microsoft.com/office/drawing/2014/main" xmlns="" w="9525">
+                  <a14:hiddenLine xmlns="" xmlns:a16="http://schemas.microsoft.com/office/drawing/2014/main" xmlns:p14="http://schemas.microsoft.com/office/powerpoint/2010/main" xmlns:a14="http://schemas.microsoft.com/office/drawing/2010/main" w="9525">
                     <a:solidFill>
                       <a:srgbClr val="000000"/>
                     </a:solidFill>
@@ -16823,10 +17107,10 @@
           </p:sp>
           <p:sp>
             <p:nvSpPr>
-              <p:cNvPr id="34" name="Freeform 8">
+              <p:cNvPr id="58" name="Freeform 8">
                 <a:extLst>
                   <a:ext uri="{FF2B5EF4-FFF2-40B4-BE49-F238E27FC236}">
-                    <a16:creationId xmlns:a16="http://schemas.microsoft.com/office/drawing/2014/main" id="{0A155711-4993-4D1E-89EA-A397C164F0FB}"/>
+                    <a16:creationId xmlns:a16="http://schemas.microsoft.com/office/drawing/2014/main" id="{2AFBB163-514B-493A-983F-8BE96848F9B5}"/>
                   </a:ext>
                   <a:ext uri="{C183D7F6-B498-43B3-948B-1728B52AA6E4}">
                     <adec:decorative xmlns:adec="http://schemas.microsoft.com/office/drawing/2017/decorative" val="1"/>
@@ -16886,7 +17170,7 @@
               </a:ln>
               <a:extLst>
                 <a:ext uri="{91240B29-F687-4f45-9708-019B960494DF}">
-                  <a14:hiddenLine xmlns:a14="http://schemas.microsoft.com/office/drawing/2010/main" xmlns:p14="http://schemas.microsoft.com/office/powerpoint/2010/main" xmlns:a16="http://schemas.microsoft.com/office/drawing/2014/main" xmlns="" w="9525">
+                  <a14:hiddenLine xmlns="" xmlns:a16="http://schemas.microsoft.com/office/drawing/2014/main" xmlns:p14="http://schemas.microsoft.com/office/powerpoint/2010/main" xmlns:a14="http://schemas.microsoft.com/office/drawing/2010/main" w="9525">
                     <a:solidFill>
                       <a:srgbClr val="000000"/>
                     </a:solidFill>
@@ -16907,10 +17191,10 @@
           </p:sp>
           <p:sp>
             <p:nvSpPr>
-              <p:cNvPr id="35" name="Freeform 9">
+              <p:cNvPr id="59" name="Freeform 9">
                 <a:extLst>
                   <a:ext uri="{FF2B5EF4-FFF2-40B4-BE49-F238E27FC236}">
-                    <a16:creationId xmlns:a16="http://schemas.microsoft.com/office/drawing/2014/main" id="{2AB42136-2551-4CAA-857F-65FA3247B49D}"/>
+                    <a16:creationId xmlns:a16="http://schemas.microsoft.com/office/drawing/2014/main" id="{7720326C-7DB1-4745-9015-3FA6990855B9}"/>
                   </a:ext>
                   <a:ext uri="{C183D7F6-B498-43B3-948B-1728B52AA6E4}">
                     <adec:decorative xmlns:adec="http://schemas.microsoft.com/office/drawing/2017/decorative" val="1"/>
@@ -16998,7 +17282,7 @@
               </a:ln>
               <a:extLst>
                 <a:ext uri="{91240B29-F687-4f45-9708-019B960494DF}">
-                  <a14:hiddenLine xmlns:a14="http://schemas.microsoft.com/office/drawing/2010/main" xmlns:p14="http://schemas.microsoft.com/office/powerpoint/2010/main" xmlns:a16="http://schemas.microsoft.com/office/drawing/2014/main" xmlns="" w="9525">
+                  <a14:hiddenLine xmlns="" xmlns:a16="http://schemas.microsoft.com/office/drawing/2014/main" xmlns:p14="http://schemas.microsoft.com/office/powerpoint/2010/main" xmlns:a14="http://schemas.microsoft.com/office/drawing/2010/main" w="9525">
                     <a:solidFill>
                       <a:srgbClr val="000000"/>
                     </a:solidFill>
@@ -17019,10 +17303,10 @@
           </p:sp>
           <p:sp>
             <p:nvSpPr>
-              <p:cNvPr id="36" name="Freeform 10">
+              <p:cNvPr id="60" name="Freeform 10">
                 <a:extLst>
                   <a:ext uri="{FF2B5EF4-FFF2-40B4-BE49-F238E27FC236}">
-                    <a16:creationId xmlns:a16="http://schemas.microsoft.com/office/drawing/2014/main" id="{7C2ADEA1-EA3E-4C0E-A28E-460092F7FFD7}"/>
+                    <a16:creationId xmlns:a16="http://schemas.microsoft.com/office/drawing/2014/main" id="{01D5FBDC-A284-440B-8D5F-84287B0A25DD}"/>
                   </a:ext>
                   <a:ext uri="{C183D7F6-B498-43B3-948B-1728B52AA6E4}">
                     <adec:decorative xmlns:adec="http://schemas.microsoft.com/office/drawing/2017/decorative" val="1"/>
@@ -17082,7 +17366,7 @@
               </a:ln>
               <a:extLst>
                 <a:ext uri="{91240B29-F687-4f45-9708-019B960494DF}">
-                  <a14:hiddenLine xmlns:a14="http://schemas.microsoft.com/office/drawing/2010/main" xmlns:p14="http://schemas.microsoft.com/office/powerpoint/2010/main" xmlns:a16="http://schemas.microsoft.com/office/drawing/2014/main" xmlns="" w="9525">
+                  <a14:hiddenLine xmlns="" xmlns:a16="http://schemas.microsoft.com/office/drawing/2014/main" xmlns:p14="http://schemas.microsoft.com/office/powerpoint/2010/main" xmlns:a14="http://schemas.microsoft.com/office/drawing/2010/main" w="9525">
                     <a:solidFill>
                       <a:srgbClr val="000000"/>
                     </a:solidFill>
@@ -17103,10 +17387,10 @@
           </p:sp>
           <p:sp>
             <p:nvSpPr>
-              <p:cNvPr id="37" name="Freeform 11">
+              <p:cNvPr id="61" name="Freeform 11">
                 <a:extLst>
                   <a:ext uri="{FF2B5EF4-FFF2-40B4-BE49-F238E27FC236}">
-                    <a16:creationId xmlns:a16="http://schemas.microsoft.com/office/drawing/2014/main" id="{B04584B3-081C-4286-A840-AB5B16B10AA3}"/>
+                    <a16:creationId xmlns:a16="http://schemas.microsoft.com/office/drawing/2014/main" id="{517CE611-1CB0-442B-8998-98487209B0E9}"/>
                   </a:ext>
                   <a:ext uri="{C183D7F6-B498-43B3-948B-1728B52AA6E4}">
                     <adec:decorative xmlns:adec="http://schemas.microsoft.com/office/drawing/2017/decorative" val="1"/>
@@ -17166,7 +17450,7 @@
               </a:ln>
               <a:extLst>
                 <a:ext uri="{91240B29-F687-4f45-9708-019B960494DF}">
-                  <a14:hiddenLine xmlns:a14="http://schemas.microsoft.com/office/drawing/2010/main" xmlns:p14="http://schemas.microsoft.com/office/powerpoint/2010/main" xmlns:a16="http://schemas.microsoft.com/office/drawing/2014/main" xmlns="" w="9525">
+                  <a14:hiddenLine xmlns="" xmlns:a16="http://schemas.microsoft.com/office/drawing/2014/main" xmlns:p14="http://schemas.microsoft.com/office/powerpoint/2010/main" xmlns:a14="http://schemas.microsoft.com/office/drawing/2010/main" w="9525">
                     <a:solidFill>
                       <a:srgbClr val="000000"/>
                     </a:solidFill>
@@ -17187,10 +17471,10 @@
           </p:sp>
           <p:sp>
             <p:nvSpPr>
-              <p:cNvPr id="38" name="Freeform 12">
+              <p:cNvPr id="62" name="Freeform 12">
                 <a:extLst>
                   <a:ext uri="{FF2B5EF4-FFF2-40B4-BE49-F238E27FC236}">
-                    <a16:creationId xmlns:a16="http://schemas.microsoft.com/office/drawing/2014/main" id="{3AB388FD-C246-4936-A041-E0413A132986}"/>
+                    <a16:creationId xmlns:a16="http://schemas.microsoft.com/office/drawing/2014/main" id="{EF0F0E46-9222-4FCF-A79E-9B4953C6F07D}"/>
                   </a:ext>
                   <a:ext uri="{C183D7F6-B498-43B3-948B-1728B52AA6E4}">
                     <adec:decorative xmlns:adec="http://schemas.microsoft.com/office/drawing/2017/decorative" val="1"/>
@@ -17278,7 +17562,7 @@
               </a:ln>
               <a:extLst>
                 <a:ext uri="{91240B29-F687-4f45-9708-019B960494DF}">
-                  <a14:hiddenLine xmlns:a14="http://schemas.microsoft.com/office/drawing/2010/main" xmlns:p14="http://schemas.microsoft.com/office/powerpoint/2010/main" xmlns:a16="http://schemas.microsoft.com/office/drawing/2014/main" xmlns="" w="9525">
+                  <a14:hiddenLine xmlns="" xmlns:a16="http://schemas.microsoft.com/office/drawing/2014/main" xmlns:p14="http://schemas.microsoft.com/office/powerpoint/2010/main" xmlns:a14="http://schemas.microsoft.com/office/drawing/2010/main" w="9525">
                     <a:solidFill>
                       <a:srgbClr val="000000"/>
                     </a:solidFill>
@@ -17299,10 +17583,10 @@
           </p:sp>
           <p:sp>
             <p:nvSpPr>
-              <p:cNvPr id="39" name="Freeform 13">
+              <p:cNvPr id="63" name="Freeform 13">
                 <a:extLst>
                   <a:ext uri="{FF2B5EF4-FFF2-40B4-BE49-F238E27FC236}">
-                    <a16:creationId xmlns:a16="http://schemas.microsoft.com/office/drawing/2014/main" id="{57692343-2D12-4F57-836C-945D407B68B7}"/>
+                    <a16:creationId xmlns:a16="http://schemas.microsoft.com/office/drawing/2014/main" id="{371A87C3-0804-4AB9-8EAD-FBFF597ED823}"/>
                   </a:ext>
                   <a:ext uri="{C183D7F6-B498-43B3-948B-1728B52AA6E4}">
                     <adec:decorative xmlns:adec="http://schemas.microsoft.com/office/drawing/2017/decorative" val="1"/>
@@ -17390,7 +17674,7 @@
               </a:ln>
               <a:extLst>
                 <a:ext uri="{91240B29-F687-4f45-9708-019B960494DF}">
-                  <a14:hiddenLine xmlns:a14="http://schemas.microsoft.com/office/drawing/2010/main" xmlns:p14="http://schemas.microsoft.com/office/powerpoint/2010/main" xmlns:a16="http://schemas.microsoft.com/office/drawing/2014/main" xmlns="" w="9525">
+                  <a14:hiddenLine xmlns="" xmlns:a16="http://schemas.microsoft.com/office/drawing/2014/main" xmlns:p14="http://schemas.microsoft.com/office/powerpoint/2010/main" xmlns:a14="http://schemas.microsoft.com/office/drawing/2010/main" w="9525">
                     <a:solidFill>
                       <a:srgbClr val="000000"/>
                     </a:solidFill>
@@ -17411,10 +17695,10 @@
           </p:sp>
           <p:sp>
             <p:nvSpPr>
-              <p:cNvPr id="40" name="Freeform 14">
+              <p:cNvPr id="64" name="Freeform 14">
                 <a:extLst>
                   <a:ext uri="{FF2B5EF4-FFF2-40B4-BE49-F238E27FC236}">
-                    <a16:creationId xmlns:a16="http://schemas.microsoft.com/office/drawing/2014/main" id="{062EE710-0210-4840-8698-E0DF1C617007}"/>
+                    <a16:creationId xmlns:a16="http://schemas.microsoft.com/office/drawing/2014/main" id="{89F39433-8BC3-48D6-B705-F951DBDAABD4}"/>
                   </a:ext>
                   <a:ext uri="{C183D7F6-B498-43B3-948B-1728B52AA6E4}">
                     <adec:decorative xmlns:adec="http://schemas.microsoft.com/office/drawing/2017/decorative" val="1"/>
@@ -17474,7 +17758,7 @@
               </a:ln>
               <a:extLst>
                 <a:ext uri="{91240B29-F687-4f45-9708-019B960494DF}">
-                  <a14:hiddenLine xmlns:a14="http://schemas.microsoft.com/office/drawing/2010/main" xmlns:p14="http://schemas.microsoft.com/office/powerpoint/2010/main" xmlns:a16="http://schemas.microsoft.com/office/drawing/2014/main" xmlns="" w="9525">
+                  <a14:hiddenLine xmlns="" xmlns:a16="http://schemas.microsoft.com/office/drawing/2014/main" xmlns:p14="http://schemas.microsoft.com/office/powerpoint/2010/main" xmlns:a14="http://schemas.microsoft.com/office/drawing/2010/main" w="9525">
                     <a:solidFill>
                       <a:srgbClr val="000000"/>
                     </a:solidFill>
@@ -17495,10 +17779,10 @@
           </p:sp>
           <p:sp>
             <p:nvSpPr>
-              <p:cNvPr id="41" name="Freeform 15">
+              <p:cNvPr id="65" name="Freeform 15">
                 <a:extLst>
                   <a:ext uri="{FF2B5EF4-FFF2-40B4-BE49-F238E27FC236}">
-                    <a16:creationId xmlns:a16="http://schemas.microsoft.com/office/drawing/2014/main" id="{161892F4-6071-40CD-8E18-CDEE0C91B586}"/>
+                    <a16:creationId xmlns:a16="http://schemas.microsoft.com/office/drawing/2014/main" id="{AE671C9D-E91C-4143-A422-273B2F53F692}"/>
                   </a:ext>
                   <a:ext uri="{C183D7F6-B498-43B3-948B-1728B52AA6E4}">
                     <adec:decorative xmlns:adec="http://schemas.microsoft.com/office/drawing/2017/decorative" val="1"/>
@@ -17606,7 +17890,7 @@
               </a:ln>
               <a:extLst>
                 <a:ext uri="{91240B29-F687-4f45-9708-019B960494DF}">
-                  <a14:hiddenLine xmlns:a14="http://schemas.microsoft.com/office/drawing/2010/main" xmlns:p14="http://schemas.microsoft.com/office/powerpoint/2010/main" xmlns:a16="http://schemas.microsoft.com/office/drawing/2014/main" xmlns="" w="9525">
+                  <a14:hiddenLine xmlns="" xmlns:a16="http://schemas.microsoft.com/office/drawing/2014/main" xmlns:p14="http://schemas.microsoft.com/office/powerpoint/2010/main" xmlns:a14="http://schemas.microsoft.com/office/drawing/2010/main" w="9525">
                     <a:solidFill>
                       <a:srgbClr val="000000"/>
                     </a:solidFill>
@@ -17627,10 +17911,10 @@
           </p:sp>
           <p:sp>
             <p:nvSpPr>
-              <p:cNvPr id="42" name="Line 16">
+              <p:cNvPr id="66" name="Line 16">
                 <a:extLst>
                   <a:ext uri="{FF2B5EF4-FFF2-40B4-BE49-F238E27FC236}">
-                    <a16:creationId xmlns:a16="http://schemas.microsoft.com/office/drawing/2014/main" id="{3E6BBE44-8D88-407D-B1C6-10C89DD6173B}"/>
+                    <a16:creationId xmlns:a16="http://schemas.microsoft.com/office/drawing/2014/main" id="{83A72EA3-8833-41C6-9333-6A04C1C08DFB}"/>
                   </a:ext>
                   <a:ext uri="{C183D7F6-B498-43B3-948B-1728B52AA6E4}">
                     <adec:decorative xmlns:adec="http://schemas.microsoft.com/office/drawing/2017/decorative" val="1"/>
@@ -17677,10 +17961,10 @@
           </p:sp>
           <p:sp>
             <p:nvSpPr>
-              <p:cNvPr id="43" name="Freeform 17">
+              <p:cNvPr id="67" name="Freeform 17">
                 <a:extLst>
                   <a:ext uri="{FF2B5EF4-FFF2-40B4-BE49-F238E27FC236}">
-                    <a16:creationId xmlns:a16="http://schemas.microsoft.com/office/drawing/2014/main" id="{1E90AE6E-328E-4730-825C-B5130F5CFCA4}"/>
+                    <a16:creationId xmlns:a16="http://schemas.microsoft.com/office/drawing/2014/main" id="{2C0D7AAB-DC9C-4B37-A50E-A7185DE92E4E}"/>
                   </a:ext>
                   <a:ext uri="{C183D7F6-B498-43B3-948B-1728B52AA6E4}">
                     <adec:decorative xmlns:adec="http://schemas.microsoft.com/office/drawing/2017/decorative" val="1"/>
@@ -17734,7 +18018,7 @@
               </a:ln>
               <a:extLst>
                 <a:ext uri="{91240B29-F687-4f45-9708-019B960494DF}">
-                  <a14:hiddenLine xmlns:a14="http://schemas.microsoft.com/office/drawing/2010/main" xmlns:p14="http://schemas.microsoft.com/office/powerpoint/2010/main" xmlns:a16="http://schemas.microsoft.com/office/drawing/2014/main" xmlns="" w="9525">
+                  <a14:hiddenLine xmlns="" xmlns:a16="http://schemas.microsoft.com/office/drawing/2014/main" xmlns:p14="http://schemas.microsoft.com/office/powerpoint/2010/main" xmlns:a14="http://schemas.microsoft.com/office/drawing/2010/main" w="9525">
                     <a:solidFill>
                       <a:srgbClr val="000000"/>
                     </a:solidFill>
@@ -17755,10 +18039,10 @@
           </p:sp>
           <p:sp>
             <p:nvSpPr>
-              <p:cNvPr id="44" name="Freeform 18">
+              <p:cNvPr id="68" name="Freeform 18">
                 <a:extLst>
                   <a:ext uri="{FF2B5EF4-FFF2-40B4-BE49-F238E27FC236}">
-                    <a16:creationId xmlns:a16="http://schemas.microsoft.com/office/drawing/2014/main" id="{24EC969F-6E4A-4163-ABDA-4674429A3DC2}"/>
+                    <a16:creationId xmlns:a16="http://schemas.microsoft.com/office/drawing/2014/main" id="{6E7D9D6B-3455-4363-934B-FA2D68293168}"/>
                   </a:ext>
                   <a:ext uri="{C183D7F6-B498-43B3-948B-1728B52AA6E4}">
                     <adec:decorative xmlns:adec="http://schemas.microsoft.com/office/drawing/2017/decorative" val="1"/>
@@ -17818,7 +18102,7 @@
               </a:ln>
               <a:extLst>
                 <a:ext uri="{91240B29-F687-4f45-9708-019B960494DF}">
-                  <a14:hiddenLine xmlns:a14="http://schemas.microsoft.com/office/drawing/2010/main" xmlns:p14="http://schemas.microsoft.com/office/powerpoint/2010/main" xmlns:a16="http://schemas.microsoft.com/office/drawing/2014/main" xmlns="" w="9525">
+                  <a14:hiddenLine xmlns="" xmlns:a16="http://schemas.microsoft.com/office/drawing/2014/main" xmlns:p14="http://schemas.microsoft.com/office/powerpoint/2010/main" xmlns:a14="http://schemas.microsoft.com/office/drawing/2010/main" w="9525">
                     <a:solidFill>
                       <a:srgbClr val="000000"/>
                     </a:solidFill>
@@ -17839,10 +18123,10 @@
           </p:sp>
           <p:sp>
             <p:nvSpPr>
-              <p:cNvPr id="45" name="Freeform 19">
+              <p:cNvPr id="69" name="Freeform 19">
                 <a:extLst>
                   <a:ext uri="{FF2B5EF4-FFF2-40B4-BE49-F238E27FC236}">
-                    <a16:creationId xmlns:a16="http://schemas.microsoft.com/office/drawing/2014/main" id="{1B735C94-B049-42C6-9DEF-5DB70D58CE4B}"/>
+                    <a16:creationId xmlns:a16="http://schemas.microsoft.com/office/drawing/2014/main" id="{FFFFCA54-2217-4DAE-B791-4A6CA7DE0BDF}"/>
                   </a:ext>
                   <a:ext uri="{C183D7F6-B498-43B3-948B-1728B52AA6E4}">
                     <adec:decorative xmlns:adec="http://schemas.microsoft.com/office/drawing/2017/decorative" val="1"/>
@@ -17902,7 +18186,7 @@
               </a:ln>
               <a:extLst>
                 <a:ext uri="{91240B29-F687-4f45-9708-019B960494DF}">
-                  <a14:hiddenLine xmlns:a14="http://schemas.microsoft.com/office/drawing/2010/main" xmlns:p14="http://schemas.microsoft.com/office/powerpoint/2010/main" xmlns:a16="http://schemas.microsoft.com/office/drawing/2014/main" xmlns="" w="9525">
+                  <a14:hiddenLine xmlns="" xmlns:a16="http://schemas.microsoft.com/office/drawing/2014/main" xmlns:p14="http://schemas.microsoft.com/office/powerpoint/2010/main" xmlns:a14="http://schemas.microsoft.com/office/drawing/2010/main" w="9525">
                     <a:solidFill>
                       <a:srgbClr val="000000"/>
                     </a:solidFill>
@@ -17923,10 +18207,10 @@
           </p:sp>
           <p:sp>
             <p:nvSpPr>
-              <p:cNvPr id="46" name="Freeform 20">
+              <p:cNvPr id="70" name="Freeform 20">
                 <a:extLst>
                   <a:ext uri="{FF2B5EF4-FFF2-40B4-BE49-F238E27FC236}">
-                    <a16:creationId xmlns:a16="http://schemas.microsoft.com/office/drawing/2014/main" id="{051C02E6-1954-478B-AEAE-BF8F36BE9417}"/>
+                    <a16:creationId xmlns:a16="http://schemas.microsoft.com/office/drawing/2014/main" id="{BAE43BA5-C104-4FBB-B1C6-C210D3CC5320}"/>
                   </a:ext>
                   <a:ext uri="{C183D7F6-B498-43B3-948B-1728B52AA6E4}">
                     <adec:decorative xmlns:adec="http://schemas.microsoft.com/office/drawing/2017/decorative" val="1"/>
@@ -18014,7 +18298,7 @@
               </a:ln>
               <a:extLst>
                 <a:ext uri="{91240B29-F687-4f45-9708-019B960494DF}">
-                  <a14:hiddenLine xmlns:a14="http://schemas.microsoft.com/office/drawing/2010/main" xmlns:p14="http://schemas.microsoft.com/office/powerpoint/2010/main" xmlns:a16="http://schemas.microsoft.com/office/drawing/2014/main" xmlns="" w="9525">
+                  <a14:hiddenLine xmlns="" xmlns:a16="http://schemas.microsoft.com/office/drawing/2014/main" xmlns:p14="http://schemas.microsoft.com/office/powerpoint/2010/main" xmlns:a14="http://schemas.microsoft.com/office/drawing/2010/main" w="9525">
                     <a:solidFill>
                       <a:srgbClr val="000000"/>
                     </a:solidFill>
@@ -18035,10 +18319,10 @@
           </p:sp>
           <p:sp>
             <p:nvSpPr>
-              <p:cNvPr id="47" name="Rectangle 21">
+              <p:cNvPr id="71" name="Rectangle 21">
                 <a:extLst>
                   <a:ext uri="{FF2B5EF4-FFF2-40B4-BE49-F238E27FC236}">
-                    <a16:creationId xmlns:a16="http://schemas.microsoft.com/office/drawing/2014/main" id="{6710B1C0-310A-48D0-B824-459D9AFC2FBC}"/>
+                    <a16:creationId xmlns:a16="http://schemas.microsoft.com/office/drawing/2014/main" id="{3BDB2330-DF01-460D-83FB-00C37965CD5A}"/>
                   </a:ext>
                   <a:ext uri="{C183D7F6-B498-43B3-948B-1728B52AA6E4}">
                     <adec:decorative xmlns:adec="http://schemas.microsoft.com/office/drawing/2017/decorative" val="1"/>
@@ -18070,7 +18354,7 @@
               </a:ln>
               <a:extLst>
                 <a:ext uri="{91240B29-F687-4f45-9708-019B960494DF}">
-                  <a14:hiddenLine xmlns:a14="http://schemas.microsoft.com/office/drawing/2010/main" xmlns:p14="http://schemas.microsoft.com/office/powerpoint/2010/main" xmlns:a16="http://schemas.microsoft.com/office/drawing/2014/main" xmlns="" w="9525">
+                  <a14:hiddenLine xmlns="" xmlns:a16="http://schemas.microsoft.com/office/drawing/2014/main" xmlns:p14="http://schemas.microsoft.com/office/powerpoint/2010/main" xmlns:a14="http://schemas.microsoft.com/office/drawing/2010/main" w="9525">
                     <a:solidFill>
                       <a:srgbClr val="000000"/>
                     </a:solidFill>
@@ -18091,10 +18375,10 @@
           </p:sp>
           <p:sp>
             <p:nvSpPr>
-              <p:cNvPr id="48" name="Freeform 22">
+              <p:cNvPr id="41" name="Freeform 22">
                 <a:extLst>
                   <a:ext uri="{FF2B5EF4-FFF2-40B4-BE49-F238E27FC236}">
-                    <a16:creationId xmlns:a16="http://schemas.microsoft.com/office/drawing/2014/main" id="{1204A606-D9A6-4DC6-9F0E-D516EA1EB957}"/>
+                    <a16:creationId xmlns:a16="http://schemas.microsoft.com/office/drawing/2014/main" id="{51261093-9B7F-4406-B2F8-0F5BE7676A2A}"/>
                   </a:ext>
                   <a:ext uri="{C183D7F6-B498-43B3-948B-1728B52AA6E4}">
                     <adec:decorative xmlns:adec="http://schemas.microsoft.com/office/drawing/2017/decorative" val="1"/>
@@ -18157,7 +18441,7 @@
               </a:ln>
               <a:extLst>
                 <a:ext uri="{91240B29-F687-4f45-9708-019B960494DF}">
-                  <a14:hiddenLine xmlns:a14="http://schemas.microsoft.com/office/drawing/2010/main" xmlns:p14="http://schemas.microsoft.com/office/powerpoint/2010/main" xmlns:a16="http://schemas.microsoft.com/office/drawing/2014/main" xmlns="" w="9525">
+                  <a14:hiddenLine xmlns="" xmlns:a16="http://schemas.microsoft.com/office/drawing/2014/main" xmlns:p14="http://schemas.microsoft.com/office/powerpoint/2010/main" xmlns:a14="http://schemas.microsoft.com/office/drawing/2010/main" w="9525">
                     <a:solidFill>
                       <a:srgbClr val="000000"/>
                     </a:solidFill>
@@ -18178,10 +18462,10 @@
           </p:sp>
           <p:sp>
             <p:nvSpPr>
-              <p:cNvPr id="49" name="Freeform 23">
+              <p:cNvPr id="42" name="Freeform 23">
                 <a:extLst>
                   <a:ext uri="{FF2B5EF4-FFF2-40B4-BE49-F238E27FC236}">
-                    <a16:creationId xmlns:a16="http://schemas.microsoft.com/office/drawing/2014/main" id="{EE569555-0243-4979-A537-C9B4AFD5F258}"/>
+                    <a16:creationId xmlns:a16="http://schemas.microsoft.com/office/drawing/2014/main" id="{9971E195-2AB6-4CB6-9BD7-A8407B5C8097}"/>
                   </a:ext>
                   <a:ext uri="{C183D7F6-B498-43B3-948B-1728B52AA6E4}">
                     <adec:decorative xmlns:adec="http://schemas.microsoft.com/office/drawing/2017/decorative" val="1"/>
@@ -18269,7 +18553,7 @@
               </a:ln>
               <a:extLst>
                 <a:ext uri="{91240B29-F687-4f45-9708-019B960494DF}">
-                  <a14:hiddenLine xmlns:a14="http://schemas.microsoft.com/office/drawing/2010/main" xmlns:p14="http://schemas.microsoft.com/office/powerpoint/2010/main" xmlns:a16="http://schemas.microsoft.com/office/drawing/2014/main" xmlns="" w="9525">
+                  <a14:hiddenLine xmlns="" xmlns:a16="http://schemas.microsoft.com/office/drawing/2014/main" xmlns:p14="http://schemas.microsoft.com/office/powerpoint/2010/main" xmlns:a14="http://schemas.microsoft.com/office/drawing/2010/main" w="9525">
                     <a:solidFill>
                       <a:srgbClr val="000000"/>
                     </a:solidFill>
@@ -18290,10 +18574,10 @@
           </p:sp>
           <p:sp>
             <p:nvSpPr>
-              <p:cNvPr id="50" name="Freeform 24">
+              <p:cNvPr id="43" name="Freeform 24">
                 <a:extLst>
                   <a:ext uri="{FF2B5EF4-FFF2-40B4-BE49-F238E27FC236}">
-                    <a16:creationId xmlns:a16="http://schemas.microsoft.com/office/drawing/2014/main" id="{D52A977D-4993-48AF-A792-F2DE09639149}"/>
+                    <a16:creationId xmlns:a16="http://schemas.microsoft.com/office/drawing/2014/main" id="{A3D843E7-8A86-4676-9C98-DECE0DFF6740}"/>
                   </a:ext>
                   <a:ext uri="{C183D7F6-B498-43B3-948B-1728B52AA6E4}">
                     <adec:decorative xmlns:adec="http://schemas.microsoft.com/office/drawing/2017/decorative" val="1"/>
@@ -18353,7 +18637,7 @@
               </a:ln>
               <a:extLst>
                 <a:ext uri="{91240B29-F687-4f45-9708-019B960494DF}">
-                  <a14:hiddenLine xmlns:a14="http://schemas.microsoft.com/office/drawing/2010/main" xmlns:p14="http://schemas.microsoft.com/office/powerpoint/2010/main" xmlns:a16="http://schemas.microsoft.com/office/drawing/2014/main" xmlns="" w="9525">
+                  <a14:hiddenLine xmlns="" xmlns:a16="http://schemas.microsoft.com/office/drawing/2014/main" xmlns:p14="http://schemas.microsoft.com/office/powerpoint/2010/main" xmlns:a14="http://schemas.microsoft.com/office/drawing/2010/main" w="9525">
                     <a:solidFill>
                       <a:srgbClr val="000000"/>
                     </a:solidFill>
@@ -18374,10 +18658,10 @@
           </p:sp>
           <p:sp>
             <p:nvSpPr>
-              <p:cNvPr id="51" name="Freeform 25">
+              <p:cNvPr id="44" name="Freeform 25">
                 <a:extLst>
                   <a:ext uri="{FF2B5EF4-FFF2-40B4-BE49-F238E27FC236}">
-                    <a16:creationId xmlns:a16="http://schemas.microsoft.com/office/drawing/2014/main" id="{93CFF2DC-E52E-4D99-97D5-B0D7B792E50A}"/>
+                    <a16:creationId xmlns:a16="http://schemas.microsoft.com/office/drawing/2014/main" id="{FAF42817-AB3E-40FA-997F-EAC1411F465F}"/>
                   </a:ext>
                   <a:ext uri="{C183D7F6-B498-43B3-948B-1728B52AA6E4}">
                     <adec:decorative xmlns:adec="http://schemas.microsoft.com/office/drawing/2017/decorative" val="1"/>
@@ -18465,7 +18749,7 @@
               </a:ln>
               <a:extLst>
                 <a:ext uri="{91240B29-F687-4f45-9708-019B960494DF}">
-                  <a14:hiddenLine xmlns:a14="http://schemas.microsoft.com/office/drawing/2010/main" xmlns:p14="http://schemas.microsoft.com/office/powerpoint/2010/main" xmlns:a16="http://schemas.microsoft.com/office/drawing/2014/main" xmlns="" w="9525">
+                  <a14:hiddenLine xmlns="" xmlns:a16="http://schemas.microsoft.com/office/drawing/2014/main" xmlns:p14="http://schemas.microsoft.com/office/powerpoint/2010/main" xmlns:a14="http://schemas.microsoft.com/office/drawing/2010/main" w="9525">
                     <a:solidFill>
                       <a:srgbClr val="000000"/>
                     </a:solidFill>
@@ -18486,10 +18770,10 @@
           </p:sp>
           <p:sp>
             <p:nvSpPr>
-              <p:cNvPr id="52" name="Freeform 26">
+              <p:cNvPr id="45" name="Freeform 26">
                 <a:extLst>
                   <a:ext uri="{FF2B5EF4-FFF2-40B4-BE49-F238E27FC236}">
-                    <a16:creationId xmlns:a16="http://schemas.microsoft.com/office/drawing/2014/main" id="{5E175372-AF09-42A7-B3D0-226C83489170}"/>
+                    <a16:creationId xmlns:a16="http://schemas.microsoft.com/office/drawing/2014/main" id="{50ED3298-A6DC-4825-93B1-68DB8CB629A1}"/>
                   </a:ext>
                   <a:ext uri="{C183D7F6-B498-43B3-948B-1728B52AA6E4}">
                     <adec:decorative xmlns:adec="http://schemas.microsoft.com/office/drawing/2017/decorative" val="1"/>
@@ -18552,7 +18836,7 @@
               </a:ln>
               <a:extLst>
                 <a:ext uri="{91240B29-F687-4f45-9708-019B960494DF}">
-                  <a14:hiddenLine xmlns:a14="http://schemas.microsoft.com/office/drawing/2010/main" xmlns:p14="http://schemas.microsoft.com/office/powerpoint/2010/main" xmlns:a16="http://schemas.microsoft.com/office/drawing/2014/main" xmlns="" w="9525">
+                  <a14:hiddenLine xmlns="" xmlns:a16="http://schemas.microsoft.com/office/drawing/2014/main" xmlns:p14="http://schemas.microsoft.com/office/powerpoint/2010/main" xmlns:a14="http://schemas.microsoft.com/office/drawing/2010/main" w="9525">
                     <a:solidFill>
                       <a:srgbClr val="000000"/>
                     </a:solidFill>
@@ -18573,10 +18857,10 @@
           </p:sp>
           <p:sp>
             <p:nvSpPr>
-              <p:cNvPr id="53" name="Freeform 27">
+              <p:cNvPr id="46" name="Freeform 27">
                 <a:extLst>
                   <a:ext uri="{FF2B5EF4-FFF2-40B4-BE49-F238E27FC236}">
-                    <a16:creationId xmlns:a16="http://schemas.microsoft.com/office/drawing/2014/main" id="{ABF20BA9-F4B2-49EA-A573-578B1897747D}"/>
+                    <a16:creationId xmlns:a16="http://schemas.microsoft.com/office/drawing/2014/main" id="{2B951778-3B6B-4BB9-9D89-2ED650C8204E}"/>
                   </a:ext>
                   <a:ext uri="{C183D7F6-B498-43B3-948B-1728B52AA6E4}">
                     <adec:decorative xmlns:adec="http://schemas.microsoft.com/office/drawing/2017/decorative" val="1"/>
@@ -18636,7 +18920,7 @@
               </a:ln>
               <a:extLst>
                 <a:ext uri="{91240B29-F687-4f45-9708-019B960494DF}">
-                  <a14:hiddenLine xmlns:a14="http://schemas.microsoft.com/office/drawing/2010/main" xmlns:p14="http://schemas.microsoft.com/office/powerpoint/2010/main" xmlns:a16="http://schemas.microsoft.com/office/drawing/2014/main" xmlns="" w="9525">
+                  <a14:hiddenLine xmlns="" xmlns:a16="http://schemas.microsoft.com/office/drawing/2014/main" xmlns:p14="http://schemas.microsoft.com/office/powerpoint/2010/main" xmlns:a14="http://schemas.microsoft.com/office/drawing/2010/main" w="9525">
                     <a:solidFill>
                       <a:srgbClr val="000000"/>
                     </a:solidFill>
@@ -18657,10 +18941,10 @@
           </p:sp>
           <p:sp>
             <p:nvSpPr>
-              <p:cNvPr id="54" name="Freeform 28">
+              <p:cNvPr id="47" name="Freeform 28">
                 <a:extLst>
                   <a:ext uri="{FF2B5EF4-FFF2-40B4-BE49-F238E27FC236}">
-                    <a16:creationId xmlns:a16="http://schemas.microsoft.com/office/drawing/2014/main" id="{AA3A7A4B-C811-4E23-8BFD-5823A032DA3D}"/>
+                    <a16:creationId xmlns:a16="http://schemas.microsoft.com/office/drawing/2014/main" id="{8F3ED9A8-A83F-463A-8C2E-E83977D9A9CA}"/>
                   </a:ext>
                   <a:ext uri="{C183D7F6-B498-43B3-948B-1728B52AA6E4}">
                     <adec:decorative xmlns:adec="http://schemas.microsoft.com/office/drawing/2017/decorative" val="1"/>
@@ -18748,7 +19032,7 @@
               </a:ln>
               <a:extLst>
                 <a:ext uri="{91240B29-F687-4f45-9708-019B960494DF}">
-                  <a14:hiddenLine xmlns:a14="http://schemas.microsoft.com/office/drawing/2010/main" xmlns:p14="http://schemas.microsoft.com/office/powerpoint/2010/main" xmlns:a16="http://schemas.microsoft.com/office/drawing/2014/main" xmlns="" w="9525">
+                  <a14:hiddenLine xmlns="" xmlns:a16="http://schemas.microsoft.com/office/drawing/2014/main" xmlns:p14="http://schemas.microsoft.com/office/powerpoint/2010/main" xmlns:a14="http://schemas.microsoft.com/office/drawing/2010/main" w="9525">
                     <a:solidFill>
                       <a:srgbClr val="000000"/>
                     </a:solidFill>
@@ -18769,10 +19053,10 @@
           </p:sp>
           <p:sp>
             <p:nvSpPr>
-              <p:cNvPr id="55" name="Freeform 29">
+              <p:cNvPr id="48" name="Freeform 29">
                 <a:extLst>
                   <a:ext uri="{FF2B5EF4-FFF2-40B4-BE49-F238E27FC236}">
-                    <a16:creationId xmlns:a16="http://schemas.microsoft.com/office/drawing/2014/main" id="{47537781-F057-4B97-AD8F-12FE9BE599A8}"/>
+                    <a16:creationId xmlns:a16="http://schemas.microsoft.com/office/drawing/2014/main" id="{9A0C113E-781D-4083-86C0-EC936092D277}"/>
                   </a:ext>
                   <a:ext uri="{C183D7F6-B498-43B3-948B-1728B52AA6E4}">
                     <adec:decorative xmlns:adec="http://schemas.microsoft.com/office/drawing/2017/decorative" val="1"/>
@@ -18860,7 +19144,7 @@
               </a:ln>
               <a:extLst>
                 <a:ext uri="{91240B29-F687-4f45-9708-019B960494DF}">
-                  <a14:hiddenLine xmlns:a14="http://schemas.microsoft.com/office/drawing/2010/main" xmlns:p14="http://schemas.microsoft.com/office/powerpoint/2010/main" xmlns:a16="http://schemas.microsoft.com/office/drawing/2014/main" xmlns="" w="9525">
+                  <a14:hiddenLine xmlns="" xmlns:a16="http://schemas.microsoft.com/office/drawing/2014/main" xmlns:p14="http://schemas.microsoft.com/office/powerpoint/2010/main" xmlns:a14="http://schemas.microsoft.com/office/drawing/2010/main" w="9525">
                     <a:solidFill>
                       <a:srgbClr val="000000"/>
                     </a:solidFill>
@@ -18881,10 +19165,10 @@
           </p:sp>
           <p:sp>
             <p:nvSpPr>
-              <p:cNvPr id="56" name="Freeform 30">
+              <p:cNvPr id="49" name="Freeform 30">
                 <a:extLst>
                   <a:ext uri="{FF2B5EF4-FFF2-40B4-BE49-F238E27FC236}">
-                    <a16:creationId xmlns:a16="http://schemas.microsoft.com/office/drawing/2014/main" id="{078883C7-EB52-4BB7-A9A7-F8C046A8331D}"/>
+                    <a16:creationId xmlns:a16="http://schemas.microsoft.com/office/drawing/2014/main" id="{B63D60EF-1E99-4D4C-BF11-AAF8ABEB86E6}"/>
                   </a:ext>
                   <a:ext uri="{C183D7F6-B498-43B3-948B-1728B52AA6E4}">
                     <adec:decorative xmlns:adec="http://schemas.microsoft.com/office/drawing/2017/decorative" val="1"/>
@@ -18947,7 +19231,7 @@
               </a:ln>
               <a:extLst>
                 <a:ext uri="{91240B29-F687-4f45-9708-019B960494DF}">
-                  <a14:hiddenLine xmlns:a14="http://schemas.microsoft.com/office/drawing/2010/main" xmlns:p14="http://schemas.microsoft.com/office/powerpoint/2010/main" xmlns:a16="http://schemas.microsoft.com/office/drawing/2014/main" xmlns="" w="9525">
+                  <a14:hiddenLine xmlns="" xmlns:a16="http://schemas.microsoft.com/office/drawing/2014/main" xmlns:p14="http://schemas.microsoft.com/office/powerpoint/2010/main" xmlns:a14="http://schemas.microsoft.com/office/drawing/2010/main" w="9525">
                     <a:solidFill>
                       <a:srgbClr val="000000"/>
                     </a:solidFill>
@@ -18968,10 +19252,10 @@
           </p:sp>
           <p:sp>
             <p:nvSpPr>
-              <p:cNvPr id="57" name="Freeform 31">
+              <p:cNvPr id="50" name="Freeform 31">
                 <a:extLst>
                   <a:ext uri="{FF2B5EF4-FFF2-40B4-BE49-F238E27FC236}">
-                    <a16:creationId xmlns:a16="http://schemas.microsoft.com/office/drawing/2014/main" id="{63CCBBF8-5972-4ED3-AB5B-46DC425B1772}"/>
+                    <a16:creationId xmlns:a16="http://schemas.microsoft.com/office/drawing/2014/main" id="{50403E41-7079-49EA-8D0B-4F678552D9BB}"/>
                   </a:ext>
                   <a:ext uri="{C183D7F6-B498-43B3-948B-1728B52AA6E4}">
                     <adec:decorative xmlns:adec="http://schemas.microsoft.com/office/drawing/2017/decorative" val="1"/>
@@ -19089,7 +19373,7 @@
               </a:ln>
               <a:extLst>
                 <a:ext uri="{91240B29-F687-4f45-9708-019B960494DF}">
-                  <a14:hiddenLine xmlns:a14="http://schemas.microsoft.com/office/drawing/2010/main" xmlns:p14="http://schemas.microsoft.com/office/powerpoint/2010/main" xmlns:a16="http://schemas.microsoft.com/office/drawing/2014/main" xmlns="" w="9525">
+                  <a14:hiddenLine xmlns="" xmlns:a16="http://schemas.microsoft.com/office/drawing/2014/main" xmlns:p14="http://schemas.microsoft.com/office/powerpoint/2010/main" xmlns:a14="http://schemas.microsoft.com/office/drawing/2010/main" w="9525">
                     <a:solidFill>
                       <a:srgbClr val="000000"/>
                     </a:solidFill>
@@ -19111,10 +19395,10 @@
         </p:grpSp>
         <p:grpSp>
           <p:nvGrpSpPr>
-            <p:cNvPr id="20" name="Group 19">
+            <p:cNvPr id="72" name="Group 71">
               <a:extLst>
                 <a:ext uri="{FF2B5EF4-FFF2-40B4-BE49-F238E27FC236}">
-                  <a16:creationId xmlns:a16="http://schemas.microsoft.com/office/drawing/2014/main" id="{A8C19883-37FB-437C-A3AA-89AA6239D3A9}"/>
+                  <a16:creationId xmlns:a16="http://schemas.microsoft.com/office/drawing/2014/main" id="{E3B2C458-4D37-49A0-A94E-D516E05C3CC4}"/>
                 </a:ext>
                 <a:ext uri="{C183D7F6-B498-43B3-948B-1728B52AA6E4}">
                   <adec:decorative xmlns:adec="http://schemas.microsoft.com/office/drawing/2017/decorative" val="1"/>
@@ -19132,7 +19416,7 @@
           </p:nvGrpSpPr>
           <p:grpSpPr>
             <a:xfrm>
-              <a:off x="11364912" y="0"/>
+              <a:off x="11227597" y="0"/>
               <a:ext cx="674688" cy="6848476"/>
               <a:chOff x="11364912" y="0"/>
               <a:chExt cx="674688" cy="6848476"/>
@@ -19140,15 +19424,12 @@
             <a:gradFill flip="none" rotWithShape="1">
               <a:gsLst>
                 <a:gs pos="0">
-                  <a:schemeClr val="tx2">
-                    <a:alpha val="80000"/>
-                  </a:schemeClr>
+                  <a:schemeClr val="bg2"/>
                 </a:gs>
                 <a:gs pos="100000">
-                  <a:schemeClr val="bg2">
+                  <a:schemeClr val="tx2">
                     <a:lumMod val="60000"/>
                     <a:lumOff val="40000"/>
-                    <a:alpha val="60000"/>
                   </a:schemeClr>
                 </a:gs>
               </a:gsLst>
@@ -19158,10 +19439,10 @@
           </p:grpSpPr>
           <p:sp>
             <p:nvSpPr>
-              <p:cNvPr id="21" name="Freeform 32">
+              <p:cNvPr id="73" name="Freeform 32">
                 <a:extLst>
                   <a:ext uri="{FF2B5EF4-FFF2-40B4-BE49-F238E27FC236}">
-                    <a16:creationId xmlns:a16="http://schemas.microsoft.com/office/drawing/2014/main" id="{AF1753DD-4CEF-45EC-B952-90EA8895D7CB}"/>
+                    <a16:creationId xmlns:a16="http://schemas.microsoft.com/office/drawing/2014/main" id="{C1B10016-E0C4-4526-A466-9911541D26EF}"/>
                   </a:ext>
                   <a:ext uri="{C183D7F6-B498-43B3-948B-1728B52AA6E4}">
                     <adec:decorative xmlns:adec="http://schemas.microsoft.com/office/drawing/2017/decorative" val="1"/>
@@ -19224,7 +19505,7 @@
               </a:ln>
               <a:extLst>
                 <a:ext uri="{91240B29-F687-4f45-9708-019B960494DF}">
-                  <a14:hiddenLine xmlns:a14="http://schemas.microsoft.com/office/drawing/2010/main" xmlns:p14="http://schemas.microsoft.com/office/powerpoint/2010/main" xmlns:a16="http://schemas.microsoft.com/office/drawing/2014/main" xmlns="" w="9525">
+                  <a14:hiddenLine xmlns="" xmlns:a16="http://schemas.microsoft.com/office/drawing/2014/main" xmlns:p14="http://schemas.microsoft.com/office/powerpoint/2010/main" xmlns:a14="http://schemas.microsoft.com/office/drawing/2010/main" w="9525">
                     <a:solidFill>
                       <a:srgbClr val="000000"/>
                     </a:solidFill>
@@ -19245,10 +19526,10 @@
           </p:sp>
           <p:sp>
             <p:nvSpPr>
-              <p:cNvPr id="22" name="Freeform 33">
+              <p:cNvPr id="74" name="Freeform 33">
                 <a:extLst>
                   <a:ext uri="{FF2B5EF4-FFF2-40B4-BE49-F238E27FC236}">
-                    <a16:creationId xmlns:a16="http://schemas.microsoft.com/office/drawing/2014/main" id="{5B9356DB-C1BE-4D76-8FA7-4FBAA12D1D33}"/>
+                    <a16:creationId xmlns:a16="http://schemas.microsoft.com/office/drawing/2014/main" id="{D574C3F0-FC2B-43A3-94B2-75D305FBF7D0}"/>
                   </a:ext>
                   <a:ext uri="{C183D7F6-B498-43B3-948B-1728B52AA6E4}">
                     <adec:decorative xmlns:adec="http://schemas.microsoft.com/office/drawing/2017/decorative" val="1"/>
@@ -19361,7 +19642,7 @@
               </a:ln>
               <a:extLst>
                 <a:ext uri="{91240B29-F687-4f45-9708-019B960494DF}">
-                  <a14:hiddenLine xmlns:a14="http://schemas.microsoft.com/office/drawing/2010/main" xmlns:p14="http://schemas.microsoft.com/office/powerpoint/2010/main" xmlns:a16="http://schemas.microsoft.com/office/drawing/2014/main" xmlns="" w="9525">
+                  <a14:hiddenLine xmlns="" xmlns:a16="http://schemas.microsoft.com/office/drawing/2014/main" xmlns:p14="http://schemas.microsoft.com/office/powerpoint/2010/main" xmlns:a14="http://schemas.microsoft.com/office/drawing/2010/main" w="9525">
                     <a:solidFill>
                       <a:srgbClr val="000000"/>
                     </a:solidFill>
@@ -19382,10 +19663,10 @@
           </p:sp>
           <p:sp>
             <p:nvSpPr>
-              <p:cNvPr id="23" name="Freeform 34">
+              <p:cNvPr id="75" name="Freeform 34">
                 <a:extLst>
                   <a:ext uri="{FF2B5EF4-FFF2-40B4-BE49-F238E27FC236}">
-                    <a16:creationId xmlns:a16="http://schemas.microsoft.com/office/drawing/2014/main" id="{C4F59561-572D-42BA-A6FD-F3AFA1A394DD}"/>
+                    <a16:creationId xmlns:a16="http://schemas.microsoft.com/office/drawing/2014/main" id="{D92A5F66-F404-433B-BDBE-5E0DFF40D656}"/>
                   </a:ext>
                   <a:ext uri="{C183D7F6-B498-43B3-948B-1728B52AA6E4}">
                     <adec:decorative xmlns:adec="http://schemas.microsoft.com/office/drawing/2017/decorative" val="1"/>
@@ -19473,7 +19754,7 @@
               </a:ln>
               <a:extLst>
                 <a:ext uri="{91240B29-F687-4f45-9708-019B960494DF}">
-                  <a14:hiddenLine xmlns:a14="http://schemas.microsoft.com/office/drawing/2010/main" xmlns:p14="http://schemas.microsoft.com/office/powerpoint/2010/main" xmlns:a16="http://schemas.microsoft.com/office/drawing/2014/main" xmlns="" w="9525">
+                  <a14:hiddenLine xmlns="" xmlns:a16="http://schemas.microsoft.com/office/drawing/2014/main" xmlns:p14="http://schemas.microsoft.com/office/powerpoint/2010/main" xmlns:a14="http://schemas.microsoft.com/office/drawing/2010/main" w="9525">
                     <a:solidFill>
                       <a:srgbClr val="000000"/>
                     </a:solidFill>
@@ -19494,10 +19775,10 @@
           </p:sp>
           <p:sp>
             <p:nvSpPr>
-              <p:cNvPr id="24" name="Freeform 35">
+              <p:cNvPr id="76" name="Freeform 35">
                 <a:extLst>
                   <a:ext uri="{FF2B5EF4-FFF2-40B4-BE49-F238E27FC236}">
-                    <a16:creationId xmlns:a16="http://schemas.microsoft.com/office/drawing/2014/main" id="{BB7A51A1-D509-4494-BAE2-1B96CAD4DB37}"/>
+                    <a16:creationId xmlns:a16="http://schemas.microsoft.com/office/drawing/2014/main" id="{0A0BDF81-64CC-431D-81B1-A21938C05432}"/>
                   </a:ext>
                   <a:ext uri="{C183D7F6-B498-43B3-948B-1728B52AA6E4}">
                     <adec:decorative xmlns:adec="http://schemas.microsoft.com/office/drawing/2017/decorative" val="1"/>
@@ -19560,7 +19841,7 @@
               </a:ln>
               <a:extLst>
                 <a:ext uri="{91240B29-F687-4f45-9708-019B960494DF}">
-                  <a14:hiddenLine xmlns:a14="http://schemas.microsoft.com/office/drawing/2010/main" xmlns:p14="http://schemas.microsoft.com/office/powerpoint/2010/main" xmlns:a16="http://schemas.microsoft.com/office/drawing/2014/main" xmlns="" w="9525">
+                  <a14:hiddenLine xmlns="" xmlns:a16="http://schemas.microsoft.com/office/drawing/2014/main" xmlns:p14="http://schemas.microsoft.com/office/powerpoint/2010/main" xmlns:a14="http://schemas.microsoft.com/office/drawing/2010/main" w="9525">
                     <a:solidFill>
                       <a:srgbClr val="000000"/>
                     </a:solidFill>
@@ -19581,10 +19862,10 @@
           </p:sp>
           <p:sp>
             <p:nvSpPr>
-              <p:cNvPr id="25" name="Freeform 36">
+              <p:cNvPr id="77" name="Freeform 36">
                 <a:extLst>
                   <a:ext uri="{FF2B5EF4-FFF2-40B4-BE49-F238E27FC236}">
-                    <a16:creationId xmlns:a16="http://schemas.microsoft.com/office/drawing/2014/main" id="{D3FE0B5A-55DE-4E56-8E9B-B92D1DB9A894}"/>
+                    <a16:creationId xmlns:a16="http://schemas.microsoft.com/office/drawing/2014/main" id="{42871530-50EC-42C2-879A-AE8154DADC0F}"/>
                   </a:ext>
                   <a:ext uri="{C183D7F6-B498-43B3-948B-1728B52AA6E4}">
                     <adec:decorative xmlns:adec="http://schemas.microsoft.com/office/drawing/2017/decorative" val="1"/>
@@ -19672,7 +19953,7 @@
               </a:ln>
               <a:extLst>
                 <a:ext uri="{91240B29-F687-4f45-9708-019B960494DF}">
-                  <a14:hiddenLine xmlns:a14="http://schemas.microsoft.com/office/drawing/2010/main" xmlns:p14="http://schemas.microsoft.com/office/powerpoint/2010/main" xmlns:a16="http://schemas.microsoft.com/office/drawing/2014/main" xmlns="" w="9525">
+                  <a14:hiddenLine xmlns="" xmlns:a16="http://schemas.microsoft.com/office/drawing/2014/main" xmlns:p14="http://schemas.microsoft.com/office/powerpoint/2010/main" xmlns:a14="http://schemas.microsoft.com/office/drawing/2010/main" w="9525">
                     <a:solidFill>
                       <a:srgbClr val="000000"/>
                     </a:solidFill>
@@ -19693,10 +19974,10 @@
           </p:sp>
           <p:sp>
             <p:nvSpPr>
-              <p:cNvPr id="26" name="Freeform 37">
+              <p:cNvPr id="78" name="Freeform 37">
                 <a:extLst>
                   <a:ext uri="{FF2B5EF4-FFF2-40B4-BE49-F238E27FC236}">
-                    <a16:creationId xmlns:a16="http://schemas.microsoft.com/office/drawing/2014/main" id="{F125661C-3A0E-4B6E-B2AB-1B08C8925175}"/>
+                    <a16:creationId xmlns:a16="http://schemas.microsoft.com/office/drawing/2014/main" id="{53AF2F2A-B148-4906-B90D-6E2223978457}"/>
                   </a:ext>
                   <a:ext uri="{C183D7F6-B498-43B3-948B-1728B52AA6E4}">
                     <adec:decorative xmlns:adec="http://schemas.microsoft.com/office/drawing/2017/decorative" val="1"/>
@@ -19762,7 +20043,7 @@
               </a:ln>
               <a:extLst>
                 <a:ext uri="{91240B29-F687-4f45-9708-019B960494DF}">
-                  <a14:hiddenLine xmlns:a14="http://schemas.microsoft.com/office/drawing/2010/main" xmlns:p14="http://schemas.microsoft.com/office/powerpoint/2010/main" xmlns:a16="http://schemas.microsoft.com/office/drawing/2014/main" xmlns="" w="9525">
+                  <a14:hiddenLine xmlns="" xmlns:a16="http://schemas.microsoft.com/office/drawing/2014/main" xmlns:p14="http://schemas.microsoft.com/office/powerpoint/2010/main" xmlns:a14="http://schemas.microsoft.com/office/drawing/2010/main" w="9525">
                     <a:solidFill>
                       <a:srgbClr val="000000"/>
                     </a:solidFill>
@@ -19783,10 +20064,10 @@
           </p:sp>
           <p:sp>
             <p:nvSpPr>
-              <p:cNvPr id="27" name="Freeform 38">
+              <p:cNvPr id="79" name="Freeform 38">
                 <a:extLst>
                   <a:ext uri="{FF2B5EF4-FFF2-40B4-BE49-F238E27FC236}">
-                    <a16:creationId xmlns:a16="http://schemas.microsoft.com/office/drawing/2014/main" id="{39304006-EE77-438A-A0D1-537322356C1F}"/>
+                    <a16:creationId xmlns:a16="http://schemas.microsoft.com/office/drawing/2014/main" id="{9A79EAA4-6F5D-4A2C-B688-CD29C2217C05}"/>
                   </a:ext>
                   <a:ext uri="{C183D7F6-B498-43B3-948B-1728B52AA6E4}">
                     <adec:decorative xmlns:adec="http://schemas.microsoft.com/office/drawing/2017/decorative" val="1"/>
@@ -19874,7 +20155,7 @@
               </a:ln>
               <a:extLst>
                 <a:ext uri="{91240B29-F687-4f45-9708-019B960494DF}">
-                  <a14:hiddenLine xmlns:a14="http://schemas.microsoft.com/office/drawing/2010/main" xmlns:p14="http://schemas.microsoft.com/office/powerpoint/2010/main" xmlns:a16="http://schemas.microsoft.com/office/drawing/2014/main" xmlns="" w="9525">
+                  <a14:hiddenLine xmlns="" xmlns:a16="http://schemas.microsoft.com/office/drawing/2014/main" xmlns:p14="http://schemas.microsoft.com/office/powerpoint/2010/main" xmlns:a14="http://schemas.microsoft.com/office/drawing/2010/main" w="9525">
                     <a:solidFill>
                       <a:srgbClr val="000000"/>
                     </a:solidFill>
@@ -19895,10 +20176,10 @@
           </p:sp>
           <p:sp>
             <p:nvSpPr>
-              <p:cNvPr id="28" name="Freeform 39">
+              <p:cNvPr id="80" name="Freeform 39">
                 <a:extLst>
                   <a:ext uri="{FF2B5EF4-FFF2-40B4-BE49-F238E27FC236}">
-                    <a16:creationId xmlns:a16="http://schemas.microsoft.com/office/drawing/2014/main" id="{C6031DEB-4109-4049-82CF-DD06483A2CA1}"/>
+                    <a16:creationId xmlns:a16="http://schemas.microsoft.com/office/drawing/2014/main" id="{B9CE5833-22CF-4408-9338-4B7749FEA3D4}"/>
                   </a:ext>
                   <a:ext uri="{C183D7F6-B498-43B3-948B-1728B52AA6E4}">
                     <adec:decorative xmlns:adec="http://schemas.microsoft.com/office/drawing/2017/decorative" val="1"/>
@@ -19964,7 +20245,7 @@
               </a:ln>
               <a:extLst>
                 <a:ext uri="{91240B29-F687-4f45-9708-019B960494DF}">
-                  <a14:hiddenLine xmlns:a14="http://schemas.microsoft.com/office/drawing/2010/main" xmlns:p14="http://schemas.microsoft.com/office/powerpoint/2010/main" xmlns:a16="http://schemas.microsoft.com/office/drawing/2014/main" xmlns="" w="9525">
+                  <a14:hiddenLine xmlns="" xmlns:a16="http://schemas.microsoft.com/office/drawing/2014/main" xmlns:p14="http://schemas.microsoft.com/office/powerpoint/2010/main" xmlns:a14="http://schemas.microsoft.com/office/drawing/2010/main" w="9525">
                     <a:solidFill>
                       <a:srgbClr val="000000"/>
                     </a:solidFill>
@@ -19985,10 +20266,10 @@
           </p:sp>
           <p:sp>
             <p:nvSpPr>
-              <p:cNvPr id="29" name="Freeform 40">
+              <p:cNvPr id="81" name="Freeform 40">
                 <a:extLst>
                   <a:ext uri="{FF2B5EF4-FFF2-40B4-BE49-F238E27FC236}">
-                    <a16:creationId xmlns:a16="http://schemas.microsoft.com/office/drawing/2014/main" id="{65FC2657-18D6-4490-88D6-32E6B1C6FB15}"/>
+                    <a16:creationId xmlns:a16="http://schemas.microsoft.com/office/drawing/2014/main" id="{316A985A-7ADD-4BEE-A7B6-E5B49E1839E7}"/>
                   </a:ext>
                   <a:ext uri="{C183D7F6-B498-43B3-948B-1728B52AA6E4}">
                     <adec:decorative xmlns:adec="http://schemas.microsoft.com/office/drawing/2017/decorative" val="1"/>
@@ -20076,7 +20357,7 @@
               </a:ln>
               <a:extLst>
                 <a:ext uri="{91240B29-F687-4f45-9708-019B960494DF}">
-                  <a14:hiddenLine xmlns:a14="http://schemas.microsoft.com/office/drawing/2010/main" xmlns:p14="http://schemas.microsoft.com/office/powerpoint/2010/main" xmlns:a16="http://schemas.microsoft.com/office/drawing/2014/main" xmlns="" w="9525">
+                  <a14:hiddenLine xmlns="" xmlns:a16="http://schemas.microsoft.com/office/drawing/2014/main" xmlns:p14="http://schemas.microsoft.com/office/powerpoint/2010/main" xmlns:a14="http://schemas.microsoft.com/office/drawing/2010/main" w="9525">
                     <a:solidFill>
                       <a:srgbClr val="000000"/>
                     </a:solidFill>
@@ -20097,10 +20378,10 @@
           </p:sp>
           <p:sp>
             <p:nvSpPr>
-              <p:cNvPr id="30" name="Rectangle 41">
+              <p:cNvPr id="82" name="Rectangle 41">
                 <a:extLst>
                   <a:ext uri="{FF2B5EF4-FFF2-40B4-BE49-F238E27FC236}">
-                    <a16:creationId xmlns:a16="http://schemas.microsoft.com/office/drawing/2014/main" id="{20BEA03B-3EAD-4FA2-BC9D-25A14D635CF6}"/>
+                    <a16:creationId xmlns:a16="http://schemas.microsoft.com/office/drawing/2014/main" id="{352CFA3F-5CFE-412E-9196-C966F34579DC}"/>
                   </a:ext>
                   <a:ext uri="{C183D7F6-B498-43B3-948B-1728B52AA6E4}">
                     <adec:decorative xmlns:adec="http://schemas.microsoft.com/office/drawing/2017/decorative" val="1"/>
@@ -20132,3751 +20413,7 @@
               </a:ln>
               <a:extLst>
                 <a:ext uri="{91240B29-F687-4f45-9708-019B960494DF}">
-                  <a14:hiddenLine xmlns:a14="http://schemas.microsoft.com/office/drawing/2010/main" xmlns:p14="http://schemas.microsoft.com/office/powerpoint/2010/main" xmlns:a16="http://schemas.microsoft.com/office/drawing/2014/main" xmlns="" w="9525">
-                    <a:solidFill>
-                      <a:srgbClr val="000000"/>
-                    </a:solidFill>
-                    <a:miter lim="800000"/>
-                    <a:headEnd/>
-                    <a:tailEnd/>
-                  </a14:hiddenLine>
-                </a:ext>
-              </a:extLst>
-            </p:spPr>
-            <p:txBody>
-              <a:bodyPr/>
-              <a:lstStyle/>
-              <a:p>
-                <a:endParaRPr lang="en-IE"/>
-              </a:p>
-            </p:txBody>
-          </p:sp>
-        </p:grpSp>
-      </p:grpSp>
-      <p:sp>
-        <p:nvSpPr>
-          <p:cNvPr id="59" name="Rectangle 58">
-            <a:extLst>
-              <a:ext uri="{FF2B5EF4-FFF2-40B4-BE49-F238E27FC236}">
-                <a16:creationId xmlns:a16="http://schemas.microsoft.com/office/drawing/2014/main" id="{9775AF3B-5284-4B97-9BB7-55C6FB3699C2}"/>
-              </a:ext>
-              <a:ext uri="{C183D7F6-B498-43B3-948B-1728B52AA6E4}">
-                <adec:decorative xmlns:adec="http://schemas.microsoft.com/office/drawing/2017/decorative" val="1"/>
-              </a:ext>
-            </a:extLst>
-          </p:cNvPr>
-          <p:cNvSpPr>
-            <a:spLocks noGrp="1" noRot="1" noChangeAspect="1" noMove="1" noResize="1" noEditPoints="1" noAdjustHandles="1" noChangeArrowheads="1" noChangeShapeType="1" noTextEdit="1"/>
-          </p:cNvSpPr>
-          <p:nvPr>
-            <p:extLst>
-              <p:ext uri="{386F3935-93C4-4BCD-93E2-E3B085C9AB24}">
-                <p16:designElem xmlns:p16="http://schemas.microsoft.com/office/powerpoint/2015/main" val="1"/>
-              </p:ext>
-            </p:extLst>
-          </p:nvPr>
-        </p:nvSpPr>
-        <p:spPr>
-          <a:xfrm>
-            <a:off x="0" y="0"/>
-            <a:ext cx="12192000" cy="6858000"/>
-          </a:xfrm>
-          <a:prstGeom prst="rect">
-            <a:avLst/>
-          </a:prstGeom>
-          <a:ln>
-            <a:noFill/>
-          </a:ln>
-        </p:spPr>
-        <p:style>
-          <a:lnRef idx="2">
-            <a:schemeClr val="accent1">
-              <a:shade val="50000"/>
-            </a:schemeClr>
-          </a:lnRef>
-          <a:fillRef idx="1003">
-            <a:schemeClr val="dk2"/>
-          </a:fillRef>
-          <a:effectRef idx="0">
-            <a:schemeClr val="accent1"/>
-          </a:effectRef>
-          <a:fontRef idx="minor">
-            <a:schemeClr val="lt1"/>
-          </a:fontRef>
-        </p:style>
-        <p:txBody>
-          <a:bodyPr rtlCol="0" anchor="ctr"/>
-          <a:lstStyle/>
-          <a:p>
-            <a:pPr algn="ctr"/>
-            <a:endParaRPr lang="en-US"/>
-          </a:p>
-        </p:txBody>
-      </p:sp>
-      <p:grpSp>
-        <p:nvGrpSpPr>
-          <p:cNvPr id="61" name="Group 60">
-            <a:extLst>
-              <a:ext uri="{FF2B5EF4-FFF2-40B4-BE49-F238E27FC236}">
-                <a16:creationId xmlns:a16="http://schemas.microsoft.com/office/drawing/2014/main" id="{A0F1F7ED-DA39-478F-85DA-317DE08941E8}"/>
-              </a:ext>
-              <a:ext uri="{C183D7F6-B498-43B3-948B-1728B52AA6E4}">
-                <adec:decorative xmlns:adec="http://schemas.microsoft.com/office/drawing/2017/decorative" val="1"/>
-              </a:ext>
-            </a:extLst>
-          </p:cNvPr>
-          <p:cNvGrpSpPr>
-            <a:grpSpLocks noGrp="1" noUngrp="1" noRot="1" noChangeAspect="1" noMove="1" noResize="1"/>
-          </p:cNvGrpSpPr>
-          <p:nvPr>
-            <p:extLst>
-              <p:ext uri="{386F3935-93C4-4BCD-93E2-E3B085C9AB24}">
-                <p16:designElem xmlns:p16="http://schemas.microsoft.com/office/powerpoint/2015/main" val="1"/>
-              </p:ext>
-            </p:extLst>
-          </p:nvPr>
-        </p:nvGrpSpPr>
-        <p:grpSpPr>
-          <a:xfrm>
-            <a:off x="0" y="0"/>
-            <a:ext cx="11902285" cy="6858001"/>
-            <a:chOff x="0" y="0"/>
-            <a:chExt cx="11902285" cy="6858001"/>
-          </a:xfrm>
-        </p:grpSpPr>
-        <p:grpSp>
-          <p:nvGrpSpPr>
-            <p:cNvPr id="62" name="Group 61">
-              <a:extLst>
-                <a:ext uri="{FF2B5EF4-FFF2-40B4-BE49-F238E27FC236}">
-                  <a16:creationId xmlns:a16="http://schemas.microsoft.com/office/drawing/2014/main" id="{1DAE5903-52E8-4F25-8473-93EF4837763C}"/>
-                </a:ext>
-                <a:ext uri="{C183D7F6-B498-43B3-948B-1728B52AA6E4}">
-                  <adec:decorative xmlns:adec="http://schemas.microsoft.com/office/drawing/2017/decorative" val="1"/>
-                </a:ext>
-              </a:extLst>
-            </p:cNvPr>
-            <p:cNvGrpSpPr/>
-            <p:nvPr>
-              <p:extLst>
-                <p:ext uri="{386F3935-93C4-4BCD-93E2-E3B085C9AB24}">
-                  <p16:designElem xmlns:p16="http://schemas.microsoft.com/office/powerpoint/2015/main" val="1"/>
-                </p:ext>
-              </p:extLst>
-            </p:nvPr>
-          </p:nvGrpSpPr>
-          <p:grpSpPr>
-            <a:xfrm>
-              <a:off x="0" y="0"/>
-              <a:ext cx="1220788" cy="6858001"/>
-              <a:chOff x="-14288" y="0"/>
-              <a:chExt cx="1220788" cy="6858001"/>
-            </a:xfrm>
-            <a:gradFill flip="none" rotWithShape="1">
-              <a:gsLst>
-                <a:gs pos="0">
-                  <a:schemeClr val="bg2"/>
-                </a:gs>
-                <a:gs pos="100000">
-                  <a:schemeClr val="tx2">
-                    <a:lumMod val="60000"/>
-                    <a:lumOff val="40000"/>
-                  </a:schemeClr>
-                </a:gs>
-              </a:gsLst>
-              <a:lin ang="5400000" scaled="0"/>
-              <a:tileRect/>
-            </a:gradFill>
-          </p:grpSpPr>
-          <p:sp>
-            <p:nvSpPr>
-              <p:cNvPr id="74" name="Rectangle 5">
-                <a:extLst>
-                  <a:ext uri="{FF2B5EF4-FFF2-40B4-BE49-F238E27FC236}">
-                    <a16:creationId xmlns:a16="http://schemas.microsoft.com/office/drawing/2014/main" id="{894835C1-32DE-4571-AD10-28D58CB8CFD1}"/>
-                  </a:ext>
-                  <a:ext uri="{C183D7F6-B498-43B3-948B-1728B52AA6E4}">
-                    <adec:decorative xmlns:adec="http://schemas.microsoft.com/office/drawing/2017/decorative" val="1"/>
-                  </a:ext>
-                </a:extLst>
-              </p:cNvPr>
-              <p:cNvSpPr>
-                <a:spLocks noChangeArrowheads="1"/>
-              </p:cNvSpPr>
-              <p:nvPr>
-                <p:extLst>
-                  <p:ext uri="{386F3935-93C4-4BCD-93E2-E3B085C9AB24}">
-                    <p16:designElem xmlns:p16="http://schemas.microsoft.com/office/powerpoint/2015/main" val="1"/>
-                  </p:ext>
-                </p:extLst>
-              </p:nvPr>
-            </p:nvSpPr>
-            <p:spPr bwMode="auto">
-              <a:xfrm>
-                <a:off x="114300" y="4763"/>
-                <a:ext cx="23813" cy="2181225"/>
-              </a:xfrm>
-              <a:prstGeom prst="rect">
-                <a:avLst/>
-              </a:prstGeom>
-              <a:grpFill/>
-              <a:ln>
-                <a:noFill/>
-              </a:ln>
-              <a:extLst>
-                <a:ext uri="{91240B29-F687-4f45-9708-019B960494DF}">
-                  <a14:hiddenLine xmlns:a14="http://schemas.microsoft.com/office/drawing/2010/main" xmlns:p14="http://schemas.microsoft.com/office/powerpoint/2010/main" xmlns:a16="http://schemas.microsoft.com/office/drawing/2014/main" xmlns="" w="9525">
-                    <a:solidFill>
-                      <a:srgbClr val="000000"/>
-                    </a:solidFill>
-                    <a:miter lim="800000"/>
-                    <a:headEnd/>
-                    <a:tailEnd/>
-                  </a14:hiddenLine>
-                </a:ext>
-              </a:extLst>
-            </p:spPr>
-            <p:txBody>
-              <a:bodyPr/>
-              <a:lstStyle/>
-              <a:p>
-                <a:endParaRPr lang="en-IE"/>
-              </a:p>
-            </p:txBody>
-          </p:sp>
-          <p:sp>
-            <p:nvSpPr>
-              <p:cNvPr id="75" name="Freeform 6">
-                <a:extLst>
-                  <a:ext uri="{FF2B5EF4-FFF2-40B4-BE49-F238E27FC236}">
-                    <a16:creationId xmlns:a16="http://schemas.microsoft.com/office/drawing/2014/main" id="{097A5B92-0B48-4251-9764-D34DF889207C}"/>
-                  </a:ext>
-                  <a:ext uri="{C183D7F6-B498-43B3-948B-1728B52AA6E4}">
-                    <adec:decorative xmlns:adec="http://schemas.microsoft.com/office/drawing/2017/decorative" val="1"/>
-                  </a:ext>
-                </a:extLst>
-              </p:cNvPr>
-              <p:cNvSpPr>
-                <a:spLocks noEditPoints="1"/>
-              </p:cNvSpPr>
-              <p:nvPr>
-                <p:extLst>
-                  <p:ext uri="{386F3935-93C4-4BCD-93E2-E3B085C9AB24}">
-                    <p16:designElem xmlns:p16="http://schemas.microsoft.com/office/powerpoint/2015/main" val="1"/>
-                  </p:ext>
-                </p:extLst>
-              </p:nvPr>
-            </p:nvSpPr>
-            <p:spPr bwMode="auto">
-              <a:xfrm>
-                <a:off x="33337" y="2176463"/>
-                <a:ext cx="190500" cy="190500"/>
-              </a:xfrm>
-              <a:custGeom>
-                <a:avLst/>
-                <a:gdLst/>
-                <a:ahLst/>
-                <a:cxnLst/>
-                <a:rect l="0" t="0" r="r" b="b"/>
-                <a:pathLst>
-                  <a:path w="40" h="40">
-                    <a:moveTo>
-                      <a:pt x="20" y="40"/>
-                    </a:moveTo>
-                    <a:cubicBezTo>
-                      <a:pt x="9" y="40"/>
-                      <a:pt x="0" y="31"/>
-                      <a:pt x="0" y="20"/>
-                    </a:cubicBezTo>
-                    <a:cubicBezTo>
-                      <a:pt x="0" y="9"/>
-                      <a:pt x="9" y="0"/>
-                      <a:pt x="20" y="0"/>
-                    </a:cubicBezTo>
-                    <a:cubicBezTo>
-                      <a:pt x="31" y="0"/>
-                      <a:pt x="40" y="9"/>
-                      <a:pt x="40" y="20"/>
-                    </a:cubicBezTo>
-                    <a:cubicBezTo>
-                      <a:pt x="40" y="31"/>
-                      <a:pt x="31" y="40"/>
-                      <a:pt x="20" y="40"/>
-                    </a:cubicBezTo>
-                    <a:close/>
-                    <a:moveTo>
-                      <a:pt x="20" y="4"/>
-                    </a:moveTo>
-                    <a:cubicBezTo>
-                      <a:pt x="11" y="4"/>
-                      <a:pt x="4" y="11"/>
-                      <a:pt x="4" y="20"/>
-                    </a:cubicBezTo>
-                    <a:cubicBezTo>
-                      <a:pt x="4" y="29"/>
-                      <a:pt x="11" y="36"/>
-                      <a:pt x="20" y="36"/>
-                    </a:cubicBezTo>
-                    <a:cubicBezTo>
-                      <a:pt x="28" y="36"/>
-                      <a:pt x="36" y="29"/>
-                      <a:pt x="36" y="20"/>
-                    </a:cubicBezTo>
-                    <a:cubicBezTo>
-                      <a:pt x="36" y="11"/>
-                      <a:pt x="28" y="4"/>
-                      <a:pt x="20" y="4"/>
-                    </a:cubicBezTo>
-                    <a:close/>
-                  </a:path>
-                </a:pathLst>
-              </a:custGeom>
-              <a:grpFill/>
-              <a:ln>
-                <a:noFill/>
-              </a:ln>
-              <a:extLst>
-                <a:ext uri="{91240B29-F687-4f45-9708-019B960494DF}">
-                  <a14:hiddenLine xmlns:a14="http://schemas.microsoft.com/office/drawing/2010/main" xmlns:p14="http://schemas.microsoft.com/office/powerpoint/2010/main" xmlns:a16="http://schemas.microsoft.com/office/drawing/2014/main" xmlns="" w="9525">
-                    <a:solidFill>
-                      <a:srgbClr val="000000"/>
-                    </a:solidFill>
-                    <a:round/>
-                    <a:headEnd/>
-                    <a:tailEnd/>
-                  </a14:hiddenLine>
-                </a:ext>
-              </a:extLst>
-            </p:spPr>
-            <p:txBody>
-              <a:bodyPr/>
-              <a:lstStyle/>
-              <a:p>
-                <a:endParaRPr lang="en-IE"/>
-              </a:p>
-            </p:txBody>
-          </p:sp>
-          <p:sp>
-            <p:nvSpPr>
-              <p:cNvPr id="76" name="Freeform 7">
-                <a:extLst>
-                  <a:ext uri="{FF2B5EF4-FFF2-40B4-BE49-F238E27FC236}">
-                    <a16:creationId xmlns:a16="http://schemas.microsoft.com/office/drawing/2014/main" id="{E222BF19-57E7-43F3-A2B9-2398BEF966D4}"/>
-                  </a:ext>
-                  <a:ext uri="{C183D7F6-B498-43B3-948B-1728B52AA6E4}">
-                    <adec:decorative xmlns:adec="http://schemas.microsoft.com/office/drawing/2017/decorative" val="1"/>
-                  </a:ext>
-                </a:extLst>
-              </p:cNvPr>
-              <p:cNvSpPr>
-                <a:spLocks noEditPoints="1"/>
-              </p:cNvSpPr>
-              <p:nvPr>
-                <p:extLst>
-                  <p:ext uri="{386F3935-93C4-4BCD-93E2-E3B085C9AB24}">
-                    <p16:designElem xmlns:p16="http://schemas.microsoft.com/office/powerpoint/2015/main" val="1"/>
-                  </p:ext>
-                </p:extLst>
-              </p:nvPr>
-            </p:nvSpPr>
-            <p:spPr bwMode="auto">
-              <a:xfrm>
-                <a:off x="28575" y="4021138"/>
-                <a:ext cx="190500" cy="188913"/>
-              </a:xfrm>
-              <a:custGeom>
-                <a:avLst/>
-                <a:gdLst/>
-                <a:ahLst/>
-                <a:cxnLst/>
-                <a:rect l="0" t="0" r="r" b="b"/>
-                <a:pathLst>
-                  <a:path w="40" h="40">
-                    <a:moveTo>
-                      <a:pt x="20" y="40"/>
-                    </a:moveTo>
-                    <a:cubicBezTo>
-                      <a:pt x="9" y="40"/>
-                      <a:pt x="0" y="31"/>
-                      <a:pt x="0" y="20"/>
-                    </a:cubicBezTo>
-                    <a:cubicBezTo>
-                      <a:pt x="0" y="9"/>
-                      <a:pt x="9" y="0"/>
-                      <a:pt x="20" y="0"/>
-                    </a:cubicBezTo>
-                    <a:cubicBezTo>
-                      <a:pt x="31" y="0"/>
-                      <a:pt x="40" y="9"/>
-                      <a:pt x="40" y="20"/>
-                    </a:cubicBezTo>
-                    <a:cubicBezTo>
-                      <a:pt x="40" y="31"/>
-                      <a:pt x="31" y="40"/>
-                      <a:pt x="20" y="40"/>
-                    </a:cubicBezTo>
-                    <a:close/>
-                    <a:moveTo>
-                      <a:pt x="20" y="4"/>
-                    </a:moveTo>
-                    <a:cubicBezTo>
-                      <a:pt x="12" y="4"/>
-                      <a:pt x="4" y="11"/>
-                      <a:pt x="4" y="20"/>
-                    </a:cubicBezTo>
-                    <a:cubicBezTo>
-                      <a:pt x="4" y="29"/>
-                      <a:pt x="12" y="36"/>
-                      <a:pt x="20" y="36"/>
-                    </a:cubicBezTo>
-                    <a:cubicBezTo>
-                      <a:pt x="29" y="36"/>
-                      <a:pt x="36" y="29"/>
-                      <a:pt x="36" y="20"/>
-                    </a:cubicBezTo>
-                    <a:cubicBezTo>
-                      <a:pt x="36" y="11"/>
-                      <a:pt x="29" y="4"/>
-                      <a:pt x="20" y="4"/>
-                    </a:cubicBezTo>
-                    <a:close/>
-                  </a:path>
-                </a:pathLst>
-              </a:custGeom>
-              <a:grpFill/>
-              <a:ln>
-                <a:noFill/>
-              </a:ln>
-              <a:extLst>
-                <a:ext uri="{91240B29-F687-4f45-9708-019B960494DF}">
-                  <a14:hiddenLine xmlns:a14="http://schemas.microsoft.com/office/drawing/2010/main" xmlns:p14="http://schemas.microsoft.com/office/powerpoint/2010/main" xmlns:a16="http://schemas.microsoft.com/office/drawing/2014/main" xmlns="" w="9525">
-                    <a:solidFill>
-                      <a:srgbClr val="000000"/>
-                    </a:solidFill>
-                    <a:round/>
-                    <a:headEnd/>
-                    <a:tailEnd/>
-                  </a14:hiddenLine>
-                </a:ext>
-              </a:extLst>
-            </p:spPr>
-            <p:txBody>
-              <a:bodyPr/>
-              <a:lstStyle/>
-              <a:p>
-                <a:endParaRPr lang="en-IE"/>
-              </a:p>
-            </p:txBody>
-          </p:sp>
-          <p:sp>
-            <p:nvSpPr>
-              <p:cNvPr id="77" name="Freeform 8">
-                <a:extLst>
-                  <a:ext uri="{FF2B5EF4-FFF2-40B4-BE49-F238E27FC236}">
-                    <a16:creationId xmlns:a16="http://schemas.microsoft.com/office/drawing/2014/main" id="{60C8836E-B7D9-48A9-8FD9-4CC52AF44D24}"/>
-                  </a:ext>
-                  <a:ext uri="{C183D7F6-B498-43B3-948B-1728B52AA6E4}">
-                    <adec:decorative xmlns:adec="http://schemas.microsoft.com/office/drawing/2017/decorative" val="1"/>
-                  </a:ext>
-                </a:extLst>
-              </p:cNvPr>
-              <p:cNvSpPr/>
-              <p:nvPr>
-                <p:extLst>
-                  <p:ext uri="{386F3935-93C4-4BCD-93E2-E3B085C9AB24}">
-                    <p16:designElem xmlns:p16="http://schemas.microsoft.com/office/powerpoint/2015/main" val="1"/>
-                  </p:ext>
-                </p:extLst>
-              </p:nvPr>
-            </p:nvSpPr>
-            <p:spPr bwMode="auto">
-              <a:xfrm>
-                <a:off x="200025" y="4763"/>
-                <a:ext cx="369888" cy="1811338"/>
-              </a:xfrm>
-              <a:custGeom>
-                <a:avLst/>
-                <a:gdLst/>
-                <a:ahLst/>
-                <a:cxnLst/>
-                <a:rect l="0" t="0" r="r" b="b"/>
-                <a:pathLst>
-                  <a:path w="233" h="1141">
-                    <a:moveTo>
-                      <a:pt x="218" y="1141"/>
-                    </a:moveTo>
-                    <a:lnTo>
-                      <a:pt x="0" y="626"/>
-                    </a:lnTo>
-                    <a:lnTo>
-                      <a:pt x="0" y="0"/>
-                    </a:lnTo>
-                    <a:lnTo>
-                      <a:pt x="15" y="0"/>
-                    </a:lnTo>
-                    <a:lnTo>
-                      <a:pt x="15" y="623"/>
-                    </a:lnTo>
-                    <a:lnTo>
-                      <a:pt x="233" y="1135"/>
-                    </a:lnTo>
-                    <a:lnTo>
-                      <a:pt x="218" y="1141"/>
-                    </a:lnTo>
-                    <a:close/>
-                  </a:path>
-                </a:pathLst>
-              </a:custGeom>
-              <a:grpFill/>
-              <a:ln>
-                <a:noFill/>
-              </a:ln>
-              <a:extLst>
-                <a:ext uri="{91240B29-F687-4f45-9708-019B960494DF}">
-                  <a14:hiddenLine xmlns:a14="http://schemas.microsoft.com/office/drawing/2010/main" xmlns:p14="http://schemas.microsoft.com/office/powerpoint/2010/main" xmlns:a16="http://schemas.microsoft.com/office/drawing/2014/main" xmlns="" w="9525">
-                    <a:solidFill>
-                      <a:srgbClr val="000000"/>
-                    </a:solidFill>
-                    <a:round/>
-                    <a:headEnd/>
-                    <a:tailEnd/>
-                  </a14:hiddenLine>
-                </a:ext>
-              </a:extLst>
-            </p:spPr>
-            <p:txBody>
-              <a:bodyPr/>
-              <a:lstStyle/>
-              <a:p>
-                <a:endParaRPr lang="en-IE"/>
-              </a:p>
-            </p:txBody>
-          </p:sp>
-          <p:sp>
-            <p:nvSpPr>
-              <p:cNvPr id="78" name="Freeform 9">
-                <a:extLst>
-                  <a:ext uri="{FF2B5EF4-FFF2-40B4-BE49-F238E27FC236}">
-                    <a16:creationId xmlns:a16="http://schemas.microsoft.com/office/drawing/2014/main" id="{8504740E-456D-4FB9-9520-4317CCFA71B1}"/>
-                  </a:ext>
-                  <a:ext uri="{C183D7F6-B498-43B3-948B-1728B52AA6E4}">
-                    <adec:decorative xmlns:adec="http://schemas.microsoft.com/office/drawing/2017/decorative" val="1"/>
-                  </a:ext>
-                </a:extLst>
-              </p:cNvPr>
-              <p:cNvSpPr>
-                <a:spLocks noEditPoints="1"/>
-              </p:cNvSpPr>
-              <p:nvPr>
-                <p:extLst>
-                  <p:ext uri="{386F3935-93C4-4BCD-93E2-E3B085C9AB24}">
-                    <p16:designElem xmlns:p16="http://schemas.microsoft.com/office/powerpoint/2015/main" val="1"/>
-                  </p:ext>
-                </p:extLst>
-              </p:nvPr>
-            </p:nvSpPr>
-            <p:spPr bwMode="auto">
-              <a:xfrm>
-                <a:off x="503237" y="1801813"/>
-                <a:ext cx="190500" cy="188913"/>
-              </a:xfrm>
-              <a:custGeom>
-                <a:avLst/>
-                <a:gdLst/>
-                <a:ahLst/>
-                <a:cxnLst/>
-                <a:rect l="0" t="0" r="r" b="b"/>
-                <a:pathLst>
-                  <a:path w="40" h="40">
-                    <a:moveTo>
-                      <a:pt x="20" y="40"/>
-                    </a:moveTo>
-                    <a:cubicBezTo>
-                      <a:pt x="9" y="40"/>
-                      <a:pt x="0" y="31"/>
-                      <a:pt x="0" y="20"/>
-                    </a:cubicBezTo>
-                    <a:cubicBezTo>
-                      <a:pt x="0" y="9"/>
-                      <a:pt x="9" y="0"/>
-                      <a:pt x="20" y="0"/>
-                    </a:cubicBezTo>
-                    <a:cubicBezTo>
-                      <a:pt x="33" y="0"/>
-                      <a:pt x="40" y="6"/>
-                      <a:pt x="40" y="20"/>
-                    </a:cubicBezTo>
-                    <a:cubicBezTo>
-                      <a:pt x="40" y="31"/>
-                      <a:pt x="31" y="40"/>
-                      <a:pt x="20" y="40"/>
-                    </a:cubicBezTo>
-                    <a:close/>
-                    <a:moveTo>
-                      <a:pt x="20" y="4"/>
-                    </a:moveTo>
-                    <a:cubicBezTo>
-                      <a:pt x="11" y="4"/>
-                      <a:pt x="4" y="11"/>
-                      <a:pt x="4" y="20"/>
-                    </a:cubicBezTo>
-                    <a:cubicBezTo>
-                      <a:pt x="4" y="29"/>
-                      <a:pt x="11" y="36"/>
-                      <a:pt x="20" y="36"/>
-                    </a:cubicBezTo>
-                    <a:cubicBezTo>
-                      <a:pt x="28" y="36"/>
-                      <a:pt x="36" y="29"/>
-                      <a:pt x="36" y="20"/>
-                    </a:cubicBezTo>
-                    <a:cubicBezTo>
-                      <a:pt x="36" y="9"/>
-                      <a:pt x="31" y="4"/>
-                      <a:pt x="20" y="4"/>
-                    </a:cubicBezTo>
-                    <a:close/>
-                  </a:path>
-                </a:pathLst>
-              </a:custGeom>
-              <a:grpFill/>
-              <a:ln>
-                <a:noFill/>
-              </a:ln>
-              <a:extLst>
-                <a:ext uri="{91240B29-F687-4f45-9708-019B960494DF}">
-                  <a14:hiddenLine xmlns:a14="http://schemas.microsoft.com/office/drawing/2010/main" xmlns:p14="http://schemas.microsoft.com/office/powerpoint/2010/main" xmlns:a16="http://schemas.microsoft.com/office/drawing/2014/main" xmlns="" w="9525">
-                    <a:solidFill>
-                      <a:srgbClr val="000000"/>
-                    </a:solidFill>
-                    <a:round/>
-                    <a:headEnd/>
-                    <a:tailEnd/>
-                  </a14:hiddenLine>
-                </a:ext>
-              </a:extLst>
-            </p:spPr>
-            <p:txBody>
-              <a:bodyPr/>
-              <a:lstStyle/>
-              <a:p>
-                <a:endParaRPr lang="en-IE"/>
-              </a:p>
-            </p:txBody>
-          </p:sp>
-          <p:sp>
-            <p:nvSpPr>
-              <p:cNvPr id="79" name="Freeform 10">
-                <a:extLst>
-                  <a:ext uri="{FF2B5EF4-FFF2-40B4-BE49-F238E27FC236}">
-                    <a16:creationId xmlns:a16="http://schemas.microsoft.com/office/drawing/2014/main" id="{1563A7B4-B1D5-4F93-AFF9-2EB78655FC56}"/>
-                  </a:ext>
-                  <a:ext uri="{C183D7F6-B498-43B3-948B-1728B52AA6E4}">
-                    <adec:decorative xmlns:adec="http://schemas.microsoft.com/office/drawing/2017/decorative" val="1"/>
-                  </a:ext>
-                </a:extLst>
-              </p:cNvPr>
-              <p:cNvSpPr/>
-              <p:nvPr>
-                <p:extLst>
-                  <p:ext uri="{386F3935-93C4-4BCD-93E2-E3B085C9AB24}">
-                    <p16:designElem xmlns:p16="http://schemas.microsoft.com/office/powerpoint/2015/main" val="1"/>
-                  </p:ext>
-                </p:extLst>
-              </p:nvPr>
-            </p:nvSpPr>
-            <p:spPr bwMode="auto">
-              <a:xfrm>
-                <a:off x="285750" y="4763"/>
-                <a:ext cx="369888" cy="1430338"/>
-              </a:xfrm>
-              <a:custGeom>
-                <a:avLst/>
-                <a:gdLst/>
-                <a:ahLst/>
-                <a:cxnLst/>
-                <a:rect l="0" t="0" r="r" b="b"/>
-                <a:pathLst>
-                  <a:path w="233" h="901">
-                    <a:moveTo>
-                      <a:pt x="221" y="901"/>
-                    </a:moveTo>
-                    <a:lnTo>
-                      <a:pt x="0" y="383"/>
-                    </a:lnTo>
-                    <a:lnTo>
-                      <a:pt x="0" y="0"/>
-                    </a:lnTo>
-                    <a:lnTo>
-                      <a:pt x="18" y="0"/>
-                    </a:lnTo>
-                    <a:lnTo>
-                      <a:pt x="18" y="380"/>
-                    </a:lnTo>
-                    <a:lnTo>
-                      <a:pt x="233" y="895"/>
-                    </a:lnTo>
-                    <a:lnTo>
-                      <a:pt x="221" y="901"/>
-                    </a:lnTo>
-                    <a:close/>
-                  </a:path>
-                </a:pathLst>
-              </a:custGeom>
-              <a:grpFill/>
-              <a:ln>
-                <a:noFill/>
-              </a:ln>
-              <a:extLst>
-                <a:ext uri="{91240B29-F687-4f45-9708-019B960494DF}">
-                  <a14:hiddenLine xmlns:a14="http://schemas.microsoft.com/office/drawing/2010/main" xmlns:p14="http://schemas.microsoft.com/office/powerpoint/2010/main" xmlns:a16="http://schemas.microsoft.com/office/drawing/2014/main" xmlns="" w="9525">
-                    <a:solidFill>
-                      <a:srgbClr val="000000"/>
-                    </a:solidFill>
-                    <a:round/>
-                    <a:headEnd/>
-                    <a:tailEnd/>
-                  </a14:hiddenLine>
-                </a:ext>
-              </a:extLst>
-            </p:spPr>
-            <p:txBody>
-              <a:bodyPr/>
-              <a:lstStyle/>
-              <a:p>
-                <a:endParaRPr lang="en-IE"/>
-              </a:p>
-            </p:txBody>
-          </p:sp>
-          <p:sp>
-            <p:nvSpPr>
-              <p:cNvPr id="80" name="Freeform 11">
-                <a:extLst>
-                  <a:ext uri="{FF2B5EF4-FFF2-40B4-BE49-F238E27FC236}">
-                    <a16:creationId xmlns:a16="http://schemas.microsoft.com/office/drawing/2014/main" id="{D139ED24-FA37-4470-8B42-D0D00EDE14FB}"/>
-                  </a:ext>
-                  <a:ext uri="{C183D7F6-B498-43B3-948B-1728B52AA6E4}">
-                    <adec:decorative xmlns:adec="http://schemas.microsoft.com/office/drawing/2017/decorative" val="1"/>
-                  </a:ext>
-                </a:extLst>
-              </p:cNvPr>
-              <p:cNvSpPr/>
-              <p:nvPr>
-                <p:extLst>
-                  <p:ext uri="{386F3935-93C4-4BCD-93E2-E3B085C9AB24}">
-                    <p16:designElem xmlns:p16="http://schemas.microsoft.com/office/powerpoint/2015/main" val="1"/>
-                  </p:ext>
-                </p:extLst>
-              </p:nvPr>
-            </p:nvSpPr>
-            <p:spPr bwMode="auto">
-              <a:xfrm>
-                <a:off x="546100" y="0"/>
-                <a:ext cx="152400" cy="912813"/>
-              </a:xfrm>
-              <a:custGeom>
-                <a:avLst/>
-                <a:gdLst/>
-                <a:ahLst/>
-                <a:cxnLst/>
-                <a:rect l="0" t="0" r="r" b="b"/>
-                <a:pathLst>
-                  <a:path w="96" h="575">
-                    <a:moveTo>
-                      <a:pt x="96" y="575"/>
-                    </a:moveTo>
-                    <a:lnTo>
-                      <a:pt x="78" y="575"/>
-                    </a:lnTo>
-                    <a:lnTo>
-                      <a:pt x="78" y="192"/>
-                    </a:lnTo>
-                    <a:lnTo>
-                      <a:pt x="0" y="6"/>
-                    </a:lnTo>
-                    <a:lnTo>
-                      <a:pt x="15" y="0"/>
-                    </a:lnTo>
-                    <a:lnTo>
-                      <a:pt x="96" y="189"/>
-                    </a:lnTo>
-                    <a:lnTo>
-                      <a:pt x="96" y="575"/>
-                    </a:lnTo>
-                    <a:close/>
-                  </a:path>
-                </a:pathLst>
-              </a:custGeom>
-              <a:grpFill/>
-              <a:ln>
-                <a:noFill/>
-              </a:ln>
-              <a:extLst>
-                <a:ext uri="{91240B29-F687-4f45-9708-019B960494DF}">
-                  <a14:hiddenLine xmlns:a14="http://schemas.microsoft.com/office/drawing/2010/main" xmlns:p14="http://schemas.microsoft.com/office/powerpoint/2010/main" xmlns:a16="http://schemas.microsoft.com/office/drawing/2014/main" xmlns="" w="9525">
-                    <a:solidFill>
-                      <a:srgbClr val="000000"/>
-                    </a:solidFill>
-                    <a:round/>
-                    <a:headEnd/>
-                    <a:tailEnd/>
-                  </a14:hiddenLine>
-                </a:ext>
-              </a:extLst>
-            </p:spPr>
-            <p:txBody>
-              <a:bodyPr/>
-              <a:lstStyle/>
-              <a:p>
-                <a:endParaRPr lang="en-IE"/>
-              </a:p>
-            </p:txBody>
-          </p:sp>
-          <p:sp>
-            <p:nvSpPr>
-              <p:cNvPr id="81" name="Freeform 12">
-                <a:extLst>
-                  <a:ext uri="{FF2B5EF4-FFF2-40B4-BE49-F238E27FC236}">
-                    <a16:creationId xmlns:a16="http://schemas.microsoft.com/office/drawing/2014/main" id="{48825AA7-BB26-45C2-93A2-1AD8D9A23251}"/>
-                  </a:ext>
-                  <a:ext uri="{C183D7F6-B498-43B3-948B-1728B52AA6E4}">
-                    <adec:decorative xmlns:adec="http://schemas.microsoft.com/office/drawing/2017/decorative" val="1"/>
-                  </a:ext>
-                </a:extLst>
-              </p:cNvPr>
-              <p:cNvSpPr>
-                <a:spLocks noEditPoints="1"/>
-              </p:cNvSpPr>
-              <p:nvPr>
-                <p:extLst>
-                  <p:ext uri="{386F3935-93C4-4BCD-93E2-E3B085C9AB24}">
-                    <p16:designElem xmlns:p16="http://schemas.microsoft.com/office/powerpoint/2015/main" val="1"/>
-                  </p:ext>
-                </p:extLst>
-              </p:nvPr>
-            </p:nvSpPr>
-            <p:spPr bwMode="auto">
-              <a:xfrm>
-                <a:off x="588962" y="1420813"/>
-                <a:ext cx="190500" cy="190500"/>
-              </a:xfrm>
-              <a:custGeom>
-                <a:avLst/>
-                <a:gdLst/>
-                <a:ahLst/>
-                <a:cxnLst/>
-                <a:rect l="0" t="0" r="r" b="b"/>
-                <a:pathLst>
-                  <a:path w="40" h="40">
-                    <a:moveTo>
-                      <a:pt x="20" y="40"/>
-                    </a:moveTo>
-                    <a:cubicBezTo>
-                      <a:pt x="9" y="40"/>
-                      <a:pt x="0" y="31"/>
-                      <a:pt x="0" y="20"/>
-                    </a:cubicBezTo>
-                    <a:cubicBezTo>
-                      <a:pt x="0" y="9"/>
-                      <a:pt x="9" y="0"/>
-                      <a:pt x="20" y="0"/>
-                    </a:cubicBezTo>
-                    <a:cubicBezTo>
-                      <a:pt x="33" y="0"/>
-                      <a:pt x="40" y="7"/>
-                      <a:pt x="40" y="20"/>
-                    </a:cubicBezTo>
-                    <a:cubicBezTo>
-                      <a:pt x="40" y="31"/>
-                      <a:pt x="31" y="40"/>
-                      <a:pt x="20" y="40"/>
-                    </a:cubicBezTo>
-                    <a:close/>
-                    <a:moveTo>
-                      <a:pt x="20" y="4"/>
-                    </a:moveTo>
-                    <a:cubicBezTo>
-                      <a:pt x="11" y="4"/>
-                      <a:pt x="4" y="11"/>
-                      <a:pt x="4" y="20"/>
-                    </a:cubicBezTo>
-                    <a:cubicBezTo>
-                      <a:pt x="4" y="29"/>
-                      <a:pt x="11" y="36"/>
-                      <a:pt x="20" y="36"/>
-                    </a:cubicBezTo>
-                    <a:cubicBezTo>
-                      <a:pt x="29" y="36"/>
-                      <a:pt x="36" y="29"/>
-                      <a:pt x="36" y="20"/>
-                    </a:cubicBezTo>
-                    <a:cubicBezTo>
-                      <a:pt x="36" y="9"/>
-                      <a:pt x="31" y="4"/>
-                      <a:pt x="20" y="4"/>
-                    </a:cubicBezTo>
-                    <a:close/>
-                  </a:path>
-                </a:pathLst>
-              </a:custGeom>
-              <a:grpFill/>
-              <a:ln>
-                <a:noFill/>
-              </a:ln>
-              <a:extLst>
-                <a:ext uri="{91240B29-F687-4f45-9708-019B960494DF}">
-                  <a14:hiddenLine xmlns:a14="http://schemas.microsoft.com/office/drawing/2010/main" xmlns:p14="http://schemas.microsoft.com/office/powerpoint/2010/main" xmlns:a16="http://schemas.microsoft.com/office/drawing/2014/main" xmlns="" w="9525">
-                    <a:solidFill>
-                      <a:srgbClr val="000000"/>
-                    </a:solidFill>
-                    <a:round/>
-                    <a:headEnd/>
-                    <a:tailEnd/>
-                  </a14:hiddenLine>
-                </a:ext>
-              </a:extLst>
-            </p:spPr>
-            <p:txBody>
-              <a:bodyPr/>
-              <a:lstStyle/>
-              <a:p>
-                <a:endParaRPr lang="en-IE"/>
-              </a:p>
-            </p:txBody>
-          </p:sp>
-          <p:sp>
-            <p:nvSpPr>
-              <p:cNvPr id="82" name="Freeform 13">
-                <a:extLst>
-                  <a:ext uri="{FF2B5EF4-FFF2-40B4-BE49-F238E27FC236}">
-                    <a16:creationId xmlns:a16="http://schemas.microsoft.com/office/drawing/2014/main" id="{A98D0B91-D4E4-402D-8234-E96987219E90}"/>
-                  </a:ext>
-                  <a:ext uri="{C183D7F6-B498-43B3-948B-1728B52AA6E4}">
-                    <adec:decorative xmlns:adec="http://schemas.microsoft.com/office/drawing/2017/decorative" val="1"/>
-                  </a:ext>
-                </a:extLst>
-              </p:cNvPr>
-              <p:cNvSpPr>
-                <a:spLocks noEditPoints="1"/>
-              </p:cNvSpPr>
-              <p:nvPr>
-                <p:extLst>
-                  <p:ext uri="{386F3935-93C4-4BCD-93E2-E3B085C9AB24}">
-                    <p16:designElem xmlns:p16="http://schemas.microsoft.com/office/powerpoint/2015/main" val="1"/>
-                  </p:ext>
-                </p:extLst>
-              </p:nvPr>
-            </p:nvSpPr>
-            <p:spPr bwMode="auto">
-              <a:xfrm>
-                <a:off x="588962" y="903288"/>
-                <a:ext cx="190500" cy="190500"/>
-              </a:xfrm>
-              <a:custGeom>
-                <a:avLst/>
-                <a:gdLst/>
-                <a:ahLst/>
-                <a:cxnLst/>
-                <a:rect l="0" t="0" r="r" b="b"/>
-                <a:pathLst>
-                  <a:path w="40" h="40">
-                    <a:moveTo>
-                      <a:pt x="20" y="40"/>
-                    </a:moveTo>
-                    <a:cubicBezTo>
-                      <a:pt x="9" y="40"/>
-                      <a:pt x="0" y="31"/>
-                      <a:pt x="0" y="20"/>
-                    </a:cubicBezTo>
-                    <a:cubicBezTo>
-                      <a:pt x="0" y="9"/>
-                      <a:pt x="9" y="0"/>
-                      <a:pt x="20" y="0"/>
-                    </a:cubicBezTo>
-                    <a:cubicBezTo>
-                      <a:pt x="31" y="0"/>
-                      <a:pt x="40" y="9"/>
-                      <a:pt x="40" y="20"/>
-                    </a:cubicBezTo>
-                    <a:cubicBezTo>
-                      <a:pt x="40" y="31"/>
-                      <a:pt x="31" y="40"/>
-                      <a:pt x="20" y="40"/>
-                    </a:cubicBezTo>
-                    <a:close/>
-                    <a:moveTo>
-                      <a:pt x="20" y="4"/>
-                    </a:moveTo>
-                    <a:cubicBezTo>
-                      <a:pt x="11" y="4"/>
-                      <a:pt x="4" y="11"/>
-                      <a:pt x="4" y="20"/>
-                    </a:cubicBezTo>
-                    <a:cubicBezTo>
-                      <a:pt x="4" y="29"/>
-                      <a:pt x="11" y="36"/>
-                      <a:pt x="20" y="36"/>
-                    </a:cubicBezTo>
-                    <a:cubicBezTo>
-                      <a:pt x="29" y="36"/>
-                      <a:pt x="36" y="29"/>
-                      <a:pt x="36" y="20"/>
-                    </a:cubicBezTo>
-                    <a:cubicBezTo>
-                      <a:pt x="36" y="11"/>
-                      <a:pt x="29" y="4"/>
-                      <a:pt x="20" y="4"/>
-                    </a:cubicBezTo>
-                    <a:close/>
-                  </a:path>
-                </a:pathLst>
-              </a:custGeom>
-              <a:grpFill/>
-              <a:ln>
-                <a:noFill/>
-              </a:ln>
-              <a:extLst>
-                <a:ext uri="{91240B29-F687-4f45-9708-019B960494DF}">
-                  <a14:hiddenLine xmlns:a14="http://schemas.microsoft.com/office/drawing/2010/main" xmlns:p14="http://schemas.microsoft.com/office/powerpoint/2010/main" xmlns:a16="http://schemas.microsoft.com/office/drawing/2014/main" xmlns="" w="9525">
-                    <a:solidFill>
-                      <a:srgbClr val="000000"/>
-                    </a:solidFill>
-                    <a:round/>
-                    <a:headEnd/>
-                    <a:tailEnd/>
-                  </a14:hiddenLine>
-                </a:ext>
-              </a:extLst>
-            </p:spPr>
-            <p:txBody>
-              <a:bodyPr/>
-              <a:lstStyle/>
-              <a:p>
-                <a:endParaRPr lang="en-IE"/>
-              </a:p>
-            </p:txBody>
-          </p:sp>
-          <p:sp>
-            <p:nvSpPr>
-              <p:cNvPr id="83" name="Freeform 14">
-                <a:extLst>
-                  <a:ext uri="{FF2B5EF4-FFF2-40B4-BE49-F238E27FC236}">
-                    <a16:creationId xmlns:a16="http://schemas.microsoft.com/office/drawing/2014/main" id="{94F1DB97-3769-4DA5-9F45-47132C3125D0}"/>
-                  </a:ext>
-                  <a:ext uri="{C183D7F6-B498-43B3-948B-1728B52AA6E4}">
-                    <adec:decorative xmlns:adec="http://schemas.microsoft.com/office/drawing/2017/decorative" val="1"/>
-                  </a:ext>
-                </a:extLst>
-              </p:cNvPr>
-              <p:cNvSpPr/>
-              <p:nvPr>
-                <p:extLst>
-                  <p:ext uri="{386F3935-93C4-4BCD-93E2-E3B085C9AB24}">
-                    <p16:designElem xmlns:p16="http://schemas.microsoft.com/office/powerpoint/2015/main" val="1"/>
-                  </p:ext>
-                </p:extLst>
-              </p:nvPr>
-            </p:nvSpPr>
-            <p:spPr bwMode="auto">
-              <a:xfrm>
-                <a:off x="641350" y="0"/>
-                <a:ext cx="422275" cy="527050"/>
-              </a:xfrm>
-              <a:custGeom>
-                <a:avLst/>
-                <a:gdLst/>
-                <a:ahLst/>
-                <a:cxnLst/>
-                <a:rect l="0" t="0" r="r" b="b"/>
-                <a:pathLst>
-                  <a:path w="266" h="332">
-                    <a:moveTo>
-                      <a:pt x="257" y="332"/>
-                    </a:moveTo>
-                    <a:lnTo>
-                      <a:pt x="48" y="123"/>
-                    </a:lnTo>
-                    <a:lnTo>
-                      <a:pt x="0" y="6"/>
-                    </a:lnTo>
-                    <a:lnTo>
-                      <a:pt x="15" y="0"/>
-                    </a:lnTo>
-                    <a:lnTo>
-                      <a:pt x="63" y="114"/>
-                    </a:lnTo>
-                    <a:lnTo>
-                      <a:pt x="266" y="320"/>
-                    </a:lnTo>
-                    <a:lnTo>
-                      <a:pt x="257" y="332"/>
-                    </a:lnTo>
-                    <a:close/>
-                  </a:path>
-                </a:pathLst>
-              </a:custGeom>
-              <a:grpFill/>
-              <a:ln>
-                <a:noFill/>
-              </a:ln>
-              <a:extLst>
-                <a:ext uri="{91240B29-F687-4f45-9708-019B960494DF}">
-                  <a14:hiddenLine xmlns:a14="http://schemas.microsoft.com/office/drawing/2010/main" xmlns:p14="http://schemas.microsoft.com/office/powerpoint/2010/main" xmlns:a16="http://schemas.microsoft.com/office/drawing/2014/main" xmlns="" w="9525">
-                    <a:solidFill>
-                      <a:srgbClr val="000000"/>
-                    </a:solidFill>
-                    <a:round/>
-                    <a:headEnd/>
-                    <a:tailEnd/>
-                  </a14:hiddenLine>
-                </a:ext>
-              </a:extLst>
-            </p:spPr>
-            <p:txBody>
-              <a:bodyPr/>
-              <a:lstStyle/>
-              <a:p>
-                <a:endParaRPr lang="en-IE"/>
-              </a:p>
-            </p:txBody>
-          </p:sp>
-          <p:sp>
-            <p:nvSpPr>
-              <p:cNvPr id="84" name="Freeform 15">
-                <a:extLst>
-                  <a:ext uri="{FF2B5EF4-FFF2-40B4-BE49-F238E27FC236}">
-                    <a16:creationId xmlns:a16="http://schemas.microsoft.com/office/drawing/2014/main" id="{A9BC86E2-B185-4D80-81B5-A8D387E678B7}"/>
-                  </a:ext>
-                  <a:ext uri="{C183D7F6-B498-43B3-948B-1728B52AA6E4}">
-                    <adec:decorative xmlns:adec="http://schemas.microsoft.com/office/drawing/2017/decorative" val="1"/>
-                  </a:ext>
-                </a:extLst>
-              </p:cNvPr>
-              <p:cNvSpPr>
-                <a:spLocks noEditPoints="1"/>
-              </p:cNvSpPr>
-              <p:nvPr>
-                <p:extLst>
-                  <p:ext uri="{386F3935-93C4-4BCD-93E2-E3B085C9AB24}">
-                    <p16:designElem xmlns:p16="http://schemas.microsoft.com/office/powerpoint/2015/main" val="1"/>
-                  </p:ext>
-                </p:extLst>
-              </p:nvPr>
-            </p:nvSpPr>
-            <p:spPr bwMode="auto">
-              <a:xfrm>
-                <a:off x="1020762" y="488950"/>
-                <a:ext cx="161925" cy="147638"/>
-              </a:xfrm>
-              <a:custGeom>
-                <a:avLst/>
-                <a:gdLst/>
-                <a:ahLst/>
-                <a:cxnLst/>
-                <a:rect l="0" t="0" r="r" b="b"/>
-                <a:pathLst>
-                  <a:path w="34" h="31">
-                    <a:moveTo>
-                      <a:pt x="17" y="31"/>
-                    </a:moveTo>
-                    <a:cubicBezTo>
-                      <a:pt x="13" y="31"/>
-                      <a:pt x="9" y="30"/>
-                      <a:pt x="6" y="27"/>
-                    </a:cubicBezTo>
-                    <a:cubicBezTo>
-                      <a:pt x="0" y="20"/>
-                      <a:pt x="0" y="10"/>
-                      <a:pt x="6" y="4"/>
-                    </a:cubicBezTo>
-                    <a:cubicBezTo>
-                      <a:pt x="9" y="1"/>
-                      <a:pt x="13" y="0"/>
-                      <a:pt x="17" y="0"/>
-                    </a:cubicBezTo>
-                    <a:cubicBezTo>
-                      <a:pt x="21" y="0"/>
-                      <a:pt x="25" y="1"/>
-                      <a:pt x="28" y="4"/>
-                    </a:cubicBezTo>
-                    <a:cubicBezTo>
-                      <a:pt x="34" y="10"/>
-                      <a:pt x="34" y="20"/>
-                      <a:pt x="28" y="27"/>
-                    </a:cubicBezTo>
-                    <a:cubicBezTo>
-                      <a:pt x="25" y="30"/>
-                      <a:pt x="21" y="31"/>
-                      <a:pt x="17" y="31"/>
-                    </a:cubicBezTo>
-                    <a:close/>
-                    <a:moveTo>
-                      <a:pt x="17" y="4"/>
-                    </a:moveTo>
-                    <a:cubicBezTo>
-                      <a:pt x="14" y="4"/>
-                      <a:pt x="11" y="5"/>
-                      <a:pt x="9" y="7"/>
-                    </a:cubicBezTo>
-                    <a:cubicBezTo>
-                      <a:pt x="4" y="12"/>
-                      <a:pt x="4" y="19"/>
-                      <a:pt x="9" y="24"/>
-                    </a:cubicBezTo>
-                    <a:cubicBezTo>
-                      <a:pt x="11" y="26"/>
-                      <a:pt x="14" y="27"/>
-                      <a:pt x="17" y="27"/>
-                    </a:cubicBezTo>
-                    <a:cubicBezTo>
-                      <a:pt x="20" y="27"/>
-                      <a:pt x="23" y="26"/>
-                      <a:pt x="25" y="24"/>
-                    </a:cubicBezTo>
-                    <a:cubicBezTo>
-                      <a:pt x="30" y="19"/>
-                      <a:pt x="30" y="12"/>
-                      <a:pt x="25" y="7"/>
-                    </a:cubicBezTo>
-                    <a:cubicBezTo>
-                      <a:pt x="23" y="5"/>
-                      <a:pt x="20" y="4"/>
-                      <a:pt x="17" y="4"/>
-                    </a:cubicBezTo>
-                    <a:close/>
-                  </a:path>
-                </a:pathLst>
-              </a:custGeom>
-              <a:grpFill/>
-              <a:ln>
-                <a:noFill/>
-              </a:ln>
-              <a:extLst>
-                <a:ext uri="{91240B29-F687-4f45-9708-019B960494DF}">
-                  <a14:hiddenLine xmlns:a14="http://schemas.microsoft.com/office/drawing/2010/main" xmlns:p14="http://schemas.microsoft.com/office/powerpoint/2010/main" xmlns:a16="http://schemas.microsoft.com/office/drawing/2014/main" xmlns="" w="9525">
-                    <a:solidFill>
-                      <a:srgbClr val="000000"/>
-                    </a:solidFill>
-                    <a:round/>
-                    <a:headEnd/>
-                    <a:tailEnd/>
-                  </a14:hiddenLine>
-                </a:ext>
-              </a:extLst>
-            </p:spPr>
-            <p:txBody>
-              <a:bodyPr/>
-              <a:lstStyle/>
-              <a:p>
-                <a:endParaRPr lang="en-IE"/>
-              </a:p>
-            </p:txBody>
-          </p:sp>
-          <p:sp>
-            <p:nvSpPr>
-              <p:cNvPr id="85" name="Line 16">
-                <a:extLst>
-                  <a:ext uri="{FF2B5EF4-FFF2-40B4-BE49-F238E27FC236}">
-                    <a16:creationId xmlns:a16="http://schemas.microsoft.com/office/drawing/2014/main" id="{FA773F49-8CD0-46DC-B986-F2DB57BD7266}"/>
-                  </a:ext>
-                  <a:ext uri="{C183D7F6-B498-43B3-948B-1728B52AA6E4}">
-                    <adec:decorative xmlns:adec="http://schemas.microsoft.com/office/drawing/2017/decorative" val="1"/>
-                  </a:ext>
-                </a:extLst>
-              </p:cNvPr>
-              <p:cNvSpPr>
-                <a:spLocks noChangeShapeType="1"/>
-              </p:cNvSpPr>
-              <p:nvPr>
-                <p:extLst>
-                  <p:ext uri="{386F3935-93C4-4BCD-93E2-E3B085C9AB24}">
-                    <p16:designElem xmlns:p16="http://schemas.microsoft.com/office/powerpoint/2015/main" val="1"/>
-                  </p:ext>
-                </p:extLst>
-              </p:nvPr>
-            </p:nvSpPr>
-            <p:spPr bwMode="auto">
-              <a:xfrm>
-                <a:off x="-4763" y="9525"/>
-                <a:ext cx="0" cy="0"/>
-              </a:xfrm>
-              <a:prstGeom prst="line">
-                <a:avLst/>
-              </a:prstGeom>
-              <a:grpFill/>
-              <a:ln w="15" cap="flat">
-                <a:solidFill>
-                  <a:srgbClr val="FFFFFF"/>
-                </a:solidFill>
-                <a:prstDash val="solid"/>
-                <a:miter lim="800000"/>
-                <a:headEnd/>
-                <a:tailEnd/>
-              </a:ln>
-            </p:spPr>
-            <p:txBody>
-              <a:bodyPr/>
-              <a:lstStyle/>
-              <a:p>
-                <a:endParaRPr lang="en-IE"/>
-              </a:p>
-            </p:txBody>
-          </p:sp>
-          <p:sp>
-            <p:nvSpPr>
-              <p:cNvPr id="86" name="Freeform 17">
-                <a:extLst>
-                  <a:ext uri="{FF2B5EF4-FFF2-40B4-BE49-F238E27FC236}">
-                    <a16:creationId xmlns:a16="http://schemas.microsoft.com/office/drawing/2014/main" id="{8C55A009-3401-4888-93C7-4ED51CBC64FF}"/>
-                  </a:ext>
-                  <a:ext uri="{C183D7F6-B498-43B3-948B-1728B52AA6E4}">
-                    <adec:decorative xmlns:adec="http://schemas.microsoft.com/office/drawing/2017/decorative" val="1"/>
-                  </a:ext>
-                </a:extLst>
-              </p:cNvPr>
-              <p:cNvSpPr/>
-              <p:nvPr>
-                <p:extLst>
-                  <p:ext uri="{386F3935-93C4-4BCD-93E2-E3B085C9AB24}">
-                    <p16:designElem xmlns:p16="http://schemas.microsoft.com/office/powerpoint/2015/main" val="1"/>
-                  </p:ext>
-                </p:extLst>
-              </p:nvPr>
-            </p:nvSpPr>
-            <p:spPr bwMode="auto">
-              <a:xfrm>
-                <a:off x="9525" y="1801813"/>
-                <a:ext cx="123825" cy="127000"/>
-              </a:xfrm>
-              <a:custGeom>
-                <a:avLst/>
-                <a:gdLst/>
-                <a:ahLst/>
-                <a:cxnLst/>
-                <a:rect l="0" t="0" r="r" b="b"/>
-                <a:pathLst>
-                  <a:path w="78" h="80">
-                    <a:moveTo>
-                      <a:pt x="6" y="80"/>
-                    </a:moveTo>
-                    <a:lnTo>
-                      <a:pt x="0" y="71"/>
-                    </a:lnTo>
-                    <a:lnTo>
-                      <a:pt x="69" y="0"/>
-                    </a:lnTo>
-                    <a:lnTo>
-                      <a:pt x="78" y="9"/>
-                    </a:lnTo>
-                    <a:lnTo>
-                      <a:pt x="6" y="80"/>
-                    </a:lnTo>
-                    <a:close/>
-                  </a:path>
-                </a:pathLst>
-              </a:custGeom>
-              <a:grpFill/>
-              <a:ln>
-                <a:noFill/>
-              </a:ln>
-              <a:extLst>
-                <a:ext uri="{91240B29-F687-4f45-9708-019B960494DF}">
-                  <a14:hiddenLine xmlns:a14="http://schemas.microsoft.com/office/drawing/2010/main" xmlns:p14="http://schemas.microsoft.com/office/powerpoint/2010/main" xmlns:a16="http://schemas.microsoft.com/office/drawing/2014/main" xmlns="" w="9525">
-                    <a:solidFill>
-                      <a:srgbClr val="000000"/>
-                    </a:solidFill>
-                    <a:round/>
-                    <a:headEnd/>
-                    <a:tailEnd/>
-                  </a14:hiddenLine>
-                </a:ext>
-              </a:extLst>
-            </p:spPr>
-            <p:txBody>
-              <a:bodyPr/>
-              <a:lstStyle/>
-              <a:p>
-                <a:endParaRPr lang="en-IE"/>
-              </a:p>
-            </p:txBody>
-          </p:sp>
-          <p:sp>
-            <p:nvSpPr>
-              <p:cNvPr id="87" name="Freeform 18">
-                <a:extLst>
-                  <a:ext uri="{FF2B5EF4-FFF2-40B4-BE49-F238E27FC236}">
-                    <a16:creationId xmlns:a16="http://schemas.microsoft.com/office/drawing/2014/main" id="{10B44829-5BB5-48C5-8492-699971FE7809}"/>
-                  </a:ext>
-                  <a:ext uri="{C183D7F6-B498-43B3-948B-1728B52AA6E4}">
-                    <adec:decorative xmlns:adec="http://schemas.microsoft.com/office/drawing/2017/decorative" val="1"/>
-                  </a:ext>
-                </a:extLst>
-              </p:cNvPr>
-              <p:cNvSpPr/>
-              <p:nvPr>
-                <p:extLst>
-                  <p:ext uri="{386F3935-93C4-4BCD-93E2-E3B085C9AB24}">
-                    <p16:designElem xmlns:p16="http://schemas.microsoft.com/office/powerpoint/2015/main" val="1"/>
-                  </p:ext>
-                </p:extLst>
-              </p:nvPr>
-            </p:nvSpPr>
-            <p:spPr bwMode="auto">
-              <a:xfrm>
-                <a:off x="-9525" y="3549650"/>
-                <a:ext cx="147638" cy="481013"/>
-              </a:xfrm>
-              <a:custGeom>
-                <a:avLst/>
-                <a:gdLst/>
-                <a:ahLst/>
-                <a:cxnLst/>
-                <a:rect l="0" t="0" r="r" b="b"/>
-                <a:pathLst>
-                  <a:path w="93" h="303">
-                    <a:moveTo>
-                      <a:pt x="93" y="303"/>
-                    </a:moveTo>
-                    <a:lnTo>
-                      <a:pt x="78" y="303"/>
-                    </a:lnTo>
-                    <a:lnTo>
-                      <a:pt x="78" y="78"/>
-                    </a:lnTo>
-                    <a:lnTo>
-                      <a:pt x="0" y="12"/>
-                    </a:lnTo>
-                    <a:lnTo>
-                      <a:pt x="12" y="0"/>
-                    </a:lnTo>
-                    <a:lnTo>
-                      <a:pt x="93" y="69"/>
-                    </a:lnTo>
-                    <a:lnTo>
-                      <a:pt x="93" y="303"/>
-                    </a:lnTo>
-                    <a:close/>
-                  </a:path>
-                </a:pathLst>
-              </a:custGeom>
-              <a:grpFill/>
-              <a:ln>
-                <a:noFill/>
-              </a:ln>
-              <a:extLst>
-                <a:ext uri="{91240B29-F687-4f45-9708-019B960494DF}">
-                  <a14:hiddenLine xmlns:a14="http://schemas.microsoft.com/office/drawing/2010/main" xmlns:p14="http://schemas.microsoft.com/office/powerpoint/2010/main" xmlns:a16="http://schemas.microsoft.com/office/drawing/2014/main" xmlns="" w="9525">
-                    <a:solidFill>
-                      <a:srgbClr val="000000"/>
-                    </a:solidFill>
-                    <a:round/>
-                    <a:headEnd/>
-                    <a:tailEnd/>
-                  </a14:hiddenLine>
-                </a:ext>
-              </a:extLst>
-            </p:spPr>
-            <p:txBody>
-              <a:bodyPr/>
-              <a:lstStyle/>
-              <a:p>
-                <a:endParaRPr lang="en-IE"/>
-              </a:p>
-            </p:txBody>
-          </p:sp>
-          <p:sp>
-            <p:nvSpPr>
-              <p:cNvPr id="88" name="Freeform 19">
-                <a:extLst>
-                  <a:ext uri="{FF2B5EF4-FFF2-40B4-BE49-F238E27FC236}">
-                    <a16:creationId xmlns:a16="http://schemas.microsoft.com/office/drawing/2014/main" id="{30C1F9A0-4FA6-4F6F-B2D0-A1BBA41DFC3B}"/>
-                  </a:ext>
-                  <a:ext uri="{C183D7F6-B498-43B3-948B-1728B52AA6E4}">
-                    <adec:decorative xmlns:adec="http://schemas.microsoft.com/office/drawing/2017/decorative" val="1"/>
-                  </a:ext>
-                </a:extLst>
-              </p:cNvPr>
-              <p:cNvSpPr/>
-              <p:nvPr>
-                <p:extLst>
-                  <p:ext uri="{386F3935-93C4-4BCD-93E2-E3B085C9AB24}">
-                    <p16:designElem xmlns:p16="http://schemas.microsoft.com/office/powerpoint/2015/main" val="1"/>
-                  </p:ext>
-                </p:extLst>
-              </p:nvPr>
-            </p:nvSpPr>
-            <p:spPr bwMode="auto">
-              <a:xfrm>
-                <a:off x="128587" y="1382713"/>
-                <a:ext cx="142875" cy="476250"/>
-              </a:xfrm>
-              <a:custGeom>
-                <a:avLst/>
-                <a:gdLst/>
-                <a:ahLst/>
-                <a:cxnLst/>
-                <a:rect l="0" t="0" r="r" b="b"/>
-                <a:pathLst>
-                  <a:path w="90" h="300">
-                    <a:moveTo>
-                      <a:pt x="90" y="300"/>
-                    </a:moveTo>
-                    <a:lnTo>
-                      <a:pt x="78" y="300"/>
-                    </a:lnTo>
-                    <a:lnTo>
-                      <a:pt x="78" y="84"/>
-                    </a:lnTo>
-                    <a:lnTo>
-                      <a:pt x="0" y="9"/>
-                    </a:lnTo>
-                    <a:lnTo>
-                      <a:pt x="9" y="0"/>
-                    </a:lnTo>
-                    <a:lnTo>
-                      <a:pt x="90" y="81"/>
-                    </a:lnTo>
-                    <a:lnTo>
-                      <a:pt x="90" y="300"/>
-                    </a:lnTo>
-                    <a:close/>
-                  </a:path>
-                </a:pathLst>
-              </a:custGeom>
-              <a:grpFill/>
-              <a:ln>
-                <a:noFill/>
-              </a:ln>
-              <a:extLst>
-                <a:ext uri="{91240B29-F687-4f45-9708-019B960494DF}">
-                  <a14:hiddenLine xmlns:a14="http://schemas.microsoft.com/office/drawing/2010/main" xmlns:p14="http://schemas.microsoft.com/office/powerpoint/2010/main" xmlns:a16="http://schemas.microsoft.com/office/drawing/2014/main" xmlns="" w="9525">
-                    <a:solidFill>
-                      <a:srgbClr val="000000"/>
-                    </a:solidFill>
-                    <a:round/>
-                    <a:headEnd/>
-                    <a:tailEnd/>
-                  </a14:hiddenLine>
-                </a:ext>
-              </a:extLst>
-            </p:spPr>
-            <p:txBody>
-              <a:bodyPr/>
-              <a:lstStyle/>
-              <a:p>
-                <a:endParaRPr lang="en-IE"/>
-              </a:p>
-            </p:txBody>
-          </p:sp>
-          <p:sp>
-            <p:nvSpPr>
-              <p:cNvPr id="89" name="Freeform 20">
-                <a:extLst>
-                  <a:ext uri="{FF2B5EF4-FFF2-40B4-BE49-F238E27FC236}">
-                    <a16:creationId xmlns:a16="http://schemas.microsoft.com/office/drawing/2014/main" id="{01BF274F-C7B8-44B4-A183-307D8619D271}"/>
-                  </a:ext>
-                  <a:ext uri="{C183D7F6-B498-43B3-948B-1728B52AA6E4}">
-                    <adec:decorative xmlns:adec="http://schemas.microsoft.com/office/drawing/2017/decorative" val="1"/>
-                  </a:ext>
-                </a:extLst>
-              </p:cNvPr>
-              <p:cNvSpPr>
-                <a:spLocks noEditPoints="1"/>
-              </p:cNvSpPr>
-              <p:nvPr>
-                <p:extLst>
-                  <p:ext uri="{386F3935-93C4-4BCD-93E2-E3B085C9AB24}">
-                    <p16:designElem xmlns:p16="http://schemas.microsoft.com/office/powerpoint/2015/main" val="1"/>
-                  </p:ext>
-                </p:extLst>
-              </p:nvPr>
-            </p:nvSpPr>
-            <p:spPr bwMode="auto">
-              <a:xfrm>
-                <a:off x="204787" y="1849438"/>
-                <a:ext cx="114300" cy="107950"/>
-              </a:xfrm>
-              <a:custGeom>
-                <a:avLst/>
-                <a:gdLst/>
-                <a:ahLst/>
-                <a:cxnLst/>
-                <a:rect l="0" t="0" r="r" b="b"/>
-                <a:pathLst>
-                  <a:path w="24" h="23">
-                    <a:moveTo>
-                      <a:pt x="12" y="23"/>
-                    </a:moveTo>
-                    <a:cubicBezTo>
-                      <a:pt x="6" y="23"/>
-                      <a:pt x="0" y="18"/>
-                      <a:pt x="0" y="12"/>
-                    </a:cubicBezTo>
-                    <a:cubicBezTo>
-                      <a:pt x="0" y="5"/>
-                      <a:pt x="6" y="0"/>
-                      <a:pt x="12" y="0"/>
-                    </a:cubicBezTo>
-                    <a:cubicBezTo>
-                      <a:pt x="18" y="0"/>
-                      <a:pt x="24" y="5"/>
-                      <a:pt x="24" y="12"/>
-                    </a:cubicBezTo>
-                    <a:cubicBezTo>
-                      <a:pt x="24" y="18"/>
-                      <a:pt x="18" y="23"/>
-                      <a:pt x="12" y="23"/>
-                    </a:cubicBezTo>
-                    <a:close/>
-                    <a:moveTo>
-                      <a:pt x="12" y="4"/>
-                    </a:moveTo>
-                    <a:cubicBezTo>
-                      <a:pt x="8" y="4"/>
-                      <a:pt x="4" y="8"/>
-                      <a:pt x="4" y="12"/>
-                    </a:cubicBezTo>
-                    <a:cubicBezTo>
-                      <a:pt x="4" y="16"/>
-                      <a:pt x="8" y="19"/>
-                      <a:pt x="12" y="19"/>
-                    </a:cubicBezTo>
-                    <a:cubicBezTo>
-                      <a:pt x="16" y="19"/>
-                      <a:pt x="20" y="16"/>
-                      <a:pt x="20" y="12"/>
-                    </a:cubicBezTo>
-                    <a:cubicBezTo>
-                      <a:pt x="20" y="8"/>
-                      <a:pt x="16" y="4"/>
-                      <a:pt x="12" y="4"/>
-                    </a:cubicBezTo>
-                    <a:close/>
-                  </a:path>
-                </a:pathLst>
-              </a:custGeom>
-              <a:grpFill/>
-              <a:ln>
-                <a:noFill/>
-              </a:ln>
-              <a:extLst>
-                <a:ext uri="{91240B29-F687-4f45-9708-019B960494DF}">
-                  <a14:hiddenLine xmlns:a14="http://schemas.microsoft.com/office/drawing/2010/main" xmlns:p14="http://schemas.microsoft.com/office/powerpoint/2010/main" xmlns:a16="http://schemas.microsoft.com/office/drawing/2014/main" xmlns="" w="9525">
-                    <a:solidFill>
-                      <a:srgbClr val="000000"/>
-                    </a:solidFill>
-                    <a:round/>
-                    <a:headEnd/>
-                    <a:tailEnd/>
-                  </a14:hiddenLine>
-                </a:ext>
-              </a:extLst>
-            </p:spPr>
-            <p:txBody>
-              <a:bodyPr/>
-              <a:lstStyle/>
-              <a:p>
-                <a:endParaRPr lang="en-IE"/>
-              </a:p>
-            </p:txBody>
-          </p:sp>
-          <p:sp>
-            <p:nvSpPr>
-              <p:cNvPr id="90" name="Rectangle 21">
-                <a:extLst>
-                  <a:ext uri="{FF2B5EF4-FFF2-40B4-BE49-F238E27FC236}">
-                    <a16:creationId xmlns:a16="http://schemas.microsoft.com/office/drawing/2014/main" id="{037E8930-0F22-4558-9432-F18953E32A04}"/>
-                  </a:ext>
-                  <a:ext uri="{C183D7F6-B498-43B3-948B-1728B52AA6E4}">
-                    <adec:decorative xmlns:adec="http://schemas.microsoft.com/office/drawing/2017/decorative" val="1"/>
-                  </a:ext>
-                </a:extLst>
-              </p:cNvPr>
-              <p:cNvSpPr>
-                <a:spLocks noChangeArrowheads="1"/>
-              </p:cNvSpPr>
-              <p:nvPr>
-                <p:extLst>
-                  <p:ext uri="{386F3935-93C4-4BCD-93E2-E3B085C9AB24}">
-                    <p16:designElem xmlns:p16="http://schemas.microsoft.com/office/powerpoint/2015/main" val="1"/>
-                  </p:ext>
-                </p:extLst>
-              </p:nvPr>
-            </p:nvSpPr>
-            <p:spPr bwMode="auto">
-              <a:xfrm>
-                <a:off x="133350" y="4662488"/>
-                <a:ext cx="23813" cy="2181225"/>
-              </a:xfrm>
-              <a:prstGeom prst="rect">
-                <a:avLst/>
-              </a:prstGeom>
-              <a:grpFill/>
-              <a:ln>
-                <a:noFill/>
-              </a:ln>
-              <a:extLst>
-                <a:ext uri="{91240B29-F687-4f45-9708-019B960494DF}">
-                  <a14:hiddenLine xmlns:a14="http://schemas.microsoft.com/office/drawing/2010/main" xmlns:p14="http://schemas.microsoft.com/office/powerpoint/2010/main" xmlns:a16="http://schemas.microsoft.com/office/drawing/2014/main" xmlns="" w="9525">
-                    <a:solidFill>
-                      <a:srgbClr val="000000"/>
-                    </a:solidFill>
-                    <a:miter lim="800000"/>
-                    <a:headEnd/>
-                    <a:tailEnd/>
-                  </a14:hiddenLine>
-                </a:ext>
-              </a:extLst>
-            </p:spPr>
-            <p:txBody>
-              <a:bodyPr/>
-              <a:lstStyle/>
-              <a:p>
-                <a:endParaRPr lang="en-IE"/>
-              </a:p>
-            </p:txBody>
-          </p:sp>
-          <p:sp>
-            <p:nvSpPr>
-              <p:cNvPr id="91" name="Freeform 22">
-                <a:extLst>
-                  <a:ext uri="{FF2B5EF4-FFF2-40B4-BE49-F238E27FC236}">
-                    <a16:creationId xmlns:a16="http://schemas.microsoft.com/office/drawing/2014/main" id="{9AFC3429-FF29-47FF-A4A8-317A979DB922}"/>
-                  </a:ext>
-                  <a:ext uri="{C183D7F6-B498-43B3-948B-1728B52AA6E4}">
-                    <adec:decorative xmlns:adec="http://schemas.microsoft.com/office/drawing/2017/decorative" val="1"/>
-                  </a:ext>
-                </a:extLst>
-              </p:cNvPr>
-              <p:cNvSpPr/>
-              <p:nvPr>
-                <p:extLst>
-                  <p:ext uri="{386F3935-93C4-4BCD-93E2-E3B085C9AB24}">
-                    <p16:designElem xmlns:p16="http://schemas.microsoft.com/office/powerpoint/2015/main" val="1"/>
-                  </p:ext>
-                </p:extLst>
-              </p:nvPr>
-            </p:nvSpPr>
-            <p:spPr bwMode="auto">
-              <a:xfrm>
-                <a:off x="223837" y="5041900"/>
-                <a:ext cx="369888" cy="1801813"/>
-              </a:xfrm>
-              <a:custGeom>
-                <a:avLst/>
-                <a:gdLst/>
-                <a:ahLst/>
-                <a:cxnLst/>
-                <a:rect l="0" t="0" r="r" b="b"/>
-                <a:pathLst>
-                  <a:path w="233" h="1135">
-                    <a:moveTo>
-                      <a:pt x="15" y="1135"/>
-                    </a:moveTo>
-                    <a:lnTo>
-                      <a:pt x="0" y="1135"/>
-                    </a:lnTo>
-                    <a:lnTo>
-                      <a:pt x="0" y="515"/>
-                    </a:lnTo>
-                    <a:lnTo>
-                      <a:pt x="0" y="512"/>
-                    </a:lnTo>
-                    <a:lnTo>
-                      <a:pt x="218" y="0"/>
-                    </a:lnTo>
-                    <a:lnTo>
-                      <a:pt x="233" y="6"/>
-                    </a:lnTo>
-                    <a:lnTo>
-                      <a:pt x="15" y="518"/>
-                    </a:lnTo>
-                    <a:lnTo>
-                      <a:pt x="15" y="1135"/>
-                    </a:lnTo>
-                    <a:close/>
-                  </a:path>
-                </a:pathLst>
-              </a:custGeom>
-              <a:grpFill/>
-              <a:ln>
-                <a:noFill/>
-              </a:ln>
-              <a:extLst>
-                <a:ext uri="{91240B29-F687-4f45-9708-019B960494DF}">
-                  <a14:hiddenLine xmlns:a14="http://schemas.microsoft.com/office/drawing/2010/main" xmlns:p14="http://schemas.microsoft.com/office/powerpoint/2010/main" xmlns:a16="http://schemas.microsoft.com/office/drawing/2014/main" xmlns="" w="9525">
-                    <a:solidFill>
-                      <a:srgbClr val="000000"/>
-                    </a:solidFill>
-                    <a:round/>
-                    <a:headEnd/>
-                    <a:tailEnd/>
-                  </a14:hiddenLine>
-                </a:ext>
-              </a:extLst>
-            </p:spPr>
-            <p:txBody>
-              <a:bodyPr/>
-              <a:lstStyle/>
-              <a:p>
-                <a:endParaRPr lang="en-IE"/>
-              </a:p>
-            </p:txBody>
-          </p:sp>
-          <p:sp>
-            <p:nvSpPr>
-              <p:cNvPr id="92" name="Freeform 23">
-                <a:extLst>
-                  <a:ext uri="{FF2B5EF4-FFF2-40B4-BE49-F238E27FC236}">
-                    <a16:creationId xmlns:a16="http://schemas.microsoft.com/office/drawing/2014/main" id="{91D48543-2C05-4768-80B1-ECA6F885080A}"/>
-                  </a:ext>
-                  <a:ext uri="{C183D7F6-B498-43B3-948B-1728B52AA6E4}">
-                    <adec:decorative xmlns:adec="http://schemas.microsoft.com/office/drawing/2017/decorative" val="1"/>
-                  </a:ext>
-                </a:extLst>
-              </p:cNvPr>
-              <p:cNvSpPr>
-                <a:spLocks noEditPoints="1"/>
-              </p:cNvSpPr>
-              <p:nvPr>
-                <p:extLst>
-                  <p:ext uri="{386F3935-93C4-4BCD-93E2-E3B085C9AB24}">
-                    <p16:designElem xmlns:p16="http://schemas.microsoft.com/office/powerpoint/2015/main" val="1"/>
-                  </p:ext>
-                </p:extLst>
-              </p:nvPr>
-            </p:nvSpPr>
-            <p:spPr bwMode="auto">
-              <a:xfrm>
-                <a:off x="52387" y="4481513"/>
-                <a:ext cx="190500" cy="190500"/>
-              </a:xfrm>
-              <a:custGeom>
-                <a:avLst/>
-                <a:gdLst/>
-                <a:ahLst/>
-                <a:cxnLst/>
-                <a:rect l="0" t="0" r="r" b="b"/>
-                <a:pathLst>
-                  <a:path w="40" h="40">
-                    <a:moveTo>
-                      <a:pt x="20" y="40"/>
-                    </a:moveTo>
-                    <a:cubicBezTo>
-                      <a:pt x="9" y="40"/>
-                      <a:pt x="0" y="31"/>
-                      <a:pt x="0" y="20"/>
-                    </a:cubicBezTo>
-                    <a:cubicBezTo>
-                      <a:pt x="0" y="9"/>
-                      <a:pt x="9" y="0"/>
-                      <a:pt x="20" y="0"/>
-                    </a:cubicBezTo>
-                    <a:cubicBezTo>
-                      <a:pt x="31" y="0"/>
-                      <a:pt x="40" y="9"/>
-                      <a:pt x="40" y="20"/>
-                    </a:cubicBezTo>
-                    <a:cubicBezTo>
-                      <a:pt x="40" y="31"/>
-                      <a:pt x="31" y="40"/>
-                      <a:pt x="20" y="40"/>
-                    </a:cubicBezTo>
-                    <a:close/>
-                    <a:moveTo>
-                      <a:pt x="20" y="4"/>
-                    </a:moveTo>
-                    <a:cubicBezTo>
-                      <a:pt x="11" y="4"/>
-                      <a:pt x="4" y="11"/>
-                      <a:pt x="4" y="20"/>
-                    </a:cubicBezTo>
-                    <a:cubicBezTo>
-                      <a:pt x="4" y="29"/>
-                      <a:pt x="11" y="36"/>
-                      <a:pt x="20" y="36"/>
-                    </a:cubicBezTo>
-                    <a:cubicBezTo>
-                      <a:pt x="28" y="36"/>
-                      <a:pt x="36" y="29"/>
-                      <a:pt x="36" y="20"/>
-                    </a:cubicBezTo>
-                    <a:cubicBezTo>
-                      <a:pt x="36" y="11"/>
-                      <a:pt x="28" y="4"/>
-                      <a:pt x="20" y="4"/>
-                    </a:cubicBezTo>
-                    <a:close/>
-                  </a:path>
-                </a:pathLst>
-              </a:custGeom>
-              <a:grpFill/>
-              <a:ln>
-                <a:noFill/>
-              </a:ln>
-              <a:extLst>
-                <a:ext uri="{91240B29-F687-4f45-9708-019B960494DF}">
-                  <a14:hiddenLine xmlns:a14="http://schemas.microsoft.com/office/drawing/2010/main" xmlns:p14="http://schemas.microsoft.com/office/powerpoint/2010/main" xmlns:a16="http://schemas.microsoft.com/office/drawing/2014/main" xmlns="" w="9525">
-                    <a:solidFill>
-                      <a:srgbClr val="000000"/>
-                    </a:solidFill>
-                    <a:round/>
-                    <a:headEnd/>
-                    <a:tailEnd/>
-                  </a14:hiddenLine>
-                </a:ext>
-              </a:extLst>
-            </p:spPr>
-            <p:txBody>
-              <a:bodyPr/>
-              <a:lstStyle/>
-              <a:p>
-                <a:endParaRPr lang="en-IE"/>
-              </a:p>
-            </p:txBody>
-          </p:sp>
-          <p:sp>
-            <p:nvSpPr>
-              <p:cNvPr id="93" name="Freeform 24">
-                <a:extLst>
-                  <a:ext uri="{FF2B5EF4-FFF2-40B4-BE49-F238E27FC236}">
-                    <a16:creationId xmlns:a16="http://schemas.microsoft.com/office/drawing/2014/main" id="{3AC527CC-154C-4370-A25B-74AC5B4A6313}"/>
-                  </a:ext>
-                  <a:ext uri="{C183D7F6-B498-43B3-948B-1728B52AA6E4}">
-                    <adec:decorative xmlns:adec="http://schemas.microsoft.com/office/drawing/2017/decorative" val="1"/>
-                  </a:ext>
-                </a:extLst>
-              </p:cNvPr>
-              <p:cNvSpPr/>
-              <p:nvPr>
-                <p:extLst>
-                  <p:ext uri="{386F3935-93C4-4BCD-93E2-E3B085C9AB24}">
-                    <p16:designElem xmlns:p16="http://schemas.microsoft.com/office/powerpoint/2015/main" val="1"/>
-                  </p:ext>
-                </p:extLst>
-              </p:nvPr>
-            </p:nvSpPr>
-            <p:spPr bwMode="auto">
-              <a:xfrm>
-                <a:off x="-14288" y="5627688"/>
-                <a:ext cx="85725" cy="1216025"/>
-              </a:xfrm>
-              <a:custGeom>
-                <a:avLst/>
-                <a:gdLst/>
-                <a:ahLst/>
-                <a:cxnLst/>
-                <a:rect l="0" t="0" r="r" b="b"/>
-                <a:pathLst>
-                  <a:path w="54" h="766">
-                    <a:moveTo>
-                      <a:pt x="54" y="766"/>
-                    </a:moveTo>
-                    <a:lnTo>
-                      <a:pt x="36" y="766"/>
-                    </a:lnTo>
-                    <a:lnTo>
-                      <a:pt x="36" y="149"/>
-                    </a:lnTo>
-                    <a:lnTo>
-                      <a:pt x="0" y="3"/>
-                    </a:lnTo>
-                    <a:lnTo>
-                      <a:pt x="18" y="0"/>
-                    </a:lnTo>
-                    <a:lnTo>
-                      <a:pt x="54" y="146"/>
-                    </a:lnTo>
-                    <a:lnTo>
-                      <a:pt x="54" y="766"/>
-                    </a:lnTo>
-                    <a:close/>
-                  </a:path>
-                </a:pathLst>
-              </a:custGeom>
-              <a:grpFill/>
-              <a:ln>
-                <a:noFill/>
-              </a:ln>
-              <a:extLst>
-                <a:ext uri="{91240B29-F687-4f45-9708-019B960494DF}">
-                  <a14:hiddenLine xmlns:a14="http://schemas.microsoft.com/office/drawing/2010/main" xmlns:p14="http://schemas.microsoft.com/office/powerpoint/2010/main" xmlns:a16="http://schemas.microsoft.com/office/drawing/2014/main" xmlns="" w="9525">
-                    <a:solidFill>
-                      <a:srgbClr val="000000"/>
-                    </a:solidFill>
-                    <a:round/>
-                    <a:headEnd/>
-                    <a:tailEnd/>
-                  </a14:hiddenLine>
-                </a:ext>
-              </a:extLst>
-            </p:spPr>
-            <p:txBody>
-              <a:bodyPr/>
-              <a:lstStyle/>
-              <a:p>
-                <a:endParaRPr lang="en-IE"/>
-              </a:p>
-            </p:txBody>
-          </p:sp>
-          <p:sp>
-            <p:nvSpPr>
-              <p:cNvPr id="94" name="Freeform 25">
-                <a:extLst>
-                  <a:ext uri="{FF2B5EF4-FFF2-40B4-BE49-F238E27FC236}">
-                    <a16:creationId xmlns:a16="http://schemas.microsoft.com/office/drawing/2014/main" id="{798B18F5-51C9-4E50-95C5-A850EF5398AA}"/>
-                  </a:ext>
-                  <a:ext uri="{C183D7F6-B498-43B3-948B-1728B52AA6E4}">
-                    <adec:decorative xmlns:adec="http://schemas.microsoft.com/office/drawing/2017/decorative" val="1"/>
-                  </a:ext>
-                </a:extLst>
-              </p:cNvPr>
-              <p:cNvSpPr>
-                <a:spLocks noEditPoints="1"/>
-              </p:cNvSpPr>
-              <p:nvPr>
-                <p:extLst>
-                  <p:ext uri="{386F3935-93C4-4BCD-93E2-E3B085C9AB24}">
-                    <p16:designElem xmlns:p16="http://schemas.microsoft.com/office/powerpoint/2015/main" val="1"/>
-                  </p:ext>
-                </p:extLst>
-              </p:nvPr>
-            </p:nvSpPr>
-            <p:spPr bwMode="auto">
-              <a:xfrm>
-                <a:off x="527050" y="4867275"/>
-                <a:ext cx="190500" cy="188913"/>
-              </a:xfrm>
-              <a:custGeom>
-                <a:avLst/>
-                <a:gdLst/>
-                <a:ahLst/>
-                <a:cxnLst/>
-                <a:rect l="0" t="0" r="r" b="b"/>
-                <a:pathLst>
-                  <a:path w="40" h="40">
-                    <a:moveTo>
-                      <a:pt x="20" y="40"/>
-                    </a:moveTo>
-                    <a:cubicBezTo>
-                      <a:pt x="9" y="40"/>
-                      <a:pt x="0" y="31"/>
-                      <a:pt x="0" y="20"/>
-                    </a:cubicBezTo>
-                    <a:cubicBezTo>
-                      <a:pt x="0" y="9"/>
-                      <a:pt x="9" y="0"/>
-                      <a:pt x="20" y="0"/>
-                    </a:cubicBezTo>
-                    <a:cubicBezTo>
-                      <a:pt x="31" y="0"/>
-                      <a:pt x="40" y="9"/>
-                      <a:pt x="40" y="20"/>
-                    </a:cubicBezTo>
-                    <a:cubicBezTo>
-                      <a:pt x="40" y="31"/>
-                      <a:pt x="31" y="40"/>
-                      <a:pt x="20" y="40"/>
-                    </a:cubicBezTo>
-                    <a:close/>
-                    <a:moveTo>
-                      <a:pt x="20" y="4"/>
-                    </a:moveTo>
-                    <a:cubicBezTo>
-                      <a:pt x="11" y="4"/>
-                      <a:pt x="4" y="11"/>
-                      <a:pt x="4" y="20"/>
-                    </a:cubicBezTo>
-                    <a:cubicBezTo>
-                      <a:pt x="4" y="29"/>
-                      <a:pt x="11" y="36"/>
-                      <a:pt x="20" y="36"/>
-                    </a:cubicBezTo>
-                    <a:cubicBezTo>
-                      <a:pt x="29" y="36"/>
-                      <a:pt x="36" y="29"/>
-                      <a:pt x="36" y="20"/>
-                    </a:cubicBezTo>
-                    <a:cubicBezTo>
-                      <a:pt x="36" y="11"/>
-                      <a:pt x="29" y="4"/>
-                      <a:pt x="20" y="4"/>
-                    </a:cubicBezTo>
-                    <a:close/>
-                  </a:path>
-                </a:pathLst>
-              </a:custGeom>
-              <a:grpFill/>
-              <a:ln>
-                <a:noFill/>
-              </a:ln>
-              <a:extLst>
-                <a:ext uri="{91240B29-F687-4f45-9708-019B960494DF}">
-                  <a14:hiddenLine xmlns:a14="http://schemas.microsoft.com/office/drawing/2010/main" xmlns:p14="http://schemas.microsoft.com/office/powerpoint/2010/main" xmlns:a16="http://schemas.microsoft.com/office/drawing/2014/main" xmlns="" w="9525">
-                    <a:solidFill>
-                      <a:srgbClr val="000000"/>
-                    </a:solidFill>
-                    <a:round/>
-                    <a:headEnd/>
-                    <a:tailEnd/>
-                  </a14:hiddenLine>
-                </a:ext>
-              </a:extLst>
-            </p:spPr>
-            <p:txBody>
-              <a:bodyPr/>
-              <a:lstStyle/>
-              <a:p>
-                <a:endParaRPr lang="en-IE"/>
-              </a:p>
-            </p:txBody>
-          </p:sp>
-          <p:sp>
-            <p:nvSpPr>
-              <p:cNvPr id="95" name="Freeform 26">
-                <a:extLst>
-                  <a:ext uri="{FF2B5EF4-FFF2-40B4-BE49-F238E27FC236}">
-                    <a16:creationId xmlns:a16="http://schemas.microsoft.com/office/drawing/2014/main" id="{15B4CF27-638C-4979-B0FD-6263E13074A9}"/>
-                  </a:ext>
-                  <a:ext uri="{C183D7F6-B498-43B3-948B-1728B52AA6E4}">
-                    <adec:decorative xmlns:adec="http://schemas.microsoft.com/office/drawing/2017/decorative" val="1"/>
-                  </a:ext>
-                </a:extLst>
-              </p:cNvPr>
-              <p:cNvSpPr/>
-              <p:nvPr>
-                <p:extLst>
-                  <p:ext uri="{386F3935-93C4-4BCD-93E2-E3B085C9AB24}">
-                    <p16:designElem xmlns:p16="http://schemas.microsoft.com/office/powerpoint/2015/main" val="1"/>
-                  </p:ext>
-                </p:extLst>
-              </p:nvPr>
-            </p:nvSpPr>
-            <p:spPr bwMode="auto">
-              <a:xfrm>
-                <a:off x="309562" y="5422900"/>
-                <a:ext cx="374650" cy="1425575"/>
-              </a:xfrm>
-              <a:custGeom>
-                <a:avLst/>
-                <a:gdLst/>
-                <a:ahLst/>
-                <a:cxnLst/>
-                <a:rect l="0" t="0" r="r" b="b"/>
-                <a:pathLst>
-                  <a:path w="236" h="898">
-                    <a:moveTo>
-                      <a:pt x="18" y="898"/>
-                    </a:moveTo>
-                    <a:lnTo>
-                      <a:pt x="0" y="898"/>
-                    </a:lnTo>
-                    <a:lnTo>
-                      <a:pt x="0" y="515"/>
-                    </a:lnTo>
-                    <a:lnTo>
-                      <a:pt x="3" y="512"/>
-                    </a:lnTo>
-                    <a:lnTo>
-                      <a:pt x="221" y="0"/>
-                    </a:lnTo>
-                    <a:lnTo>
-                      <a:pt x="236" y="6"/>
-                    </a:lnTo>
-                    <a:lnTo>
-                      <a:pt x="18" y="518"/>
-                    </a:lnTo>
-                    <a:lnTo>
-                      <a:pt x="18" y="898"/>
-                    </a:lnTo>
-                    <a:close/>
-                  </a:path>
-                </a:pathLst>
-              </a:custGeom>
-              <a:grpFill/>
-              <a:ln>
-                <a:noFill/>
-              </a:ln>
-              <a:extLst>
-                <a:ext uri="{91240B29-F687-4f45-9708-019B960494DF}">
-                  <a14:hiddenLine xmlns:a14="http://schemas.microsoft.com/office/drawing/2010/main" xmlns:p14="http://schemas.microsoft.com/office/powerpoint/2010/main" xmlns:a16="http://schemas.microsoft.com/office/drawing/2014/main" xmlns="" w="9525">
-                    <a:solidFill>
-                      <a:srgbClr val="000000"/>
-                    </a:solidFill>
-                    <a:round/>
-                    <a:headEnd/>
-                    <a:tailEnd/>
-                  </a14:hiddenLine>
-                </a:ext>
-              </a:extLst>
-            </p:spPr>
-            <p:txBody>
-              <a:bodyPr/>
-              <a:lstStyle/>
-              <a:p>
-                <a:endParaRPr lang="en-IE"/>
-              </a:p>
-            </p:txBody>
-          </p:sp>
-          <p:sp>
-            <p:nvSpPr>
-              <p:cNvPr id="96" name="Freeform 27">
-                <a:extLst>
-                  <a:ext uri="{FF2B5EF4-FFF2-40B4-BE49-F238E27FC236}">
-                    <a16:creationId xmlns:a16="http://schemas.microsoft.com/office/drawing/2014/main" id="{236C6A22-48A2-4442-B82D-30DB49827242}"/>
-                  </a:ext>
-                  <a:ext uri="{C183D7F6-B498-43B3-948B-1728B52AA6E4}">
-                    <adec:decorative xmlns:adec="http://schemas.microsoft.com/office/drawing/2017/decorative" val="1"/>
-                  </a:ext>
-                </a:extLst>
-              </p:cNvPr>
-              <p:cNvSpPr/>
-              <p:nvPr>
-                <p:extLst>
-                  <p:ext uri="{386F3935-93C4-4BCD-93E2-E3B085C9AB24}">
-                    <p16:designElem xmlns:p16="http://schemas.microsoft.com/office/powerpoint/2015/main" val="1"/>
-                  </p:ext>
-                </p:extLst>
-              </p:nvPr>
-            </p:nvSpPr>
-            <p:spPr bwMode="auto">
-              <a:xfrm>
-                <a:off x="569912" y="5945188"/>
-                <a:ext cx="152400" cy="912813"/>
-              </a:xfrm>
-              <a:custGeom>
-                <a:avLst/>
-                <a:gdLst/>
-                <a:ahLst/>
-                <a:cxnLst/>
-                <a:rect l="0" t="0" r="r" b="b"/>
-                <a:pathLst>
-                  <a:path w="96" h="575">
-                    <a:moveTo>
-                      <a:pt x="15" y="575"/>
-                    </a:moveTo>
-                    <a:lnTo>
-                      <a:pt x="0" y="569"/>
-                    </a:lnTo>
-                    <a:lnTo>
-                      <a:pt x="81" y="383"/>
-                    </a:lnTo>
-                    <a:lnTo>
-                      <a:pt x="81" y="0"/>
-                    </a:lnTo>
-                    <a:lnTo>
-                      <a:pt x="96" y="0"/>
-                    </a:lnTo>
-                    <a:lnTo>
-                      <a:pt x="96" y="386"/>
-                    </a:lnTo>
-                    <a:lnTo>
-                      <a:pt x="15" y="575"/>
-                    </a:lnTo>
-                    <a:close/>
-                  </a:path>
-                </a:pathLst>
-              </a:custGeom>
-              <a:grpFill/>
-              <a:ln>
-                <a:noFill/>
-              </a:ln>
-              <a:extLst>
-                <a:ext uri="{91240B29-F687-4f45-9708-019B960494DF}">
-                  <a14:hiddenLine xmlns:a14="http://schemas.microsoft.com/office/drawing/2010/main" xmlns:p14="http://schemas.microsoft.com/office/powerpoint/2010/main" xmlns:a16="http://schemas.microsoft.com/office/drawing/2014/main" xmlns="" w="9525">
-                    <a:solidFill>
-                      <a:srgbClr val="000000"/>
-                    </a:solidFill>
-                    <a:round/>
-                    <a:headEnd/>
-                    <a:tailEnd/>
-                  </a14:hiddenLine>
-                </a:ext>
-              </a:extLst>
-            </p:spPr>
-            <p:txBody>
-              <a:bodyPr/>
-              <a:lstStyle/>
-              <a:p>
-                <a:endParaRPr lang="en-IE"/>
-              </a:p>
-            </p:txBody>
-          </p:sp>
-          <p:sp>
-            <p:nvSpPr>
-              <p:cNvPr id="97" name="Freeform 28">
-                <a:extLst>
-                  <a:ext uri="{FF2B5EF4-FFF2-40B4-BE49-F238E27FC236}">
-                    <a16:creationId xmlns:a16="http://schemas.microsoft.com/office/drawing/2014/main" id="{1BB7BCE1-0D99-412E-ABA6-81412638E9EC}"/>
-                  </a:ext>
-                  <a:ext uri="{C183D7F6-B498-43B3-948B-1728B52AA6E4}">
-                    <adec:decorative xmlns:adec="http://schemas.microsoft.com/office/drawing/2017/decorative" val="1"/>
-                  </a:ext>
-                </a:extLst>
-              </p:cNvPr>
-              <p:cNvSpPr>
-                <a:spLocks noEditPoints="1"/>
-              </p:cNvSpPr>
-              <p:nvPr>
-                <p:extLst>
-                  <p:ext uri="{386F3935-93C4-4BCD-93E2-E3B085C9AB24}">
-                    <p16:designElem xmlns:p16="http://schemas.microsoft.com/office/powerpoint/2015/main" val="1"/>
-                  </p:ext>
-                </p:extLst>
-              </p:nvPr>
-            </p:nvSpPr>
-            <p:spPr bwMode="auto">
-              <a:xfrm>
-                <a:off x="612775" y="5246688"/>
-                <a:ext cx="190500" cy="190500"/>
-              </a:xfrm>
-              <a:custGeom>
-                <a:avLst/>
-                <a:gdLst/>
-                <a:ahLst/>
-                <a:cxnLst/>
-                <a:rect l="0" t="0" r="r" b="b"/>
-                <a:pathLst>
-                  <a:path w="40" h="40">
-                    <a:moveTo>
-                      <a:pt x="20" y="40"/>
-                    </a:moveTo>
-                    <a:cubicBezTo>
-                      <a:pt x="9" y="40"/>
-                      <a:pt x="0" y="31"/>
-                      <a:pt x="0" y="20"/>
-                    </a:cubicBezTo>
-                    <a:cubicBezTo>
-                      <a:pt x="0" y="9"/>
-                      <a:pt x="9" y="0"/>
-                      <a:pt x="20" y="0"/>
-                    </a:cubicBezTo>
-                    <a:cubicBezTo>
-                      <a:pt x="31" y="0"/>
-                      <a:pt x="40" y="9"/>
-                      <a:pt x="40" y="20"/>
-                    </a:cubicBezTo>
-                    <a:cubicBezTo>
-                      <a:pt x="40" y="31"/>
-                      <a:pt x="31" y="40"/>
-                      <a:pt x="20" y="40"/>
-                    </a:cubicBezTo>
-                    <a:close/>
-                    <a:moveTo>
-                      <a:pt x="20" y="4"/>
-                    </a:moveTo>
-                    <a:cubicBezTo>
-                      <a:pt x="12" y="4"/>
-                      <a:pt x="4" y="11"/>
-                      <a:pt x="4" y="20"/>
-                    </a:cubicBezTo>
-                    <a:cubicBezTo>
-                      <a:pt x="4" y="29"/>
-                      <a:pt x="12" y="36"/>
-                      <a:pt x="20" y="36"/>
-                    </a:cubicBezTo>
-                    <a:cubicBezTo>
-                      <a:pt x="29" y="36"/>
-                      <a:pt x="36" y="29"/>
-                      <a:pt x="36" y="20"/>
-                    </a:cubicBezTo>
-                    <a:cubicBezTo>
-                      <a:pt x="36" y="11"/>
-                      <a:pt x="29" y="4"/>
-                      <a:pt x="20" y="4"/>
-                    </a:cubicBezTo>
-                    <a:close/>
-                  </a:path>
-                </a:pathLst>
-              </a:custGeom>
-              <a:grpFill/>
-              <a:ln>
-                <a:noFill/>
-              </a:ln>
-              <a:extLst>
-                <a:ext uri="{91240B29-F687-4f45-9708-019B960494DF}">
-                  <a14:hiddenLine xmlns:a14="http://schemas.microsoft.com/office/drawing/2010/main" xmlns:p14="http://schemas.microsoft.com/office/powerpoint/2010/main" xmlns:a16="http://schemas.microsoft.com/office/drawing/2014/main" xmlns="" w="9525">
-                    <a:solidFill>
-                      <a:srgbClr val="000000"/>
-                    </a:solidFill>
-                    <a:round/>
-                    <a:headEnd/>
-                    <a:tailEnd/>
-                  </a14:hiddenLine>
-                </a:ext>
-              </a:extLst>
-            </p:spPr>
-            <p:txBody>
-              <a:bodyPr/>
-              <a:lstStyle/>
-              <a:p>
-                <a:endParaRPr lang="en-IE"/>
-              </a:p>
-            </p:txBody>
-          </p:sp>
-          <p:sp>
-            <p:nvSpPr>
-              <p:cNvPr id="98" name="Freeform 29">
-                <a:extLst>
-                  <a:ext uri="{FF2B5EF4-FFF2-40B4-BE49-F238E27FC236}">
-                    <a16:creationId xmlns:a16="http://schemas.microsoft.com/office/drawing/2014/main" id="{C20E57E0-0912-44F2-93DA-75E4D13F3B74}"/>
-                  </a:ext>
-                  <a:ext uri="{C183D7F6-B498-43B3-948B-1728B52AA6E4}">
-                    <adec:decorative xmlns:adec="http://schemas.microsoft.com/office/drawing/2017/decorative" val="1"/>
-                  </a:ext>
-                </a:extLst>
-              </p:cNvPr>
-              <p:cNvSpPr>
-                <a:spLocks noEditPoints="1"/>
-              </p:cNvSpPr>
-              <p:nvPr>
-                <p:extLst>
-                  <p:ext uri="{386F3935-93C4-4BCD-93E2-E3B085C9AB24}">
-                    <p16:designElem xmlns:p16="http://schemas.microsoft.com/office/powerpoint/2015/main" val="1"/>
-                  </p:ext>
-                </p:extLst>
-              </p:nvPr>
-            </p:nvSpPr>
-            <p:spPr bwMode="auto">
-              <a:xfrm>
-                <a:off x="612775" y="5764213"/>
-                <a:ext cx="190500" cy="190500"/>
-              </a:xfrm>
-              <a:custGeom>
-                <a:avLst/>
-                <a:gdLst/>
-                <a:ahLst/>
-                <a:cxnLst/>
-                <a:rect l="0" t="0" r="r" b="b"/>
-                <a:pathLst>
-                  <a:path w="40" h="40">
-                    <a:moveTo>
-                      <a:pt x="20" y="40"/>
-                    </a:moveTo>
-                    <a:cubicBezTo>
-                      <a:pt x="9" y="40"/>
-                      <a:pt x="0" y="31"/>
-                      <a:pt x="0" y="20"/>
-                    </a:cubicBezTo>
-                    <a:cubicBezTo>
-                      <a:pt x="0" y="9"/>
-                      <a:pt x="9" y="0"/>
-                      <a:pt x="20" y="0"/>
-                    </a:cubicBezTo>
-                    <a:cubicBezTo>
-                      <a:pt x="31" y="0"/>
-                      <a:pt x="40" y="9"/>
-                      <a:pt x="40" y="20"/>
-                    </a:cubicBezTo>
-                    <a:cubicBezTo>
-                      <a:pt x="40" y="31"/>
-                      <a:pt x="31" y="40"/>
-                      <a:pt x="20" y="40"/>
-                    </a:cubicBezTo>
-                    <a:close/>
-                    <a:moveTo>
-                      <a:pt x="20" y="4"/>
-                    </a:moveTo>
-                    <a:cubicBezTo>
-                      <a:pt x="12" y="4"/>
-                      <a:pt x="4" y="11"/>
-                      <a:pt x="4" y="20"/>
-                    </a:cubicBezTo>
-                    <a:cubicBezTo>
-                      <a:pt x="4" y="29"/>
-                      <a:pt x="12" y="36"/>
-                      <a:pt x="20" y="36"/>
-                    </a:cubicBezTo>
-                    <a:cubicBezTo>
-                      <a:pt x="29" y="36"/>
-                      <a:pt x="36" y="29"/>
-                      <a:pt x="36" y="20"/>
-                    </a:cubicBezTo>
-                    <a:cubicBezTo>
-                      <a:pt x="36" y="11"/>
-                      <a:pt x="29" y="4"/>
-                      <a:pt x="20" y="4"/>
-                    </a:cubicBezTo>
-                    <a:close/>
-                  </a:path>
-                </a:pathLst>
-              </a:custGeom>
-              <a:grpFill/>
-              <a:ln>
-                <a:noFill/>
-              </a:ln>
-              <a:extLst>
-                <a:ext uri="{91240B29-F687-4f45-9708-019B960494DF}">
-                  <a14:hiddenLine xmlns:a14="http://schemas.microsoft.com/office/drawing/2010/main" xmlns:p14="http://schemas.microsoft.com/office/powerpoint/2010/main" xmlns:a16="http://schemas.microsoft.com/office/drawing/2014/main" xmlns="" w="9525">
-                    <a:solidFill>
-                      <a:srgbClr val="000000"/>
-                    </a:solidFill>
-                    <a:round/>
-                    <a:headEnd/>
-                    <a:tailEnd/>
-                  </a14:hiddenLine>
-                </a:ext>
-              </a:extLst>
-            </p:spPr>
-            <p:txBody>
-              <a:bodyPr/>
-              <a:lstStyle/>
-              <a:p>
-                <a:endParaRPr lang="en-IE"/>
-              </a:p>
-            </p:txBody>
-          </p:sp>
-          <p:sp>
-            <p:nvSpPr>
-              <p:cNvPr id="99" name="Freeform 30">
-                <a:extLst>
-                  <a:ext uri="{FF2B5EF4-FFF2-40B4-BE49-F238E27FC236}">
-                    <a16:creationId xmlns:a16="http://schemas.microsoft.com/office/drawing/2014/main" id="{DF059390-54ED-44F4-983F-92FF36AD94FB}"/>
-                  </a:ext>
-                  <a:ext uri="{C183D7F6-B498-43B3-948B-1728B52AA6E4}">
-                    <adec:decorative xmlns:adec="http://schemas.microsoft.com/office/drawing/2017/decorative" val="1"/>
-                  </a:ext>
-                </a:extLst>
-              </p:cNvPr>
-              <p:cNvSpPr/>
-              <p:nvPr>
-                <p:extLst>
-                  <p:ext uri="{386F3935-93C4-4BCD-93E2-E3B085C9AB24}">
-                    <p16:designElem xmlns:p16="http://schemas.microsoft.com/office/powerpoint/2015/main" val="1"/>
-                  </p:ext>
-                </p:extLst>
-              </p:nvPr>
-            </p:nvSpPr>
-            <p:spPr bwMode="auto">
-              <a:xfrm>
-                <a:off x="669925" y="6330950"/>
-                <a:ext cx="417513" cy="517525"/>
-              </a:xfrm>
-              <a:custGeom>
-                <a:avLst/>
-                <a:gdLst/>
-                <a:ahLst/>
-                <a:cxnLst/>
-                <a:rect l="0" t="0" r="r" b="b"/>
-                <a:pathLst>
-                  <a:path w="263" h="326">
-                    <a:moveTo>
-                      <a:pt x="15" y="326"/>
-                    </a:moveTo>
-                    <a:lnTo>
-                      <a:pt x="0" y="320"/>
-                    </a:lnTo>
-                    <a:lnTo>
-                      <a:pt x="45" y="206"/>
-                    </a:lnTo>
-                    <a:lnTo>
-                      <a:pt x="48" y="206"/>
-                    </a:lnTo>
-                    <a:lnTo>
-                      <a:pt x="254" y="0"/>
-                    </a:lnTo>
-                    <a:lnTo>
-                      <a:pt x="263" y="12"/>
-                    </a:lnTo>
-                    <a:lnTo>
-                      <a:pt x="60" y="215"/>
-                    </a:lnTo>
-                    <a:lnTo>
-                      <a:pt x="15" y="326"/>
-                    </a:lnTo>
-                    <a:close/>
-                  </a:path>
-                </a:pathLst>
-              </a:custGeom>
-              <a:grpFill/>
-              <a:ln>
-                <a:noFill/>
-              </a:ln>
-              <a:extLst>
-                <a:ext uri="{91240B29-F687-4f45-9708-019B960494DF}">
-                  <a14:hiddenLine xmlns:a14="http://schemas.microsoft.com/office/drawing/2010/main" xmlns:p14="http://schemas.microsoft.com/office/powerpoint/2010/main" xmlns:a16="http://schemas.microsoft.com/office/drawing/2014/main" xmlns="" w="9525">
-                    <a:solidFill>
-                      <a:srgbClr val="000000"/>
-                    </a:solidFill>
-                    <a:round/>
-                    <a:headEnd/>
-                    <a:tailEnd/>
-                  </a14:hiddenLine>
-                </a:ext>
-              </a:extLst>
-            </p:spPr>
-            <p:txBody>
-              <a:bodyPr/>
-              <a:lstStyle/>
-              <a:p>
-                <a:endParaRPr lang="en-IE"/>
-              </a:p>
-            </p:txBody>
-          </p:sp>
-          <p:sp>
-            <p:nvSpPr>
-              <p:cNvPr id="100" name="Freeform 31">
-                <a:extLst>
-                  <a:ext uri="{FF2B5EF4-FFF2-40B4-BE49-F238E27FC236}">
-                    <a16:creationId xmlns:a16="http://schemas.microsoft.com/office/drawing/2014/main" id="{42D5E9ED-595D-443D-8CDC-D8FCD4021D7D}"/>
-                  </a:ext>
-                  <a:ext uri="{C183D7F6-B498-43B3-948B-1728B52AA6E4}">
-                    <adec:decorative xmlns:adec="http://schemas.microsoft.com/office/drawing/2017/decorative" val="1"/>
-                  </a:ext>
-                </a:extLst>
-              </p:cNvPr>
-              <p:cNvSpPr>
-                <a:spLocks noEditPoints="1"/>
-              </p:cNvSpPr>
-              <p:nvPr>
-                <p:extLst>
-                  <p:ext uri="{386F3935-93C4-4BCD-93E2-E3B085C9AB24}">
-                    <p16:designElem xmlns:p16="http://schemas.microsoft.com/office/powerpoint/2015/main" val="1"/>
-                  </p:ext>
-                </p:extLst>
-              </p:nvPr>
-            </p:nvSpPr>
-            <p:spPr bwMode="auto">
-              <a:xfrm>
-                <a:off x="1049337" y="6221413"/>
-                <a:ext cx="157163" cy="147638"/>
-              </a:xfrm>
-              <a:custGeom>
-                <a:avLst/>
-                <a:gdLst/>
-                <a:ahLst/>
-                <a:cxnLst/>
-                <a:rect l="0" t="0" r="r" b="b"/>
-                <a:pathLst>
-                  <a:path w="33" h="31">
-                    <a:moveTo>
-                      <a:pt x="16" y="31"/>
-                    </a:moveTo>
-                    <a:cubicBezTo>
-                      <a:pt x="12" y="31"/>
-                      <a:pt x="8" y="29"/>
-                      <a:pt x="5" y="26"/>
-                    </a:cubicBezTo>
-                    <a:cubicBezTo>
-                      <a:pt x="2" y="24"/>
-                      <a:pt x="0" y="20"/>
-                      <a:pt x="0" y="15"/>
-                    </a:cubicBezTo>
-                    <a:cubicBezTo>
-                      <a:pt x="0" y="11"/>
-                      <a:pt x="2" y="7"/>
-                      <a:pt x="5" y="4"/>
-                    </a:cubicBezTo>
-                    <a:cubicBezTo>
-                      <a:pt x="8" y="1"/>
-                      <a:pt x="12" y="0"/>
-                      <a:pt x="16" y="0"/>
-                    </a:cubicBezTo>
-                    <a:cubicBezTo>
-                      <a:pt x="20" y="0"/>
-                      <a:pt x="24" y="1"/>
-                      <a:pt x="27" y="4"/>
-                    </a:cubicBezTo>
-                    <a:cubicBezTo>
-                      <a:pt x="33" y="10"/>
-                      <a:pt x="33" y="20"/>
-                      <a:pt x="27" y="26"/>
-                    </a:cubicBezTo>
-                    <a:cubicBezTo>
-                      <a:pt x="24" y="29"/>
-                      <a:pt x="20" y="31"/>
-                      <a:pt x="16" y="31"/>
-                    </a:cubicBezTo>
-                    <a:close/>
-                    <a:moveTo>
-                      <a:pt x="16" y="4"/>
-                    </a:moveTo>
-                    <a:cubicBezTo>
-                      <a:pt x="13" y="4"/>
-                      <a:pt x="10" y="5"/>
-                      <a:pt x="8" y="7"/>
-                    </a:cubicBezTo>
-                    <a:cubicBezTo>
-                      <a:pt x="6" y="9"/>
-                      <a:pt x="4" y="12"/>
-                      <a:pt x="4" y="15"/>
-                    </a:cubicBezTo>
-                    <a:cubicBezTo>
-                      <a:pt x="4" y="19"/>
-                      <a:pt x="6" y="21"/>
-                      <a:pt x="8" y="24"/>
-                    </a:cubicBezTo>
-                    <a:cubicBezTo>
-                      <a:pt x="10" y="26"/>
-                      <a:pt x="13" y="27"/>
-                      <a:pt x="16" y="27"/>
-                    </a:cubicBezTo>
-                    <a:cubicBezTo>
-                      <a:pt x="19" y="27"/>
-                      <a:pt x="22" y="26"/>
-                      <a:pt x="24" y="24"/>
-                    </a:cubicBezTo>
-                    <a:cubicBezTo>
-                      <a:pt x="29" y="19"/>
-                      <a:pt x="29" y="12"/>
-                      <a:pt x="24" y="7"/>
-                    </a:cubicBezTo>
-                    <a:cubicBezTo>
-                      <a:pt x="22" y="5"/>
-                      <a:pt x="19" y="4"/>
-                      <a:pt x="16" y="4"/>
-                    </a:cubicBezTo>
-                    <a:close/>
-                  </a:path>
-                </a:pathLst>
-              </a:custGeom>
-              <a:grpFill/>
-              <a:ln>
-                <a:noFill/>
-              </a:ln>
-              <a:extLst>
-                <a:ext uri="{91240B29-F687-4f45-9708-019B960494DF}">
-                  <a14:hiddenLine xmlns:a14="http://schemas.microsoft.com/office/drawing/2010/main" xmlns:p14="http://schemas.microsoft.com/office/powerpoint/2010/main" xmlns:a16="http://schemas.microsoft.com/office/drawing/2014/main" xmlns="" w="9525">
-                    <a:solidFill>
-                      <a:srgbClr val="000000"/>
-                    </a:solidFill>
-                    <a:round/>
-                    <a:headEnd/>
-                    <a:tailEnd/>
-                  </a14:hiddenLine>
-                </a:ext>
-              </a:extLst>
-            </p:spPr>
-            <p:txBody>
-              <a:bodyPr/>
-              <a:lstStyle/>
-              <a:p>
-                <a:endParaRPr lang="en-IE"/>
-              </a:p>
-            </p:txBody>
-          </p:sp>
-        </p:grpSp>
-        <p:grpSp>
-          <p:nvGrpSpPr>
-            <p:cNvPr id="63" name="Group 62">
-              <a:extLst>
-                <a:ext uri="{FF2B5EF4-FFF2-40B4-BE49-F238E27FC236}">
-                  <a16:creationId xmlns:a16="http://schemas.microsoft.com/office/drawing/2014/main" id="{DB14A457-C54A-4F1E-91FB-0FEE49877D68}"/>
-                </a:ext>
-                <a:ext uri="{C183D7F6-B498-43B3-948B-1728B52AA6E4}">
-                  <adec:decorative xmlns:adec="http://schemas.microsoft.com/office/drawing/2017/decorative" val="1"/>
-                </a:ext>
-              </a:extLst>
-            </p:cNvPr>
-            <p:cNvGrpSpPr/>
-            <p:nvPr>
-              <p:extLst>
-                <p:ext uri="{386F3935-93C4-4BCD-93E2-E3B085C9AB24}">
-                  <p16:designElem xmlns:p16="http://schemas.microsoft.com/office/powerpoint/2015/main" val="1"/>
-                </p:ext>
-              </p:extLst>
-            </p:nvPr>
-          </p:nvGrpSpPr>
-          <p:grpSpPr>
-            <a:xfrm>
-              <a:off x="11227597" y="0"/>
-              <a:ext cx="674688" cy="6848476"/>
-              <a:chOff x="11364912" y="0"/>
-              <a:chExt cx="674688" cy="6848476"/>
-            </a:xfrm>
-            <a:gradFill flip="none" rotWithShape="1">
-              <a:gsLst>
-                <a:gs pos="0">
-                  <a:schemeClr val="bg2"/>
-                </a:gs>
-                <a:gs pos="100000">
-                  <a:schemeClr val="tx2">
-                    <a:lumMod val="60000"/>
-                    <a:lumOff val="40000"/>
-                  </a:schemeClr>
-                </a:gs>
-              </a:gsLst>
-              <a:lin ang="5400000" scaled="0"/>
-              <a:tileRect/>
-            </a:gradFill>
-          </p:grpSpPr>
-          <p:sp>
-            <p:nvSpPr>
-              <p:cNvPr id="64" name="Freeform 32">
-                <a:extLst>
-                  <a:ext uri="{FF2B5EF4-FFF2-40B4-BE49-F238E27FC236}">
-                    <a16:creationId xmlns:a16="http://schemas.microsoft.com/office/drawing/2014/main" id="{791F3E2E-D393-464E-84B4-9B30D071ADE0}"/>
-                  </a:ext>
-                  <a:ext uri="{C183D7F6-B498-43B3-948B-1728B52AA6E4}">
-                    <adec:decorative xmlns:adec="http://schemas.microsoft.com/office/drawing/2017/decorative" val="1"/>
-                  </a:ext>
-                </a:extLst>
-              </p:cNvPr>
-              <p:cNvSpPr/>
-              <p:nvPr>
-                <p:extLst>
-                  <p:ext uri="{386F3935-93C4-4BCD-93E2-E3B085C9AB24}">
-                    <p16:designElem xmlns:p16="http://schemas.microsoft.com/office/powerpoint/2015/main" val="1"/>
-                  </p:ext>
-                </p:extLst>
-              </p:nvPr>
-            </p:nvSpPr>
-            <p:spPr bwMode="auto">
-              <a:xfrm>
-                <a:off x="11483975" y="0"/>
-                <a:ext cx="417513" cy="512763"/>
-              </a:xfrm>
-              <a:custGeom>
-                <a:avLst/>
-                <a:gdLst/>
-                <a:ahLst/>
-                <a:cxnLst/>
-                <a:rect l="0" t="0" r="r" b="b"/>
-                <a:pathLst>
-                  <a:path w="263" h="323">
-                    <a:moveTo>
-                      <a:pt x="12" y="323"/>
-                    </a:moveTo>
-                    <a:lnTo>
-                      <a:pt x="0" y="314"/>
-                    </a:lnTo>
-                    <a:lnTo>
-                      <a:pt x="203" y="108"/>
-                    </a:lnTo>
-                    <a:lnTo>
-                      <a:pt x="248" y="0"/>
-                    </a:lnTo>
-                    <a:lnTo>
-                      <a:pt x="263" y="6"/>
-                    </a:lnTo>
-                    <a:lnTo>
-                      <a:pt x="218" y="117"/>
-                    </a:lnTo>
-                    <a:lnTo>
-                      <a:pt x="218" y="117"/>
-                    </a:lnTo>
-                    <a:lnTo>
-                      <a:pt x="12" y="323"/>
-                    </a:lnTo>
-                    <a:close/>
-                  </a:path>
-                </a:pathLst>
-              </a:custGeom>
-              <a:grpFill/>
-              <a:ln>
-                <a:noFill/>
-              </a:ln>
-              <a:extLst>
-                <a:ext uri="{91240B29-F687-4f45-9708-019B960494DF}">
-                  <a14:hiddenLine xmlns:a14="http://schemas.microsoft.com/office/drawing/2010/main" xmlns:p14="http://schemas.microsoft.com/office/powerpoint/2010/main" xmlns:a16="http://schemas.microsoft.com/office/drawing/2014/main" xmlns="" w="9525">
-                    <a:solidFill>
-                      <a:srgbClr val="000000"/>
-                    </a:solidFill>
-                    <a:round/>
-                    <a:headEnd/>
-                    <a:tailEnd/>
-                  </a14:hiddenLine>
-                </a:ext>
-              </a:extLst>
-            </p:spPr>
-            <p:txBody>
-              <a:bodyPr/>
-              <a:lstStyle/>
-              <a:p>
-                <a:endParaRPr lang="en-IE"/>
-              </a:p>
-            </p:txBody>
-          </p:sp>
-          <p:sp>
-            <p:nvSpPr>
-              <p:cNvPr id="65" name="Freeform 33">
-                <a:extLst>
-                  <a:ext uri="{FF2B5EF4-FFF2-40B4-BE49-F238E27FC236}">
-                    <a16:creationId xmlns:a16="http://schemas.microsoft.com/office/drawing/2014/main" id="{EBEEAD6F-6425-4F85-A8A8-4FF19A909B34}"/>
-                  </a:ext>
-                  <a:ext uri="{C183D7F6-B498-43B3-948B-1728B52AA6E4}">
-                    <adec:decorative xmlns:adec="http://schemas.microsoft.com/office/drawing/2017/decorative" val="1"/>
-                  </a:ext>
-                </a:extLst>
-              </p:cNvPr>
-              <p:cNvSpPr>
-                <a:spLocks noEditPoints="1"/>
-              </p:cNvSpPr>
-              <p:nvPr>
-                <p:extLst>
-                  <p:ext uri="{386F3935-93C4-4BCD-93E2-E3B085C9AB24}">
-                    <p16:designElem xmlns:p16="http://schemas.microsoft.com/office/powerpoint/2015/main" val="1"/>
-                  </p:ext>
-                </p:extLst>
-              </p:nvPr>
-            </p:nvSpPr>
-            <p:spPr bwMode="auto">
-              <a:xfrm>
-                <a:off x="11364912" y="474663"/>
-                <a:ext cx="157163" cy="152400"/>
-              </a:xfrm>
-              <a:custGeom>
-                <a:avLst/>
-                <a:gdLst/>
-                <a:ahLst/>
-                <a:cxnLst/>
-                <a:rect l="0" t="0" r="r" b="b"/>
-                <a:pathLst>
-                  <a:path w="33" h="32">
-                    <a:moveTo>
-                      <a:pt x="17" y="32"/>
-                    </a:moveTo>
-                    <a:cubicBezTo>
-                      <a:pt x="13" y="32"/>
-                      <a:pt x="9" y="30"/>
-                      <a:pt x="6" y="27"/>
-                    </a:cubicBezTo>
-                    <a:cubicBezTo>
-                      <a:pt x="0" y="21"/>
-                      <a:pt x="0" y="11"/>
-                      <a:pt x="6" y="5"/>
-                    </a:cubicBezTo>
-                    <a:cubicBezTo>
-                      <a:pt x="9" y="2"/>
-                      <a:pt x="13" y="0"/>
-                      <a:pt x="17" y="0"/>
-                    </a:cubicBezTo>
-                    <a:cubicBezTo>
-                      <a:pt x="21" y="0"/>
-                      <a:pt x="25" y="2"/>
-                      <a:pt x="28" y="5"/>
-                    </a:cubicBezTo>
-                    <a:cubicBezTo>
-                      <a:pt x="31" y="8"/>
-                      <a:pt x="33" y="12"/>
-                      <a:pt x="33" y="16"/>
-                    </a:cubicBezTo>
-                    <a:cubicBezTo>
-                      <a:pt x="33" y="20"/>
-                      <a:pt x="31" y="24"/>
-                      <a:pt x="28" y="27"/>
-                    </a:cubicBezTo>
-                    <a:cubicBezTo>
-                      <a:pt x="25" y="30"/>
-                      <a:pt x="21" y="32"/>
-                      <a:pt x="17" y="32"/>
-                    </a:cubicBezTo>
-                    <a:close/>
-                    <a:moveTo>
-                      <a:pt x="17" y="4"/>
-                    </a:moveTo>
-                    <a:cubicBezTo>
-                      <a:pt x="14" y="4"/>
-                      <a:pt x="11" y="6"/>
-                      <a:pt x="9" y="8"/>
-                    </a:cubicBezTo>
-                    <a:cubicBezTo>
-                      <a:pt x="4" y="12"/>
-                      <a:pt x="4" y="20"/>
-                      <a:pt x="9" y="24"/>
-                    </a:cubicBezTo>
-                    <a:cubicBezTo>
-                      <a:pt x="11" y="27"/>
-                      <a:pt x="14" y="28"/>
-                      <a:pt x="17" y="28"/>
-                    </a:cubicBezTo>
-                    <a:cubicBezTo>
-                      <a:pt x="20" y="28"/>
-                      <a:pt x="23" y="27"/>
-                      <a:pt x="26" y="24"/>
-                    </a:cubicBezTo>
-                    <a:cubicBezTo>
-                      <a:pt x="30" y="20"/>
-                      <a:pt x="30" y="12"/>
-                      <a:pt x="26" y="8"/>
-                    </a:cubicBezTo>
-                    <a:cubicBezTo>
-                      <a:pt x="23" y="6"/>
-                      <a:pt x="20" y="4"/>
-                      <a:pt x="17" y="4"/>
-                    </a:cubicBezTo>
-                    <a:close/>
-                  </a:path>
-                </a:pathLst>
-              </a:custGeom>
-              <a:grpFill/>
-              <a:ln>
-                <a:noFill/>
-              </a:ln>
-              <a:extLst>
-                <a:ext uri="{91240B29-F687-4f45-9708-019B960494DF}">
-                  <a14:hiddenLine xmlns:a14="http://schemas.microsoft.com/office/drawing/2010/main" xmlns:p14="http://schemas.microsoft.com/office/powerpoint/2010/main" xmlns:a16="http://schemas.microsoft.com/office/drawing/2014/main" xmlns="" w="9525">
-                    <a:solidFill>
-                      <a:srgbClr val="000000"/>
-                    </a:solidFill>
-                    <a:round/>
-                    <a:headEnd/>
-                    <a:tailEnd/>
-                  </a14:hiddenLine>
-                </a:ext>
-              </a:extLst>
-            </p:spPr>
-            <p:txBody>
-              <a:bodyPr/>
-              <a:lstStyle/>
-              <a:p>
-                <a:endParaRPr lang="en-IE"/>
-              </a:p>
-            </p:txBody>
-          </p:sp>
-          <p:sp>
-            <p:nvSpPr>
-              <p:cNvPr id="66" name="Freeform 34">
-                <a:extLst>
-                  <a:ext uri="{FF2B5EF4-FFF2-40B4-BE49-F238E27FC236}">
-                    <a16:creationId xmlns:a16="http://schemas.microsoft.com/office/drawing/2014/main" id="{8AACA44E-9D6C-4708-8D61-D767B6620B8B}"/>
-                  </a:ext>
-                  <a:ext uri="{C183D7F6-B498-43B3-948B-1728B52AA6E4}">
-                    <adec:decorative xmlns:adec="http://schemas.microsoft.com/office/drawing/2017/decorative" val="1"/>
-                  </a:ext>
-                </a:extLst>
-              </p:cNvPr>
-              <p:cNvSpPr>
-                <a:spLocks noEditPoints="1"/>
-              </p:cNvSpPr>
-              <p:nvPr>
-                <p:extLst>
-                  <p:ext uri="{386F3935-93C4-4BCD-93E2-E3B085C9AB24}">
-                    <p16:designElem xmlns:p16="http://schemas.microsoft.com/office/powerpoint/2015/main" val="1"/>
-                  </p:ext>
-                </p:extLst>
-              </p:nvPr>
-            </p:nvSpPr>
-            <p:spPr bwMode="auto">
-              <a:xfrm>
-                <a:off x="11631612" y="1539875"/>
-                <a:ext cx="188913" cy="190500"/>
-              </a:xfrm>
-              <a:custGeom>
-                <a:avLst/>
-                <a:gdLst/>
-                <a:ahLst/>
-                <a:cxnLst/>
-                <a:rect l="0" t="0" r="r" b="b"/>
-                <a:pathLst>
-                  <a:path w="40" h="40">
-                    <a:moveTo>
-                      <a:pt x="20" y="40"/>
-                    </a:moveTo>
-                    <a:cubicBezTo>
-                      <a:pt x="9" y="40"/>
-                      <a:pt x="0" y="31"/>
-                      <a:pt x="0" y="20"/>
-                    </a:cubicBezTo>
-                    <a:cubicBezTo>
-                      <a:pt x="0" y="9"/>
-                      <a:pt x="9" y="0"/>
-                      <a:pt x="20" y="0"/>
-                    </a:cubicBezTo>
-                    <a:cubicBezTo>
-                      <a:pt x="31" y="0"/>
-                      <a:pt x="40" y="9"/>
-                      <a:pt x="40" y="20"/>
-                    </a:cubicBezTo>
-                    <a:cubicBezTo>
-                      <a:pt x="40" y="31"/>
-                      <a:pt x="31" y="40"/>
-                      <a:pt x="20" y="40"/>
-                    </a:cubicBezTo>
-                    <a:close/>
-                    <a:moveTo>
-                      <a:pt x="20" y="4"/>
-                    </a:moveTo>
-                    <a:cubicBezTo>
-                      <a:pt x="11" y="4"/>
-                      <a:pt x="4" y="11"/>
-                      <a:pt x="4" y="20"/>
-                    </a:cubicBezTo>
-                    <a:cubicBezTo>
-                      <a:pt x="4" y="29"/>
-                      <a:pt x="11" y="36"/>
-                      <a:pt x="20" y="36"/>
-                    </a:cubicBezTo>
-                    <a:cubicBezTo>
-                      <a:pt x="29" y="36"/>
-                      <a:pt x="36" y="29"/>
-                      <a:pt x="36" y="20"/>
-                    </a:cubicBezTo>
-                    <a:cubicBezTo>
-                      <a:pt x="36" y="11"/>
-                      <a:pt x="29" y="4"/>
-                      <a:pt x="20" y="4"/>
-                    </a:cubicBezTo>
-                    <a:close/>
-                  </a:path>
-                </a:pathLst>
-              </a:custGeom>
-              <a:grpFill/>
-              <a:ln>
-                <a:noFill/>
-              </a:ln>
-              <a:extLst>
-                <a:ext uri="{91240B29-F687-4f45-9708-019B960494DF}">
-                  <a14:hiddenLine xmlns:a14="http://schemas.microsoft.com/office/drawing/2010/main" xmlns:p14="http://schemas.microsoft.com/office/powerpoint/2010/main" xmlns:a16="http://schemas.microsoft.com/office/drawing/2014/main" xmlns="" w="9525">
-                    <a:solidFill>
-                      <a:srgbClr val="000000"/>
-                    </a:solidFill>
-                    <a:round/>
-                    <a:headEnd/>
-                    <a:tailEnd/>
-                  </a14:hiddenLine>
-                </a:ext>
-              </a:extLst>
-            </p:spPr>
-            <p:txBody>
-              <a:bodyPr/>
-              <a:lstStyle/>
-              <a:p>
-                <a:endParaRPr lang="en-IE"/>
-              </a:p>
-            </p:txBody>
-          </p:sp>
-          <p:sp>
-            <p:nvSpPr>
-              <p:cNvPr id="67" name="Freeform 35">
-                <a:extLst>
-                  <a:ext uri="{FF2B5EF4-FFF2-40B4-BE49-F238E27FC236}">
-                    <a16:creationId xmlns:a16="http://schemas.microsoft.com/office/drawing/2014/main" id="{B6E3525F-9937-463E-872C-8EB7C62D10CA}"/>
-                  </a:ext>
-                  <a:ext uri="{C183D7F6-B498-43B3-948B-1728B52AA6E4}">
-                    <adec:decorative xmlns:adec="http://schemas.microsoft.com/office/drawing/2017/decorative" val="1"/>
-                  </a:ext>
-                </a:extLst>
-              </p:cNvPr>
-              <p:cNvSpPr/>
-              <p:nvPr>
-                <p:extLst>
-                  <p:ext uri="{386F3935-93C4-4BCD-93E2-E3B085C9AB24}">
-                    <p16:designElem xmlns:p16="http://schemas.microsoft.com/office/powerpoint/2015/main" val="1"/>
-                  </p:ext>
-                </p:extLst>
-              </p:nvPr>
-            </p:nvSpPr>
-            <p:spPr bwMode="auto">
-              <a:xfrm>
-                <a:off x="11531600" y="5694363"/>
-                <a:ext cx="298450" cy="1154113"/>
-              </a:xfrm>
-              <a:custGeom>
-                <a:avLst/>
-                <a:gdLst/>
-                <a:ahLst/>
-                <a:cxnLst/>
-                <a:rect l="0" t="0" r="r" b="b"/>
-                <a:pathLst>
-                  <a:path w="188" h="727">
-                    <a:moveTo>
-                      <a:pt x="15" y="727"/>
-                    </a:moveTo>
-                    <a:lnTo>
-                      <a:pt x="0" y="727"/>
-                    </a:lnTo>
-                    <a:lnTo>
-                      <a:pt x="0" y="407"/>
-                    </a:lnTo>
-                    <a:lnTo>
-                      <a:pt x="0" y="407"/>
-                    </a:lnTo>
-                    <a:lnTo>
-                      <a:pt x="176" y="0"/>
-                    </a:lnTo>
-                    <a:lnTo>
-                      <a:pt x="188" y="6"/>
-                    </a:lnTo>
-                    <a:lnTo>
-                      <a:pt x="15" y="410"/>
-                    </a:lnTo>
-                    <a:lnTo>
-                      <a:pt x="15" y="727"/>
-                    </a:lnTo>
-                    <a:close/>
-                  </a:path>
-                </a:pathLst>
-              </a:custGeom>
-              <a:grpFill/>
-              <a:ln>
-                <a:noFill/>
-              </a:ln>
-              <a:extLst>
-                <a:ext uri="{91240B29-F687-4f45-9708-019B960494DF}">
-                  <a14:hiddenLine xmlns:a14="http://schemas.microsoft.com/office/drawing/2010/main" xmlns:p14="http://schemas.microsoft.com/office/powerpoint/2010/main" xmlns:a16="http://schemas.microsoft.com/office/drawing/2014/main" xmlns="" w="9525">
-                    <a:solidFill>
-                      <a:srgbClr val="000000"/>
-                    </a:solidFill>
-                    <a:round/>
-                    <a:headEnd/>
-                    <a:tailEnd/>
-                  </a14:hiddenLine>
-                </a:ext>
-              </a:extLst>
-            </p:spPr>
-            <p:txBody>
-              <a:bodyPr/>
-              <a:lstStyle/>
-              <a:p>
-                <a:endParaRPr lang="en-IE"/>
-              </a:p>
-            </p:txBody>
-          </p:sp>
-          <p:sp>
-            <p:nvSpPr>
-              <p:cNvPr id="68" name="Freeform 36">
-                <a:extLst>
-                  <a:ext uri="{FF2B5EF4-FFF2-40B4-BE49-F238E27FC236}">
-                    <a16:creationId xmlns:a16="http://schemas.microsoft.com/office/drawing/2014/main" id="{BE829B0B-C602-40F1-81D1-A55332343D79}"/>
-                  </a:ext>
-                  <a:ext uri="{C183D7F6-B498-43B3-948B-1728B52AA6E4}">
-                    <adec:decorative xmlns:adec="http://schemas.microsoft.com/office/drawing/2017/decorative" val="1"/>
-                  </a:ext>
-                </a:extLst>
-              </p:cNvPr>
-              <p:cNvSpPr>
-                <a:spLocks noEditPoints="1"/>
-              </p:cNvSpPr>
-              <p:nvPr>
-                <p:extLst>
-                  <p:ext uri="{386F3935-93C4-4BCD-93E2-E3B085C9AB24}">
-                    <p16:designElem xmlns:p16="http://schemas.microsoft.com/office/powerpoint/2015/main" val="1"/>
-                  </p:ext>
-                </p:extLst>
-              </p:nvPr>
-            </p:nvSpPr>
-            <p:spPr bwMode="auto">
-              <a:xfrm>
-                <a:off x="11772900" y="5551488"/>
-                <a:ext cx="157163" cy="155575"/>
-              </a:xfrm>
-              <a:custGeom>
-                <a:avLst/>
-                <a:gdLst/>
-                <a:ahLst/>
-                <a:cxnLst/>
-                <a:rect l="0" t="0" r="r" b="b"/>
-                <a:pathLst>
-                  <a:path w="33" h="33">
-                    <a:moveTo>
-                      <a:pt x="17" y="33"/>
-                    </a:moveTo>
-                    <a:cubicBezTo>
-                      <a:pt x="8" y="33"/>
-                      <a:pt x="0" y="25"/>
-                      <a:pt x="0" y="16"/>
-                    </a:cubicBezTo>
-                    <a:cubicBezTo>
-                      <a:pt x="0" y="7"/>
-                      <a:pt x="8" y="0"/>
-                      <a:pt x="17" y="0"/>
-                    </a:cubicBezTo>
-                    <a:cubicBezTo>
-                      <a:pt x="26" y="0"/>
-                      <a:pt x="33" y="7"/>
-                      <a:pt x="33" y="16"/>
-                    </a:cubicBezTo>
-                    <a:cubicBezTo>
-                      <a:pt x="33" y="25"/>
-                      <a:pt x="26" y="33"/>
-                      <a:pt x="17" y="33"/>
-                    </a:cubicBezTo>
-                    <a:close/>
-                    <a:moveTo>
-                      <a:pt x="17" y="4"/>
-                    </a:moveTo>
-                    <a:cubicBezTo>
-                      <a:pt x="10" y="4"/>
-                      <a:pt x="4" y="9"/>
-                      <a:pt x="4" y="16"/>
-                    </a:cubicBezTo>
-                    <a:cubicBezTo>
-                      <a:pt x="4" y="23"/>
-                      <a:pt x="10" y="29"/>
-                      <a:pt x="17" y="29"/>
-                    </a:cubicBezTo>
-                    <a:cubicBezTo>
-                      <a:pt x="23" y="29"/>
-                      <a:pt x="29" y="23"/>
-                      <a:pt x="29" y="16"/>
-                    </a:cubicBezTo>
-                    <a:cubicBezTo>
-                      <a:pt x="29" y="9"/>
-                      <a:pt x="23" y="4"/>
-                      <a:pt x="17" y="4"/>
-                    </a:cubicBezTo>
-                    <a:close/>
-                  </a:path>
-                </a:pathLst>
-              </a:custGeom>
-              <a:grpFill/>
-              <a:ln>
-                <a:noFill/>
-              </a:ln>
-              <a:extLst>
-                <a:ext uri="{91240B29-F687-4f45-9708-019B960494DF}">
-                  <a14:hiddenLine xmlns:a14="http://schemas.microsoft.com/office/drawing/2010/main" xmlns:p14="http://schemas.microsoft.com/office/powerpoint/2010/main" xmlns:a16="http://schemas.microsoft.com/office/drawing/2014/main" xmlns="" w="9525">
-                    <a:solidFill>
-                      <a:srgbClr val="000000"/>
-                    </a:solidFill>
-                    <a:round/>
-                    <a:headEnd/>
-                    <a:tailEnd/>
-                  </a14:hiddenLine>
-                </a:ext>
-              </a:extLst>
-            </p:spPr>
-            <p:txBody>
-              <a:bodyPr/>
-              <a:lstStyle/>
-              <a:p>
-                <a:endParaRPr lang="en-IE"/>
-              </a:p>
-            </p:txBody>
-          </p:sp>
-          <p:sp>
-            <p:nvSpPr>
-              <p:cNvPr id="69" name="Freeform 37">
-                <a:extLst>
-                  <a:ext uri="{FF2B5EF4-FFF2-40B4-BE49-F238E27FC236}">
-                    <a16:creationId xmlns:a16="http://schemas.microsoft.com/office/drawing/2014/main" id="{92660531-24B5-4B97-A4A2-64686E235DAE}"/>
-                  </a:ext>
-                  <a:ext uri="{C183D7F6-B498-43B3-948B-1728B52AA6E4}">
-                    <adec:decorative xmlns:adec="http://schemas.microsoft.com/office/drawing/2017/decorative" val="1"/>
-                  </a:ext>
-                </a:extLst>
-              </p:cNvPr>
-              <p:cNvSpPr/>
-              <p:nvPr>
-                <p:extLst>
-                  <p:ext uri="{386F3935-93C4-4BCD-93E2-E3B085C9AB24}">
-                    <p16:designElem xmlns:p16="http://schemas.microsoft.com/office/powerpoint/2015/main" val="1"/>
-                  </p:ext>
-                </p:extLst>
-              </p:nvPr>
-            </p:nvSpPr>
-            <p:spPr bwMode="auto">
-              <a:xfrm>
-                <a:off x="11710987" y="4763"/>
-                <a:ext cx="304800" cy="1544638"/>
-              </a:xfrm>
-              <a:custGeom>
-                <a:avLst/>
-                <a:gdLst/>
-                <a:ahLst/>
-                <a:cxnLst/>
-                <a:rect l="0" t="0" r="r" b="b"/>
-                <a:pathLst>
-                  <a:path w="192" h="973">
-                    <a:moveTo>
-                      <a:pt x="15" y="973"/>
-                    </a:moveTo>
-                    <a:lnTo>
-                      <a:pt x="0" y="973"/>
-                    </a:lnTo>
-                    <a:lnTo>
-                      <a:pt x="0" y="790"/>
-                    </a:lnTo>
-                    <a:lnTo>
-                      <a:pt x="174" y="614"/>
-                    </a:lnTo>
-                    <a:lnTo>
-                      <a:pt x="174" y="0"/>
-                    </a:lnTo>
-                    <a:lnTo>
-                      <a:pt x="192" y="0"/>
-                    </a:lnTo>
-                    <a:lnTo>
-                      <a:pt x="192" y="620"/>
-                    </a:lnTo>
-                    <a:lnTo>
-                      <a:pt x="15" y="796"/>
-                    </a:lnTo>
-                    <a:lnTo>
-                      <a:pt x="15" y="973"/>
-                    </a:lnTo>
-                    <a:close/>
-                  </a:path>
-                </a:pathLst>
-              </a:custGeom>
-              <a:grpFill/>
-              <a:ln>
-                <a:noFill/>
-              </a:ln>
-              <a:extLst>
-                <a:ext uri="{91240B29-F687-4f45-9708-019B960494DF}">
-                  <a14:hiddenLine xmlns:a14="http://schemas.microsoft.com/office/drawing/2010/main" xmlns:p14="http://schemas.microsoft.com/office/powerpoint/2010/main" xmlns:a16="http://schemas.microsoft.com/office/drawing/2014/main" xmlns="" w="9525">
-                    <a:solidFill>
-                      <a:srgbClr val="000000"/>
-                    </a:solidFill>
-                    <a:round/>
-                    <a:headEnd/>
-                    <a:tailEnd/>
-                  </a14:hiddenLine>
-                </a:ext>
-              </a:extLst>
-            </p:spPr>
-            <p:txBody>
-              <a:bodyPr/>
-              <a:lstStyle/>
-              <a:p>
-                <a:endParaRPr lang="en-IE"/>
-              </a:p>
-            </p:txBody>
-          </p:sp>
-          <p:sp>
-            <p:nvSpPr>
-              <p:cNvPr id="70" name="Freeform 38">
-                <a:extLst>
-                  <a:ext uri="{FF2B5EF4-FFF2-40B4-BE49-F238E27FC236}">
-                    <a16:creationId xmlns:a16="http://schemas.microsoft.com/office/drawing/2014/main" id="{6242D0CE-6FFD-4D17-AC26-BD3E481195FB}"/>
-                  </a:ext>
-                  <a:ext uri="{C183D7F6-B498-43B3-948B-1728B52AA6E4}">
-                    <adec:decorative xmlns:adec="http://schemas.microsoft.com/office/drawing/2017/decorative" val="1"/>
-                  </a:ext>
-                </a:extLst>
-              </p:cNvPr>
-              <p:cNvSpPr>
-                <a:spLocks noEditPoints="1"/>
-              </p:cNvSpPr>
-              <p:nvPr>
-                <p:extLst>
-                  <p:ext uri="{386F3935-93C4-4BCD-93E2-E3B085C9AB24}">
-                    <p16:designElem xmlns:p16="http://schemas.microsoft.com/office/powerpoint/2015/main" val="1"/>
-                  </p:ext>
-                </p:extLst>
-              </p:nvPr>
-            </p:nvSpPr>
-            <p:spPr bwMode="auto">
-              <a:xfrm>
-                <a:off x="11636375" y="4867275"/>
-                <a:ext cx="188913" cy="188913"/>
-              </a:xfrm>
-              <a:custGeom>
-                <a:avLst/>
-                <a:gdLst/>
-                <a:ahLst/>
-                <a:cxnLst/>
-                <a:rect l="0" t="0" r="r" b="b"/>
-                <a:pathLst>
-                  <a:path w="40" h="40">
-                    <a:moveTo>
-                      <a:pt x="20" y="40"/>
-                    </a:moveTo>
-                    <a:cubicBezTo>
-                      <a:pt x="9" y="40"/>
-                      <a:pt x="0" y="31"/>
-                      <a:pt x="0" y="20"/>
-                    </a:cubicBezTo>
-                    <a:cubicBezTo>
-                      <a:pt x="0" y="9"/>
-                      <a:pt x="9" y="0"/>
-                      <a:pt x="20" y="0"/>
-                    </a:cubicBezTo>
-                    <a:cubicBezTo>
-                      <a:pt x="31" y="0"/>
-                      <a:pt x="40" y="9"/>
-                      <a:pt x="40" y="20"/>
-                    </a:cubicBezTo>
-                    <a:cubicBezTo>
-                      <a:pt x="40" y="31"/>
-                      <a:pt x="31" y="40"/>
-                      <a:pt x="20" y="40"/>
-                    </a:cubicBezTo>
-                    <a:close/>
-                    <a:moveTo>
-                      <a:pt x="20" y="4"/>
-                    </a:moveTo>
-                    <a:cubicBezTo>
-                      <a:pt x="11" y="4"/>
-                      <a:pt x="4" y="11"/>
-                      <a:pt x="4" y="20"/>
-                    </a:cubicBezTo>
-                    <a:cubicBezTo>
-                      <a:pt x="4" y="29"/>
-                      <a:pt x="11" y="36"/>
-                      <a:pt x="20" y="36"/>
-                    </a:cubicBezTo>
-                    <a:cubicBezTo>
-                      <a:pt x="29" y="36"/>
-                      <a:pt x="36" y="29"/>
-                      <a:pt x="36" y="20"/>
-                    </a:cubicBezTo>
-                    <a:cubicBezTo>
-                      <a:pt x="36" y="11"/>
-                      <a:pt x="29" y="4"/>
-                      <a:pt x="20" y="4"/>
-                    </a:cubicBezTo>
-                    <a:close/>
-                  </a:path>
-                </a:pathLst>
-              </a:custGeom>
-              <a:grpFill/>
-              <a:ln>
-                <a:noFill/>
-              </a:ln>
-              <a:extLst>
-                <a:ext uri="{91240B29-F687-4f45-9708-019B960494DF}">
-                  <a14:hiddenLine xmlns:a14="http://schemas.microsoft.com/office/drawing/2010/main" xmlns:p14="http://schemas.microsoft.com/office/powerpoint/2010/main" xmlns:a16="http://schemas.microsoft.com/office/drawing/2014/main" xmlns="" w="9525">
-                    <a:solidFill>
-                      <a:srgbClr val="000000"/>
-                    </a:solidFill>
-                    <a:round/>
-                    <a:headEnd/>
-                    <a:tailEnd/>
-                  </a14:hiddenLine>
-                </a:ext>
-              </a:extLst>
-            </p:spPr>
-            <p:txBody>
-              <a:bodyPr/>
-              <a:lstStyle/>
-              <a:p>
-                <a:endParaRPr lang="en-IE"/>
-              </a:p>
-            </p:txBody>
-          </p:sp>
-          <p:sp>
-            <p:nvSpPr>
-              <p:cNvPr id="71" name="Freeform 39">
-                <a:extLst>
-                  <a:ext uri="{FF2B5EF4-FFF2-40B4-BE49-F238E27FC236}">
-                    <a16:creationId xmlns:a16="http://schemas.microsoft.com/office/drawing/2014/main" id="{61631F37-AF37-4DB9-8D98-A08586C7663F}"/>
-                  </a:ext>
-                  <a:ext uri="{C183D7F6-B498-43B3-948B-1728B52AA6E4}">
-                    <adec:decorative xmlns:adec="http://schemas.microsoft.com/office/drawing/2017/decorative" val="1"/>
-                  </a:ext>
-                </a:extLst>
-              </p:cNvPr>
-              <p:cNvSpPr/>
-              <p:nvPr>
-                <p:extLst>
-                  <p:ext uri="{386F3935-93C4-4BCD-93E2-E3B085C9AB24}">
-                    <p16:designElem xmlns:p16="http://schemas.microsoft.com/office/powerpoint/2015/main" val="1"/>
-                  </p:ext>
-                </p:extLst>
-              </p:nvPr>
-            </p:nvSpPr>
-            <p:spPr bwMode="auto">
-              <a:xfrm>
-                <a:off x="11441112" y="5046663"/>
-                <a:ext cx="307975" cy="1801813"/>
-              </a:xfrm>
-              <a:custGeom>
-                <a:avLst/>
-                <a:gdLst/>
-                <a:ahLst/>
-                <a:cxnLst/>
-                <a:rect l="0" t="0" r="r" b="b"/>
-                <a:pathLst>
-                  <a:path w="194" h="1135">
-                    <a:moveTo>
-                      <a:pt x="18" y="1135"/>
-                    </a:moveTo>
-                    <a:lnTo>
-                      <a:pt x="0" y="1135"/>
-                    </a:lnTo>
-                    <a:lnTo>
-                      <a:pt x="0" y="354"/>
-                    </a:lnTo>
-                    <a:lnTo>
-                      <a:pt x="176" y="177"/>
-                    </a:lnTo>
-                    <a:lnTo>
-                      <a:pt x="176" y="0"/>
-                    </a:lnTo>
-                    <a:lnTo>
-                      <a:pt x="194" y="0"/>
-                    </a:lnTo>
-                    <a:lnTo>
-                      <a:pt x="194" y="183"/>
-                    </a:lnTo>
-                    <a:lnTo>
-                      <a:pt x="18" y="360"/>
-                    </a:lnTo>
-                    <a:lnTo>
-                      <a:pt x="18" y="1135"/>
-                    </a:lnTo>
-                    <a:close/>
-                  </a:path>
-                </a:pathLst>
-              </a:custGeom>
-              <a:grpFill/>
-              <a:ln>
-                <a:noFill/>
-              </a:ln>
-              <a:extLst>
-                <a:ext uri="{91240B29-F687-4f45-9708-019B960494DF}">
-                  <a14:hiddenLine xmlns:a14="http://schemas.microsoft.com/office/drawing/2010/main" xmlns:p14="http://schemas.microsoft.com/office/powerpoint/2010/main" xmlns:a16="http://schemas.microsoft.com/office/drawing/2014/main" xmlns="" w="9525">
-                    <a:solidFill>
-                      <a:srgbClr val="000000"/>
-                    </a:solidFill>
-                    <a:round/>
-                    <a:headEnd/>
-                    <a:tailEnd/>
-                  </a14:hiddenLine>
-                </a:ext>
-              </a:extLst>
-            </p:spPr>
-            <p:txBody>
-              <a:bodyPr/>
-              <a:lstStyle/>
-              <a:p>
-                <a:endParaRPr lang="en-IE"/>
-              </a:p>
-            </p:txBody>
-          </p:sp>
-          <p:sp>
-            <p:nvSpPr>
-              <p:cNvPr id="72" name="Freeform 40">
-                <a:extLst>
-                  <a:ext uri="{FF2B5EF4-FFF2-40B4-BE49-F238E27FC236}">
-                    <a16:creationId xmlns:a16="http://schemas.microsoft.com/office/drawing/2014/main" id="{2A2597FF-2F22-40BB-A7B3-19C4DFCFFA0B}"/>
-                  </a:ext>
-                  <a:ext uri="{C183D7F6-B498-43B3-948B-1728B52AA6E4}">
-                    <adec:decorative xmlns:adec="http://schemas.microsoft.com/office/drawing/2017/decorative" val="1"/>
-                  </a:ext>
-                </a:extLst>
-              </p:cNvPr>
-              <p:cNvSpPr>
-                <a:spLocks noEditPoints="1"/>
-              </p:cNvSpPr>
-              <p:nvPr>
-                <p:extLst>
-                  <p:ext uri="{386F3935-93C4-4BCD-93E2-E3B085C9AB24}">
-                    <p16:designElem xmlns:p16="http://schemas.microsoft.com/office/powerpoint/2015/main" val="1"/>
-                  </p:ext>
-                </p:extLst>
-              </p:nvPr>
-            </p:nvSpPr>
-            <p:spPr bwMode="auto">
-              <a:xfrm>
-                <a:off x="11849100" y="6416675"/>
-                <a:ext cx="190500" cy="188913"/>
-              </a:xfrm>
-              <a:custGeom>
-                <a:avLst/>
-                <a:gdLst/>
-                <a:ahLst/>
-                <a:cxnLst/>
-                <a:rect l="0" t="0" r="r" b="b"/>
-                <a:pathLst>
-                  <a:path w="40" h="40">
-                    <a:moveTo>
-                      <a:pt x="20" y="40"/>
-                    </a:moveTo>
-                    <a:cubicBezTo>
-                      <a:pt x="9" y="40"/>
-                      <a:pt x="0" y="31"/>
-                      <a:pt x="0" y="20"/>
-                    </a:cubicBezTo>
-                    <a:cubicBezTo>
-                      <a:pt x="0" y="9"/>
-                      <a:pt x="9" y="0"/>
-                      <a:pt x="20" y="0"/>
-                    </a:cubicBezTo>
-                    <a:cubicBezTo>
-                      <a:pt x="31" y="0"/>
-                      <a:pt x="40" y="9"/>
-                      <a:pt x="40" y="20"/>
-                    </a:cubicBezTo>
-                    <a:cubicBezTo>
-                      <a:pt x="40" y="31"/>
-                      <a:pt x="31" y="40"/>
-                      <a:pt x="20" y="40"/>
-                    </a:cubicBezTo>
-                    <a:close/>
-                    <a:moveTo>
-                      <a:pt x="20" y="4"/>
-                    </a:moveTo>
-                    <a:cubicBezTo>
-                      <a:pt x="12" y="4"/>
-                      <a:pt x="4" y="11"/>
-                      <a:pt x="4" y="20"/>
-                    </a:cubicBezTo>
-                    <a:cubicBezTo>
-                      <a:pt x="4" y="29"/>
-                      <a:pt x="12" y="36"/>
-                      <a:pt x="20" y="36"/>
-                    </a:cubicBezTo>
-                    <a:cubicBezTo>
-                      <a:pt x="29" y="36"/>
-                      <a:pt x="36" y="29"/>
-                      <a:pt x="36" y="20"/>
-                    </a:cubicBezTo>
-                    <a:cubicBezTo>
-                      <a:pt x="36" y="11"/>
-                      <a:pt x="29" y="4"/>
-                      <a:pt x="20" y="4"/>
-                    </a:cubicBezTo>
-                    <a:close/>
-                  </a:path>
-                </a:pathLst>
-              </a:custGeom>
-              <a:grpFill/>
-              <a:ln>
-                <a:noFill/>
-              </a:ln>
-              <a:extLst>
-                <a:ext uri="{91240B29-F687-4f45-9708-019B960494DF}">
-                  <a14:hiddenLine xmlns:a14="http://schemas.microsoft.com/office/drawing/2010/main" xmlns:p14="http://schemas.microsoft.com/office/powerpoint/2010/main" xmlns:a16="http://schemas.microsoft.com/office/drawing/2014/main" xmlns="" w="9525">
-                    <a:solidFill>
-                      <a:srgbClr val="000000"/>
-                    </a:solidFill>
-                    <a:round/>
-                    <a:headEnd/>
-                    <a:tailEnd/>
-                  </a14:hiddenLine>
-                </a:ext>
-              </a:extLst>
-            </p:spPr>
-            <p:txBody>
-              <a:bodyPr/>
-              <a:lstStyle/>
-              <a:p>
-                <a:endParaRPr lang="en-IE"/>
-              </a:p>
-            </p:txBody>
-          </p:sp>
-          <p:sp>
-            <p:nvSpPr>
-              <p:cNvPr id="73" name="Rectangle 41">
-                <a:extLst>
-                  <a:ext uri="{FF2B5EF4-FFF2-40B4-BE49-F238E27FC236}">
-                    <a16:creationId xmlns:a16="http://schemas.microsoft.com/office/drawing/2014/main" id="{DCC8773C-0113-4046-B222-C8F4080AF389}"/>
-                  </a:ext>
-                  <a:ext uri="{C183D7F6-B498-43B3-948B-1728B52AA6E4}">
-                    <adec:decorative xmlns:adec="http://schemas.microsoft.com/office/drawing/2017/decorative" val="1"/>
-                  </a:ext>
-                </a:extLst>
-              </p:cNvPr>
-              <p:cNvSpPr>
-                <a:spLocks noChangeArrowheads="1"/>
-              </p:cNvSpPr>
-              <p:nvPr>
-                <p:extLst>
-                  <p:ext uri="{386F3935-93C4-4BCD-93E2-E3B085C9AB24}">
-                    <p16:designElem xmlns:p16="http://schemas.microsoft.com/office/powerpoint/2015/main" val="1"/>
-                  </p:ext>
-                </p:extLst>
-              </p:nvPr>
-            </p:nvSpPr>
-            <p:spPr bwMode="auto">
-              <a:xfrm>
-                <a:off x="11939587" y="6596063"/>
-                <a:ext cx="23813" cy="252413"/>
-              </a:xfrm>
-              <a:prstGeom prst="rect">
-                <a:avLst/>
-              </a:prstGeom>
-              <a:grpFill/>
-              <a:ln>
-                <a:noFill/>
-              </a:ln>
-              <a:extLst>
-                <a:ext uri="{91240B29-F687-4f45-9708-019B960494DF}">
-                  <a14:hiddenLine xmlns:a14="http://schemas.microsoft.com/office/drawing/2010/main" xmlns:p14="http://schemas.microsoft.com/office/powerpoint/2010/main" xmlns:a16="http://schemas.microsoft.com/office/drawing/2014/main" xmlns="" w="9525">
+                  <a14:hiddenLine xmlns="" xmlns:a16="http://schemas.microsoft.com/office/drawing/2014/main" xmlns:p14="http://schemas.microsoft.com/office/powerpoint/2010/main" xmlns:a14="http://schemas.microsoft.com/office/drawing/2010/main" w="9525">
                     <a:solidFill>
                       <a:srgbClr val="000000"/>
                     </a:solidFill>
@@ -23899,10 +20436,10 @@
       </p:grpSp>
       <p:pic>
         <p:nvPicPr>
-          <p:cNvPr id="102" name="Picture 2">
+          <p:cNvPr id="52" name="Picture 2">
             <a:extLst>
               <a:ext uri="{FF2B5EF4-FFF2-40B4-BE49-F238E27FC236}">
-                <a16:creationId xmlns:a16="http://schemas.microsoft.com/office/drawing/2014/main" id="{1B17CCE2-CEEF-40CA-8C4D-0DC2DCA78A23}"/>
+                <a16:creationId xmlns:a16="http://schemas.microsoft.com/office/drawing/2014/main" id="{2FB01CCF-839B-4126-9BF9-132C64D8A1AA}"/>
               </a:ext>
               <a:ext uri="{C183D7F6-B498-43B3-948B-1728B52AA6E4}">
                 <adec:decorative xmlns:adec="http://schemas.microsoft.com/office/drawing/2017/decorative" val="1"/>
@@ -23945,7 +20482,7 @@
           <a:noFill/>
           <a:extLst>
             <a:ext uri="{909E8E84-426E-40dd-AFC4-6F175D3DCCD1}">
-              <a14:hiddenFill xmlns:a14="http://schemas.microsoft.com/office/drawing/2010/main" xmlns:p14="http://schemas.microsoft.com/office/powerpoint/2010/main" xmlns:a16="http://schemas.microsoft.com/office/drawing/2014/main" xmlns="">
+              <a14:hiddenFill xmlns="" xmlns:a16="http://schemas.microsoft.com/office/drawing/2014/main" xmlns:p14="http://schemas.microsoft.com/office/powerpoint/2010/main" xmlns:a14="http://schemas.microsoft.com/office/drawing/2010/main">
                 <a:solidFill>
                   <a:srgbClr val="FFFFFF"/>
                 </a:solidFill>
@@ -23959,7 +20496,7 @@
           <p:cNvPr id="2" name="Title 1">
             <a:extLst>
               <a:ext uri="{FF2B5EF4-FFF2-40B4-BE49-F238E27FC236}">
-                <a16:creationId xmlns:a16="http://schemas.microsoft.com/office/drawing/2014/main" id="{2F96CA1D-2160-C1F5-E901-CAB6B6ACAD77}"/>
+                <a16:creationId xmlns:a16="http://schemas.microsoft.com/office/drawing/2014/main" id="{B636E749-81BD-06DC-7C01-0743F2A1D7B0}"/>
               </a:ext>
             </a:extLst>
           </p:cNvPr>
@@ -23972,37 +20509,34 @@
         </p:nvSpPr>
         <p:spPr>
           <a:xfrm>
-            <a:off x="6569957" y="618518"/>
-            <a:ext cx="3727365" cy="1478570"/>
+            <a:off x="5128643" y="618518"/>
+            <a:ext cx="6188402" cy="1478570"/>
           </a:xfrm>
         </p:spPr>
         <p:txBody>
-          <a:bodyPr vert="horz" lIns="91440" tIns="45720" rIns="91440" bIns="45720" rtlCol="0" anchor="ctr">
-            <a:normAutofit fontScale="90000"/>
+          <a:bodyPr>
+            <a:normAutofit/>
           </a:bodyPr>
           <a:lstStyle/>
           <a:p>
             <a:r>
-              <a:rPr lang="en-US" dirty="0"/>
-              <a:t>Concurrency and </a:t>
-            </a:r>
-            <a:r>
-              <a:rPr lang="en-US" dirty="0" err="1"/>
-              <a:t>Synchronisation</a:t>
-            </a:r>
-            <a:r>
-              <a:rPr lang="en-US" dirty="0"/>
-              <a:t> Issues in OSes </a:t>
-            </a:r>
+              <a:rPr lang="en-GB" dirty="0"/>
+              <a:t>Synchronisation issues in </a:t>
+            </a:r>
+            <a:r>
+              <a:rPr lang="en-GB" dirty="0" err="1"/>
+              <a:t>oses</a:t>
+            </a:r>
+            <a:endParaRPr lang="en-IE" dirty="0"/>
           </a:p>
         </p:txBody>
       </p:sp>
       <p:sp useBgFill="1">
         <p:nvSpPr>
-          <p:cNvPr id="104" name="Round Diagonal Corner Rectangle 9">
+          <p:cNvPr id="54" name="Round Diagonal Corner Rectangle 6">
             <a:extLst>
               <a:ext uri="{FF2B5EF4-FFF2-40B4-BE49-F238E27FC236}">
-                <a16:creationId xmlns:a16="http://schemas.microsoft.com/office/drawing/2014/main" id="{66D4F5BA-1D71-49B2-8A7F-6B4EB94D7265}"/>
+                <a16:creationId xmlns:a16="http://schemas.microsoft.com/office/drawing/2014/main" id="{F2B1468C-8227-4785-8776-7BDBDDF08F85}"/>
               </a:ext>
               <a:ext uri="{C183D7F6-B498-43B3-948B-1728B52AA6E4}">
                 <adec:decorative xmlns:adec="http://schemas.microsoft.com/office/drawing/2017/decorative" val="1"/>
@@ -24022,12 +20556,12 @@
         </p:nvSpPr>
         <p:spPr>
           <a:xfrm>
-            <a:off x="798950" y="808057"/>
-            <a:ext cx="5286376" cy="5234394"/>
+            <a:off x="814579" y="808057"/>
+            <a:ext cx="3821429" cy="5234394"/>
           </a:xfrm>
           <a:prstGeom prst="round2DiagRect">
             <a:avLst>
-              <a:gd name="adj1" fmla="val 7418"/>
+              <a:gd name="adj1" fmla="val 11323"/>
               <a:gd name="adj2" fmla="val 0"/>
             </a:avLst>
           </a:prstGeom>
@@ -24074,188 +20608,12 @@
           </a:p>
         </p:txBody>
       </p:sp>
-      <p:sp>
-        <p:nvSpPr>
-          <p:cNvPr id="9" name="Content Placeholder 8">
+      <p:pic>
+        <p:nvPicPr>
+          <p:cNvPr id="4" name="Picture 3" descr="Process Synchronization - GeeksforGeeks">
             <a:extLst>
               <a:ext uri="{FF2B5EF4-FFF2-40B4-BE49-F238E27FC236}">
-                <a16:creationId xmlns:a16="http://schemas.microsoft.com/office/drawing/2014/main" id="{37991F1D-FF15-A21B-2D03-399AA1A0DAC2}"/>
-              </a:ext>
-            </a:extLst>
-          </p:cNvPr>
-          <p:cNvSpPr>
-            <a:spLocks noGrp="1"/>
-          </p:cNvSpPr>
-          <p:nvPr>
-            <p:ph sz="half" idx="1"/>
-          </p:nvPr>
-        </p:nvSpPr>
-        <p:spPr>
-          <a:xfrm>
-            <a:off x="6569957" y="2249487"/>
-            <a:ext cx="4747087" cy="3541714"/>
-          </a:xfrm>
-        </p:spPr>
-        <p:txBody>
-          <a:bodyPr vert="horz" lIns="91440" tIns="45720" rIns="91440" bIns="45720" rtlCol="0">
-            <a:normAutofit/>
-          </a:bodyPr>
-          <a:lstStyle/>
-          <a:p>
-            <a:pPr>
-              <a:lnSpc>
-                <a:spcPct val="110000"/>
-              </a:lnSpc>
-            </a:pPr>
-            <a:r>
-              <a:rPr lang="en-US" sz="1500" dirty="0">
-                <a:solidFill>
-                  <a:srgbClr val="FFFFFF"/>
-                </a:solidFill>
-              </a:rPr>
-              <a:t>5 philosopher, 5 chopsticks </a:t>
-            </a:r>
-          </a:p>
-          <a:p>
-            <a:pPr>
-              <a:lnSpc>
-                <a:spcPct val="110000"/>
-              </a:lnSpc>
-            </a:pPr>
-            <a:r>
-              <a:rPr lang="en-US" sz="1500" dirty="0">
-                <a:solidFill>
-                  <a:srgbClr val="FFFFFF"/>
-                </a:solidFill>
-              </a:rPr>
-              <a:t>Philosophers are thing or eating </a:t>
-            </a:r>
-          </a:p>
-          <a:p>
-            <a:pPr>
-              <a:lnSpc>
-                <a:spcPct val="110000"/>
-              </a:lnSpc>
-            </a:pPr>
-            <a:r>
-              <a:rPr lang="en-US" sz="1500" dirty="0">
-                <a:solidFill>
-                  <a:srgbClr val="FFFFFF"/>
-                </a:solidFill>
-              </a:rPr>
-              <a:t>They need 2 chopsticks to eat</a:t>
-            </a:r>
-          </a:p>
-          <a:p>
-            <a:pPr>
-              <a:lnSpc>
-                <a:spcPct val="110000"/>
-              </a:lnSpc>
-            </a:pPr>
-            <a:r>
-              <a:rPr lang="en-US" sz="1500" dirty="0">
-                <a:solidFill>
-                  <a:srgbClr val="FFFFFF"/>
-                </a:solidFill>
-              </a:rPr>
-              <a:t>Only 2 can eat at one time</a:t>
-            </a:r>
-          </a:p>
-          <a:p>
-            <a:pPr>
-              <a:lnSpc>
-                <a:spcPct val="110000"/>
-              </a:lnSpc>
-            </a:pPr>
-            <a:r>
-              <a:rPr lang="en-US" sz="1500" dirty="0">
-                <a:solidFill>
-                  <a:srgbClr val="FFFFFF"/>
-                </a:solidFill>
-              </a:rPr>
-              <a:t>Can cause starvation</a:t>
-            </a:r>
-          </a:p>
-          <a:p>
-            <a:pPr>
-              <a:lnSpc>
-                <a:spcPct val="110000"/>
-              </a:lnSpc>
-            </a:pPr>
-            <a:endParaRPr lang="en-US" sz="1500" dirty="0">
-              <a:solidFill>
-                <a:srgbClr val="FFFFFF"/>
-              </a:solidFill>
-            </a:endParaRPr>
-          </a:p>
-          <a:p>
-            <a:pPr>
-              <a:lnSpc>
-                <a:spcPct val="110000"/>
-              </a:lnSpc>
-            </a:pPr>
-            <a:endParaRPr lang="en-US" sz="1500" dirty="0">
-              <a:solidFill>
-                <a:srgbClr val="FFFFFF"/>
-              </a:solidFill>
-            </a:endParaRPr>
-          </a:p>
-          <a:p>
-            <a:pPr>
-              <a:lnSpc>
-                <a:spcPct val="110000"/>
-              </a:lnSpc>
-            </a:pPr>
-            <a:endParaRPr lang="en-US" sz="1500" dirty="0">
-              <a:solidFill>
-                <a:srgbClr val="FFFFFF"/>
-              </a:solidFill>
-            </a:endParaRPr>
-          </a:p>
-          <a:p>
-            <a:pPr>
-              <a:lnSpc>
-                <a:spcPct val="110000"/>
-              </a:lnSpc>
-            </a:pPr>
-            <a:endParaRPr lang="en-US" sz="1500" dirty="0">
-              <a:solidFill>
-                <a:srgbClr val="FFFFFF"/>
-              </a:solidFill>
-            </a:endParaRPr>
-          </a:p>
-          <a:p>
-            <a:pPr>
-              <a:lnSpc>
-                <a:spcPct val="110000"/>
-              </a:lnSpc>
-            </a:pPr>
-            <a:endParaRPr lang="en-US" sz="1500" dirty="0">
-              <a:solidFill>
-                <a:srgbClr val="FFFFFF"/>
-              </a:solidFill>
-            </a:endParaRPr>
-          </a:p>
-          <a:p>
-            <a:pPr>
-              <a:lnSpc>
-                <a:spcPct val="110000"/>
-              </a:lnSpc>
-            </a:pPr>
-            <a:endParaRPr lang="en-US" sz="1500" dirty="0">
-              <a:solidFill>
-                <a:srgbClr val="FFFFFF"/>
-              </a:solidFill>
-            </a:endParaRPr>
-          </a:p>
-        </p:txBody>
-      </p:sp>
-      <p:pic>
-        <p:nvPicPr>
-          <p:cNvPr id="5" name="Content Placeholder 10" descr="A diagram of a circular object with white text&#10;&#10;Description automatically generated">
-            <a:extLst>
-              <a:ext uri="{FF2B5EF4-FFF2-40B4-BE49-F238E27FC236}">
-                <a16:creationId xmlns:a16="http://schemas.microsoft.com/office/drawing/2014/main" id="{C48CB4AB-C2B6-291E-E93E-01620D6FDD5A}"/>
+                <a16:creationId xmlns:a16="http://schemas.microsoft.com/office/drawing/2014/main" id="{F1239AC2-85AC-55F5-74B6-D49DA16D43B9}"/>
               </a:ext>
             </a:extLst>
           </p:cNvPr>
@@ -24265,27 +20623,110 @@
           <p:nvPr/>
         </p:nvPicPr>
         <p:blipFill>
-          <a:blip r:embed="rId3"/>
+          <a:blip r:embed="rId3">
+            <a:extLst>
+              <a:ext uri="{28A0092B-C50C-407E-A947-70E740481C1C}">
+                <a14:useLocalDpi xmlns:a14="http://schemas.microsoft.com/office/drawing/2010/main" val="0"/>
+              </a:ext>
+            </a:extLst>
+          </a:blip>
           <a:stretch>
             <a:fillRect/>
           </a:stretch>
         </p:blipFill>
-        <p:spPr>
+        <p:spPr bwMode="auto">
           <a:xfrm>
-            <a:off x="1168838" y="882784"/>
-            <a:ext cx="4532903" cy="4567773"/>
+            <a:off x="1126617" y="1648075"/>
+            <a:ext cx="3178638" cy="3556389"/>
           </a:xfrm>
           <a:prstGeom prst="rect">
             <a:avLst/>
           </a:prstGeom>
+          <a:noFill/>
         </p:spPr>
       </p:pic>
       <p:sp>
         <p:nvSpPr>
-          <p:cNvPr id="7" name="TextBox 6">
+          <p:cNvPr id="3" name="Content Placeholder 2">
             <a:extLst>
               <a:ext uri="{FF2B5EF4-FFF2-40B4-BE49-F238E27FC236}">
-                <a16:creationId xmlns:a16="http://schemas.microsoft.com/office/drawing/2014/main" id="{BADA94F9-B487-85F0-A616-76198C58A60C}"/>
+                <a16:creationId xmlns:a16="http://schemas.microsoft.com/office/drawing/2014/main" id="{F27E7C55-EBAB-C480-560A-1A5AC6F4C00F}"/>
+              </a:ext>
+            </a:extLst>
+          </p:cNvPr>
+          <p:cNvSpPr>
+            <a:spLocks noGrp="1"/>
+          </p:cNvSpPr>
+          <p:nvPr>
+            <p:ph idx="1"/>
+          </p:nvPr>
+        </p:nvSpPr>
+        <p:spPr>
+          <a:xfrm>
+            <a:off x="5128643" y="2249487"/>
+            <a:ext cx="6188402" cy="3541714"/>
+          </a:xfrm>
+        </p:spPr>
+        <p:txBody>
+          <a:bodyPr>
+            <a:normAutofit fontScale="92500"/>
+          </a:bodyPr>
+          <a:lstStyle/>
+          <a:p>
+            <a:r>
+              <a:rPr lang="en-GB" dirty="0">
+                <a:solidFill>
+                  <a:srgbClr val="FFFFFF"/>
+                </a:solidFill>
+              </a:rPr>
+              <a:t>Synchronisation: Control of multiple processes with shared resources and data in an operation system</a:t>
+            </a:r>
+          </a:p>
+          <a:p>
+            <a:r>
+              <a:rPr lang="en-GB" dirty="0">
+                <a:solidFill>
+                  <a:srgbClr val="FFFFFF"/>
+                </a:solidFill>
+              </a:rPr>
+              <a:t>Entry section, critical section, exit section, remainder section</a:t>
+            </a:r>
+          </a:p>
+          <a:p>
+            <a:r>
+              <a:rPr lang="en-GB" dirty="0">
+                <a:solidFill>
+                  <a:srgbClr val="FFFFFF"/>
+                </a:solidFill>
+              </a:rPr>
+              <a:t>Race condition: Multiple processes racing when modifying a shared resource</a:t>
+            </a:r>
+          </a:p>
+          <a:p>
+            <a:r>
+              <a:rPr lang="en-GB" dirty="0">
+                <a:solidFill>
+                  <a:srgbClr val="FFFFFF"/>
+                </a:solidFill>
+              </a:rPr>
+              <a:t>Critical section problem</a:t>
+            </a:r>
+          </a:p>
+          <a:p>
+            <a:endParaRPr lang="en-GB" dirty="0">
+              <a:solidFill>
+                <a:srgbClr val="FFFFFF"/>
+              </a:solidFill>
+            </a:endParaRPr>
+          </a:p>
+        </p:txBody>
+      </p:sp>
+      <p:sp>
+        <p:nvSpPr>
+          <p:cNvPr id="6" name="TextBox 5">
+            <a:extLst>
+              <a:ext uri="{FF2B5EF4-FFF2-40B4-BE49-F238E27FC236}">
+                <a16:creationId xmlns:a16="http://schemas.microsoft.com/office/drawing/2014/main" id="{683F9608-F081-119E-3113-C7F65341F093}"/>
               </a:ext>
             </a:extLst>
           </p:cNvPr>
@@ -24294,8 +20735,8 @@
         </p:nvSpPr>
         <p:spPr>
           <a:xfrm>
-            <a:off x="530899" y="6035131"/>
-            <a:ext cx="7561874" cy="684803"/>
+            <a:off x="827088" y="5296798"/>
+            <a:ext cx="3478167" cy="646331"/>
           </a:xfrm>
           <a:prstGeom prst="rect">
             <a:avLst/>
@@ -24308,42 +20749,18 @@
           </a:bodyPr>
           <a:lstStyle/>
           <a:p>
-            <a:pPr>
-              <a:lnSpc>
-                <a:spcPct val="110000"/>
-              </a:lnSpc>
-            </a:pPr>
-            <a:r>
-              <a:rPr lang="en-US" sz="1800" dirty="0">
-                <a:solidFill>
-                  <a:srgbClr val="FFFFFF"/>
-                </a:solidFill>
-              </a:rPr>
-              <a:t>Source: https://</a:t>
-            </a:r>
-            <a:r>
-              <a:rPr lang="en-US" sz="1800" dirty="0" err="1">
-                <a:solidFill>
-                  <a:srgbClr val="FFFFFF"/>
-                </a:solidFill>
-              </a:rPr>
-              <a:t>miro.medium.com</a:t>
-            </a:r>
-            <a:r>
-              <a:rPr lang="en-US" sz="1800" dirty="0">
-                <a:solidFill>
-                  <a:srgbClr val="FFFFFF"/>
-                </a:solidFill>
-              </a:rPr>
-              <a:t>/v2/resize:fit:662/1*bBGR80ixw0l6ZELyNh7fxw.png</a:t>
-            </a:r>
+            <a:r>
+              <a:rPr lang="en-US" sz="1200" dirty="0"/>
+              <a:t>(Image sourced from: https://media.geeksforgeeks.org/wp-content/cdn-uploads/gq/2015/06/critical-section-problem.png)</a:t>
+            </a:r>
+            <a:endParaRPr lang="en-IE" sz="1200" dirty="0"/>
           </a:p>
         </p:txBody>
       </p:sp>
     </p:spTree>
     <p:extLst>
       <p:ext uri="{BB962C8B-B14F-4D97-AF65-F5344CB8AC3E}">
-        <p14:creationId xmlns:p14="http://schemas.microsoft.com/office/powerpoint/2010/main" val="1219523458"/>
+        <p14:creationId xmlns:p14="http://schemas.microsoft.com/office/powerpoint/2010/main" val="1798202156"/>
       </p:ext>
     </p:extLst>
   </p:cSld>
@@ -24353,7 +20770,7 @@
 </p:sld>
 </file>
 
-<file path=ppt/slides/slide4.xml><?xml version="1.0" encoding="utf-8"?>
+<file path=ppt/slides/slide5.xml><?xml version="1.0" encoding="utf-8"?>
 <p:sld xmlns:a="http://schemas.openxmlformats.org/drawingml/2006/main" xmlns:r="http://schemas.openxmlformats.org/officeDocument/2006/relationships" xmlns:p="http://schemas.openxmlformats.org/presentationml/2006/main">
   <p:cSld>
     <p:bg>
@@ -24643,7 +21060,7 @@
     </p:spTree>
     <p:extLst>
       <p:ext uri="{BB962C8B-B14F-4D97-AF65-F5344CB8AC3E}">
-        <p14:creationId xmlns:p14="http://schemas.microsoft.com/office/powerpoint/2010/main" val="3617762698"/>
+        <p14:creationId xmlns:p14="http://schemas.microsoft.com/office/powerpoint/2010/main" val="2447811067"/>
       </p:ext>
     </p:extLst>
   </p:cSld>
@@ -24745,7 +21162,7 @@
 </p:sld>
 </file>
 
-<file path=ppt/slides/slide5.xml><?xml version="1.0" encoding="utf-8"?>
+<file path=ppt/slides/slide6.xml><?xml version="1.0" encoding="utf-8"?>
 <p:sld xmlns:a="http://schemas.openxmlformats.org/drawingml/2006/main" xmlns:r="http://schemas.openxmlformats.org/officeDocument/2006/relationships" xmlns:p="http://schemas.openxmlformats.org/presentationml/2006/main">
   <p:cSld>
     <p:spTree>
@@ -24858,190 +21275,6 @@
     <p:extLst>
       <p:ext uri="{BB962C8B-B14F-4D97-AF65-F5344CB8AC3E}">
         <p14:creationId xmlns:p14="http://schemas.microsoft.com/office/powerpoint/2010/main" val="2095195215"/>
-      </p:ext>
-    </p:extLst>
-  </p:cSld>
-  <p:clrMapOvr>
-    <a:masterClrMapping/>
-  </p:clrMapOvr>
-</p:sld>
-</file>
-
-<file path=ppt/slides/slide6.xml><?xml version="1.0" encoding="utf-8"?>
-<p:sld xmlns:a="http://schemas.openxmlformats.org/drawingml/2006/main" xmlns:r="http://schemas.openxmlformats.org/officeDocument/2006/relationships" xmlns:p="http://schemas.openxmlformats.org/presentationml/2006/main">
-  <p:cSld>
-    <p:spTree>
-      <p:nvGrpSpPr>
-        <p:cNvPr id="1" name=""/>
-        <p:cNvGrpSpPr/>
-        <p:nvPr/>
-      </p:nvGrpSpPr>
-      <p:grpSpPr>
-        <a:xfrm>
-          <a:off x="0" y="0"/>
-          <a:ext cx="0" cy="0"/>
-          <a:chOff x="0" y="0"/>
-          <a:chExt cx="0" cy="0"/>
-        </a:xfrm>
-      </p:grpSpPr>
-      <p:sp>
-        <p:nvSpPr>
-          <p:cNvPr id="2" name="Title 1">
-            <a:extLst>
-              <a:ext uri="{FF2B5EF4-FFF2-40B4-BE49-F238E27FC236}">
-                <a16:creationId xmlns:a16="http://schemas.microsoft.com/office/drawing/2014/main" id="{7B98C2F0-4798-FBFD-6F0F-EE0914E2AB57}"/>
-              </a:ext>
-            </a:extLst>
-          </p:cNvPr>
-          <p:cNvSpPr>
-            <a:spLocks noGrp="1"/>
-          </p:cNvSpPr>
-          <p:nvPr>
-            <p:ph type="title"/>
-          </p:nvPr>
-        </p:nvSpPr>
-        <p:spPr/>
-        <p:txBody>
-          <a:bodyPr>
-            <a:normAutofit/>
-          </a:bodyPr>
-          <a:lstStyle/>
-          <a:p>
-            <a:r>
-              <a:rPr lang="en-GB" dirty="0">
-                <a:solidFill>
-                  <a:schemeClr val="bg1"/>
-                </a:solidFill>
-              </a:rPr>
-              <a:t>The Dining Philosophers Problem with Four Chairs</a:t>
-            </a:r>
-            <a:endParaRPr lang="en-IE" dirty="0">
-              <a:solidFill>
-                <a:schemeClr val="bg1"/>
-              </a:solidFill>
-            </a:endParaRPr>
-          </a:p>
-        </p:txBody>
-      </p:sp>
-      <p:sp>
-        <p:nvSpPr>
-          <p:cNvPr id="3" name="Content Placeholder 2">
-            <a:extLst>
-              <a:ext uri="{FF2B5EF4-FFF2-40B4-BE49-F238E27FC236}">
-                <a16:creationId xmlns:a16="http://schemas.microsoft.com/office/drawing/2014/main" id="{6E13F4D0-4940-9F8D-A2CC-27836A627B5A}"/>
-              </a:ext>
-            </a:extLst>
-          </p:cNvPr>
-          <p:cNvSpPr>
-            <a:spLocks noGrp="1"/>
-          </p:cNvSpPr>
-          <p:nvPr>
-            <p:ph idx="1"/>
-          </p:nvPr>
-        </p:nvSpPr>
-        <p:spPr/>
-        <p:txBody>
-          <a:bodyPr/>
-          <a:lstStyle/>
-          <a:p>
-            <a:r>
-              <a:rPr lang="en-GB" sz="1800" dirty="0">
-                <a:latin typeface="Cambria" panose="02040503050406030204" pitchFamily="18" charset="0"/>
-                <a:ea typeface="MS Mincho" panose="02020609040205080304" pitchFamily="49" charset="-128"/>
-                <a:cs typeface="Times New Roman" panose="02020603050405020304" pitchFamily="18" charset="0"/>
-              </a:rPr>
-              <a:t>Only allows 4 philosophers to sit at the table</a:t>
-            </a:r>
-          </a:p>
-          <a:p>
-            <a:r>
-              <a:rPr lang="en-GB" sz="1800" dirty="0">
-                <a:effectLst/>
-                <a:latin typeface="Cambria" panose="02040503050406030204" pitchFamily="18" charset="0"/>
-                <a:ea typeface="MS Mincho" panose="02020609040205080304" pitchFamily="49" charset="-128"/>
-                <a:cs typeface="Times New Roman" panose="02020603050405020304" pitchFamily="18" charset="0"/>
-              </a:rPr>
-              <a:t>Has a private queue and counter</a:t>
-            </a:r>
-          </a:p>
-          <a:p>
-            <a:r>
-              <a:rPr lang="en-GB" sz="1800" dirty="0">
-                <a:latin typeface="Cambria" panose="02040503050406030204" pitchFamily="18" charset="0"/>
-                <a:ea typeface="MS Mincho" panose="02020609040205080304" pitchFamily="49" charset="-128"/>
-                <a:cs typeface="Times New Roman" panose="02020603050405020304" pitchFamily="18" charset="0"/>
-              </a:rPr>
-              <a:t>Each chopstick is declare individually </a:t>
-            </a:r>
-            <a:endParaRPr lang="en-GB" sz="1800" dirty="0">
-              <a:effectLst/>
-              <a:latin typeface="Cambria" panose="02040503050406030204" pitchFamily="18" charset="0"/>
-              <a:ea typeface="MS Mincho" panose="02020609040205080304" pitchFamily="49" charset="-128"/>
-              <a:cs typeface="Times New Roman" panose="02020603050405020304" pitchFamily="18" charset="0"/>
-            </a:endParaRPr>
-          </a:p>
-          <a:p>
-            <a:r>
-              <a:rPr lang="en-GB" sz="1800" dirty="0">
-                <a:latin typeface="Cambria" panose="02040503050406030204" pitchFamily="18" charset="0"/>
-                <a:ea typeface="MS Mincho" panose="02020609040205080304" pitchFamily="49" charset="-128"/>
-                <a:cs typeface="Times New Roman" panose="02020603050405020304" pitchFamily="18" charset="0"/>
-              </a:rPr>
-              <a:t>When philosopher sits down to eat they must wait on semaphore before picking up chopsticks</a:t>
-            </a:r>
-          </a:p>
-          <a:p>
-            <a:r>
-              <a:rPr lang="en-GB" sz="1800" dirty="0">
-                <a:effectLst/>
-                <a:latin typeface="Cambria" panose="02040503050406030204" pitchFamily="18" charset="0"/>
-                <a:ea typeface="MS Mincho" panose="02020609040205080304" pitchFamily="49" charset="-128"/>
-                <a:cs typeface="Times New Roman" panose="02020603050405020304" pitchFamily="18" charset="0"/>
-              </a:rPr>
-              <a:t>Must signal when finished eating to release </a:t>
-            </a:r>
-            <a:r>
-              <a:rPr lang="en-GB" sz="1800" dirty="0">
-                <a:latin typeface="Cambria" panose="02040503050406030204" pitchFamily="18" charset="0"/>
-                <a:ea typeface="MS Mincho" panose="02020609040205080304" pitchFamily="49" charset="-128"/>
-                <a:cs typeface="Times New Roman" panose="02020603050405020304" pitchFamily="18" charset="0"/>
-              </a:rPr>
-              <a:t>chair so another can sit in it</a:t>
-            </a:r>
-          </a:p>
-          <a:p>
-            <a:r>
-              <a:rPr lang="en-GB" sz="1800" dirty="0">
-                <a:effectLst/>
-                <a:latin typeface="Cambria" panose="02040503050406030204" pitchFamily="18" charset="0"/>
-                <a:ea typeface="MS Mincho" panose="02020609040205080304" pitchFamily="49" charset="-128"/>
-                <a:cs typeface="Times New Roman" panose="02020603050405020304" pitchFamily="18" charset="0"/>
-              </a:rPr>
-              <a:t>Deadlock free solution</a:t>
-            </a:r>
-          </a:p>
-          <a:p>
-            <a:endParaRPr lang="en-GB" sz="1800" dirty="0">
-              <a:effectLst/>
-              <a:latin typeface="Cambria" panose="02040503050406030204" pitchFamily="18" charset="0"/>
-              <a:ea typeface="MS Mincho" panose="02020609040205080304" pitchFamily="49" charset="-128"/>
-              <a:cs typeface="Times New Roman" panose="02020603050405020304" pitchFamily="18" charset="0"/>
-            </a:endParaRPr>
-          </a:p>
-          <a:p>
-            <a:endParaRPr lang="en-IE" sz="1800" dirty="0">
-              <a:effectLst/>
-              <a:latin typeface="Cambria" panose="02040503050406030204" pitchFamily="18" charset="0"/>
-              <a:ea typeface="MS Mincho" panose="02020609040205080304" pitchFamily="49" charset="-128"/>
-              <a:cs typeface="Times New Roman" panose="02020603050405020304" pitchFamily="18" charset="0"/>
-            </a:endParaRPr>
-          </a:p>
-        </p:txBody>
-      </p:sp>
-    </p:spTree>
-    <p:extLst>
-      <p:ext uri="{BB962C8B-B14F-4D97-AF65-F5344CB8AC3E}">
-        <p14:creationId xmlns:p14="http://schemas.microsoft.com/office/powerpoint/2010/main" val="2296385664"/>
       </p:ext>
     </p:extLst>
   </p:cSld>
@@ -25084,14 +21317,11 @@
             <p:ph type="title"/>
           </p:nvPr>
         </p:nvSpPr>
-        <p:spPr>
-          <a:xfrm>
-            <a:off x="1141412" y="1066799"/>
-            <a:ext cx="9905998" cy="859553"/>
-          </a:xfrm>
-        </p:spPr>
+        <p:spPr/>
         <p:txBody>
-          <a:bodyPr/>
+          <a:bodyPr>
+            <a:normAutofit/>
+          </a:bodyPr>
           <a:lstStyle/>
           <a:p>
             <a:r>
@@ -25100,7 +21330,7 @@
                   <a:schemeClr val="bg1"/>
                 </a:solidFill>
               </a:rPr>
-              <a:t>Tags used in our solution int threadmentor</a:t>
+              <a:t>The Dining Philosophers Problem with Four Chairs</a:t>
             </a:r>
             <a:endParaRPr lang="en-IE" dirty="0">
               <a:solidFill>
@@ -25132,6 +21362,193 @@
           <a:lstStyle/>
           <a:p>
             <a:r>
+              <a:rPr lang="en-GB" sz="1800" dirty="0">
+                <a:latin typeface="Cambria" panose="02040503050406030204" pitchFamily="18" charset="0"/>
+                <a:ea typeface="MS Mincho" panose="02020609040205080304" pitchFamily="49" charset="-128"/>
+                <a:cs typeface="Times New Roman" panose="02020603050405020304" pitchFamily="18" charset="0"/>
+              </a:rPr>
+              <a:t>Only allows 4 philosophers to sit at the table</a:t>
+            </a:r>
+          </a:p>
+          <a:p>
+            <a:r>
+              <a:rPr lang="en-GB" sz="1800" dirty="0">
+                <a:effectLst/>
+                <a:latin typeface="Cambria" panose="02040503050406030204" pitchFamily="18" charset="0"/>
+                <a:ea typeface="MS Mincho" panose="02020609040205080304" pitchFamily="49" charset="-128"/>
+                <a:cs typeface="Times New Roman" panose="02020603050405020304" pitchFamily="18" charset="0"/>
+              </a:rPr>
+              <a:t>Has a private queue and counter</a:t>
+            </a:r>
+          </a:p>
+          <a:p>
+            <a:r>
+              <a:rPr lang="en-GB" sz="1800" dirty="0">
+                <a:latin typeface="Cambria" panose="02040503050406030204" pitchFamily="18" charset="0"/>
+                <a:ea typeface="MS Mincho" panose="02020609040205080304" pitchFamily="49" charset="-128"/>
+                <a:cs typeface="Times New Roman" panose="02020603050405020304" pitchFamily="18" charset="0"/>
+              </a:rPr>
+              <a:t>Each chopstick is declare individually </a:t>
+            </a:r>
+            <a:endParaRPr lang="en-GB" sz="1800" dirty="0">
+              <a:effectLst/>
+              <a:latin typeface="Cambria" panose="02040503050406030204" pitchFamily="18" charset="0"/>
+              <a:ea typeface="MS Mincho" panose="02020609040205080304" pitchFamily="49" charset="-128"/>
+              <a:cs typeface="Times New Roman" panose="02020603050405020304" pitchFamily="18" charset="0"/>
+            </a:endParaRPr>
+          </a:p>
+          <a:p>
+            <a:r>
+              <a:rPr lang="en-GB" sz="1800" dirty="0">
+                <a:latin typeface="Cambria" panose="02040503050406030204" pitchFamily="18" charset="0"/>
+                <a:ea typeface="MS Mincho" panose="02020609040205080304" pitchFamily="49" charset="-128"/>
+                <a:cs typeface="Times New Roman" panose="02020603050405020304" pitchFamily="18" charset="0"/>
+              </a:rPr>
+              <a:t>When philosopher sits down to eat they must wait on semaphore before picking up chopsticks</a:t>
+            </a:r>
+          </a:p>
+          <a:p>
+            <a:r>
+              <a:rPr lang="en-GB" sz="1800" dirty="0">
+                <a:effectLst/>
+                <a:latin typeface="Cambria" panose="02040503050406030204" pitchFamily="18" charset="0"/>
+                <a:ea typeface="MS Mincho" panose="02020609040205080304" pitchFamily="49" charset="-128"/>
+                <a:cs typeface="Times New Roman" panose="02020603050405020304" pitchFamily="18" charset="0"/>
+              </a:rPr>
+              <a:t>Must signal when finished eating to release </a:t>
+            </a:r>
+            <a:r>
+              <a:rPr lang="en-GB" sz="1800" dirty="0">
+                <a:latin typeface="Cambria" panose="02040503050406030204" pitchFamily="18" charset="0"/>
+                <a:ea typeface="MS Mincho" panose="02020609040205080304" pitchFamily="49" charset="-128"/>
+                <a:cs typeface="Times New Roman" panose="02020603050405020304" pitchFamily="18" charset="0"/>
+              </a:rPr>
+              <a:t>chair so another can sit in it</a:t>
+            </a:r>
+          </a:p>
+          <a:p>
+            <a:r>
+              <a:rPr lang="en-GB" sz="1800" dirty="0">
+                <a:effectLst/>
+                <a:latin typeface="Cambria" panose="02040503050406030204" pitchFamily="18" charset="0"/>
+                <a:ea typeface="MS Mincho" panose="02020609040205080304" pitchFamily="49" charset="-128"/>
+                <a:cs typeface="Times New Roman" panose="02020603050405020304" pitchFamily="18" charset="0"/>
+              </a:rPr>
+              <a:t>Deadlock free solution</a:t>
+            </a:r>
+          </a:p>
+          <a:p>
+            <a:endParaRPr lang="en-GB" sz="1800" dirty="0">
+              <a:effectLst/>
+              <a:latin typeface="Cambria" panose="02040503050406030204" pitchFamily="18" charset="0"/>
+              <a:ea typeface="MS Mincho" panose="02020609040205080304" pitchFamily="49" charset="-128"/>
+              <a:cs typeface="Times New Roman" panose="02020603050405020304" pitchFamily="18" charset="0"/>
+            </a:endParaRPr>
+          </a:p>
+          <a:p>
+            <a:endParaRPr lang="en-IE" sz="1800" dirty="0">
+              <a:effectLst/>
+              <a:latin typeface="Cambria" panose="02040503050406030204" pitchFamily="18" charset="0"/>
+              <a:ea typeface="MS Mincho" panose="02020609040205080304" pitchFamily="49" charset="-128"/>
+              <a:cs typeface="Times New Roman" panose="02020603050405020304" pitchFamily="18" charset="0"/>
+            </a:endParaRPr>
+          </a:p>
+        </p:txBody>
+      </p:sp>
+    </p:spTree>
+    <p:extLst>
+      <p:ext uri="{BB962C8B-B14F-4D97-AF65-F5344CB8AC3E}">
+        <p14:creationId xmlns:p14="http://schemas.microsoft.com/office/powerpoint/2010/main" val="2296385664"/>
+      </p:ext>
+    </p:extLst>
+  </p:cSld>
+  <p:clrMapOvr>
+    <a:masterClrMapping/>
+  </p:clrMapOvr>
+</p:sld>
+</file>
+
+<file path=ppt/slides/slide8.xml><?xml version="1.0" encoding="utf-8"?>
+<p:sld xmlns:a="http://schemas.openxmlformats.org/drawingml/2006/main" xmlns:r="http://schemas.openxmlformats.org/officeDocument/2006/relationships" xmlns:p="http://schemas.openxmlformats.org/presentationml/2006/main">
+  <p:cSld>
+    <p:spTree>
+      <p:nvGrpSpPr>
+        <p:cNvPr id="1" name=""/>
+        <p:cNvGrpSpPr/>
+        <p:nvPr/>
+      </p:nvGrpSpPr>
+      <p:grpSpPr>
+        <a:xfrm>
+          <a:off x="0" y="0"/>
+          <a:ext cx="0" cy="0"/>
+          <a:chOff x="0" y="0"/>
+          <a:chExt cx="0" cy="0"/>
+        </a:xfrm>
+      </p:grpSpPr>
+      <p:sp>
+        <p:nvSpPr>
+          <p:cNvPr id="2" name="Title 1">
+            <a:extLst>
+              <a:ext uri="{FF2B5EF4-FFF2-40B4-BE49-F238E27FC236}">
+                <a16:creationId xmlns:a16="http://schemas.microsoft.com/office/drawing/2014/main" id="{7B98C2F0-4798-FBFD-6F0F-EE0914E2AB57}"/>
+              </a:ext>
+            </a:extLst>
+          </p:cNvPr>
+          <p:cNvSpPr>
+            <a:spLocks noGrp="1"/>
+          </p:cNvSpPr>
+          <p:nvPr>
+            <p:ph type="title"/>
+          </p:nvPr>
+        </p:nvSpPr>
+        <p:spPr>
+          <a:xfrm>
+            <a:off x="1141412" y="1066799"/>
+            <a:ext cx="9905998" cy="859553"/>
+          </a:xfrm>
+        </p:spPr>
+        <p:txBody>
+          <a:bodyPr/>
+          <a:lstStyle/>
+          <a:p>
+            <a:r>
+              <a:rPr lang="en-GB" dirty="0">
+                <a:solidFill>
+                  <a:schemeClr val="bg1"/>
+                </a:solidFill>
+              </a:rPr>
+              <a:t>Tags used in our solution int threadmentor</a:t>
+            </a:r>
+            <a:endParaRPr lang="en-IE" dirty="0">
+              <a:solidFill>
+                <a:schemeClr val="bg1"/>
+              </a:solidFill>
+            </a:endParaRPr>
+          </a:p>
+        </p:txBody>
+      </p:sp>
+      <p:sp>
+        <p:nvSpPr>
+          <p:cNvPr id="3" name="Content Placeholder 2">
+            <a:extLst>
+              <a:ext uri="{FF2B5EF4-FFF2-40B4-BE49-F238E27FC236}">
+                <a16:creationId xmlns:a16="http://schemas.microsoft.com/office/drawing/2014/main" id="{6E13F4D0-4940-9F8D-A2CC-27836A627B5A}"/>
+              </a:ext>
+            </a:extLst>
+          </p:cNvPr>
+          <p:cNvSpPr>
+            <a:spLocks noGrp="1"/>
+          </p:cNvSpPr>
+          <p:nvPr>
+            <p:ph idx="1"/>
+          </p:nvPr>
+        </p:nvSpPr>
+        <p:spPr/>
+        <p:txBody>
+          <a:bodyPr/>
+          <a:lstStyle/>
+          <a:p>
+            <a:r>
               <a:rPr lang="en-IE" sz="1800" dirty="0">
                 <a:solidFill>
                   <a:schemeClr val="bg1"/>
@@ -25324,7 +21741,7 @@
 </p:sld>
 </file>
 
-<file path=ppt/slides/slide8.xml><?xml version="1.0" encoding="utf-8"?>
+<file path=ppt/slides/slide9.xml><?xml version="1.0" encoding="utf-8"?>
 <p:sld xmlns:a="http://schemas.openxmlformats.org/drawingml/2006/main" xmlns:r="http://schemas.openxmlformats.org/officeDocument/2006/relationships" xmlns:p="http://schemas.openxmlformats.org/presentationml/2006/main">
   <p:cSld>
     <p:spTree>
@@ -25770,151 +22187,6 @@
     <p:extLst>
       <p:ext uri="{BB962C8B-B14F-4D97-AF65-F5344CB8AC3E}">
         <p14:creationId xmlns:p14="http://schemas.microsoft.com/office/powerpoint/2010/main" val="1615137160"/>
-      </p:ext>
-    </p:extLst>
-  </p:cSld>
-  <p:clrMapOvr>
-    <a:masterClrMapping/>
-  </p:clrMapOvr>
-</p:sld>
-</file>
-
-<file path=ppt/slides/slide9.xml><?xml version="1.0" encoding="utf-8"?>
-<p:sld xmlns:a="http://schemas.openxmlformats.org/drawingml/2006/main" xmlns:r="http://schemas.openxmlformats.org/officeDocument/2006/relationships" xmlns:p="http://schemas.openxmlformats.org/presentationml/2006/main">
-  <p:cSld>
-    <p:spTree>
-      <p:nvGrpSpPr>
-        <p:cNvPr id="1" name=""/>
-        <p:cNvGrpSpPr/>
-        <p:nvPr/>
-      </p:nvGrpSpPr>
-      <p:grpSpPr>
-        <a:xfrm>
-          <a:off x="0" y="0"/>
-          <a:ext cx="0" cy="0"/>
-          <a:chOff x="0" y="0"/>
-          <a:chExt cx="0" cy="0"/>
-        </a:xfrm>
-      </p:grpSpPr>
-      <p:sp>
-        <p:nvSpPr>
-          <p:cNvPr id="2" name="Title 1">
-            <a:extLst>
-              <a:ext uri="{FF2B5EF4-FFF2-40B4-BE49-F238E27FC236}">
-                <a16:creationId xmlns:a16="http://schemas.microsoft.com/office/drawing/2014/main" id="{7B98C2F0-4798-FBFD-6F0F-EE0914E2AB57}"/>
-              </a:ext>
-            </a:extLst>
-          </p:cNvPr>
-          <p:cNvSpPr>
-            <a:spLocks noGrp="1"/>
-          </p:cNvSpPr>
-          <p:nvPr>
-            <p:ph type="title"/>
-          </p:nvPr>
-        </p:nvSpPr>
-        <p:spPr>
-          <a:xfrm>
-            <a:off x="1141413" y="387024"/>
-            <a:ext cx="9905998" cy="916368"/>
-          </a:xfrm>
-        </p:spPr>
-        <p:txBody>
-          <a:bodyPr/>
-          <a:lstStyle/>
-          <a:p>
-            <a:r>
-              <a:rPr lang="en-GB" dirty="0">
-                <a:solidFill>
-                  <a:schemeClr val="bg1"/>
-                </a:solidFill>
-              </a:rPr>
-              <a:t>FILEs after compilation</a:t>
-            </a:r>
-            <a:endParaRPr lang="en-IE" dirty="0">
-              <a:solidFill>
-                <a:schemeClr val="bg1"/>
-              </a:solidFill>
-            </a:endParaRPr>
-          </a:p>
-        </p:txBody>
-      </p:sp>
-      <p:pic>
-        <p:nvPicPr>
-          <p:cNvPr id="7" name="Picture 6" descr="A group of icons with text&#10;&#10;Description automatically generated">
-            <a:extLst>
-              <a:ext uri="{FF2B5EF4-FFF2-40B4-BE49-F238E27FC236}">
-                <a16:creationId xmlns:a16="http://schemas.microsoft.com/office/drawing/2014/main" id="{665889E4-31A3-CFA1-8A30-757C920BF566}"/>
-              </a:ext>
-            </a:extLst>
-          </p:cNvPr>
-          <p:cNvPicPr>
-            <a:picLocks noChangeAspect="1"/>
-          </p:cNvPicPr>
-          <p:nvPr/>
-        </p:nvPicPr>
-        <p:blipFill>
-          <a:blip r:embed="rId2"/>
-          <a:stretch>
-            <a:fillRect/>
-          </a:stretch>
-        </p:blipFill>
-        <p:spPr>
-          <a:xfrm>
-            <a:off x="1141413" y="2051164"/>
-            <a:ext cx="9905998" cy="4228460"/>
-          </a:xfrm>
-          <a:prstGeom prst="rect">
-            <a:avLst/>
-          </a:prstGeom>
-        </p:spPr>
-      </p:pic>
-      <p:sp>
-        <p:nvSpPr>
-          <p:cNvPr id="3" name="TextBox 2">
-            <a:extLst>
-              <a:ext uri="{FF2B5EF4-FFF2-40B4-BE49-F238E27FC236}">
-                <a16:creationId xmlns:a16="http://schemas.microsoft.com/office/drawing/2014/main" id="{3B5AF558-87D9-D45E-1B11-39E19DD2B549}"/>
-              </a:ext>
-            </a:extLst>
-          </p:cNvPr>
-          <p:cNvSpPr txBox="1"/>
-          <p:nvPr/>
-        </p:nvSpPr>
-        <p:spPr>
-          <a:xfrm>
-            <a:off x="1435260" y="1192192"/>
-            <a:ext cx="9398643" cy="646331"/>
-          </a:xfrm>
-          <a:prstGeom prst="rect">
-            <a:avLst/>
-          </a:prstGeom>
-          <a:noFill/>
-        </p:spPr>
-        <p:txBody>
-          <a:bodyPr wrap="square" rtlCol="0">
-            <a:spAutoFit/>
-          </a:bodyPr>
-          <a:lstStyle/>
-          <a:p>
-            <a:r>
-              <a:rPr lang="en-US" dirty="0"/>
-              <a:t>We can remove </a:t>
-            </a:r>
-            <a:r>
-              <a:rPr lang="en-US" dirty="0" err="1"/>
-              <a:t>Makefile</a:t>
-            </a:r>
-            <a:r>
-              <a:rPr lang="en-US" dirty="0"/>
-              <a:t> after we compile the program. We also get three classes being generated once we compile our solution.</a:t>
-            </a:r>
-          </a:p>
-        </p:txBody>
-      </p:sp>
-    </p:spTree>
-    <p:extLst>
-      <p:ext uri="{BB962C8B-B14F-4D97-AF65-F5344CB8AC3E}">
-        <p14:creationId xmlns:p14="http://schemas.microsoft.com/office/powerpoint/2010/main" val="3032352033"/>
       </p:ext>
     </p:extLst>
   </p:cSld>
